--- a/Final Mialab.pptx
+++ b/Final Mialab.pptx
@@ -1,22 +1,25 @@
 
 <file path=ppt/presentation.xml><?xml version="1.0" encoding="utf-8"?>
-<p:presentation xmlns:a="http://schemas.openxmlformats.org/drawingml/2006/main" xmlns:r="http://schemas.openxmlformats.org/officeDocument/2006/relationships" xmlns:p="http://schemas.openxmlformats.org/presentationml/2006/main">
+<p:presentation xmlns:a="http://schemas.openxmlformats.org/drawingml/2006/main" xmlns:r="http://schemas.openxmlformats.org/officeDocument/2006/relationships" xmlns:p="http://schemas.openxmlformats.org/presentationml/2006/main" showSpecialPlsOnTitleSld="0">
   <p:sldMasterIdLst>
     <p:sldMasterId id="2147483648" r:id="rId1"/>
     <p:sldMasterId id="2147483661" r:id="rId2"/>
   </p:sldMasterIdLst>
   <p:notesMasterIdLst>
-    <p:notesMasterId r:id="rId11"/>
+    <p:notesMasterId r:id="rId14"/>
   </p:notesMasterIdLst>
   <p:sldIdLst>
     <p:sldId id="256" r:id="rId3"/>
     <p:sldId id="257" r:id="rId4"/>
     <p:sldId id="258" r:id="rId5"/>
-    <p:sldId id="259" r:id="rId6"/>
-    <p:sldId id="261" r:id="rId7"/>
-    <p:sldId id="262" r:id="rId8"/>
-    <p:sldId id="263" r:id="rId9"/>
-    <p:sldId id="264" r:id="rId10"/>
+    <p:sldId id="266" r:id="rId6"/>
+    <p:sldId id="265" r:id="rId7"/>
+    <p:sldId id="259" r:id="rId8"/>
+    <p:sldId id="261" r:id="rId9"/>
+    <p:sldId id="262" r:id="rId10"/>
+    <p:sldId id="263" r:id="rId11"/>
+    <p:sldId id="264" r:id="rId12"/>
+    <p:sldId id="267" r:id="rId13"/>
   </p:sldIdLst>
   <p:sldSz cx="12192000" cy="6858000"/>
   <p:notesSz cx="6858000" cy="9144000"/>
@@ -115,6 +118,11 @@
       </a:defRPr>
     </a:lvl9pPr>
   </p:defaultTextStyle>
+  <p:extLst>
+    <p:ext uri="{EFAFB233-063F-42B5-8137-9DF3F51BA10A}">
+      <p15:sldGuideLst xmlns:p15="http://schemas.microsoft.com/office/powerpoint/2012/main"/>
+    </p:ext>
+  </p:extLst>
 </p:presentation>
 </file>
 
@@ -330,7 +338,7 @@
               <a:rPr lang="en-US" sz="1400" b="0" strike="noStrike" spc="-1">
                 <a:latin typeface="Times New Roman"/>
               </a:rPr>
-              <a:t>‹#›</a:t>
+              <a:t>‹Nr.›</a:t>
             </a:fld>
             <a:endParaRPr lang="en-US" sz="1400" b="0" strike="noStrike" spc="-1">
               <a:latin typeface="Times New Roman"/>
@@ -596,7 +604,7 @@
           <a:bodyPr lIns="0" tIns="0" rIns="0" bIns="0"/>
           <a:lstStyle/>
           <a:p>
-            <a:endParaRPr lang="en-US" sz="2000" b="0" strike="noStrike" spc="-1">
+            <a:endParaRPr lang="en-US" sz="2000" b="0" strike="noStrike" spc="-1" dirty="0">
               <a:latin typeface="Arial"/>
             </a:endParaRPr>
           </a:p>
@@ -711,6 +719,246 @@
           <a:bodyPr lIns="0" tIns="0" rIns="0" bIns="0"/>
           <a:lstStyle/>
           <a:p>
+            <a:pPr>
+              <a:lnSpc>
+                <a:spcPct val="100000"/>
+              </a:lnSpc>
+            </a:pPr>
+            <a:endParaRPr lang="en-US" sz="2000" b="0" strike="noStrike" spc="-1" dirty="0">
+              <a:latin typeface="Arial"/>
+            </a:endParaRPr>
+          </a:p>
+        </p:txBody>
+      </p:sp>
+      <p:sp>
+        <p:nvSpPr>
+          <p:cNvPr id="145" name="CustomShape 2"/>
+          <p:cNvSpPr/>
+          <p:nvPr/>
+        </p:nvSpPr>
+        <p:spPr>
+          <a:xfrm>
+            <a:off x="3884760" y="8685360"/>
+            <a:ext cx="2971080" cy="457920"/>
+          </a:xfrm>
+          <a:prstGeom prst="rect">
+            <a:avLst/>
+          </a:prstGeom>
+          <a:noFill/>
+          <a:ln>
+            <a:noFill/>
+          </a:ln>
+        </p:spPr>
+        <p:style>
+          <a:lnRef idx="0">
+            <a:scrgbClr r="0" g="0" b="0"/>
+          </a:lnRef>
+          <a:fillRef idx="0">
+            <a:scrgbClr r="0" g="0" b="0"/>
+          </a:fillRef>
+          <a:effectRef idx="0">
+            <a:scrgbClr r="0" g="0" b="0"/>
+          </a:effectRef>
+          <a:fontRef idx="minor"/>
+        </p:style>
+        <p:txBody>
+          <a:bodyPr lIns="90000" tIns="45000" rIns="90000" bIns="45000" anchor="b"/>
+          <a:lstStyle/>
+          <a:p>
+            <a:pPr algn="r">
+              <a:lnSpc>
+                <a:spcPct val="100000"/>
+              </a:lnSpc>
+            </a:pPr>
+            <a:fld id="{916195F6-38B3-4A78-972D-B9922FA871A3}" type="slidenum">
+              <a:rPr lang="en-US" sz="1200" b="0" strike="noStrike" spc="-1">
+                <a:solidFill>
+                  <a:srgbClr val="000000"/>
+                </a:solidFill>
+                <a:latin typeface="+mn-lt"/>
+                <a:ea typeface="+mn-ea"/>
+              </a:rPr>
+              <a:t>3</a:t>
+            </a:fld>
+            <a:endParaRPr lang="en-US" sz="1200" b="0" strike="noStrike" spc="-1">
+              <a:latin typeface="Arial"/>
+            </a:endParaRPr>
+          </a:p>
+        </p:txBody>
+      </p:sp>
+    </p:spTree>
+    <p:extLst>
+      <p:ext uri="{BB962C8B-B14F-4D97-AF65-F5344CB8AC3E}">
+        <p14:creationId xmlns:p14="http://schemas.microsoft.com/office/powerpoint/2010/main" val="532984264"/>
+      </p:ext>
+    </p:extLst>
+  </p:cSld>
+  <p:clrMapOvr>
+    <a:masterClrMapping/>
+  </p:clrMapOvr>
+</p:notes>
+</file>
+
+<file path=ppt/notesSlides/notesSlide4.xml><?xml version="1.0" encoding="utf-8"?>
+<p:notes xmlns:a="http://schemas.openxmlformats.org/drawingml/2006/main" xmlns:r="http://schemas.openxmlformats.org/officeDocument/2006/relationships" xmlns:p="http://schemas.openxmlformats.org/presentationml/2006/main">
+  <p:cSld>
+    <p:spTree>
+      <p:nvGrpSpPr>
+        <p:cNvPr id="1" name=""/>
+        <p:cNvGrpSpPr/>
+        <p:nvPr/>
+      </p:nvGrpSpPr>
+      <p:grpSpPr>
+        <a:xfrm>
+          <a:off x="0" y="0"/>
+          <a:ext cx="0" cy="0"/>
+          <a:chOff x="0" y="0"/>
+          <a:chExt cx="0" cy="0"/>
+        </a:xfrm>
+      </p:grpSpPr>
+      <p:sp>
+        <p:nvSpPr>
+          <p:cNvPr id="144" name="PlaceHolder 1"/>
+          <p:cNvSpPr>
+            <a:spLocks noGrp="1"/>
+          </p:cNvSpPr>
+          <p:nvPr>
+            <p:ph type="body"/>
+          </p:nvPr>
+        </p:nvSpPr>
+        <p:spPr>
+          <a:xfrm>
+            <a:off x="685800" y="4400640"/>
+            <a:ext cx="5485680" cy="3599640"/>
+          </a:xfrm>
+          <a:prstGeom prst="rect">
+            <a:avLst/>
+          </a:prstGeom>
+        </p:spPr>
+        <p:txBody>
+          <a:bodyPr lIns="0" tIns="0" rIns="0" bIns="0"/>
+          <a:lstStyle/>
+          <a:p>
+            <a:pPr>
+              <a:lnSpc>
+                <a:spcPct val="100000"/>
+              </a:lnSpc>
+            </a:pPr>
+            <a:endParaRPr lang="en-US" sz="2000" b="0" strike="noStrike" spc="-1" dirty="0">
+              <a:latin typeface="Arial"/>
+            </a:endParaRPr>
+          </a:p>
+        </p:txBody>
+      </p:sp>
+      <p:sp>
+        <p:nvSpPr>
+          <p:cNvPr id="145" name="CustomShape 2"/>
+          <p:cNvSpPr/>
+          <p:nvPr/>
+        </p:nvSpPr>
+        <p:spPr>
+          <a:xfrm>
+            <a:off x="3884760" y="8685360"/>
+            <a:ext cx="2971080" cy="457920"/>
+          </a:xfrm>
+          <a:prstGeom prst="rect">
+            <a:avLst/>
+          </a:prstGeom>
+          <a:noFill/>
+          <a:ln>
+            <a:noFill/>
+          </a:ln>
+        </p:spPr>
+        <p:style>
+          <a:lnRef idx="0">
+            <a:scrgbClr r="0" g="0" b="0"/>
+          </a:lnRef>
+          <a:fillRef idx="0">
+            <a:scrgbClr r="0" g="0" b="0"/>
+          </a:fillRef>
+          <a:effectRef idx="0">
+            <a:scrgbClr r="0" g="0" b="0"/>
+          </a:effectRef>
+          <a:fontRef idx="minor"/>
+        </p:style>
+        <p:txBody>
+          <a:bodyPr lIns="90000" tIns="45000" rIns="90000" bIns="45000" anchor="b"/>
+          <a:lstStyle/>
+          <a:p>
+            <a:pPr algn="r">
+              <a:lnSpc>
+                <a:spcPct val="100000"/>
+              </a:lnSpc>
+            </a:pPr>
+            <a:fld id="{916195F6-38B3-4A78-972D-B9922FA871A3}" type="slidenum">
+              <a:rPr lang="en-US" sz="1200" b="0" strike="noStrike" spc="-1">
+                <a:solidFill>
+                  <a:srgbClr val="000000"/>
+                </a:solidFill>
+                <a:latin typeface="+mn-lt"/>
+                <a:ea typeface="+mn-ea"/>
+              </a:rPr>
+              <a:t>4</a:t>
+            </a:fld>
+            <a:endParaRPr lang="en-US" sz="1200" b="0" strike="noStrike" spc="-1">
+              <a:latin typeface="Arial"/>
+            </a:endParaRPr>
+          </a:p>
+        </p:txBody>
+      </p:sp>
+    </p:spTree>
+    <p:extLst>
+      <p:ext uri="{BB962C8B-B14F-4D97-AF65-F5344CB8AC3E}">
+        <p14:creationId xmlns:p14="http://schemas.microsoft.com/office/powerpoint/2010/main" val="645091986"/>
+      </p:ext>
+    </p:extLst>
+  </p:cSld>
+  <p:clrMapOvr>
+    <a:masterClrMapping/>
+  </p:clrMapOvr>
+</p:notes>
+</file>
+
+<file path=ppt/notesSlides/notesSlide5.xml><?xml version="1.0" encoding="utf-8"?>
+<p:notes xmlns:a="http://schemas.openxmlformats.org/drawingml/2006/main" xmlns:r="http://schemas.openxmlformats.org/officeDocument/2006/relationships" xmlns:p="http://schemas.openxmlformats.org/presentationml/2006/main">
+  <p:cSld>
+    <p:spTree>
+      <p:nvGrpSpPr>
+        <p:cNvPr id="1" name=""/>
+        <p:cNvGrpSpPr/>
+        <p:nvPr/>
+      </p:nvGrpSpPr>
+      <p:grpSpPr>
+        <a:xfrm>
+          <a:off x="0" y="0"/>
+          <a:ext cx="0" cy="0"/>
+          <a:chOff x="0" y="0"/>
+          <a:chExt cx="0" cy="0"/>
+        </a:xfrm>
+      </p:grpSpPr>
+      <p:sp>
+        <p:nvSpPr>
+          <p:cNvPr id="144" name="PlaceHolder 1"/>
+          <p:cNvSpPr>
+            <a:spLocks noGrp="1"/>
+          </p:cNvSpPr>
+          <p:nvPr>
+            <p:ph type="body"/>
+          </p:nvPr>
+        </p:nvSpPr>
+        <p:spPr>
+          <a:xfrm>
+            <a:off x="685800" y="4400640"/>
+            <a:ext cx="5485680" cy="3599640"/>
+          </a:xfrm>
+          <a:prstGeom prst="rect">
+            <a:avLst/>
+          </a:prstGeom>
+        </p:spPr>
+        <p:txBody>
+          <a:bodyPr lIns="0" tIns="0" rIns="0" bIns="0"/>
+          <a:lstStyle/>
+          <a:p>
             <a:pPr marL="216000" indent="-216000">
               <a:lnSpc>
                 <a:spcPct val="100000"/>
@@ -1087,7 +1335,7 @@
                 <a:latin typeface="+mn-lt"/>
                 <a:ea typeface="+mn-ea"/>
               </a:rPr>
-              <a:t>3</a:t>
+              <a:t>5</a:t>
             </a:fld>
             <a:endParaRPr lang="en-US" sz="1200" b="0" strike="noStrike" spc="-1">
               <a:latin typeface="Arial"/>
@@ -1098,7 +1346,7 @@
     </p:spTree>
     <p:extLst>
       <p:ext uri="{BB962C8B-B14F-4D97-AF65-F5344CB8AC3E}">
-        <p14:creationId xmlns:p14="http://schemas.microsoft.com/office/powerpoint/2010/main" val="532984264"/>
+        <p14:creationId xmlns:p14="http://schemas.microsoft.com/office/powerpoint/2010/main" val="1159853474"/>
       </p:ext>
     </p:extLst>
   </p:cSld>
@@ -1733,10 +1981,16 @@
         </p:spPr>
         <p:txBody>
           <a:bodyPr lIns="0" tIns="0" rIns="0" bIns="0" anchor="ctr"/>
-          <a:lstStyle/>
+          <a:lstStyle>
+            <a:lvl1pPr>
+              <a:defRPr>
+                <a:latin typeface="Avenir LT Std 55 Roman" panose="020B0503020203020204" pitchFamily="34" charset="0"/>
+              </a:defRPr>
+            </a:lvl1pPr>
+          </a:lstStyle>
           <a:p>
             <a:pPr algn="ctr"/>
-            <a:endParaRPr lang="en-US" sz="4400" b="0" strike="noStrike" spc="-1">
+            <a:endParaRPr lang="en-US" sz="4400" b="0" strike="noStrike" spc="-1" dirty="0">
               <a:latin typeface="Arial"/>
             </a:endParaRPr>
           </a:p>
@@ -1763,7 +2017,13 @@
         </p:spPr>
         <p:txBody>
           <a:bodyPr lIns="0" tIns="0" rIns="0" bIns="0" anchor="ctr"/>
-          <a:lstStyle/>
+          <a:lstStyle>
+            <a:lvl1pPr>
+              <a:defRPr>
+                <a:latin typeface="Avenir LT Std 55 Roman" panose="020B0503020203020204" pitchFamily="34" charset="0"/>
+              </a:defRPr>
+            </a:lvl1pPr>
+          </a:lstStyle>
           <a:p>
             <a:pPr algn="ctr"/>
             <a:endParaRPr lang="en-US" sz="3200" b="0" strike="noStrike" spc="-1">
@@ -4172,6 +4432,7 @@
     <p:sldLayoutId id="2147483659" r:id="rId11"/>
     <p:sldLayoutId id="2147483660" r:id="rId12"/>
   </p:sldLayoutIdLst>
+  <p:hf hdr="0"/>
   <p:txStyles>
     <p:titleStyle>
       <a:lvl1pPr algn="l" defTabSz="914400" rtl="0" eaLnBrk="1" latinLnBrk="0" hangingPunct="1">
@@ -4573,7 +4834,7 @@
               <a:buChar char=""/>
             </a:pPr>
             <a:r>
-              <a:rPr lang="en-US" sz="3200" b="0" strike="noStrike" spc="-1">
+              <a:rPr lang="en-US" sz="3200" b="0" strike="noStrike" spc="-1" dirty="0">
                 <a:latin typeface="Arial"/>
               </a:rPr>
               <a:t>Click to edit the outline text format</a:t>
@@ -4592,7 +4853,7 @@
               <a:buChar char=""/>
             </a:pPr>
             <a:r>
-              <a:rPr lang="en-US" sz="2800" b="0" strike="noStrike" spc="-1">
+              <a:rPr lang="en-US" sz="2800" b="0" strike="noStrike" spc="-1" dirty="0">
                 <a:latin typeface="Arial"/>
               </a:rPr>
               <a:t>Second Outline Level</a:t>
@@ -4611,7 +4872,7 @@
               <a:buChar char=""/>
             </a:pPr>
             <a:r>
-              <a:rPr lang="en-US" sz="2400" b="0" strike="noStrike" spc="-1">
+              <a:rPr lang="en-US" sz="2400" b="0" strike="noStrike" spc="-1" dirty="0">
                 <a:latin typeface="Arial"/>
               </a:rPr>
               <a:t>Third Outline Level</a:t>
@@ -4630,7 +4891,7 @@
               <a:buChar char=""/>
             </a:pPr>
             <a:r>
-              <a:rPr lang="en-US" sz="2000" b="0" strike="noStrike" spc="-1">
+              <a:rPr lang="en-US" sz="2000" b="0" strike="noStrike" spc="-1" dirty="0">
                 <a:latin typeface="Arial"/>
               </a:rPr>
               <a:t>Fourth Outline Level</a:t>
@@ -4649,7 +4910,7 @@
               <a:buChar char=""/>
             </a:pPr>
             <a:r>
-              <a:rPr lang="en-US" sz="2000" b="0" strike="noStrike" spc="-1">
+              <a:rPr lang="en-US" sz="2000" b="0" strike="noStrike" spc="-1" dirty="0">
                 <a:latin typeface="Arial"/>
               </a:rPr>
               <a:t>Fifth Outline Level</a:t>
@@ -4668,7 +4929,7 @@
               <a:buChar char=""/>
             </a:pPr>
             <a:r>
-              <a:rPr lang="en-US" sz="2000" b="0" strike="noStrike" spc="-1">
+              <a:rPr lang="en-US" sz="2000" b="0" strike="noStrike" spc="-1" dirty="0">
                 <a:latin typeface="Arial"/>
               </a:rPr>
               <a:t>Sixth Outline Level</a:t>
@@ -4687,7 +4948,7 @@
               <a:buChar char=""/>
             </a:pPr>
             <a:r>
-              <a:rPr lang="en-US" sz="2000" b="0" strike="noStrike" spc="-1">
+              <a:rPr lang="en-US" sz="2000" b="0" strike="noStrike" spc="-1" dirty="0">
                 <a:latin typeface="Arial"/>
               </a:rPr>
               <a:t>Seventh Outline Level</a:t>
@@ -4712,6 +4973,7 @@
     <p:sldLayoutId id="2147483672" r:id="rId11"/>
     <p:sldLayoutId id="2147483673" r:id="rId12"/>
   </p:sldLayoutIdLst>
+  <p:hf hdr="0"/>
   <p:txStyles>
     <p:titleStyle>
       <a:lvl1pPr algn="l" defTabSz="914400" rtl="0" eaLnBrk="1" latinLnBrk="0" hangingPunct="1">
@@ -4726,7 +4988,7 @@
           <a:solidFill>
             <a:schemeClr val="tx1"/>
           </a:solidFill>
-          <a:latin typeface="+mj-lt"/>
+          <a:latin typeface="Avenir LT Std 55 Roman" panose="020B0503020203020204" pitchFamily="34" charset="0"/>
           <a:ea typeface="+mj-ea"/>
           <a:cs typeface="+mj-cs"/>
         </a:defRPr>
@@ -4746,7 +5008,7 @@
           <a:solidFill>
             <a:schemeClr val="tx1"/>
           </a:solidFill>
-          <a:latin typeface="+mn-lt"/>
+          <a:latin typeface="Avenir LT Std 55 Roman" panose="020B0503020203020204" pitchFamily="34" charset="0"/>
           <a:ea typeface="+mn-ea"/>
           <a:cs typeface="+mn-cs"/>
         </a:defRPr>
@@ -5053,16 +5315,16 @@
               </a:lnSpc>
             </a:pPr>
             <a:r>
-              <a:rPr lang="en-US" sz="5400" b="1" strike="noStrike" spc="-1" dirty="0">
+              <a:rPr lang="en-US" sz="4400" b="1" strike="noStrike" spc="-1" dirty="0">
                 <a:solidFill>
                   <a:srgbClr val="000000"/>
                 </a:solidFill>
-                <a:latin typeface="Calibri Light"/>
+                <a:latin typeface="Avenir LT Std 55 Roman" panose="020B0503020203020204" pitchFamily="34" charset="0"/>
               </a:rPr>
               <a:t>Segmentation of brain tissues</a:t>
             </a:r>
-            <a:endParaRPr lang="en-US" sz="5400" b="0" strike="noStrike" spc="-1" dirty="0">
-              <a:latin typeface="Arial"/>
+            <a:endParaRPr lang="en-US" sz="4400" b="0" strike="noStrike" spc="-1" dirty="0">
+              <a:latin typeface="Avenir LT Std 55 Roman" panose="020B0503020203020204" pitchFamily="34" charset="0"/>
             </a:endParaRPr>
           </a:p>
         </p:txBody>
@@ -5108,16 +5370,34 @@
               </a:lnSpc>
             </a:pPr>
             <a:r>
-              <a:rPr lang="en-US" sz="3200" b="0" strike="noStrike" spc="-1">
+              <a:rPr lang="en-US" sz="2800" spc="-1" dirty="0">
                 <a:solidFill>
                   <a:srgbClr val="000000"/>
                 </a:solidFill>
-                <a:latin typeface="Calibri"/>
-              </a:rPr>
-              <a:t>Midterm Presentation MIALab</a:t>
-            </a:r>
-            <a:endParaRPr lang="en-US" sz="3200" b="0" strike="noStrike" spc="-1">
-              <a:latin typeface="Arial"/>
+                <a:latin typeface="Avenir LT Std 55 Roman" panose="020B0503020203020204" pitchFamily="34" charset="0"/>
+              </a:rPr>
+              <a:t>Final</a:t>
+            </a:r>
+            <a:r>
+              <a:rPr lang="en-US" sz="2800" b="0" strike="noStrike" spc="-1" dirty="0">
+                <a:solidFill>
+                  <a:srgbClr val="000000"/>
+                </a:solidFill>
+                <a:latin typeface="Avenir LT Std 55 Roman" panose="020B0503020203020204" pitchFamily="34" charset="0"/>
+              </a:rPr>
+              <a:t> Presentation </a:t>
+            </a:r>
+            <a:r>
+              <a:rPr lang="en-US" sz="2800" b="0" strike="noStrike" spc="-1" dirty="0" err="1">
+                <a:solidFill>
+                  <a:srgbClr val="000000"/>
+                </a:solidFill>
+                <a:latin typeface="Avenir LT Std 55 Roman" panose="020B0503020203020204" pitchFamily="34" charset="0"/>
+              </a:rPr>
+              <a:t>MIALab</a:t>
+            </a:r>
+            <a:endParaRPr lang="en-US" sz="2800" b="0" strike="noStrike" spc="-1" dirty="0">
+              <a:latin typeface="Avenir LT Std 55 Roman" panose="020B0503020203020204" pitchFamily="34" charset="0"/>
             </a:endParaRPr>
           </a:p>
           <a:p>
@@ -5127,16 +5407,52 @@
               </a:lnSpc>
             </a:pPr>
             <a:r>
-              <a:rPr lang="en-US" sz="2400" b="0" strike="noStrike" spc="-1">
+              <a:rPr lang="en-US" sz="2000" b="0" strike="noStrike" spc="-1" dirty="0">
                 <a:solidFill>
                   <a:srgbClr val="000000"/>
                 </a:solidFill>
-                <a:latin typeface="Calibri"/>
-              </a:rPr>
-              <a:t>Matthias Fontanellaz, Michel Hayoz, Jonas Ledergerber</a:t>
-            </a:r>
-            <a:endParaRPr lang="en-US" sz="2400" b="0" strike="noStrike" spc="-1">
-              <a:latin typeface="Arial"/>
+                <a:latin typeface="Avenir LT Std 55 Roman" panose="020B0503020203020204" pitchFamily="34" charset="0"/>
+              </a:rPr>
+              <a:t>Matthias </a:t>
+            </a:r>
+            <a:r>
+              <a:rPr lang="en-US" sz="2000" b="0" strike="noStrike" spc="-1" dirty="0" err="1">
+                <a:solidFill>
+                  <a:srgbClr val="000000"/>
+                </a:solidFill>
+                <a:latin typeface="Avenir LT Std 55 Roman" panose="020B0503020203020204" pitchFamily="34" charset="0"/>
+              </a:rPr>
+              <a:t>Fontanellaz</a:t>
+            </a:r>
+            <a:r>
+              <a:rPr lang="en-US" sz="2000" b="0" strike="noStrike" spc="-1" dirty="0">
+                <a:solidFill>
+                  <a:srgbClr val="000000"/>
+                </a:solidFill>
+                <a:latin typeface="Avenir LT Std 55 Roman" panose="020B0503020203020204" pitchFamily="34" charset="0"/>
+              </a:rPr>
+              <a:t>, Michel </a:t>
+            </a:r>
+            <a:r>
+              <a:rPr lang="en-US" sz="2000" b="0" strike="noStrike" spc="-1" dirty="0" err="1">
+                <a:solidFill>
+                  <a:srgbClr val="000000"/>
+                </a:solidFill>
+                <a:latin typeface="Avenir LT Std 55 Roman" panose="020B0503020203020204" pitchFamily="34" charset="0"/>
+              </a:rPr>
+              <a:t>Hayoz</a:t>
+            </a:r>
+            <a:r>
+              <a:rPr lang="en-US" sz="2000" b="0" strike="noStrike" spc="-1" dirty="0">
+                <a:solidFill>
+                  <a:srgbClr val="000000"/>
+                </a:solidFill>
+                <a:latin typeface="Avenir LT Std 55 Roman" panose="020B0503020203020204" pitchFamily="34" charset="0"/>
+              </a:rPr>
+              <a:t>, Jonas Ledergerber</a:t>
+            </a:r>
+            <a:endParaRPr lang="en-US" sz="2000" b="0" strike="noStrike" spc="-1" dirty="0">
+              <a:latin typeface="Avenir LT Std 55 Roman" panose="020B0503020203020204" pitchFamily="34" charset="0"/>
             </a:endParaRPr>
           </a:p>
           <a:p>
@@ -5146,16 +5462,25 @@
               </a:lnSpc>
             </a:pPr>
             <a:r>
-              <a:rPr lang="en-US" sz="2400" b="0" strike="noStrike" spc="-1">
+              <a:rPr lang="en-US" sz="2000" spc="-1" dirty="0">
                 <a:solidFill>
                   <a:srgbClr val="000000"/>
                 </a:solidFill>
-                <a:latin typeface="Calibri"/>
-              </a:rPr>
-              <a:t>07.11.2018, ISTB Uni Bern</a:t>
-            </a:r>
-            <a:endParaRPr lang="en-US" sz="2400" b="0" strike="noStrike" spc="-1">
-              <a:latin typeface="Arial"/>
+                <a:latin typeface="Avenir LT Std 55 Roman" panose="020B0503020203020204" pitchFamily="34" charset="0"/>
+              </a:rPr>
+              <a:t>19</a:t>
+            </a:r>
+            <a:r>
+              <a:rPr lang="en-US" sz="2000" b="0" strike="noStrike" spc="-1" dirty="0">
+                <a:solidFill>
+                  <a:srgbClr val="000000"/>
+                </a:solidFill>
+                <a:latin typeface="Avenir LT Std 55 Roman" panose="020B0503020203020204" pitchFamily="34" charset="0"/>
+              </a:rPr>
+              <a:t>.12.2018, ISTB Uni Bern</a:t>
+            </a:r>
+            <a:endParaRPr lang="en-US" sz="2000" b="0" strike="noStrike" spc="-1" dirty="0">
+              <a:latin typeface="Avenir LT Std 55 Roman" panose="020B0503020203020204" pitchFamily="34" charset="0"/>
             </a:endParaRPr>
           </a:p>
         </p:txBody>
@@ -5185,7 +5510,7 @@
           <a:lstStyle/>
           <a:p>
             <a:r>
-              <a:rPr lang="de-CH" dirty="0" smtClean="0">
+              <a:rPr lang="de-CH" dirty="0">
                 <a:solidFill>
                   <a:srgbClr val="FF0000"/>
                 </a:solidFill>
@@ -5199,7 +5524,7 @@
               <a:buChar char="-"/>
             </a:pPr>
             <a:r>
-              <a:rPr lang="de-CH" dirty="0" smtClean="0"/>
+              <a:rPr lang="de-CH" dirty="0"/>
               <a:t>Sensitivity / specificity as a metric (over-, undersegm.)</a:t>
             </a:r>
           </a:p>
@@ -5209,7 +5534,7 @@
               <a:buChar char="-"/>
             </a:pPr>
             <a:r>
-              <a:rPr lang="de-CH" dirty="0" smtClean="0"/>
+              <a:rPr lang="de-CH" dirty="0"/>
               <a:t>No simpler method</a:t>
             </a:r>
           </a:p>
@@ -5219,7 +5544,7 @@
               <a:buChar char="-"/>
             </a:pPr>
             <a:r>
-              <a:rPr lang="de-CH" dirty="0" smtClean="0"/>
+              <a:rPr lang="de-CH" dirty="0"/>
               <a:t>Take more training samples on less training images</a:t>
             </a:r>
           </a:p>
@@ -5229,7 +5554,7 @@
               <a:buChar char="-"/>
             </a:pPr>
             <a:r>
-              <a:rPr lang="de-CH" dirty="0" smtClean="0"/>
+              <a:rPr lang="de-CH" dirty="0"/>
               <a:t>Add one slide on clinical problem</a:t>
             </a:r>
           </a:p>
@@ -5239,7 +5564,7 @@
               <a:buChar char="-"/>
             </a:pPr>
             <a:r>
-              <a:rPr lang="de-CH" dirty="0" smtClean="0"/>
+              <a:rPr lang="de-CH" dirty="0"/>
               <a:t>More numbers for images in presentation (stats etc.)</a:t>
             </a:r>
           </a:p>
@@ -5249,7 +5574,7 @@
               <a:buChar char="-"/>
             </a:pPr>
             <a:r>
-              <a:rPr lang="de-CH" dirty="0" smtClean="0"/>
+              <a:rPr lang="de-CH" dirty="0"/>
               <a:t>Reasoning / interpretation very good</a:t>
             </a:r>
           </a:p>
@@ -5259,7 +5584,7 @@
               <a:buChar char="-"/>
             </a:pPr>
             <a:r>
-              <a:rPr lang="de-CH" dirty="0" smtClean="0"/>
+              <a:rPr lang="de-CH" dirty="0"/>
               <a:t>Plot feature importance (numbers / bars)</a:t>
             </a:r>
           </a:p>
@@ -5269,7 +5594,7 @@
               <a:buChar char="-"/>
             </a:pPr>
             <a:r>
-              <a:rPr lang="de-CH" dirty="0" smtClean="0"/>
+              <a:rPr lang="de-CH" dirty="0"/>
               <a:t>More insight in the situation (training-, testing-setup)</a:t>
             </a:r>
           </a:p>
@@ -5279,7 +5604,7 @@
               <a:buChar char="-"/>
             </a:pPr>
             <a:r>
-              <a:rPr lang="de-CH" dirty="0" smtClean="0"/>
+              <a:rPr lang="de-CH" dirty="0"/>
               <a:t>Compare testing-time</a:t>
             </a:r>
           </a:p>
@@ -5290,14 +5615,659 @@
   <p:clrMapOvr>
     <a:masterClrMapping/>
   </p:clrMapOvr>
-  <mc:AlternateContent xmlns:mc="http://schemas.openxmlformats.org/markup-compatibility/2006" xmlns:p14="http://schemas.microsoft.com/office/powerpoint/2010/main">
-    <mc:Choice Requires="p14">
-      <p:transition spd="slow" p14:dur="2000"/>
-    </mc:Choice>
-    <mc:Fallback xmlns:p15="http://schemas.microsoft.com/office/powerpoint/2012/main" xmlns="">
-      <p:transition spd="slow"/>
-    </mc:Fallback>
-  </mc:AlternateContent>
+  <p:timing>
+    <p:tnLst>
+      <p:par>
+        <p:cTn id="1" dur="indefinite" restart="never" nodeType="tmRoot">
+          <p:childTnLst>
+            <p:seq>
+              <p:cTn id="2" dur="indefinite" nodeType="mainSeq"/>
+              <p:prevCondLst>
+                <p:cond evt="onPrev" delay="0">
+                  <p:tgtEl>
+                    <p:sldTgt/>
+                  </p:tgtEl>
+                </p:cond>
+              </p:prevCondLst>
+              <p:nextCondLst>
+                <p:cond evt="onNext" delay="0">
+                  <p:tgtEl>
+                    <p:sldTgt/>
+                  </p:tgtEl>
+                </p:cond>
+              </p:nextCondLst>
+            </p:seq>
+          </p:childTnLst>
+        </p:cTn>
+      </p:par>
+    </p:tnLst>
+  </p:timing>
+</p:sld>
+</file>
+
+<file path=ppt/slides/slide10.xml><?xml version="1.0" encoding="utf-8"?>
+<p:sld xmlns:a="http://schemas.openxmlformats.org/drawingml/2006/main" xmlns:r="http://schemas.openxmlformats.org/officeDocument/2006/relationships" xmlns:p="http://schemas.openxmlformats.org/presentationml/2006/main">
+  <p:cSld>
+    <p:spTree>
+      <p:nvGrpSpPr>
+        <p:cNvPr id="1" name=""/>
+        <p:cNvGrpSpPr/>
+        <p:nvPr/>
+      </p:nvGrpSpPr>
+      <p:grpSpPr>
+        <a:xfrm>
+          <a:off x="0" y="0"/>
+          <a:ext cx="0" cy="0"/>
+          <a:chOff x="0" y="0"/>
+          <a:chExt cx="0" cy="0"/>
+        </a:xfrm>
+      </p:grpSpPr>
+      <p:sp>
+        <p:nvSpPr>
+          <p:cNvPr id="135" name="CustomShape 1"/>
+          <p:cNvSpPr/>
+          <p:nvPr/>
+        </p:nvSpPr>
+        <p:spPr>
+          <a:xfrm>
+            <a:off x="838080" y="365040"/>
+            <a:ext cx="9033120" cy="1324800"/>
+          </a:xfrm>
+          <a:prstGeom prst="rect">
+            <a:avLst/>
+          </a:prstGeom>
+          <a:noFill/>
+          <a:ln>
+            <a:noFill/>
+          </a:ln>
+        </p:spPr>
+        <p:style>
+          <a:lnRef idx="0">
+            <a:scrgbClr r="0" g="0" b="0"/>
+          </a:lnRef>
+          <a:fillRef idx="0">
+            <a:scrgbClr r="0" g="0" b="0"/>
+          </a:fillRef>
+          <a:effectRef idx="0">
+            <a:scrgbClr r="0" g="0" b="0"/>
+          </a:effectRef>
+          <a:fontRef idx="minor"/>
+        </p:style>
+        <p:txBody>
+          <a:bodyPr lIns="90000" tIns="45000" rIns="90000" bIns="45000" anchor="ctr"/>
+          <a:lstStyle/>
+          <a:p>
+            <a:pPr>
+              <a:lnSpc>
+                <a:spcPct val="100000"/>
+              </a:lnSpc>
+            </a:pPr>
+            <a:r>
+              <a:rPr lang="en-US" sz="4400" b="1" strike="noStrike" spc="-1" dirty="0">
+                <a:solidFill>
+                  <a:srgbClr val="000000"/>
+                </a:solidFill>
+                <a:latin typeface="Avenir LT Std 55 Roman" panose="020B0503020203020204" pitchFamily="34" charset="0"/>
+              </a:rPr>
+              <a:t>Conclusion</a:t>
+            </a:r>
+            <a:endParaRPr lang="en-US" sz="4400" b="0" strike="noStrike" spc="-1" dirty="0">
+              <a:latin typeface="Avenir LT Std 55 Roman" panose="020B0503020203020204" pitchFamily="34" charset="0"/>
+            </a:endParaRPr>
+          </a:p>
+        </p:txBody>
+      </p:sp>
+      <p:sp>
+        <p:nvSpPr>
+          <p:cNvPr id="136" name="CustomShape 2"/>
+          <p:cNvSpPr/>
+          <p:nvPr/>
+        </p:nvSpPr>
+        <p:spPr>
+          <a:xfrm>
+            <a:off x="838080" y="1825560"/>
+            <a:ext cx="9033120" cy="4350600"/>
+          </a:xfrm>
+          <a:prstGeom prst="rect">
+            <a:avLst/>
+          </a:prstGeom>
+          <a:noFill/>
+          <a:ln>
+            <a:noFill/>
+          </a:ln>
+        </p:spPr>
+        <p:style>
+          <a:lnRef idx="0">
+            <a:scrgbClr r="0" g="0" b="0"/>
+          </a:lnRef>
+          <a:fillRef idx="0">
+            <a:scrgbClr r="0" g="0" b="0"/>
+          </a:fillRef>
+          <a:effectRef idx="0">
+            <a:scrgbClr r="0" g="0" b="0"/>
+          </a:effectRef>
+          <a:fontRef idx="minor"/>
+        </p:style>
+        <p:txBody>
+          <a:bodyPr lIns="90000" tIns="45000" rIns="90000" bIns="45000"/>
+          <a:lstStyle/>
+          <a:p>
+            <a:pPr marL="432000" indent="-323640">
+              <a:lnSpc>
+                <a:spcPct val="100000"/>
+              </a:lnSpc>
+              <a:buClr>
+                <a:srgbClr val="000000"/>
+              </a:buClr>
+              <a:buSzPct val="45000"/>
+              <a:buFont typeface="Wingdings" charset="2"/>
+              <a:buChar char=""/>
+            </a:pPr>
+            <a:endParaRPr lang="en-US" sz="2800" b="0" strike="noStrike" spc="-1" dirty="0">
+              <a:latin typeface="Avenir LT Std 55 Roman" panose="020B0503020203020204" pitchFamily="34" charset="0"/>
+            </a:endParaRPr>
+          </a:p>
+        </p:txBody>
+      </p:sp>
+      <p:sp>
+        <p:nvSpPr>
+          <p:cNvPr id="137" name="CustomShape 3"/>
+          <p:cNvSpPr/>
+          <p:nvPr/>
+        </p:nvSpPr>
+        <p:spPr>
+          <a:xfrm>
+            <a:off x="838080" y="6356520"/>
+            <a:ext cx="2742480" cy="364320"/>
+          </a:xfrm>
+          <a:prstGeom prst="rect">
+            <a:avLst/>
+          </a:prstGeom>
+          <a:noFill/>
+          <a:ln>
+            <a:noFill/>
+          </a:ln>
+        </p:spPr>
+        <p:style>
+          <a:lnRef idx="0">
+            <a:scrgbClr r="0" g="0" b="0"/>
+          </a:lnRef>
+          <a:fillRef idx="0">
+            <a:scrgbClr r="0" g="0" b="0"/>
+          </a:fillRef>
+          <a:effectRef idx="0">
+            <a:scrgbClr r="0" g="0" b="0"/>
+          </a:effectRef>
+          <a:fontRef idx="minor"/>
+        </p:style>
+        <p:txBody>
+          <a:bodyPr lIns="90000" tIns="45000" rIns="90000" bIns="45000" anchor="ctr"/>
+          <a:lstStyle/>
+          <a:p>
+            <a:pPr>
+              <a:lnSpc>
+                <a:spcPct val="100000"/>
+              </a:lnSpc>
+            </a:pPr>
+            <a:r>
+              <a:rPr lang="en-US" sz="1200" b="0" strike="noStrike" spc="-1" dirty="0">
+                <a:solidFill>
+                  <a:srgbClr val="8B8B8B"/>
+                </a:solidFill>
+                <a:latin typeface="Calibri"/>
+              </a:rPr>
+              <a:t>19.12.2018</a:t>
+            </a:r>
+            <a:endParaRPr lang="en-US" sz="1200" b="0" strike="noStrike" spc="-1" dirty="0">
+              <a:latin typeface="Arial"/>
+            </a:endParaRPr>
+          </a:p>
+        </p:txBody>
+      </p:sp>
+      <p:sp>
+        <p:nvSpPr>
+          <p:cNvPr id="138" name="CustomShape 4"/>
+          <p:cNvSpPr/>
+          <p:nvPr/>
+        </p:nvSpPr>
+        <p:spPr>
+          <a:xfrm>
+            <a:off x="4038480" y="6356520"/>
+            <a:ext cx="4114080" cy="364320"/>
+          </a:xfrm>
+          <a:prstGeom prst="rect">
+            <a:avLst/>
+          </a:prstGeom>
+          <a:noFill/>
+          <a:ln>
+            <a:noFill/>
+          </a:ln>
+        </p:spPr>
+        <p:style>
+          <a:lnRef idx="0">
+            <a:scrgbClr r="0" g="0" b="0"/>
+          </a:lnRef>
+          <a:fillRef idx="0">
+            <a:scrgbClr r="0" g="0" b="0"/>
+          </a:fillRef>
+          <a:effectRef idx="0">
+            <a:scrgbClr r="0" g="0" b="0"/>
+          </a:effectRef>
+          <a:fontRef idx="minor"/>
+        </p:style>
+        <p:txBody>
+          <a:bodyPr lIns="90000" tIns="45000" rIns="90000" bIns="45000" anchor="ctr"/>
+          <a:lstStyle/>
+          <a:p>
+            <a:pPr algn="ctr">
+              <a:lnSpc>
+                <a:spcPct val="100000"/>
+              </a:lnSpc>
+            </a:pPr>
+            <a:r>
+              <a:rPr lang="en-US" sz="1200" b="0" strike="noStrike" spc="-1">
+                <a:solidFill>
+                  <a:srgbClr val="8B8B8B"/>
+                </a:solidFill>
+                <a:latin typeface="Calibri"/>
+              </a:rPr>
+              <a:t>Segmentation of brain tissues</a:t>
+            </a:r>
+            <a:endParaRPr lang="en-US" sz="1200" b="0" strike="noStrike" spc="-1">
+              <a:latin typeface="Arial"/>
+            </a:endParaRPr>
+          </a:p>
+        </p:txBody>
+      </p:sp>
+      <p:sp>
+        <p:nvSpPr>
+          <p:cNvPr id="139" name="CustomShape 5"/>
+          <p:cNvSpPr/>
+          <p:nvPr/>
+        </p:nvSpPr>
+        <p:spPr>
+          <a:xfrm>
+            <a:off x="8610480" y="6356520"/>
+            <a:ext cx="2742480" cy="364320"/>
+          </a:xfrm>
+          <a:prstGeom prst="rect">
+            <a:avLst/>
+          </a:prstGeom>
+          <a:noFill/>
+          <a:ln>
+            <a:noFill/>
+          </a:ln>
+        </p:spPr>
+        <p:style>
+          <a:lnRef idx="0">
+            <a:scrgbClr r="0" g="0" b="0"/>
+          </a:lnRef>
+          <a:fillRef idx="0">
+            <a:scrgbClr r="0" g="0" b="0"/>
+          </a:fillRef>
+          <a:effectRef idx="0">
+            <a:scrgbClr r="0" g="0" b="0"/>
+          </a:effectRef>
+          <a:fontRef idx="minor"/>
+        </p:style>
+        <p:txBody>
+          <a:bodyPr lIns="90000" tIns="45000" rIns="90000" bIns="45000" anchor="ctr"/>
+          <a:lstStyle/>
+          <a:p>
+            <a:pPr algn="r">
+              <a:lnSpc>
+                <a:spcPct val="100000"/>
+              </a:lnSpc>
+            </a:pPr>
+            <a:fld id="{9422F7C2-F130-40CB-9FD8-C74940B42C86}" type="slidenum">
+              <a:rPr lang="en-US" sz="1200" b="0" strike="noStrike" spc="-1">
+                <a:solidFill>
+                  <a:srgbClr val="8B8B8B"/>
+                </a:solidFill>
+                <a:latin typeface="Calibri"/>
+              </a:rPr>
+              <a:t>10</a:t>
+            </a:fld>
+            <a:endParaRPr lang="en-US" sz="1200" b="0" strike="noStrike" spc="-1">
+              <a:latin typeface="Arial"/>
+            </a:endParaRPr>
+          </a:p>
+        </p:txBody>
+      </p:sp>
+    </p:spTree>
+  </p:cSld>
+  <p:clrMapOvr>
+    <a:masterClrMapping/>
+  </p:clrMapOvr>
+  <p:timing>
+    <p:tnLst>
+      <p:par>
+        <p:cTn id="1" dur="indefinite" restart="never" nodeType="tmRoot">
+          <p:childTnLst>
+            <p:seq>
+              <p:cTn id="2" dur="indefinite" nodeType="mainSeq"/>
+              <p:prevCondLst>
+                <p:cond evt="onPrev" delay="0">
+                  <p:tgtEl>
+                    <p:sldTgt/>
+                  </p:tgtEl>
+                </p:cond>
+              </p:prevCondLst>
+              <p:nextCondLst>
+                <p:cond evt="onNext" delay="0">
+                  <p:tgtEl>
+                    <p:sldTgt/>
+                  </p:tgtEl>
+                </p:cond>
+              </p:nextCondLst>
+            </p:seq>
+          </p:childTnLst>
+        </p:cTn>
+      </p:par>
+    </p:tnLst>
+  </p:timing>
+</p:sld>
+</file>
+
+<file path=ppt/slides/slide11.xml><?xml version="1.0" encoding="utf-8"?>
+<p:sld xmlns:a="http://schemas.openxmlformats.org/drawingml/2006/main" xmlns:r="http://schemas.openxmlformats.org/officeDocument/2006/relationships" xmlns:p="http://schemas.openxmlformats.org/presentationml/2006/main">
+  <p:cSld>
+    <p:spTree>
+      <p:nvGrpSpPr>
+        <p:cNvPr id="1" name=""/>
+        <p:cNvGrpSpPr/>
+        <p:nvPr/>
+      </p:nvGrpSpPr>
+      <p:grpSpPr>
+        <a:xfrm>
+          <a:off x="0" y="0"/>
+          <a:ext cx="0" cy="0"/>
+          <a:chOff x="0" y="0"/>
+          <a:chExt cx="0" cy="0"/>
+        </a:xfrm>
+      </p:grpSpPr>
+      <p:sp>
+        <p:nvSpPr>
+          <p:cNvPr id="135" name="CustomShape 1"/>
+          <p:cNvSpPr/>
+          <p:nvPr/>
+        </p:nvSpPr>
+        <p:spPr>
+          <a:xfrm>
+            <a:off x="838080" y="365040"/>
+            <a:ext cx="9033120" cy="1324800"/>
+          </a:xfrm>
+          <a:prstGeom prst="rect">
+            <a:avLst/>
+          </a:prstGeom>
+          <a:noFill/>
+          <a:ln>
+            <a:noFill/>
+          </a:ln>
+        </p:spPr>
+        <p:style>
+          <a:lnRef idx="0">
+            <a:scrgbClr r="0" g="0" b="0"/>
+          </a:lnRef>
+          <a:fillRef idx="0">
+            <a:scrgbClr r="0" g="0" b="0"/>
+          </a:fillRef>
+          <a:effectRef idx="0">
+            <a:scrgbClr r="0" g="0" b="0"/>
+          </a:effectRef>
+          <a:fontRef idx="minor"/>
+        </p:style>
+        <p:txBody>
+          <a:bodyPr lIns="90000" tIns="45000" rIns="90000" bIns="45000" anchor="ctr"/>
+          <a:lstStyle/>
+          <a:p>
+            <a:pPr>
+              <a:lnSpc>
+                <a:spcPct val="100000"/>
+              </a:lnSpc>
+            </a:pPr>
+            <a:r>
+              <a:rPr lang="en-US" sz="4400" b="1" strike="noStrike" spc="-1" dirty="0">
+                <a:solidFill>
+                  <a:srgbClr val="000000"/>
+                </a:solidFill>
+                <a:latin typeface="Avenir LT Std 55 Roman" panose="020B0503020203020204" pitchFamily="34" charset="0"/>
+              </a:rPr>
+              <a:t>Outlook</a:t>
+            </a:r>
+            <a:endParaRPr lang="en-US" sz="4400" b="0" strike="noStrike" spc="-1" dirty="0">
+              <a:latin typeface="Avenir LT Std 55 Roman" panose="020B0503020203020204" pitchFamily="34" charset="0"/>
+            </a:endParaRPr>
+          </a:p>
+        </p:txBody>
+      </p:sp>
+      <p:sp>
+        <p:nvSpPr>
+          <p:cNvPr id="136" name="CustomShape 2"/>
+          <p:cNvSpPr/>
+          <p:nvPr/>
+        </p:nvSpPr>
+        <p:spPr>
+          <a:xfrm>
+            <a:off x="838080" y="1825560"/>
+            <a:ext cx="9033120" cy="4350600"/>
+          </a:xfrm>
+          <a:prstGeom prst="rect">
+            <a:avLst/>
+          </a:prstGeom>
+          <a:noFill/>
+          <a:ln>
+            <a:noFill/>
+          </a:ln>
+        </p:spPr>
+        <p:style>
+          <a:lnRef idx="0">
+            <a:scrgbClr r="0" g="0" b="0"/>
+          </a:lnRef>
+          <a:fillRef idx="0">
+            <a:scrgbClr r="0" g="0" b="0"/>
+          </a:fillRef>
+          <a:effectRef idx="0">
+            <a:scrgbClr r="0" g="0" b="0"/>
+          </a:effectRef>
+          <a:fontRef idx="minor"/>
+        </p:style>
+        <p:txBody>
+          <a:bodyPr lIns="90000" tIns="45000" rIns="90000" bIns="45000"/>
+          <a:lstStyle/>
+          <a:p>
+            <a:pPr marL="432000" indent="-323640">
+              <a:lnSpc>
+                <a:spcPct val="100000"/>
+              </a:lnSpc>
+              <a:buClr>
+                <a:srgbClr val="000000"/>
+              </a:buClr>
+              <a:buSzPct val="45000"/>
+              <a:buFont typeface="Wingdings" charset="2"/>
+              <a:buChar char=""/>
+            </a:pPr>
+            <a:endParaRPr lang="en-US" sz="2800" b="0" strike="noStrike" spc="-1" dirty="0">
+              <a:latin typeface="Avenir LT Std 55 Roman" panose="020B0503020203020204" pitchFamily="34" charset="0"/>
+            </a:endParaRPr>
+          </a:p>
+        </p:txBody>
+      </p:sp>
+      <p:sp>
+        <p:nvSpPr>
+          <p:cNvPr id="137" name="CustomShape 3"/>
+          <p:cNvSpPr/>
+          <p:nvPr/>
+        </p:nvSpPr>
+        <p:spPr>
+          <a:xfrm>
+            <a:off x="838080" y="6356520"/>
+            <a:ext cx="2742480" cy="364320"/>
+          </a:xfrm>
+          <a:prstGeom prst="rect">
+            <a:avLst/>
+          </a:prstGeom>
+          <a:noFill/>
+          <a:ln>
+            <a:noFill/>
+          </a:ln>
+        </p:spPr>
+        <p:style>
+          <a:lnRef idx="0">
+            <a:scrgbClr r="0" g="0" b="0"/>
+          </a:lnRef>
+          <a:fillRef idx="0">
+            <a:scrgbClr r="0" g="0" b="0"/>
+          </a:fillRef>
+          <a:effectRef idx="0">
+            <a:scrgbClr r="0" g="0" b="0"/>
+          </a:effectRef>
+          <a:fontRef idx="minor"/>
+        </p:style>
+        <p:txBody>
+          <a:bodyPr lIns="90000" tIns="45000" rIns="90000" bIns="45000" anchor="ctr"/>
+          <a:lstStyle/>
+          <a:p>
+            <a:pPr>
+              <a:lnSpc>
+                <a:spcPct val="100000"/>
+              </a:lnSpc>
+            </a:pPr>
+            <a:r>
+              <a:rPr lang="en-US" sz="1200" b="0" strike="noStrike" spc="-1" dirty="0">
+                <a:solidFill>
+                  <a:srgbClr val="8B8B8B"/>
+                </a:solidFill>
+                <a:latin typeface="Calibri"/>
+              </a:rPr>
+              <a:t>19.12.2018</a:t>
+            </a:r>
+            <a:endParaRPr lang="en-US" sz="1200" b="0" strike="noStrike" spc="-1" dirty="0">
+              <a:latin typeface="Arial"/>
+            </a:endParaRPr>
+          </a:p>
+        </p:txBody>
+      </p:sp>
+      <p:sp>
+        <p:nvSpPr>
+          <p:cNvPr id="138" name="CustomShape 4"/>
+          <p:cNvSpPr/>
+          <p:nvPr/>
+        </p:nvSpPr>
+        <p:spPr>
+          <a:xfrm>
+            <a:off x="4038480" y="6356520"/>
+            <a:ext cx="4114080" cy="364320"/>
+          </a:xfrm>
+          <a:prstGeom prst="rect">
+            <a:avLst/>
+          </a:prstGeom>
+          <a:noFill/>
+          <a:ln>
+            <a:noFill/>
+          </a:ln>
+        </p:spPr>
+        <p:style>
+          <a:lnRef idx="0">
+            <a:scrgbClr r="0" g="0" b="0"/>
+          </a:lnRef>
+          <a:fillRef idx="0">
+            <a:scrgbClr r="0" g="0" b="0"/>
+          </a:fillRef>
+          <a:effectRef idx="0">
+            <a:scrgbClr r="0" g="0" b="0"/>
+          </a:effectRef>
+          <a:fontRef idx="minor"/>
+        </p:style>
+        <p:txBody>
+          <a:bodyPr lIns="90000" tIns="45000" rIns="90000" bIns="45000" anchor="ctr"/>
+          <a:lstStyle/>
+          <a:p>
+            <a:pPr algn="ctr">
+              <a:lnSpc>
+                <a:spcPct val="100000"/>
+              </a:lnSpc>
+            </a:pPr>
+            <a:r>
+              <a:rPr lang="en-US" sz="1200" b="0" strike="noStrike" spc="-1">
+                <a:solidFill>
+                  <a:srgbClr val="8B8B8B"/>
+                </a:solidFill>
+                <a:latin typeface="Calibri"/>
+              </a:rPr>
+              <a:t>Segmentation of brain tissues</a:t>
+            </a:r>
+            <a:endParaRPr lang="en-US" sz="1200" b="0" strike="noStrike" spc="-1">
+              <a:latin typeface="Arial"/>
+            </a:endParaRPr>
+          </a:p>
+        </p:txBody>
+      </p:sp>
+      <p:sp>
+        <p:nvSpPr>
+          <p:cNvPr id="139" name="CustomShape 5"/>
+          <p:cNvSpPr/>
+          <p:nvPr/>
+        </p:nvSpPr>
+        <p:spPr>
+          <a:xfrm>
+            <a:off x="8610480" y="6356520"/>
+            <a:ext cx="2742480" cy="364320"/>
+          </a:xfrm>
+          <a:prstGeom prst="rect">
+            <a:avLst/>
+          </a:prstGeom>
+          <a:noFill/>
+          <a:ln>
+            <a:noFill/>
+          </a:ln>
+        </p:spPr>
+        <p:style>
+          <a:lnRef idx="0">
+            <a:scrgbClr r="0" g="0" b="0"/>
+          </a:lnRef>
+          <a:fillRef idx="0">
+            <a:scrgbClr r="0" g="0" b="0"/>
+          </a:fillRef>
+          <a:effectRef idx="0">
+            <a:scrgbClr r="0" g="0" b="0"/>
+          </a:effectRef>
+          <a:fontRef idx="minor"/>
+        </p:style>
+        <p:txBody>
+          <a:bodyPr lIns="90000" tIns="45000" rIns="90000" bIns="45000" anchor="ctr"/>
+          <a:lstStyle/>
+          <a:p>
+            <a:pPr algn="r">
+              <a:lnSpc>
+                <a:spcPct val="100000"/>
+              </a:lnSpc>
+            </a:pPr>
+            <a:fld id="{9422F7C2-F130-40CB-9FD8-C74940B42C86}" type="slidenum">
+              <a:rPr lang="en-US" sz="1200" b="0" strike="noStrike" spc="-1">
+                <a:solidFill>
+                  <a:srgbClr val="8B8B8B"/>
+                </a:solidFill>
+                <a:latin typeface="Calibri"/>
+              </a:rPr>
+              <a:t>11</a:t>
+            </a:fld>
+            <a:endParaRPr lang="en-US" sz="1200" b="0" strike="noStrike" spc="-1">
+              <a:latin typeface="Arial"/>
+            </a:endParaRPr>
+          </a:p>
+        </p:txBody>
+      </p:sp>
+    </p:spTree>
+    <p:extLst>
+      <p:ext uri="{BB962C8B-B14F-4D97-AF65-F5344CB8AC3E}">
+        <p14:creationId xmlns:p14="http://schemas.microsoft.com/office/powerpoint/2010/main" val="2939966950"/>
+      </p:ext>
+    </p:extLst>
+  </p:cSld>
+  <p:clrMapOvr>
+    <a:masterClrMapping/>
+  </p:clrMapOvr>
   <p:timing>
     <p:tnLst>
       <p:par>
@@ -5386,16 +6356,16 @@
               </a:lnSpc>
             </a:pPr>
             <a:r>
-              <a:rPr lang="en-US" sz="4400" b="1" strike="noStrike" spc="-1">
+              <a:rPr lang="en-US" sz="4400" b="1" strike="noStrike" spc="-1" dirty="0">
                 <a:solidFill>
                   <a:srgbClr val="000000"/>
                 </a:solidFill>
-                <a:latin typeface="Calibri Light"/>
+                <a:latin typeface="Avenir LT Std 55 Roman" panose="020B0503020203020204" pitchFamily="34" charset="0"/>
               </a:rPr>
               <a:t>Content</a:t>
             </a:r>
-            <a:endParaRPr lang="en-US" sz="4400" b="0" strike="noStrike" spc="-1">
-              <a:latin typeface="Arial"/>
+            <a:endParaRPr lang="en-US" sz="4400" b="0" strike="noStrike" spc="-1" dirty="0">
+              <a:latin typeface="Avenir LT Std 55 Roman" panose="020B0503020203020204" pitchFamily="34" charset="0"/>
             </a:endParaRPr>
           </a:p>
         </p:txBody>
@@ -5446,17 +6416,14 @@
               <a:buChar char="•"/>
             </a:pPr>
             <a:r>
-              <a:rPr lang="en-US" sz="2800" b="0" strike="noStrike" spc="-1">
+              <a:rPr lang="en-US" sz="2800" b="0" strike="noStrike" spc="-1" dirty="0">
                 <a:solidFill>
                   <a:srgbClr val="000000"/>
                 </a:solidFill>
-                <a:latin typeface="Calibri"/>
-              </a:rPr>
-              <a:t>Approach</a:t>
-            </a:r>
-            <a:endParaRPr lang="en-US" sz="2800" b="0" strike="noStrike" spc="-1">
-              <a:latin typeface="Arial"/>
-            </a:endParaRPr>
+                <a:latin typeface="Avenir LT Std 55 Roman" panose="020B0503020203020204" pitchFamily="34" charset="0"/>
+              </a:rPr>
+              <a:t>Clinical Problem</a:t>
+            </a:r>
           </a:p>
           <a:p>
             <a:pPr marL="228600" indent="-227880">
@@ -5470,17 +6437,14 @@
               <a:buChar char="•"/>
             </a:pPr>
             <a:r>
-              <a:rPr lang="en-US" sz="2800" b="0" strike="noStrike" spc="-1">
+              <a:rPr lang="en-US" sz="2800" b="0" strike="noStrike" spc="-1" dirty="0">
                 <a:solidFill>
                   <a:srgbClr val="000000"/>
                 </a:solidFill>
-                <a:latin typeface="Calibri"/>
-              </a:rPr>
-              <a:t>Progress</a:t>
-            </a:r>
-            <a:endParaRPr lang="en-US" sz="2800" b="0" strike="noStrike" spc="-1">
-              <a:latin typeface="Arial"/>
-            </a:endParaRPr>
+                <a:latin typeface="Avenir LT Std 55 Roman" panose="020B0503020203020204" pitchFamily="34" charset="0"/>
+              </a:rPr>
+              <a:t>Goals</a:t>
+            </a:r>
           </a:p>
           <a:p>
             <a:pPr marL="228600" indent="-227880">
@@ -5494,16 +6458,16 @@
               <a:buChar char="•"/>
             </a:pPr>
             <a:r>
-              <a:rPr lang="en-US" sz="2800" b="0" strike="noStrike" spc="-1">
+              <a:rPr lang="en-US" sz="2800" b="0" strike="noStrike" spc="-1" dirty="0">
                 <a:solidFill>
                   <a:srgbClr val="000000"/>
                 </a:solidFill>
-                <a:latin typeface="Calibri"/>
-              </a:rPr>
-              <a:t>Challenges</a:t>
-            </a:r>
-            <a:endParaRPr lang="en-US" sz="2800" b="0" strike="noStrike" spc="-1">
-              <a:latin typeface="Arial"/>
+                <a:latin typeface="Avenir LT Std 55 Roman" panose="020B0503020203020204" pitchFamily="34" charset="0"/>
+              </a:rPr>
+              <a:t>Methods</a:t>
+            </a:r>
+            <a:endParaRPr lang="en-US" sz="2800" b="0" strike="noStrike" spc="-1" dirty="0">
+              <a:latin typeface="Avenir LT Std 55 Roman" panose="020B0503020203020204" pitchFamily="34" charset="0"/>
             </a:endParaRPr>
           </a:p>
           <a:p>
@@ -5518,16 +6482,31 @@
               <a:buChar char="•"/>
             </a:pPr>
             <a:r>
-              <a:rPr lang="en-US" sz="2800" b="0" strike="noStrike" spc="-1">
+              <a:rPr lang="en-US" sz="2800" spc="-1" dirty="0">
                 <a:solidFill>
                   <a:srgbClr val="000000"/>
                 </a:solidFill>
-                <a:latin typeface="Calibri"/>
-              </a:rPr>
-              <a:t>Insights</a:t>
-            </a:r>
-            <a:endParaRPr lang="en-US" sz="2800" b="0" strike="noStrike" spc="-1">
-              <a:latin typeface="Arial"/>
+                <a:latin typeface="Avenir LT Std 55 Roman" panose="020B0503020203020204" pitchFamily="34" charset="0"/>
+              </a:rPr>
+              <a:t>Results</a:t>
+            </a:r>
+            <a:r>
+              <a:rPr lang="en-US" sz="2800" spc="-1" dirty="0">
+                <a:latin typeface="Avenir LT Std 55 Roman" panose="020B0503020203020204" pitchFamily="34" charset="0"/>
+              </a:rPr>
+              <a:t> / </a:t>
+            </a:r>
+            <a:r>
+              <a:rPr lang="en-US" sz="2800" spc="-1" dirty="0">
+                <a:solidFill>
+                  <a:srgbClr val="000000"/>
+                </a:solidFill>
+                <a:latin typeface="Avenir LT Std 55 Roman" panose="020B0503020203020204" pitchFamily="34" charset="0"/>
+              </a:rPr>
+              <a:t>Discussion</a:t>
+            </a:r>
+            <a:endParaRPr lang="en-US" sz="2800" b="0" strike="noStrike" spc="-1" dirty="0">
+              <a:latin typeface="Avenir LT Std 55 Roman" panose="020B0503020203020204" pitchFamily="34" charset="0"/>
             </a:endParaRPr>
           </a:p>
           <a:p>
@@ -5542,30 +6521,54 @@
               <a:buChar char="•"/>
             </a:pPr>
             <a:r>
-              <a:rPr lang="en-US" sz="2800" b="0" strike="noStrike" spc="-1">
+              <a:rPr lang="en-US" sz="2800" spc="-1" dirty="0">
                 <a:solidFill>
                   <a:srgbClr val="000000"/>
                 </a:solidFill>
-                <a:latin typeface="Calibri"/>
+                <a:latin typeface="Avenir LT Std 55 Roman" panose="020B0503020203020204" pitchFamily="34" charset="0"/>
+              </a:rPr>
+              <a:t>Conclusion</a:t>
+            </a:r>
+            <a:endParaRPr lang="en-US" sz="2800" b="0" strike="noStrike" spc="-1" dirty="0">
+              <a:latin typeface="Avenir LT Std 55 Roman" panose="020B0503020203020204" pitchFamily="34" charset="0"/>
+            </a:endParaRPr>
+          </a:p>
+          <a:p>
+            <a:pPr marL="228600" indent="-227880">
+              <a:lnSpc>
+                <a:spcPct val="90000"/>
+              </a:lnSpc>
+              <a:buClr>
+                <a:srgbClr val="000000"/>
+              </a:buClr>
+              <a:buFont typeface="Arial"/>
+              <a:buChar char="•"/>
+            </a:pPr>
+            <a:r>
+              <a:rPr lang="en-US" sz="2800" b="0" strike="noStrike" spc="-1" dirty="0">
+                <a:solidFill>
+                  <a:srgbClr val="000000"/>
+                </a:solidFill>
+                <a:latin typeface="Avenir LT Std 55 Roman" panose="020B0503020203020204" pitchFamily="34" charset="0"/>
               </a:rPr>
               <a:t>Outlook</a:t>
             </a:r>
-            <a:endParaRPr lang="en-US" sz="2800" b="0" strike="noStrike" spc="-1">
-              <a:latin typeface="Arial"/>
-            </a:endParaRPr>
-          </a:p>
-        </p:txBody>
-      </p:sp>
-      <p:sp>
-        <p:nvSpPr>
-          <p:cNvPr id="88" name="CustomShape 3"/>
+            <a:endParaRPr lang="en-US" sz="2800" b="0" strike="noStrike" spc="-1" dirty="0">
+              <a:latin typeface="Avenir LT Std 55 Roman" panose="020B0503020203020204" pitchFamily="34" charset="0"/>
+            </a:endParaRPr>
+          </a:p>
+        </p:txBody>
+      </p:sp>
+      <p:sp>
+        <p:nvSpPr>
+          <p:cNvPr id="89" name="CustomShape 4"/>
           <p:cNvSpPr/>
           <p:nvPr/>
         </p:nvSpPr>
         <p:spPr>
           <a:xfrm>
-            <a:off x="838080" y="6356520"/>
-            <a:ext cx="2742480" cy="364320"/>
+            <a:off x="4038480" y="6356520"/>
+            <a:ext cx="4114080" cy="364320"/>
           </a:xfrm>
           <a:prstGeom prst="rect">
             <a:avLst/>
@@ -5591,131 +6594,137 @@
           <a:bodyPr lIns="90000" tIns="45000" rIns="90000" bIns="45000" anchor="ctr"/>
           <a:lstStyle/>
           <a:p>
+            <a:pPr algn="ctr">
+              <a:lnSpc>
+                <a:spcPct val="100000"/>
+              </a:lnSpc>
+            </a:pPr>
+            <a:r>
+              <a:rPr lang="en-US" sz="1200" b="0" strike="noStrike" spc="-1" dirty="0">
+                <a:solidFill>
+                  <a:srgbClr val="8B8B8B"/>
+                </a:solidFill>
+                <a:latin typeface="Calibri"/>
+              </a:rPr>
+              <a:t>Segmentation of brain tissues</a:t>
+            </a:r>
+            <a:endParaRPr lang="en-US" sz="1200" b="0" strike="noStrike" spc="-1" dirty="0">
+              <a:latin typeface="Arial"/>
+            </a:endParaRPr>
+          </a:p>
+        </p:txBody>
+      </p:sp>
+      <p:sp>
+        <p:nvSpPr>
+          <p:cNvPr id="90" name="CustomShape 5"/>
+          <p:cNvSpPr/>
+          <p:nvPr/>
+        </p:nvSpPr>
+        <p:spPr>
+          <a:xfrm>
+            <a:off x="8610480" y="6356520"/>
+            <a:ext cx="2742480" cy="364320"/>
+          </a:xfrm>
+          <a:prstGeom prst="rect">
+            <a:avLst/>
+          </a:prstGeom>
+          <a:noFill/>
+          <a:ln>
+            <a:noFill/>
+          </a:ln>
+        </p:spPr>
+        <p:style>
+          <a:lnRef idx="0">
+            <a:scrgbClr r="0" g="0" b="0"/>
+          </a:lnRef>
+          <a:fillRef idx="0">
+            <a:scrgbClr r="0" g="0" b="0"/>
+          </a:fillRef>
+          <a:effectRef idx="0">
+            <a:scrgbClr r="0" g="0" b="0"/>
+          </a:effectRef>
+          <a:fontRef idx="minor"/>
+        </p:style>
+        <p:txBody>
+          <a:bodyPr lIns="90000" tIns="45000" rIns="90000" bIns="45000" anchor="ctr"/>
+          <a:lstStyle/>
+          <a:p>
+            <a:pPr algn="r">
+              <a:lnSpc>
+                <a:spcPct val="100000"/>
+              </a:lnSpc>
+            </a:pPr>
+            <a:fld id="{23EEEF0D-96B8-458C-AE01-F2651B56BC8D}" type="slidenum">
+              <a:rPr lang="en-US" sz="1200" b="0" strike="noStrike" spc="-1">
+                <a:solidFill>
+                  <a:srgbClr val="8B8B8B"/>
+                </a:solidFill>
+                <a:latin typeface="Calibri"/>
+              </a:rPr>
+              <a:t>2</a:t>
+            </a:fld>
+            <a:endParaRPr lang="en-US" sz="1200" b="0" strike="noStrike" spc="-1">
+              <a:latin typeface="Arial"/>
+            </a:endParaRPr>
+          </a:p>
+        </p:txBody>
+      </p:sp>
+      <p:sp>
+        <p:nvSpPr>
+          <p:cNvPr id="7" name="CustomShape 3">
+            <a:extLst>
+              <a:ext uri="{FF2B5EF4-FFF2-40B4-BE49-F238E27FC236}">
+                <a16:creationId xmlns:a16="http://schemas.microsoft.com/office/drawing/2014/main" id="{E2E7C058-F8E7-4DFB-8B57-F245CB007859}"/>
+              </a:ext>
+            </a:extLst>
+          </p:cNvPr>
+          <p:cNvSpPr/>
+          <p:nvPr/>
+        </p:nvSpPr>
+        <p:spPr>
+          <a:xfrm>
+            <a:off x="838080" y="6356520"/>
+            <a:ext cx="2742480" cy="364320"/>
+          </a:xfrm>
+          <a:prstGeom prst="rect">
+            <a:avLst/>
+          </a:prstGeom>
+          <a:noFill/>
+          <a:ln>
+            <a:noFill/>
+          </a:ln>
+        </p:spPr>
+        <p:style>
+          <a:lnRef idx="0">
+            <a:scrgbClr r="0" g="0" b="0"/>
+          </a:lnRef>
+          <a:fillRef idx="0">
+            <a:scrgbClr r="0" g="0" b="0"/>
+          </a:fillRef>
+          <a:effectRef idx="0">
+            <a:scrgbClr r="0" g="0" b="0"/>
+          </a:effectRef>
+          <a:fontRef idx="minor"/>
+        </p:style>
+        <p:txBody>
+          <a:bodyPr lIns="90000" tIns="45000" rIns="90000" bIns="45000" anchor="ctr"/>
+          <a:lstStyle/>
+          <a:p>
             <a:pPr>
               <a:lnSpc>
                 <a:spcPct val="100000"/>
               </a:lnSpc>
             </a:pPr>
             <a:r>
-              <a:rPr lang="en-US" sz="1200" b="0" strike="noStrike" spc="-1">
+              <a:rPr lang="en-US" sz="1200" b="0" strike="noStrike" spc="-1" dirty="0">
                 <a:solidFill>
                   <a:srgbClr val="8B8B8B"/>
                 </a:solidFill>
                 <a:latin typeface="Calibri"/>
               </a:rPr>
-              <a:t>07.11.2018</a:t>
-            </a:r>
-            <a:endParaRPr lang="en-US" sz="1200" b="0" strike="noStrike" spc="-1">
-              <a:latin typeface="Arial"/>
-            </a:endParaRPr>
-          </a:p>
-        </p:txBody>
-      </p:sp>
-      <p:sp>
-        <p:nvSpPr>
-          <p:cNvPr id="89" name="CustomShape 4"/>
-          <p:cNvSpPr/>
-          <p:nvPr/>
-        </p:nvSpPr>
-        <p:spPr>
-          <a:xfrm>
-            <a:off x="4038480" y="6356520"/>
-            <a:ext cx="4114080" cy="364320"/>
-          </a:xfrm>
-          <a:prstGeom prst="rect">
-            <a:avLst/>
-          </a:prstGeom>
-          <a:noFill/>
-          <a:ln>
-            <a:noFill/>
-          </a:ln>
-        </p:spPr>
-        <p:style>
-          <a:lnRef idx="0">
-            <a:scrgbClr r="0" g="0" b="0"/>
-          </a:lnRef>
-          <a:fillRef idx="0">
-            <a:scrgbClr r="0" g="0" b="0"/>
-          </a:fillRef>
-          <a:effectRef idx="0">
-            <a:scrgbClr r="0" g="0" b="0"/>
-          </a:effectRef>
-          <a:fontRef idx="minor"/>
-        </p:style>
-        <p:txBody>
-          <a:bodyPr lIns="90000" tIns="45000" rIns="90000" bIns="45000" anchor="ctr"/>
-          <a:lstStyle/>
-          <a:p>
-            <a:pPr algn="ctr">
-              <a:lnSpc>
-                <a:spcPct val="100000"/>
-              </a:lnSpc>
-            </a:pPr>
-            <a:r>
-              <a:rPr lang="en-US" sz="1200" b="0" strike="noStrike" spc="-1">
-                <a:solidFill>
-                  <a:srgbClr val="8B8B8B"/>
-                </a:solidFill>
-                <a:latin typeface="Calibri"/>
-              </a:rPr>
-              <a:t>Segmentation of brain tissues</a:t>
-            </a:r>
-            <a:endParaRPr lang="en-US" sz="1200" b="0" strike="noStrike" spc="-1">
-              <a:latin typeface="Arial"/>
-            </a:endParaRPr>
-          </a:p>
-        </p:txBody>
-      </p:sp>
-      <p:sp>
-        <p:nvSpPr>
-          <p:cNvPr id="90" name="CustomShape 5"/>
-          <p:cNvSpPr/>
-          <p:nvPr/>
-        </p:nvSpPr>
-        <p:spPr>
-          <a:xfrm>
-            <a:off x="8610480" y="6356520"/>
-            <a:ext cx="2742480" cy="364320"/>
-          </a:xfrm>
-          <a:prstGeom prst="rect">
-            <a:avLst/>
-          </a:prstGeom>
-          <a:noFill/>
-          <a:ln>
-            <a:noFill/>
-          </a:ln>
-        </p:spPr>
-        <p:style>
-          <a:lnRef idx="0">
-            <a:scrgbClr r="0" g="0" b="0"/>
-          </a:lnRef>
-          <a:fillRef idx="0">
-            <a:scrgbClr r="0" g="0" b="0"/>
-          </a:fillRef>
-          <a:effectRef idx="0">
-            <a:scrgbClr r="0" g="0" b="0"/>
-          </a:effectRef>
-          <a:fontRef idx="minor"/>
-        </p:style>
-        <p:txBody>
-          <a:bodyPr lIns="90000" tIns="45000" rIns="90000" bIns="45000" anchor="ctr"/>
-          <a:lstStyle/>
-          <a:p>
-            <a:pPr algn="r">
-              <a:lnSpc>
-                <a:spcPct val="100000"/>
-              </a:lnSpc>
-            </a:pPr>
-            <a:fld id="{23EEEF0D-96B8-458C-AE01-F2651B56BC8D}" type="slidenum">
-              <a:rPr lang="en-US" sz="1200" b="0" strike="noStrike" spc="-1">
-                <a:solidFill>
-                  <a:srgbClr val="8B8B8B"/>
-                </a:solidFill>
-                <a:latin typeface="Calibri"/>
-              </a:rPr>
-              <a:t>2</a:t>
-            </a:fld>
-            <a:endParaRPr lang="en-US" sz="1200" b="0" strike="noStrike" spc="-1">
+              <a:t>19.12.2018</a:t>
+            </a:r>
+            <a:endParaRPr lang="en-US" sz="1200" b="0" strike="noStrike" spc="-1" dirty="0">
               <a:latin typeface="Arial"/>
             </a:endParaRPr>
           </a:p>
@@ -5726,14 +6735,6 @@
   <p:clrMapOvr>
     <a:masterClrMapping/>
   </p:clrMapOvr>
-  <mc:AlternateContent xmlns:mc="http://schemas.openxmlformats.org/markup-compatibility/2006" xmlns:p14="http://schemas.microsoft.com/office/powerpoint/2010/main">
-    <mc:Choice Requires="p14">
-      <p:transition spd="slow" p14:dur="2000"/>
-    </mc:Choice>
-    <mc:Fallback xmlns:p15="http://schemas.microsoft.com/office/powerpoint/2012/main" xmlns="">
-      <p:transition spd="slow"/>
-    </mc:Fallback>
-  </mc:AlternateContent>
   <p:timing>
     <p:tnLst>
       <p:par>
@@ -5783,6 +6784,60 @@
       </p:grpSpPr>
       <p:sp>
         <p:nvSpPr>
+          <p:cNvPr id="4" name="Rechteck 3">
+            <a:extLst>
+              <a:ext uri="{FF2B5EF4-FFF2-40B4-BE49-F238E27FC236}">
+                <a16:creationId xmlns:a16="http://schemas.microsoft.com/office/drawing/2014/main" id="{1362D21C-3F00-481E-925B-27CF25F21D01}"/>
+              </a:ext>
+            </a:extLst>
+          </p:cNvPr>
+          <p:cNvSpPr/>
+          <p:nvPr/>
+        </p:nvSpPr>
+        <p:spPr>
+          <a:xfrm>
+            <a:off x="0" y="0"/>
+            <a:ext cx="12191999" cy="3697973"/>
+          </a:xfrm>
+          <a:prstGeom prst="rect">
+            <a:avLst/>
+          </a:prstGeom>
+          <a:solidFill>
+            <a:schemeClr val="tx1"/>
+          </a:solidFill>
+          <a:ln>
+            <a:solidFill>
+              <a:schemeClr val="tx1"/>
+            </a:solidFill>
+          </a:ln>
+        </p:spPr>
+        <p:style>
+          <a:lnRef idx="2">
+            <a:schemeClr val="accent1">
+              <a:shade val="50000"/>
+            </a:schemeClr>
+          </a:lnRef>
+          <a:fillRef idx="1">
+            <a:schemeClr val="accent1"/>
+          </a:fillRef>
+          <a:effectRef idx="0">
+            <a:schemeClr val="accent1"/>
+          </a:effectRef>
+          <a:fontRef idx="minor">
+            <a:schemeClr val="lt1"/>
+          </a:fontRef>
+        </p:style>
+        <p:txBody>
+          <a:bodyPr rtlCol="0" anchor="ctr"/>
+          <a:lstStyle/>
+          <a:p>
+            <a:pPr algn="ctr"/>
+            <a:endParaRPr lang="de-DE"/>
+          </a:p>
+        </p:txBody>
+      </p:sp>
+      <p:sp>
+        <p:nvSpPr>
           <p:cNvPr id="91" name="CustomShape 1"/>
           <p:cNvSpPr/>
           <p:nvPr/>
@@ -5822,30 +6877,30 @@
               </a:lnSpc>
             </a:pPr>
             <a:r>
-              <a:rPr lang="en-US" sz="4400" b="1" strike="noStrike" spc="-1">
+              <a:rPr lang="en-US" sz="4400" b="1" strike="noStrike" spc="-1" dirty="0">
                 <a:solidFill>
                   <a:srgbClr val="000000"/>
                 </a:solidFill>
-                <a:latin typeface="Calibri Light"/>
-              </a:rPr>
-              <a:t>Approach</a:t>
-            </a:r>
-            <a:endParaRPr lang="en-US" sz="4400" b="0" strike="noStrike" spc="-1">
-              <a:latin typeface="Arial"/>
-            </a:endParaRPr>
-          </a:p>
-        </p:txBody>
-      </p:sp>
-      <p:sp>
-        <p:nvSpPr>
-          <p:cNvPr id="92" name="CustomShape 2"/>
+                <a:latin typeface="Avenir LT Std 55 Roman" panose="020B0503020203020204" pitchFamily="34" charset="0"/>
+              </a:rPr>
+              <a:t>Clinical Problem</a:t>
+            </a:r>
+            <a:endParaRPr lang="en-US" sz="4400" b="0" strike="noStrike" spc="-1" dirty="0">
+              <a:latin typeface="Avenir LT Std 55 Roman" panose="020B0503020203020204" pitchFamily="34" charset="0"/>
+            </a:endParaRPr>
+          </a:p>
+        </p:txBody>
+      </p:sp>
+      <p:sp>
+        <p:nvSpPr>
+          <p:cNvPr id="93" name="CustomShape 3"/>
           <p:cNvSpPr/>
           <p:nvPr/>
         </p:nvSpPr>
         <p:spPr>
           <a:xfrm>
-            <a:off x="838080" y="1825560"/>
-            <a:ext cx="9860040" cy="4350600"/>
+            <a:off x="838080" y="6356520"/>
+            <a:ext cx="2742480" cy="364320"/>
           </a:xfrm>
           <a:prstGeom prst="rect">
             <a:avLst/>
@@ -5868,7 +6923,7 @@
           <a:fontRef idx="minor"/>
         </p:style>
         <p:txBody>
-          <a:bodyPr lIns="90000" tIns="45000" rIns="90000" bIns="45000"/>
+          <a:bodyPr lIns="90000" tIns="45000" rIns="90000" bIns="45000" anchor="ctr"/>
           <a:lstStyle/>
           <a:p>
             <a:pPr>
@@ -5877,20 +6932,236 @@
               </a:lnSpc>
             </a:pPr>
             <a:r>
+              <a:rPr lang="en-US" sz="1200" b="0" strike="noStrike" spc="-1" dirty="0">
+                <a:solidFill>
+                  <a:srgbClr val="8B8B8B"/>
+                </a:solidFill>
+                <a:latin typeface="Calibri"/>
+              </a:rPr>
+              <a:t>19.12.2018</a:t>
+            </a:r>
+            <a:endParaRPr lang="en-US" sz="1200" b="0" strike="noStrike" spc="-1" dirty="0">
+              <a:latin typeface="Arial"/>
+            </a:endParaRPr>
+          </a:p>
+        </p:txBody>
+      </p:sp>
+      <p:sp>
+        <p:nvSpPr>
+          <p:cNvPr id="94" name="CustomShape 4"/>
+          <p:cNvSpPr/>
+          <p:nvPr/>
+        </p:nvSpPr>
+        <p:spPr>
+          <a:xfrm>
+            <a:off x="4038480" y="6356520"/>
+            <a:ext cx="4114080" cy="364320"/>
+          </a:xfrm>
+          <a:prstGeom prst="rect">
+            <a:avLst/>
+          </a:prstGeom>
+          <a:noFill/>
+          <a:ln>
+            <a:noFill/>
+          </a:ln>
+        </p:spPr>
+        <p:style>
+          <a:lnRef idx="0">
+            <a:scrgbClr r="0" g="0" b="0"/>
+          </a:lnRef>
+          <a:fillRef idx="0">
+            <a:scrgbClr r="0" g="0" b="0"/>
+          </a:fillRef>
+          <a:effectRef idx="0">
+            <a:scrgbClr r="0" g="0" b="0"/>
+          </a:effectRef>
+          <a:fontRef idx="minor"/>
+        </p:style>
+        <p:txBody>
+          <a:bodyPr lIns="90000" tIns="45000" rIns="90000" bIns="45000" anchor="ctr"/>
+          <a:lstStyle/>
+          <a:p>
+            <a:pPr algn="ctr">
+              <a:lnSpc>
+                <a:spcPct val="100000"/>
+              </a:lnSpc>
+            </a:pPr>
+            <a:r>
+              <a:rPr lang="en-US" sz="1200" b="0" strike="noStrike" spc="-1">
+                <a:solidFill>
+                  <a:srgbClr val="8B8B8B"/>
+                </a:solidFill>
+                <a:latin typeface="Calibri"/>
+              </a:rPr>
+              <a:t>Segmentation of brain tissues</a:t>
+            </a:r>
+            <a:endParaRPr lang="en-US" sz="1200" b="0" strike="noStrike" spc="-1">
+              <a:latin typeface="Arial"/>
+            </a:endParaRPr>
+          </a:p>
+        </p:txBody>
+      </p:sp>
+      <p:sp>
+        <p:nvSpPr>
+          <p:cNvPr id="95" name="CustomShape 5"/>
+          <p:cNvSpPr/>
+          <p:nvPr/>
+        </p:nvSpPr>
+        <p:spPr>
+          <a:xfrm>
+            <a:off x="8610480" y="6356520"/>
+            <a:ext cx="2742480" cy="364320"/>
+          </a:xfrm>
+          <a:prstGeom prst="rect">
+            <a:avLst/>
+          </a:prstGeom>
+          <a:noFill/>
+          <a:ln>
+            <a:noFill/>
+          </a:ln>
+        </p:spPr>
+        <p:style>
+          <a:lnRef idx="0">
+            <a:scrgbClr r="0" g="0" b="0"/>
+          </a:lnRef>
+          <a:fillRef idx="0">
+            <a:scrgbClr r="0" g="0" b="0"/>
+          </a:fillRef>
+          <a:effectRef idx="0">
+            <a:scrgbClr r="0" g="0" b="0"/>
+          </a:effectRef>
+          <a:fontRef idx="minor"/>
+        </p:style>
+        <p:txBody>
+          <a:bodyPr lIns="90000" tIns="45000" rIns="90000" bIns="45000" anchor="ctr"/>
+          <a:lstStyle/>
+          <a:p>
+            <a:pPr algn="r">
+              <a:lnSpc>
+                <a:spcPct val="100000"/>
+              </a:lnSpc>
+            </a:pPr>
+            <a:fld id="{B9191E88-92AF-41E1-AE11-D30D0F798FDD}" type="slidenum">
+              <a:rPr lang="en-US" sz="1200" b="0" strike="noStrike" spc="-1">
+                <a:solidFill>
+                  <a:srgbClr val="8B8B8B"/>
+                </a:solidFill>
+                <a:latin typeface="Calibri"/>
+              </a:rPr>
+              <a:t>3</a:t>
+            </a:fld>
+            <a:endParaRPr lang="en-US" sz="1200" b="0" strike="noStrike" spc="-1">
+              <a:latin typeface="Arial"/>
+            </a:endParaRPr>
+          </a:p>
+        </p:txBody>
+      </p:sp>
+      <p:sp>
+        <p:nvSpPr>
+          <p:cNvPr id="7" name="CustomShape 2">
+            <a:extLst>
+              <a:ext uri="{FF2B5EF4-FFF2-40B4-BE49-F238E27FC236}">
+                <a16:creationId xmlns:a16="http://schemas.microsoft.com/office/drawing/2014/main" id="{F38A9B3C-D25F-4943-8E0F-CCA6E88A368E}"/>
+              </a:ext>
+            </a:extLst>
+          </p:cNvPr>
+          <p:cNvSpPr/>
+          <p:nvPr/>
+        </p:nvSpPr>
+        <p:spPr>
+          <a:xfrm>
+            <a:off x="838080" y="1825560"/>
+            <a:ext cx="9860040" cy="4350600"/>
+          </a:xfrm>
+          <a:prstGeom prst="rect">
+            <a:avLst/>
+          </a:prstGeom>
+          <a:noFill/>
+          <a:ln>
+            <a:noFill/>
+          </a:ln>
+        </p:spPr>
+        <p:style>
+          <a:lnRef idx="0">
+            <a:scrgbClr r="0" g="0" b="0"/>
+          </a:lnRef>
+          <a:fillRef idx="0">
+            <a:scrgbClr r="0" g="0" b="0"/>
+          </a:fillRef>
+          <a:effectRef idx="0">
+            <a:scrgbClr r="0" g="0" b="0"/>
+          </a:effectRef>
+          <a:fontRef idx="minor"/>
+        </p:style>
+        <p:txBody>
+          <a:bodyPr lIns="90000" tIns="45000" rIns="90000" bIns="45000"/>
+          <a:lstStyle/>
+          <a:p>
+            <a:pPr marL="720">
+              <a:lnSpc>
+                <a:spcPct val="90000"/>
+              </a:lnSpc>
+              <a:buClr>
+                <a:srgbClr val="000000"/>
+              </a:buClr>
+            </a:pPr>
+            <a:r>
+              <a:rPr lang="en-US" sz="2800" b="1" strike="noStrike" spc="-1" dirty="0">
+                <a:solidFill>
+                  <a:srgbClr val="000000"/>
+                </a:solidFill>
+                <a:latin typeface="Avenir LT Std 55 Roman" panose="020B0503020203020204" pitchFamily="34" charset="0"/>
+                <a:cs typeface="Calibri" panose="020F0502020204030204" pitchFamily="34" charset="0"/>
+              </a:rPr>
+              <a:t>Neurodegenerative diseases: Alzheimer, Parkinson, …</a:t>
+            </a:r>
+          </a:p>
+          <a:p>
+            <a:pPr marL="915120" lvl="1" indent="-457200">
+              <a:lnSpc>
+                <a:spcPct val="90000"/>
+              </a:lnSpc>
+              <a:buClr>
+                <a:srgbClr val="000000"/>
+              </a:buClr>
+              <a:buFont typeface="Arial" panose="020B0604020202020204" pitchFamily="34" charset="0"/>
+              <a:buChar char="•"/>
+            </a:pPr>
+            <a:r>
               <a:rPr lang="en-US" sz="2800" b="0" strike="noStrike" spc="-1" dirty="0">
                 <a:solidFill>
                   <a:srgbClr val="000000"/>
                 </a:solidFill>
-                <a:latin typeface="Calibri"/>
-              </a:rPr>
-              <a:t>Evaluate different methods for segmentation:</a:t>
-            </a:r>
-            <a:endParaRPr lang="en-US" sz="2800" b="0" strike="noStrike" spc="-1" dirty="0">
-              <a:latin typeface="Arial"/>
-            </a:endParaRPr>
-          </a:p>
-          <a:p>
-            <a:pPr marL="228600" indent="-227880">
+                <a:latin typeface="Avenir LT Std 55 Roman" panose="020B0503020203020204" pitchFamily="34" charset="0"/>
+                <a:cs typeface="Calibri" panose="020F0502020204030204" pitchFamily="34" charset="0"/>
+              </a:rPr>
+              <a:t>High clinical need</a:t>
+            </a:r>
+          </a:p>
+          <a:p>
+            <a:pPr marL="915120" lvl="1" indent="-457200">
+              <a:lnSpc>
+                <a:spcPct val="90000"/>
+              </a:lnSpc>
+              <a:buClr>
+                <a:srgbClr val="000000"/>
+              </a:buClr>
+              <a:buFont typeface="Arial" panose="020B0604020202020204" pitchFamily="34" charset="0"/>
+              <a:buChar char="•"/>
+            </a:pPr>
+            <a:r>
+              <a:rPr lang="en-US" sz="2800" spc="-1" dirty="0">
+                <a:solidFill>
+                  <a:srgbClr val="000000"/>
+                </a:solidFill>
+                <a:latin typeface="Avenir LT Std 55 Roman" panose="020B0503020203020204" pitchFamily="34" charset="0"/>
+                <a:cs typeface="Calibri" panose="020F0502020204030204" pitchFamily="34" charset="0"/>
+              </a:rPr>
+              <a:t>Numbers to increase</a:t>
+            </a:r>
+          </a:p>
+          <a:p>
+            <a:pPr marL="685800" lvl="1" indent="-227880">
               <a:lnSpc>
                 <a:spcPct val="90000"/>
               </a:lnSpc>
@@ -5900,59 +7171,16 @@
               <a:buFont typeface="Arial"/>
               <a:buChar char="•"/>
             </a:pPr>
-            <a:r>
-              <a:rPr lang="en-US" sz="2800" b="0" strike="noStrike" spc="-1" dirty="0">
-                <a:solidFill>
-                  <a:srgbClr val="000000"/>
-                </a:solidFill>
-                <a:latin typeface="Calibri"/>
-              </a:rPr>
-              <a:t>Random forest, Logistic regression, SVM linear, SVM </a:t>
-            </a:r>
-            <a:r>
-              <a:rPr lang="en-US" sz="2800" b="0" strike="noStrike" spc="-1" dirty="0" err="1">
-                <a:solidFill>
-                  <a:srgbClr val="000000"/>
-                </a:solidFill>
-                <a:latin typeface="Calibri"/>
-              </a:rPr>
-              <a:t>rbf</a:t>
-            </a:r>
-            <a:endParaRPr lang="en-US" sz="2800" b="0" strike="noStrike" spc="-1" dirty="0">
-              <a:latin typeface="Arial"/>
-            </a:endParaRPr>
-          </a:p>
-          <a:p>
-            <a:pPr>
-              <a:lnSpc>
-                <a:spcPct val="90000"/>
-              </a:lnSpc>
-            </a:pPr>
-            <a:endParaRPr lang="en-US" sz="2800" b="0" strike="noStrike" spc="-1" dirty="0">
-              <a:latin typeface="Arial"/>
-            </a:endParaRPr>
-          </a:p>
-          <a:p>
-            <a:pPr>
-              <a:lnSpc>
-                <a:spcPct val="100000"/>
-              </a:lnSpc>
-            </a:pPr>
-            <a:r>
-              <a:rPr lang="en-US" sz="2800" b="1" strike="noStrike" spc="-1" dirty="0">
-                <a:solidFill>
-                  <a:srgbClr val="000000"/>
-                </a:solidFill>
-                <a:latin typeface="Calibri"/>
-              </a:rPr>
-              <a:t>Approach:</a:t>
-            </a:r>
-            <a:endParaRPr lang="en-US" sz="2800" b="0" strike="noStrike" spc="-1" dirty="0">
-              <a:latin typeface="Arial"/>
-            </a:endParaRPr>
-          </a:p>
-          <a:p>
-            <a:pPr marL="228600" indent="-227880">
+            <a:endParaRPr lang="en-US" sz="2800" spc="-1" dirty="0">
+              <a:solidFill>
+                <a:srgbClr val="000000"/>
+              </a:solidFill>
+              <a:latin typeface="Avenir LT Std 55 Roman" panose="020B0503020203020204" pitchFamily="34" charset="0"/>
+              <a:cs typeface="Calibri" panose="020F0502020204030204" pitchFamily="34" charset="0"/>
+            </a:endParaRPr>
+          </a:p>
+          <a:p>
+            <a:pPr marL="685800" lvl="1" indent="-227880">
               <a:lnSpc>
                 <a:spcPct val="90000"/>
               </a:lnSpc>
@@ -5962,323 +7190,247 @@
               <a:buFont typeface="Arial"/>
               <a:buChar char="•"/>
             </a:pPr>
-            <a:r>
-              <a:rPr lang="en-US" sz="2800" b="0" strike="noStrike" spc="-1" dirty="0">
-                <a:solidFill>
-                  <a:srgbClr val="000000"/>
-                </a:solidFill>
-                <a:latin typeface="Calibri"/>
-              </a:rPr>
-              <a:t>Polynomial features (x^2, y^2, … , </a:t>
-            </a:r>
-            <a:r>
-              <a:rPr lang="en-US" sz="2800" b="0" strike="noStrike" spc="-1" dirty="0" err="1">
-                <a:solidFill>
-                  <a:srgbClr val="000000"/>
-                </a:solidFill>
-                <a:latin typeface="Calibri"/>
-              </a:rPr>
-              <a:t>xz</a:t>
-            </a:r>
-            <a:r>
-              <a:rPr lang="en-US" sz="2800" b="0" strike="noStrike" spc="-1" dirty="0">
-                <a:solidFill>
-                  <a:srgbClr val="000000"/>
-                </a:solidFill>
-                <a:latin typeface="Calibri"/>
-              </a:rPr>
-              <a:t>)</a:t>
-            </a:r>
-            <a:endParaRPr lang="en-US" sz="2800" b="0" strike="noStrike" spc="-1" dirty="0">
-              <a:latin typeface="Arial"/>
-            </a:endParaRPr>
-          </a:p>
-          <a:p>
-            <a:pPr marL="228600" indent="-227880">
+            <a:endParaRPr lang="en-US" sz="2800" spc="-1" dirty="0">
+              <a:solidFill>
+                <a:srgbClr val="000000"/>
+              </a:solidFill>
+              <a:latin typeface="Avenir LT Std 55 Roman" panose="020B0503020203020204" pitchFamily="34" charset="0"/>
+              <a:cs typeface="Calibri" panose="020F0502020204030204" pitchFamily="34" charset="0"/>
+            </a:endParaRPr>
+          </a:p>
+          <a:p>
+            <a:pPr marL="720">
               <a:lnSpc>
                 <a:spcPct val="90000"/>
               </a:lnSpc>
               <a:buClr>
                 <a:srgbClr val="000000"/>
               </a:buClr>
-              <a:buFont typeface="Arial"/>
-              <a:buChar char="•"/>
-            </a:pPr>
-            <a:r>
-              <a:rPr lang="en-US" sz="2800" b="0" strike="noStrike" spc="-1" dirty="0">
+            </a:pPr>
+            <a:r>
+              <a:rPr lang="en-US" sz="2800" b="1" spc="-1" dirty="0">
                 <a:solidFill>
                   <a:srgbClr val="000000"/>
                 </a:solidFill>
-                <a:latin typeface="Calibri"/>
-              </a:rPr>
-              <a:t>Parameter tuning (</a:t>
-            </a:r>
-            <a:r>
-              <a:rPr lang="en-US" sz="2800" b="0" strike="noStrike" spc="-1" dirty="0" err="1">
-                <a:solidFill>
-                  <a:srgbClr val="000000"/>
-                </a:solidFill>
-                <a:latin typeface="Calibri"/>
-              </a:rPr>
-              <a:t>GridSearch</a:t>
-            </a:r>
-            <a:r>
-              <a:rPr lang="en-US" sz="2800" b="0" strike="noStrike" spc="-1" dirty="0">
-                <a:solidFill>
-                  <a:srgbClr val="000000"/>
-                </a:solidFill>
-                <a:latin typeface="Calibri"/>
-              </a:rPr>
-              <a:t> for C and Gamma)</a:t>
-            </a:r>
-            <a:endParaRPr lang="en-US" sz="2800" b="0" strike="noStrike" spc="-1" dirty="0">
-              <a:latin typeface="Arial"/>
-            </a:endParaRPr>
-          </a:p>
-          <a:p>
-            <a:pPr marL="228600" indent="-227880">
+                <a:latin typeface="Avenir LT Std 55 Roman" panose="020B0503020203020204" pitchFamily="34" charset="0"/>
+                <a:cs typeface="Calibri" panose="020F0502020204030204" pitchFamily="34" charset="0"/>
+              </a:rPr>
+              <a:t>Degree and progression of the disease (Alzheimer)</a:t>
+            </a:r>
+          </a:p>
+          <a:p>
+            <a:pPr marL="915120" lvl="1" indent="-457200">
               <a:lnSpc>
                 <a:spcPct val="90000"/>
               </a:lnSpc>
               <a:buClr>
                 <a:srgbClr val="000000"/>
               </a:buClr>
-              <a:buFont typeface="Arial"/>
+              <a:buFont typeface="Arial" panose="020B0604020202020204" pitchFamily="34" charset="0"/>
               <a:buChar char="•"/>
             </a:pPr>
             <a:r>
-              <a:rPr lang="en-US" sz="2800" b="0" strike="noStrike" spc="-1" dirty="0">
+              <a:rPr lang="en-US" sz="2800" spc="-1" dirty="0">
                 <a:solidFill>
                   <a:srgbClr val="000000"/>
                 </a:solidFill>
-                <a:latin typeface="Calibri"/>
-              </a:rPr>
-              <a:t>Balance of training examples per class</a:t>
-            </a:r>
-            <a:endParaRPr lang="en-US" sz="2800" b="0" strike="noStrike" spc="-1" dirty="0">
-              <a:latin typeface="Arial"/>
-            </a:endParaRPr>
-          </a:p>
-          <a:p>
-            <a:pPr marL="228600" indent="-227880">
+                <a:latin typeface="Avenir LT Std 55 Roman" panose="020B0503020203020204" pitchFamily="34" charset="0"/>
+                <a:cs typeface="Calibri" panose="020F0502020204030204" pitchFamily="34" charset="0"/>
+              </a:rPr>
+              <a:t>Atrophy of the brain</a:t>
+            </a:r>
+          </a:p>
+          <a:p>
+            <a:pPr marL="915120" lvl="1" indent="-457200">
               <a:lnSpc>
                 <a:spcPct val="90000"/>
               </a:lnSpc>
               <a:buClr>
                 <a:srgbClr val="000000"/>
               </a:buClr>
-              <a:buFont typeface="Arial"/>
+              <a:buFont typeface="Arial" panose="020B0604020202020204" pitchFamily="34" charset="0"/>
               <a:buChar char="•"/>
             </a:pPr>
             <a:r>
-              <a:rPr lang="en-US" sz="2800" b="0" strike="noStrike" spc="-1" dirty="0">
+              <a:rPr lang="en-US" sz="2800" spc="-1" dirty="0">
                 <a:solidFill>
                   <a:srgbClr val="000000"/>
                 </a:solidFill>
-                <a:latin typeface="Calibri"/>
-              </a:rPr>
-              <a:t>Feature </a:t>
-            </a:r>
-            <a:r>
-              <a:rPr lang="en-US" sz="2800" b="0" strike="noStrike" spc="-1" dirty="0" smtClean="0">
+                <a:latin typeface="Avenir LT Std 55 Roman" panose="020B0503020203020204" pitchFamily="34" charset="0"/>
+                <a:cs typeface="Calibri" panose="020F0502020204030204" pitchFamily="34" charset="0"/>
+              </a:rPr>
+              <a:t>Segmentation of brain tissues in MRI images</a:t>
+            </a:r>
+          </a:p>
+          <a:p>
+            <a:pPr marL="915120" lvl="1" indent="-457200">
+              <a:lnSpc>
+                <a:spcPct val="90000"/>
+              </a:lnSpc>
+              <a:buClr>
+                <a:srgbClr val="000000"/>
+              </a:buClr>
+              <a:buFont typeface="Arial" panose="020B0604020202020204" pitchFamily="34" charset="0"/>
+              <a:buChar char="•"/>
+            </a:pPr>
+            <a:r>
+              <a:rPr lang="en-US" sz="2800" spc="-1" dirty="0">
                 <a:solidFill>
                   <a:srgbClr val="000000"/>
                 </a:solidFill>
-                <a:latin typeface="Calibri"/>
-              </a:rPr>
-              <a:t>scaling</a:t>
-            </a:r>
-            <a:endParaRPr lang="en-US" sz="2800" b="0" strike="noStrike" spc="-1" dirty="0">
-              <a:latin typeface="Arial"/>
-            </a:endParaRPr>
-          </a:p>
-        </p:txBody>
-      </p:sp>
-      <p:sp>
-        <p:nvSpPr>
-          <p:cNvPr id="93" name="CustomShape 3"/>
-          <p:cNvSpPr/>
+                <a:latin typeface="Avenir LT Std 55 Roman" panose="020B0503020203020204" pitchFamily="34" charset="0"/>
+                <a:cs typeface="Calibri" panose="020F0502020204030204" pitchFamily="34" charset="0"/>
+              </a:rPr>
+              <a:t>Manual segmentation not viable</a:t>
+            </a:r>
+          </a:p>
+          <a:p>
+            <a:pPr marL="915120" lvl="1" indent="-457200">
+              <a:lnSpc>
+                <a:spcPct val="90000"/>
+              </a:lnSpc>
+              <a:buClr>
+                <a:srgbClr val="000000"/>
+              </a:buClr>
+              <a:buFont typeface="Arial" panose="020B0604020202020204" pitchFamily="34" charset="0"/>
+              <a:buChar char="•"/>
+            </a:pPr>
+            <a:r>
+              <a:rPr lang="en-US" sz="2800" spc="-1" dirty="0">
+                <a:solidFill>
+                  <a:srgbClr val="000000"/>
+                </a:solidFill>
+                <a:latin typeface="Avenir LT Std 55 Roman" panose="020B0503020203020204" pitchFamily="34" charset="0"/>
+                <a:cs typeface="Calibri" panose="020F0502020204030204" pitchFamily="34" charset="0"/>
+              </a:rPr>
+              <a:t>Machine Learning approach</a:t>
+            </a:r>
+          </a:p>
+        </p:txBody>
+      </p:sp>
+      <p:pic>
+        <p:nvPicPr>
+          <p:cNvPr id="3" name="Grafik 2">
+            <a:extLst>
+              <a:ext uri="{FF2B5EF4-FFF2-40B4-BE49-F238E27FC236}">
+                <a16:creationId xmlns:a16="http://schemas.microsoft.com/office/drawing/2014/main" id="{EAEB5BA6-B3B0-433F-84B4-0E4AB3E7F847}"/>
+              </a:ext>
+            </a:extLst>
+          </p:cNvPr>
+          <p:cNvPicPr>
+            <a:picLocks noChangeAspect="1"/>
+          </p:cNvPicPr>
           <p:nvPr/>
-        </p:nvSpPr>
-        <p:spPr>
-          <a:xfrm>
-            <a:off x="838080" y="6356520"/>
-            <a:ext cx="2742480" cy="364320"/>
-          </a:xfrm>
-          <a:prstGeom prst="rect">
-            <a:avLst/>
-          </a:prstGeom>
-          <a:noFill/>
-          <a:ln>
-            <a:noFill/>
-          </a:ln>
-        </p:spPr>
-        <p:style>
-          <a:lnRef idx="0">
-            <a:scrgbClr r="0" g="0" b="0"/>
-          </a:lnRef>
-          <a:fillRef idx="0">
-            <a:scrgbClr r="0" g="0" b="0"/>
-          </a:fillRef>
-          <a:effectRef idx="0">
-            <a:scrgbClr r="0" g="0" b="0"/>
-          </a:effectRef>
-          <a:fontRef idx="minor"/>
-        </p:style>
-        <p:txBody>
-          <a:bodyPr lIns="90000" tIns="45000" rIns="90000" bIns="45000" anchor="ctr"/>
-          <a:lstStyle/>
-          <a:p>
-            <a:pPr>
-              <a:lnSpc>
-                <a:spcPct val="100000"/>
-              </a:lnSpc>
-            </a:pPr>
-            <a:r>
-              <a:rPr lang="en-US" sz="1200" b="0" strike="noStrike" spc="-1">
-                <a:solidFill>
-                  <a:srgbClr val="8B8B8B"/>
-                </a:solidFill>
-                <a:latin typeface="Calibri"/>
-              </a:rPr>
-              <a:t>07.11.2018</a:t>
-            </a:r>
-            <a:endParaRPr lang="en-US" sz="1200" b="0" strike="noStrike" spc="-1">
-              <a:latin typeface="Arial"/>
-            </a:endParaRPr>
-          </a:p>
-        </p:txBody>
-      </p:sp>
-      <p:sp>
-        <p:nvSpPr>
-          <p:cNvPr id="94" name="CustomShape 4"/>
-          <p:cNvSpPr/>
-          <p:nvPr/>
-        </p:nvSpPr>
-        <p:spPr>
-          <a:xfrm>
-            <a:off x="4038480" y="6356520"/>
-            <a:ext cx="4114080" cy="364320"/>
-          </a:xfrm>
-          <a:prstGeom prst="rect">
-            <a:avLst/>
-          </a:prstGeom>
-          <a:noFill/>
-          <a:ln>
-            <a:noFill/>
-          </a:ln>
-        </p:spPr>
-        <p:style>
-          <a:lnRef idx="0">
-            <a:scrgbClr r="0" g="0" b="0"/>
-          </a:lnRef>
-          <a:fillRef idx="0">
-            <a:scrgbClr r="0" g="0" b="0"/>
-          </a:fillRef>
-          <a:effectRef idx="0">
-            <a:scrgbClr r="0" g="0" b="0"/>
-          </a:effectRef>
-          <a:fontRef idx="minor"/>
-        </p:style>
-        <p:txBody>
-          <a:bodyPr lIns="90000" tIns="45000" rIns="90000" bIns="45000" anchor="ctr"/>
-          <a:lstStyle/>
-          <a:p>
-            <a:pPr algn="ctr">
-              <a:lnSpc>
-                <a:spcPct val="100000"/>
-              </a:lnSpc>
-            </a:pPr>
-            <a:r>
-              <a:rPr lang="en-US" sz="1200" b="0" strike="noStrike" spc="-1">
-                <a:solidFill>
-                  <a:srgbClr val="8B8B8B"/>
-                </a:solidFill>
-                <a:latin typeface="Calibri"/>
-              </a:rPr>
-              <a:t>Segmentation of brain tissues</a:t>
-            </a:r>
-            <a:endParaRPr lang="en-US" sz="1200" b="0" strike="noStrike" spc="-1">
-              <a:latin typeface="Arial"/>
-            </a:endParaRPr>
-          </a:p>
-        </p:txBody>
-      </p:sp>
-      <p:sp>
-        <p:nvSpPr>
-          <p:cNvPr id="95" name="CustomShape 5"/>
-          <p:cNvSpPr/>
-          <p:nvPr/>
-        </p:nvSpPr>
-        <p:spPr>
-          <a:xfrm>
-            <a:off x="8610480" y="6356520"/>
-            <a:ext cx="2742480" cy="364320"/>
-          </a:xfrm>
-          <a:prstGeom prst="rect">
-            <a:avLst/>
-          </a:prstGeom>
-          <a:noFill/>
-          <a:ln>
-            <a:noFill/>
-          </a:ln>
-        </p:spPr>
-        <p:style>
-          <a:lnRef idx="0">
-            <a:scrgbClr r="0" g="0" b="0"/>
-          </a:lnRef>
-          <a:fillRef idx="0">
-            <a:scrgbClr r="0" g="0" b="0"/>
-          </a:fillRef>
-          <a:effectRef idx="0">
-            <a:scrgbClr r="0" g="0" b="0"/>
-          </a:effectRef>
-          <a:fontRef idx="minor"/>
-        </p:style>
-        <p:txBody>
-          <a:bodyPr lIns="90000" tIns="45000" rIns="90000" bIns="45000" anchor="ctr"/>
-          <a:lstStyle/>
-          <a:p>
-            <a:pPr algn="r">
-              <a:lnSpc>
-                <a:spcPct val="100000"/>
-              </a:lnSpc>
-            </a:pPr>
-            <a:fld id="{B9191E88-92AF-41E1-AE11-D30D0F798FDD}" type="slidenum">
-              <a:rPr lang="en-US" sz="1200" b="0" strike="noStrike" spc="-1">
-                <a:solidFill>
-                  <a:srgbClr val="8B8B8B"/>
-                </a:solidFill>
-                <a:latin typeface="Calibri"/>
-              </a:rPr>
-              <a:t>3</a:t>
-            </a:fld>
-            <a:endParaRPr lang="en-US" sz="1200" b="0" strike="noStrike" spc="-1">
-              <a:latin typeface="Arial"/>
-            </a:endParaRPr>
-          </a:p>
-        </p:txBody>
-      </p:sp>
+        </p:nvPicPr>
+        <p:blipFill>
+          <a:blip r:embed="rId3">
+            <a:extLst>
+              <a:ext uri="{28A0092B-C50C-407E-A947-70E740481C1C}">
+                <a14:useLocalDpi xmlns:a14="http://schemas.microsoft.com/office/drawing/2010/main" val="0"/>
+              </a:ext>
+            </a:extLst>
+          </a:blip>
+          <a:stretch>
+            <a:fillRect/>
+          </a:stretch>
+        </p:blipFill>
+        <p:spPr>
+          <a:xfrm>
+            <a:off x="4242657" y="0"/>
+            <a:ext cx="3705726" cy="3697973"/>
+          </a:xfrm>
+          <a:prstGeom prst="rect">
+            <a:avLst/>
+          </a:prstGeom>
+        </p:spPr>
+      </p:pic>
     </p:spTree>
   </p:cSld>
   <p:clrMapOvr>
     <a:masterClrMapping/>
   </p:clrMapOvr>
-  <mc:AlternateContent xmlns:mc="http://schemas.openxmlformats.org/markup-compatibility/2006" xmlns:p14="http://schemas.microsoft.com/office/powerpoint/2010/main">
-    <mc:Choice Requires="p14">
-      <p:transition spd="slow" p14:dur="2000"/>
-    </mc:Choice>
-    <mc:Fallback xmlns:p15="http://schemas.microsoft.com/office/powerpoint/2012/main" xmlns="">
-      <p:transition spd="slow"/>
-    </mc:Fallback>
-  </mc:AlternateContent>
   <p:timing>
     <p:tnLst>
       <p:par>
         <p:cTn id="1" dur="indefinite" restart="never" nodeType="tmRoot">
           <p:childTnLst>
             <p:seq>
-              <p:cTn id="2" dur="indefinite" nodeType="mainSeq"/>
+              <p:cTn id="2" dur="indefinite" nodeType="mainSeq">
+                <p:childTnLst>
+                  <p:par>
+                    <p:cTn id="3" fill="hold">
+                      <p:stCondLst>
+                        <p:cond delay="indefinite"/>
+                      </p:stCondLst>
+                      <p:childTnLst>
+                        <p:par>
+                          <p:cTn id="4" fill="hold">
+                            <p:stCondLst>
+                              <p:cond delay="0"/>
+                            </p:stCondLst>
+                            <p:childTnLst>
+                              <p:par>
+                                <p:cTn id="5" presetID="1" presetClass="entr" presetSubtype="0" fill="hold" grpId="0" nodeType="clickEffect">
+                                  <p:stCondLst>
+                                    <p:cond delay="0"/>
+                                  </p:stCondLst>
+                                  <p:childTnLst>
+                                    <p:set>
+                                      <p:cBhvr>
+                                        <p:cTn id="6" dur="1" fill="hold">
+                                          <p:stCondLst>
+                                            <p:cond delay="0"/>
+                                          </p:stCondLst>
+                                        </p:cTn>
+                                        <p:tgtEl>
+                                          <p:spTgt spid="4"/>
+                                        </p:tgtEl>
+                                        <p:attrNameLst>
+                                          <p:attrName>style.visibility</p:attrName>
+                                        </p:attrNameLst>
+                                      </p:cBhvr>
+                                      <p:to>
+                                        <p:strVal val="visible"/>
+                                      </p:to>
+                                    </p:set>
+                                  </p:childTnLst>
+                                </p:cTn>
+                              </p:par>
+                              <p:par>
+                                <p:cTn id="7" presetID="1" presetClass="entr" presetSubtype="0" fill="hold" nodeType="withEffect">
+                                  <p:stCondLst>
+                                    <p:cond delay="0"/>
+                                  </p:stCondLst>
+                                  <p:childTnLst>
+                                    <p:set>
+                                      <p:cBhvr>
+                                        <p:cTn id="8" dur="1" fill="hold">
+                                          <p:stCondLst>
+                                            <p:cond delay="0"/>
+                                          </p:stCondLst>
+                                        </p:cTn>
+                                        <p:tgtEl>
+                                          <p:spTgt spid="3"/>
+                                        </p:tgtEl>
+                                        <p:attrNameLst>
+                                          <p:attrName>style.visibility</p:attrName>
+                                        </p:attrNameLst>
+                                      </p:cBhvr>
+                                      <p:to>
+                                        <p:strVal val="visible"/>
+                                      </p:to>
+                                    </p:set>
+                                  </p:childTnLst>
+                                </p:cTn>
+                              </p:par>
+                            </p:childTnLst>
+                          </p:cTn>
+                        </p:par>
+                      </p:childTnLst>
+                    </p:cTn>
+                  </p:par>
+                </p:childTnLst>
+              </p:cTn>
               <p:prevCondLst>
                 <p:cond evt="onPrev" delay="0">
                   <p:tgtEl>
@@ -6298,6 +7450,9 @@
         </p:cTn>
       </p:par>
     </p:tnLst>
+    <p:bldLst>
+      <p:bldP spid="4" grpId="0" animBg="1"/>
+    </p:bldLst>
   </p:timing>
 </p:sld>
 </file>
@@ -6321,7 +7476,7 @@
       </p:grpSpPr>
       <p:sp>
         <p:nvSpPr>
-          <p:cNvPr id="96" name="CustomShape 1"/>
+          <p:cNvPr id="91" name="CustomShape 1"/>
           <p:cNvSpPr/>
           <p:nvPr/>
         </p:nvSpPr>
@@ -6360,30 +7515,30 @@
               </a:lnSpc>
             </a:pPr>
             <a:r>
-              <a:rPr lang="en-US" sz="4400" b="1" strike="noStrike" spc="-1">
+              <a:rPr lang="en-US" sz="4400" b="1" strike="noStrike" spc="-1" dirty="0">
                 <a:solidFill>
                   <a:srgbClr val="000000"/>
                 </a:solidFill>
-                <a:latin typeface="Calibri Light"/>
-              </a:rPr>
-              <a:t>Progress</a:t>
-            </a:r>
-            <a:endParaRPr lang="en-US" sz="4400" b="0" strike="noStrike" spc="-1">
-              <a:latin typeface="Arial"/>
-            </a:endParaRPr>
-          </a:p>
-        </p:txBody>
-      </p:sp>
-      <p:sp>
-        <p:nvSpPr>
-          <p:cNvPr id="97" name="CustomShape 2"/>
+                <a:latin typeface="Avenir LT Std 55 Roman" panose="020B0503020203020204" pitchFamily="34" charset="0"/>
+              </a:rPr>
+              <a:t>Goals</a:t>
+            </a:r>
+            <a:endParaRPr lang="en-US" sz="4400" b="0" strike="noStrike" spc="-1" dirty="0">
+              <a:latin typeface="Avenir LT Std 55 Roman" panose="020B0503020203020204" pitchFamily="34" charset="0"/>
+            </a:endParaRPr>
+          </a:p>
+        </p:txBody>
+      </p:sp>
+      <p:sp>
+        <p:nvSpPr>
+          <p:cNvPr id="93" name="CustomShape 3"/>
           <p:cNvSpPr/>
           <p:nvPr/>
         </p:nvSpPr>
         <p:spPr>
           <a:xfrm>
-            <a:off x="838080" y="1825560"/>
-            <a:ext cx="9033120" cy="4350600"/>
+            <a:off x="838080" y="6356520"/>
+            <a:ext cx="2742480" cy="364320"/>
           </a:xfrm>
           <a:prstGeom prst="rect">
             <a:avLst/>
@@ -6405,17 +7560,40 @@
           </a:effectRef>
           <a:fontRef idx="minor"/>
         </p:style>
-      </p:sp>
-      <p:sp>
-        <p:nvSpPr>
-          <p:cNvPr id="98" name="CustomShape 3"/>
+        <p:txBody>
+          <a:bodyPr lIns="90000" tIns="45000" rIns="90000" bIns="45000" anchor="ctr"/>
+          <a:lstStyle/>
+          <a:p>
+            <a:pPr>
+              <a:lnSpc>
+                <a:spcPct val="100000"/>
+              </a:lnSpc>
+            </a:pPr>
+            <a:r>
+              <a:rPr lang="en-US" sz="1200" b="0" strike="noStrike" spc="-1" dirty="0">
+                <a:solidFill>
+                  <a:srgbClr val="8B8B8B"/>
+                </a:solidFill>
+                <a:latin typeface="Calibri"/>
+              </a:rPr>
+              <a:t>19.12.2018</a:t>
+            </a:r>
+            <a:endParaRPr lang="en-US" sz="1200" b="0" strike="noStrike" spc="-1" dirty="0">
+              <a:latin typeface="Arial"/>
+            </a:endParaRPr>
+          </a:p>
+        </p:txBody>
+      </p:sp>
+      <p:sp>
+        <p:nvSpPr>
+          <p:cNvPr id="94" name="CustomShape 4"/>
           <p:cNvSpPr/>
           <p:nvPr/>
         </p:nvSpPr>
         <p:spPr>
           <a:xfrm>
-            <a:off x="838080" y="6356520"/>
-            <a:ext cx="2742480" cy="364320"/>
+            <a:off x="4038480" y="6356520"/>
+            <a:ext cx="4114080" cy="364320"/>
           </a:xfrm>
           <a:prstGeom prst="rect">
             <a:avLst/>
@@ -6441,7 +7619,7 @@
           <a:bodyPr lIns="90000" tIns="45000" rIns="90000" bIns="45000" anchor="ctr"/>
           <a:lstStyle/>
           <a:p>
-            <a:pPr>
+            <a:pPr algn="ctr">
               <a:lnSpc>
                 <a:spcPct val="100000"/>
               </a:lnSpc>
@@ -6453,7 +7631,7 @@
                 </a:solidFill>
                 <a:latin typeface="Calibri"/>
               </a:rPr>
-              <a:t>07.11.2018</a:t>
+              <a:t>Segmentation of brain tissues</a:t>
             </a:r>
             <a:endParaRPr lang="en-US" sz="1200" b="0" strike="noStrike" spc="-1">
               <a:latin typeface="Arial"/>
@@ -6463,14 +7641,14 @@
       </p:sp>
       <p:sp>
         <p:nvSpPr>
-          <p:cNvPr id="99" name="CustomShape 4"/>
+          <p:cNvPr id="95" name="CustomShape 5"/>
           <p:cNvSpPr/>
           <p:nvPr/>
         </p:nvSpPr>
         <p:spPr>
           <a:xfrm>
-            <a:off x="4038480" y="6356520"/>
-            <a:ext cx="4114080" cy="364320"/>
+            <a:off x="8610480" y="6356520"/>
+            <a:ext cx="2742480" cy="364320"/>
           </a:xfrm>
           <a:prstGeom prst="rect">
             <a:avLst/>
@@ -6496,20 +7674,20 @@
           <a:bodyPr lIns="90000" tIns="45000" rIns="90000" bIns="45000" anchor="ctr"/>
           <a:lstStyle/>
           <a:p>
-            <a:pPr algn="ctr">
+            <a:pPr algn="r">
               <a:lnSpc>
                 <a:spcPct val="100000"/>
               </a:lnSpc>
             </a:pPr>
-            <a:r>
+            <a:fld id="{B9191E88-92AF-41E1-AE11-D30D0F798FDD}" type="slidenum">
               <a:rPr lang="en-US" sz="1200" b="0" strike="noStrike" spc="-1">
                 <a:solidFill>
                   <a:srgbClr val="8B8B8B"/>
                 </a:solidFill>
                 <a:latin typeface="Calibri"/>
               </a:rPr>
-              <a:t>Segmentation of brain tissues</a:t>
-            </a:r>
+              <a:t>4</a:t>
+            </a:fld>
             <a:endParaRPr lang="en-US" sz="1200" b="0" strike="noStrike" spc="-1">
               <a:latin typeface="Arial"/>
             </a:endParaRPr>
@@ -6518,14 +7696,20 @@
       </p:sp>
       <p:sp>
         <p:nvSpPr>
-          <p:cNvPr id="100" name="CustomShape 5"/>
+          <p:cNvPr id="7" name="CustomShape 2">
+            <a:extLst>
+              <a:ext uri="{FF2B5EF4-FFF2-40B4-BE49-F238E27FC236}">
+                <a16:creationId xmlns:a16="http://schemas.microsoft.com/office/drawing/2014/main" id="{F38A9B3C-D25F-4943-8E0F-CCA6E88A368E}"/>
+              </a:ext>
+            </a:extLst>
+          </p:cNvPr>
           <p:cNvSpPr/>
           <p:nvPr/>
         </p:nvSpPr>
         <p:spPr>
           <a:xfrm>
-            <a:off x="8610480" y="6356520"/>
-            <a:ext cx="2742480" cy="364320"/>
+            <a:off x="838080" y="1825560"/>
+            <a:ext cx="9860040" cy="4350600"/>
           </a:xfrm>
           <a:prstGeom prst="rect">
             <a:avLst/>
@@ -6548,65 +7732,117 @@
           <a:fontRef idx="minor"/>
         </p:style>
         <p:txBody>
-          <a:bodyPr lIns="90000" tIns="45000" rIns="90000" bIns="45000" anchor="ctr"/>
-          <a:lstStyle/>
-          <a:p>
-            <a:pPr algn="r">
+          <a:bodyPr lIns="90000" tIns="45000" rIns="90000" bIns="45000"/>
+          <a:lstStyle/>
+          <a:p>
+            <a:pPr marL="457920" indent="-457200">
               <a:lnSpc>
-                <a:spcPct val="100000"/>
+                <a:spcPct val="90000"/>
               </a:lnSpc>
-            </a:pPr>
-            <a:fld id="{A5C98420-BB98-48B4-A644-4A7D40222D46}" type="slidenum">
-              <a:rPr lang="en-US" sz="1200" b="0" strike="noStrike" spc="-1">
-                <a:solidFill>
-                  <a:srgbClr val="8B8B8B"/>
-                </a:solidFill>
-                <a:latin typeface="Calibri"/>
-              </a:rPr>
-              <a:t>4</a:t>
-            </a:fld>
-            <a:endParaRPr lang="en-US" sz="1200" b="0" strike="noStrike" spc="-1">
-              <a:latin typeface="Arial"/>
-            </a:endParaRPr>
-          </a:p>
-        </p:txBody>
-      </p:sp>
-      <p:pic>
-        <p:nvPicPr>
-          <p:cNvPr id="101" name="Picture 100"/>
-          <p:cNvPicPr/>
-          <p:nvPr/>
-        </p:nvPicPr>
-        <p:blipFill>
-          <a:blip r:embed="rId2"/>
-          <a:stretch/>
-        </p:blipFill>
-        <p:spPr>
-          <a:xfrm>
-            <a:off x="1645920" y="1554480"/>
-            <a:ext cx="8412120" cy="4762080"/>
-          </a:xfrm>
-          <a:prstGeom prst="rect">
-            <a:avLst/>
-          </a:prstGeom>
-          <a:ln>
-            <a:noFill/>
-          </a:ln>
-        </p:spPr>
-      </p:pic>
+              <a:buClr>
+                <a:srgbClr val="000000"/>
+              </a:buClr>
+              <a:buFont typeface="Arial" panose="020B0604020202020204" pitchFamily="34" charset="0"/>
+              <a:buChar char="•"/>
+            </a:pPr>
+            <a:endParaRPr lang="en-US" sz="3200" spc="-1" dirty="0">
+              <a:solidFill>
+                <a:srgbClr val="000000"/>
+              </a:solidFill>
+              <a:latin typeface="Avenir LT Std 55 Roman" panose="020B0503020203020204" pitchFamily="34" charset="0"/>
+              <a:cs typeface="Calibri" panose="020F0502020204030204" pitchFamily="34" charset="0"/>
+            </a:endParaRPr>
+          </a:p>
+          <a:p>
+            <a:pPr marL="457920" indent="-457200">
+              <a:lnSpc>
+                <a:spcPct val="90000"/>
+              </a:lnSpc>
+              <a:buClr>
+                <a:srgbClr val="000000"/>
+              </a:buClr>
+              <a:buFont typeface="Arial" panose="020B0604020202020204" pitchFamily="34" charset="0"/>
+              <a:buChar char="•"/>
+            </a:pPr>
+            <a:r>
+              <a:rPr lang="en-US" sz="3200" spc="-1" dirty="0">
+                <a:solidFill>
+                  <a:srgbClr val="000000"/>
+                </a:solidFill>
+                <a:latin typeface="Avenir LT Std 55 Roman" panose="020B0503020203020204" pitchFamily="34" charset="0"/>
+                <a:cs typeface="Calibri" panose="020F0502020204030204" pitchFamily="34" charset="0"/>
+              </a:rPr>
+              <a:t>Understand differences and advantages of different machine learning approaches on segmenting brain tissues.</a:t>
+            </a:r>
+          </a:p>
+          <a:p>
+            <a:pPr marL="720">
+              <a:lnSpc>
+                <a:spcPct val="90000"/>
+              </a:lnSpc>
+              <a:buClr>
+                <a:srgbClr val="000000"/>
+              </a:buClr>
+            </a:pPr>
+            <a:endParaRPr lang="en-US" sz="3200" spc="-1" dirty="0">
+              <a:solidFill>
+                <a:srgbClr val="000000"/>
+              </a:solidFill>
+              <a:latin typeface="Avenir LT Std 55 Roman" panose="020B0503020203020204" pitchFamily="34" charset="0"/>
+              <a:cs typeface="Calibri" panose="020F0502020204030204" pitchFamily="34" charset="0"/>
+            </a:endParaRPr>
+          </a:p>
+          <a:p>
+            <a:pPr marL="720">
+              <a:lnSpc>
+                <a:spcPct val="90000"/>
+              </a:lnSpc>
+              <a:buClr>
+                <a:srgbClr val="000000"/>
+              </a:buClr>
+            </a:pPr>
+            <a:endParaRPr lang="en-US" sz="3200" spc="-1" dirty="0">
+              <a:solidFill>
+                <a:srgbClr val="000000"/>
+              </a:solidFill>
+              <a:latin typeface="Avenir LT Std 55 Roman" panose="020B0503020203020204" pitchFamily="34" charset="0"/>
+              <a:cs typeface="Calibri" panose="020F0502020204030204" pitchFamily="34" charset="0"/>
+            </a:endParaRPr>
+          </a:p>
+          <a:p>
+            <a:pPr marL="457920" indent="-457200">
+              <a:lnSpc>
+                <a:spcPct val="90000"/>
+              </a:lnSpc>
+              <a:buClr>
+                <a:srgbClr val="000000"/>
+              </a:buClr>
+              <a:buFont typeface="Arial" panose="020B0604020202020204" pitchFamily="34" charset="0"/>
+              <a:buChar char="•"/>
+            </a:pPr>
+            <a:r>
+              <a:rPr lang="en-US" sz="3200" spc="-1" dirty="0">
+                <a:solidFill>
+                  <a:srgbClr val="000000"/>
+                </a:solidFill>
+                <a:latin typeface="Avenir LT Std 55 Roman" panose="020B0503020203020204" pitchFamily="34" charset="0"/>
+                <a:cs typeface="Calibri" panose="020F0502020204030204" pitchFamily="34" charset="0"/>
+              </a:rPr>
+              <a:t>Interpret individual feature importance and their influence on segmentation quality.</a:t>
+            </a:r>
+          </a:p>
+        </p:txBody>
+      </p:sp>
     </p:spTree>
+    <p:extLst>
+      <p:ext uri="{BB962C8B-B14F-4D97-AF65-F5344CB8AC3E}">
+        <p14:creationId xmlns:p14="http://schemas.microsoft.com/office/powerpoint/2010/main" val="249891753"/>
+      </p:ext>
+    </p:extLst>
   </p:cSld>
   <p:clrMapOvr>
     <a:masterClrMapping/>
   </p:clrMapOvr>
-  <mc:AlternateContent xmlns:mc="http://schemas.openxmlformats.org/markup-compatibility/2006" xmlns:p14="http://schemas.microsoft.com/office/powerpoint/2010/main">
-    <mc:Choice Requires="p14">
-      <p:transition spd="slow" p14:dur="2000"/>
-    </mc:Choice>
-    <mc:Fallback xmlns:p15="http://schemas.microsoft.com/office/powerpoint/2012/main" xmlns="">
-      <p:transition spd="slow"/>
-    </mc:Fallback>
-  </mc:AlternateContent>
   <p:timing>
     <p:tnLst>
       <p:par>
@@ -6656,7 +7892,7 @@
       </p:grpSpPr>
       <p:sp>
         <p:nvSpPr>
-          <p:cNvPr id="107" name="CustomShape 1"/>
+          <p:cNvPr id="91" name="CustomShape 1"/>
           <p:cNvSpPr/>
           <p:nvPr/>
         </p:nvSpPr>
@@ -6695,30 +7931,30 @@
               </a:lnSpc>
             </a:pPr>
             <a:r>
-              <a:rPr lang="en-US" sz="4400" b="1" strike="noStrike" spc="-1">
+              <a:rPr lang="en-US" sz="4400" b="1" strike="noStrike" spc="-1" dirty="0">
                 <a:solidFill>
                   <a:srgbClr val="000000"/>
                 </a:solidFill>
-                <a:latin typeface="Calibri Light"/>
-              </a:rPr>
-              <a:t>Insights SVM (linear)</a:t>
-            </a:r>
-            <a:endParaRPr lang="en-US" sz="4400" b="0" strike="noStrike" spc="-1">
-              <a:latin typeface="Arial"/>
-            </a:endParaRPr>
-          </a:p>
-        </p:txBody>
-      </p:sp>
-      <p:sp>
-        <p:nvSpPr>
-          <p:cNvPr id="108" name="CustomShape 2"/>
+                <a:latin typeface="Avenir LT Std 55 Roman" panose="020B0503020203020204" pitchFamily="34" charset="0"/>
+              </a:rPr>
+              <a:t>Methods</a:t>
+            </a:r>
+            <a:endParaRPr lang="en-US" sz="4400" b="0" strike="noStrike" spc="-1" dirty="0">
+              <a:latin typeface="Avenir LT Std 55 Roman" panose="020B0503020203020204" pitchFamily="34" charset="0"/>
+            </a:endParaRPr>
+          </a:p>
+        </p:txBody>
+      </p:sp>
+      <p:sp>
+        <p:nvSpPr>
+          <p:cNvPr id="92" name="CustomShape 2"/>
           <p:cNvSpPr/>
           <p:nvPr/>
         </p:nvSpPr>
         <p:spPr>
           <a:xfrm>
-            <a:off x="838080" y="6356520"/>
-            <a:ext cx="2742480" cy="364320"/>
+            <a:off x="838080" y="1825560"/>
+            <a:ext cx="9860040" cy="4350600"/>
           </a:xfrm>
           <a:prstGeom prst="rect">
             <a:avLst/>
@@ -6741,7 +7977,7 @@
           <a:fontRef idx="minor"/>
         </p:style>
         <p:txBody>
-          <a:bodyPr lIns="90000" tIns="45000" rIns="90000" bIns="45000" anchor="ctr"/>
+          <a:bodyPr lIns="90000" tIns="45000" rIns="90000" bIns="45000"/>
           <a:lstStyle/>
           <a:p>
             <a:pPr>
@@ -6750,30 +7986,224 @@
               </a:lnSpc>
             </a:pPr>
             <a:r>
-              <a:rPr lang="en-US" sz="1200" b="0" strike="noStrike" spc="-1">
-                <a:solidFill>
-                  <a:srgbClr val="8B8B8B"/>
-                </a:solidFill>
-                <a:latin typeface="Calibri"/>
-              </a:rPr>
-              <a:t>07.11.2018</a:t>
-            </a:r>
-            <a:endParaRPr lang="en-US" sz="1200" b="0" strike="noStrike" spc="-1">
-              <a:latin typeface="Arial"/>
-            </a:endParaRPr>
-          </a:p>
-        </p:txBody>
-      </p:sp>
-      <p:sp>
-        <p:nvSpPr>
-          <p:cNvPr id="109" name="CustomShape 3"/>
+              <a:rPr lang="en-US" sz="2800" b="1" strike="noStrike" spc="-1" dirty="0">
+                <a:solidFill>
+                  <a:srgbClr val="000000"/>
+                </a:solidFill>
+                <a:latin typeface="Avenir LT Std 55 Roman" panose="020B0503020203020204" pitchFamily="34" charset="0"/>
+              </a:rPr>
+              <a:t>Evaluate different methods for segmentation</a:t>
+            </a:r>
+            <a:endParaRPr lang="en-US" sz="2800" b="1" strike="noStrike" spc="-1" dirty="0">
+              <a:latin typeface="Avenir LT Std 55 Roman" panose="020B0503020203020204" pitchFamily="34" charset="0"/>
+            </a:endParaRPr>
+          </a:p>
+          <a:p>
+            <a:pPr marL="457920" indent="-457200">
+              <a:lnSpc>
+                <a:spcPct val="90000"/>
+              </a:lnSpc>
+              <a:buClr>
+                <a:srgbClr val="000000"/>
+              </a:buClr>
+              <a:buFont typeface="Arial" panose="020B0604020202020204" pitchFamily="34" charset="0"/>
+              <a:buChar char="•"/>
+            </a:pPr>
+            <a:r>
+              <a:rPr lang="en-US" sz="2800" b="0" strike="noStrike" spc="-1" dirty="0">
+                <a:solidFill>
+                  <a:srgbClr val="000000"/>
+                </a:solidFill>
+                <a:latin typeface="Avenir LT Std 55 Roman" panose="020B0503020203020204" pitchFamily="34" charset="0"/>
+              </a:rPr>
+              <a:t>Random forest</a:t>
+            </a:r>
+            <a:endParaRPr lang="en-US" sz="2800" spc="-1" dirty="0">
+              <a:solidFill>
+                <a:srgbClr val="000000"/>
+              </a:solidFill>
+              <a:latin typeface="Avenir LT Std 55 Roman" panose="020B0503020203020204" pitchFamily="34" charset="0"/>
+            </a:endParaRPr>
+          </a:p>
+          <a:p>
+            <a:pPr marL="457920" indent="-457200">
+              <a:lnSpc>
+                <a:spcPct val="90000"/>
+              </a:lnSpc>
+              <a:buClr>
+                <a:srgbClr val="000000"/>
+              </a:buClr>
+              <a:buFont typeface="Arial" panose="020B0604020202020204" pitchFamily="34" charset="0"/>
+              <a:buChar char="•"/>
+            </a:pPr>
+            <a:r>
+              <a:rPr lang="en-US" sz="2800" b="0" strike="noStrike" spc="-1" dirty="0">
+                <a:solidFill>
+                  <a:srgbClr val="000000"/>
+                </a:solidFill>
+                <a:latin typeface="Avenir LT Std 55 Roman" panose="020B0503020203020204" pitchFamily="34" charset="0"/>
+              </a:rPr>
+              <a:t>Logistic regression</a:t>
+            </a:r>
+            <a:endParaRPr lang="en-US" sz="2800" spc="-1" dirty="0">
+              <a:solidFill>
+                <a:srgbClr val="000000"/>
+              </a:solidFill>
+              <a:latin typeface="Avenir LT Std 55 Roman" panose="020B0503020203020204" pitchFamily="34" charset="0"/>
+            </a:endParaRPr>
+          </a:p>
+          <a:p>
+            <a:pPr marL="457920" indent="-457200">
+              <a:lnSpc>
+                <a:spcPct val="90000"/>
+              </a:lnSpc>
+              <a:buClr>
+                <a:srgbClr val="000000"/>
+              </a:buClr>
+              <a:buFont typeface="Arial" panose="020B0604020202020204" pitchFamily="34" charset="0"/>
+              <a:buChar char="•"/>
+            </a:pPr>
+            <a:r>
+              <a:rPr lang="en-US" sz="2800" spc="-1" dirty="0">
+                <a:solidFill>
+                  <a:srgbClr val="000000"/>
+                </a:solidFill>
+                <a:latin typeface="Avenir LT Std 55 Roman" panose="020B0503020203020204" pitchFamily="34" charset="0"/>
+              </a:rPr>
+              <a:t>SVM linear</a:t>
+            </a:r>
+          </a:p>
+          <a:p>
+            <a:pPr marL="457920" indent="-457200">
+              <a:lnSpc>
+                <a:spcPct val="90000"/>
+              </a:lnSpc>
+              <a:buClr>
+                <a:srgbClr val="000000"/>
+              </a:buClr>
+              <a:buFont typeface="Arial" panose="020B0604020202020204" pitchFamily="34" charset="0"/>
+              <a:buChar char="•"/>
+            </a:pPr>
+            <a:r>
+              <a:rPr lang="en-US" sz="2800" spc="-1" dirty="0">
+                <a:solidFill>
+                  <a:srgbClr val="000000"/>
+                </a:solidFill>
+                <a:latin typeface="Avenir LT Std 55 Roman" panose="020B0503020203020204" pitchFamily="34" charset="0"/>
+              </a:rPr>
+              <a:t>SVM </a:t>
+            </a:r>
+            <a:r>
+              <a:rPr lang="en-US" sz="2800" b="0" strike="noStrike" spc="-1" dirty="0">
+                <a:solidFill>
+                  <a:srgbClr val="000000"/>
+                </a:solidFill>
+                <a:latin typeface="Avenir LT Std 55 Roman" panose="020B0503020203020204" pitchFamily="34" charset="0"/>
+              </a:rPr>
+              <a:t>linear polynomial features</a:t>
+            </a:r>
+          </a:p>
+          <a:p>
+            <a:pPr marL="457920" indent="-457200">
+              <a:lnSpc>
+                <a:spcPct val="90000"/>
+              </a:lnSpc>
+              <a:buClr>
+                <a:srgbClr val="000000"/>
+              </a:buClr>
+              <a:buFont typeface="Arial" panose="020B0604020202020204" pitchFamily="34" charset="0"/>
+              <a:buChar char="•"/>
+            </a:pPr>
+            <a:r>
+              <a:rPr lang="en-US" sz="2800" b="0" strike="noStrike" spc="-1" dirty="0">
+                <a:solidFill>
+                  <a:srgbClr val="000000"/>
+                </a:solidFill>
+                <a:latin typeface="Avenir LT Std 55 Roman" panose="020B0503020203020204" pitchFamily="34" charset="0"/>
+              </a:rPr>
+              <a:t>SVM </a:t>
+            </a:r>
+            <a:r>
+              <a:rPr lang="en-US" sz="2800" b="0" strike="noStrike" spc="-1" dirty="0" err="1">
+                <a:solidFill>
+                  <a:srgbClr val="000000"/>
+                </a:solidFill>
+                <a:latin typeface="Avenir LT Std 55 Roman" panose="020B0503020203020204" pitchFamily="34" charset="0"/>
+              </a:rPr>
+              <a:t>rbf</a:t>
+            </a:r>
+            <a:endParaRPr lang="en-US" sz="2800" b="0" strike="noStrike" spc="-1" dirty="0">
+              <a:latin typeface="Avenir LT Std 55 Roman" panose="020B0503020203020204" pitchFamily="34" charset="0"/>
+            </a:endParaRPr>
+          </a:p>
+          <a:p>
+            <a:pPr>
+              <a:lnSpc>
+                <a:spcPct val="90000"/>
+              </a:lnSpc>
+            </a:pPr>
+            <a:endParaRPr lang="en-US" sz="2800" b="0" strike="noStrike" spc="-1" dirty="0">
+              <a:latin typeface="Avenir LT Std 55 Roman" panose="020B0503020203020204" pitchFamily="34" charset="0"/>
+            </a:endParaRPr>
+          </a:p>
+          <a:p>
+            <a:pPr>
+              <a:lnSpc>
+                <a:spcPct val="90000"/>
+              </a:lnSpc>
+            </a:pPr>
+            <a:r>
+              <a:rPr lang="en-US" sz="2800" b="1" strike="noStrike" spc="-1" dirty="0">
+                <a:latin typeface="Avenir LT Std 55 Roman" panose="020B0503020203020204" pitchFamily="34" charset="0"/>
+              </a:rPr>
+              <a:t>Approach</a:t>
+            </a:r>
+          </a:p>
+          <a:p>
+            <a:pPr marL="457200" indent="-457200">
+              <a:lnSpc>
+                <a:spcPct val="90000"/>
+              </a:lnSpc>
+              <a:buFont typeface="Arial" panose="020B0604020202020204" pitchFamily="34" charset="0"/>
+              <a:buChar char="•"/>
+            </a:pPr>
+            <a:r>
+              <a:rPr lang="en-US" sz="2800" b="0" strike="noStrike" spc="-1" dirty="0">
+                <a:latin typeface="Avenir LT Std 55 Roman" panose="020B0503020203020204" pitchFamily="34" charset="0"/>
+              </a:rPr>
+              <a:t>Balance training samples per class</a:t>
+            </a:r>
+          </a:p>
+          <a:p>
+            <a:pPr marL="457200" indent="-457200">
+              <a:lnSpc>
+                <a:spcPct val="90000"/>
+              </a:lnSpc>
+              <a:buFont typeface="Arial" panose="020B0604020202020204" pitchFamily="34" charset="0"/>
+              <a:buChar char="•"/>
+            </a:pPr>
+            <a:r>
+              <a:rPr lang="en-US" sz="2800" spc="-1" dirty="0">
+                <a:latin typeface="Avenir LT Std 55 Roman" panose="020B0503020203020204" pitchFamily="34" charset="0"/>
+              </a:rPr>
+              <a:t>Adjust training samples with respect to training images</a:t>
+            </a:r>
+            <a:endParaRPr lang="en-US" sz="2800" b="0" strike="noStrike" spc="-1" dirty="0">
+              <a:latin typeface="Avenir LT Std 55 Roman" panose="020B0503020203020204" pitchFamily="34" charset="0"/>
+            </a:endParaRPr>
+          </a:p>
+        </p:txBody>
+      </p:sp>
+      <p:sp>
+        <p:nvSpPr>
+          <p:cNvPr id="93" name="CustomShape 3"/>
           <p:cNvSpPr/>
           <p:nvPr/>
         </p:nvSpPr>
         <p:spPr>
           <a:xfrm>
-            <a:off x="4038480" y="6356520"/>
-            <a:ext cx="4114080" cy="364320"/>
+            <a:off x="838080" y="6356520"/>
+            <a:ext cx="2742480" cy="364320"/>
           </a:xfrm>
           <a:prstGeom prst="rect">
             <a:avLst/>
@@ -6799,6 +8229,61 @@
           <a:bodyPr lIns="90000" tIns="45000" rIns="90000" bIns="45000" anchor="ctr"/>
           <a:lstStyle/>
           <a:p>
+            <a:pPr>
+              <a:lnSpc>
+                <a:spcPct val="100000"/>
+              </a:lnSpc>
+            </a:pPr>
+            <a:r>
+              <a:rPr lang="en-US" sz="1200" b="0" strike="noStrike" spc="-1" dirty="0">
+                <a:solidFill>
+                  <a:srgbClr val="8B8B8B"/>
+                </a:solidFill>
+                <a:latin typeface="Calibri"/>
+              </a:rPr>
+              <a:t>19.12.2018</a:t>
+            </a:r>
+            <a:endParaRPr lang="en-US" sz="1200" b="0" strike="noStrike" spc="-1" dirty="0">
+              <a:latin typeface="Arial"/>
+            </a:endParaRPr>
+          </a:p>
+        </p:txBody>
+      </p:sp>
+      <p:sp>
+        <p:nvSpPr>
+          <p:cNvPr id="94" name="CustomShape 4"/>
+          <p:cNvSpPr/>
+          <p:nvPr/>
+        </p:nvSpPr>
+        <p:spPr>
+          <a:xfrm>
+            <a:off x="4038480" y="6356520"/>
+            <a:ext cx="4114080" cy="364320"/>
+          </a:xfrm>
+          <a:prstGeom prst="rect">
+            <a:avLst/>
+          </a:prstGeom>
+          <a:noFill/>
+          <a:ln>
+            <a:noFill/>
+          </a:ln>
+        </p:spPr>
+        <p:style>
+          <a:lnRef idx="0">
+            <a:scrgbClr r="0" g="0" b="0"/>
+          </a:lnRef>
+          <a:fillRef idx="0">
+            <a:scrgbClr r="0" g="0" b="0"/>
+          </a:fillRef>
+          <a:effectRef idx="0">
+            <a:scrgbClr r="0" g="0" b="0"/>
+          </a:effectRef>
+          <a:fontRef idx="minor"/>
+        </p:style>
+        <p:txBody>
+          <a:bodyPr lIns="90000" tIns="45000" rIns="90000" bIns="45000" anchor="ctr"/>
+          <a:lstStyle/>
+          <a:p>
             <a:pPr algn="ctr">
               <a:lnSpc>
                 <a:spcPct val="100000"/>
@@ -6821,7 +8306,7 @@
       </p:sp>
       <p:sp>
         <p:nvSpPr>
-          <p:cNvPr id="110" name="CustomShape 4"/>
+          <p:cNvPr id="95" name="CustomShape 5"/>
           <p:cNvSpPr/>
           <p:nvPr/>
         </p:nvSpPr>
@@ -6859,7 +8344,7 @@
                 <a:spcPct val="100000"/>
               </a:lnSpc>
             </a:pPr>
-            <a:fld id="{D2A93C0C-1332-46CD-B6BD-9BF46A5834A3}" type="slidenum">
+            <a:fld id="{B9191E88-92AF-41E1-AE11-D30D0F798FDD}" type="slidenum">
               <a:rPr lang="en-US" sz="1200" b="0" strike="noStrike" spc="-1">
                 <a:solidFill>
                   <a:srgbClr val="8B8B8B"/>
@@ -6874,349 +8359,16 @@
           </a:p>
         </p:txBody>
       </p:sp>
-      <p:sp>
-        <p:nvSpPr>
-          <p:cNvPr id="111" name="CustomShape 5"/>
-          <p:cNvSpPr/>
-          <p:nvPr/>
-        </p:nvSpPr>
-        <p:spPr>
-          <a:xfrm>
-            <a:off x="914400" y="4846320"/>
-            <a:ext cx="2559960" cy="857880"/>
-          </a:xfrm>
-          <a:prstGeom prst="rect">
-            <a:avLst/>
-          </a:prstGeom>
-          <a:noFill/>
-          <a:ln>
-            <a:noFill/>
-          </a:ln>
-        </p:spPr>
-        <p:style>
-          <a:lnRef idx="0">
-            <a:scrgbClr r="0" g="0" b="0"/>
-          </a:lnRef>
-          <a:fillRef idx="0">
-            <a:scrgbClr r="0" g="0" b="0"/>
-          </a:fillRef>
-          <a:effectRef idx="0">
-            <a:scrgbClr r="0" g="0" b="0"/>
-          </a:effectRef>
-          <a:fontRef idx="minor"/>
-        </p:style>
-        <p:txBody>
-          <a:bodyPr lIns="90000" tIns="45000" rIns="90000" bIns="45000"/>
-          <a:lstStyle/>
-          <a:p>
-            <a:pPr>
-              <a:lnSpc>
-                <a:spcPct val="100000"/>
-              </a:lnSpc>
-            </a:pPr>
-            <a:r>
-              <a:rPr lang="en-US" sz="1800" b="0" strike="noStrike" spc="-1">
-                <a:solidFill>
-                  <a:srgbClr val="000000"/>
-                </a:solidFill>
-                <a:latin typeface="Arial"/>
-              </a:rPr>
-              <a:t>Same features as RF</a:t>
-            </a:r>
-            <a:endParaRPr lang="en-US" sz="1800" b="0" strike="noStrike" spc="-1">
-              <a:latin typeface="Arial"/>
-            </a:endParaRPr>
-          </a:p>
-          <a:p>
-            <a:pPr>
-              <a:lnSpc>
-                <a:spcPct val="100000"/>
-              </a:lnSpc>
-            </a:pPr>
-            <a:r>
-              <a:rPr lang="en-US" sz="1800" b="0" strike="noStrike" spc="-1">
-                <a:solidFill>
-                  <a:srgbClr val="000000"/>
-                </a:solidFill>
-                <a:latin typeface="Arial"/>
-              </a:rPr>
-              <a:t>→ intensity feature</a:t>
-            </a:r>
-            <a:endParaRPr lang="en-US" sz="1800" b="0" strike="noStrike" spc="-1">
-              <a:latin typeface="Arial"/>
-            </a:endParaRPr>
-          </a:p>
-        </p:txBody>
-      </p:sp>
-      <p:sp>
-        <p:nvSpPr>
-          <p:cNvPr id="112" name="CustomShape 6"/>
-          <p:cNvSpPr/>
-          <p:nvPr/>
-        </p:nvSpPr>
-        <p:spPr>
-          <a:xfrm>
-            <a:off x="4023360" y="4846320"/>
-            <a:ext cx="2559960" cy="601920"/>
-          </a:xfrm>
-          <a:prstGeom prst="rect">
-            <a:avLst/>
-          </a:prstGeom>
-          <a:noFill/>
-          <a:ln>
-            <a:noFill/>
-          </a:ln>
-        </p:spPr>
-        <p:style>
-          <a:lnRef idx="0">
-            <a:scrgbClr r="0" g="0" b="0"/>
-          </a:lnRef>
-          <a:fillRef idx="0">
-            <a:scrgbClr r="0" g="0" b="0"/>
-          </a:fillRef>
-          <a:effectRef idx="0">
-            <a:scrgbClr r="0" g="0" b="0"/>
-          </a:effectRef>
-          <a:fontRef idx="minor"/>
-        </p:style>
-        <p:txBody>
-          <a:bodyPr lIns="90000" tIns="45000" rIns="90000" bIns="45000"/>
-          <a:lstStyle/>
-          <a:p>
-            <a:pPr>
-              <a:lnSpc>
-                <a:spcPct val="100000"/>
-              </a:lnSpc>
-            </a:pPr>
-            <a:r>
-              <a:rPr lang="en-US" sz="1800" b="0" strike="noStrike" spc="-1">
-                <a:solidFill>
-                  <a:srgbClr val="000000"/>
-                </a:solidFill>
-                <a:latin typeface="Arial"/>
-              </a:rPr>
-              <a:t>Balanced samples</a:t>
-            </a:r>
-            <a:endParaRPr lang="en-US" sz="1800" b="0" strike="noStrike" spc="-1">
-              <a:latin typeface="Arial"/>
-            </a:endParaRPr>
-          </a:p>
-          <a:p>
-            <a:pPr>
-              <a:lnSpc>
-                <a:spcPct val="100000"/>
-              </a:lnSpc>
-            </a:pPr>
-            <a:r>
-              <a:rPr lang="en-US" sz="1800" b="0" strike="noStrike" spc="-1">
-                <a:solidFill>
-                  <a:srgbClr val="000000"/>
-                </a:solidFill>
-                <a:latin typeface="Arial"/>
-              </a:rPr>
-              <a:t>→ intensity feature</a:t>
-            </a:r>
-            <a:endParaRPr lang="en-US" sz="1800" b="0" strike="noStrike" spc="-1">
-              <a:latin typeface="Arial"/>
-            </a:endParaRPr>
-          </a:p>
-          <a:p>
-            <a:pPr>
-              <a:lnSpc>
-                <a:spcPct val="100000"/>
-              </a:lnSpc>
-            </a:pPr>
-            <a:r>
-              <a:rPr lang="en-US" sz="1800" b="0" strike="noStrike" spc="-1">
-                <a:solidFill>
-                  <a:srgbClr val="000000"/>
-                </a:solidFill>
-                <a:latin typeface="Arial"/>
-              </a:rPr>
-              <a:t>→ small structures important</a:t>
-            </a:r>
-            <a:endParaRPr lang="en-US" sz="1800" b="0" strike="noStrike" spc="-1">
-              <a:latin typeface="Arial"/>
-            </a:endParaRPr>
-          </a:p>
-        </p:txBody>
-      </p:sp>
-      <p:sp>
-        <p:nvSpPr>
-          <p:cNvPr id="113" name="CustomShape 7"/>
-          <p:cNvSpPr/>
-          <p:nvPr/>
-        </p:nvSpPr>
-        <p:spPr>
-          <a:xfrm>
-            <a:off x="6949440" y="4846320"/>
-            <a:ext cx="3108960" cy="857880"/>
-          </a:xfrm>
-          <a:prstGeom prst="rect">
-            <a:avLst/>
-          </a:prstGeom>
-          <a:noFill/>
-          <a:ln>
-            <a:noFill/>
-          </a:ln>
-        </p:spPr>
-        <p:style>
-          <a:lnRef idx="0">
-            <a:scrgbClr r="0" g="0" b="0"/>
-          </a:lnRef>
-          <a:fillRef idx="0">
-            <a:scrgbClr r="0" g="0" b="0"/>
-          </a:fillRef>
-          <a:effectRef idx="0">
-            <a:scrgbClr r="0" g="0" b="0"/>
-          </a:effectRef>
-          <a:fontRef idx="minor"/>
-        </p:style>
-        <p:txBody>
-          <a:bodyPr lIns="90000" tIns="45000" rIns="90000" bIns="45000"/>
-          <a:lstStyle/>
-          <a:p>
-            <a:pPr>
-              <a:lnSpc>
-                <a:spcPct val="100000"/>
-              </a:lnSpc>
-            </a:pPr>
-            <a:r>
-              <a:rPr lang="en-US" sz="1800" b="0" strike="noStrike" spc="-1">
-                <a:solidFill>
-                  <a:srgbClr val="000000"/>
-                </a:solidFill>
-                <a:latin typeface="Arial"/>
-              </a:rPr>
-              <a:t>Second order coordinates</a:t>
-            </a:r>
-            <a:endParaRPr lang="en-US" sz="1800" b="0" strike="noStrike" spc="-1">
-              <a:latin typeface="Arial"/>
-            </a:endParaRPr>
-          </a:p>
-          <a:p>
-            <a:pPr>
-              <a:lnSpc>
-                <a:spcPct val="100000"/>
-              </a:lnSpc>
-            </a:pPr>
-            <a:r>
-              <a:rPr lang="en-US" sz="1800" b="0" strike="noStrike" spc="-1">
-                <a:solidFill>
-                  <a:srgbClr val="000000"/>
-                </a:solidFill>
-                <a:latin typeface="Arial"/>
-              </a:rPr>
-              <a:t>→ position feature important</a:t>
-            </a:r>
-            <a:endParaRPr lang="en-US" sz="1800" b="0" strike="noStrike" spc="-1">
-              <a:latin typeface="Arial"/>
-            </a:endParaRPr>
-          </a:p>
-          <a:p>
-            <a:pPr>
-              <a:lnSpc>
-                <a:spcPct val="100000"/>
-              </a:lnSpc>
-            </a:pPr>
-            <a:r>
-              <a:rPr lang="en-US" sz="1800" b="0" strike="noStrike" spc="-1">
-                <a:solidFill>
-                  <a:srgbClr val="000000"/>
-                </a:solidFill>
-                <a:latin typeface="Arial"/>
-              </a:rPr>
-              <a:t>→ complex boundaries require high order terms</a:t>
-            </a:r>
-            <a:endParaRPr lang="en-US" sz="1800" b="0" strike="noStrike" spc="-1">
-              <a:latin typeface="Arial"/>
-            </a:endParaRPr>
-          </a:p>
-        </p:txBody>
-      </p:sp>
-      <p:pic>
-        <p:nvPicPr>
-          <p:cNvPr id="114" name="Picture 113"/>
-          <p:cNvPicPr/>
-          <p:nvPr/>
-        </p:nvPicPr>
-        <p:blipFill>
-          <a:blip r:embed="rId2"/>
-          <a:stretch/>
-        </p:blipFill>
-        <p:spPr>
-          <a:xfrm>
-            <a:off x="3931920" y="1730520"/>
-            <a:ext cx="2900160" cy="2841480"/>
-          </a:xfrm>
-          <a:prstGeom prst="rect">
-            <a:avLst/>
-          </a:prstGeom>
-          <a:ln>
-            <a:noFill/>
-          </a:ln>
-        </p:spPr>
-      </p:pic>
-      <p:pic>
-        <p:nvPicPr>
-          <p:cNvPr id="115" name="Picture 114"/>
-          <p:cNvPicPr/>
-          <p:nvPr/>
-        </p:nvPicPr>
-        <p:blipFill>
-          <a:blip r:embed="rId3"/>
-          <a:stretch/>
-        </p:blipFill>
-        <p:spPr>
-          <a:xfrm>
-            <a:off x="838080" y="1740960"/>
-            <a:ext cx="2849040" cy="2831040"/>
-          </a:xfrm>
-          <a:prstGeom prst="rect">
-            <a:avLst/>
-          </a:prstGeom>
-          <a:ln>
-            <a:noFill/>
-          </a:ln>
-        </p:spPr>
-      </p:pic>
-      <p:pic>
-        <p:nvPicPr>
-          <p:cNvPr id="116" name="Picture 115"/>
-          <p:cNvPicPr/>
-          <p:nvPr/>
-        </p:nvPicPr>
-        <p:blipFill>
-          <a:blip r:embed="rId4"/>
-          <a:srcRect l="14223"/>
-          <a:stretch/>
-        </p:blipFill>
-        <p:spPr>
-          <a:xfrm>
-            <a:off x="7223760" y="1737360"/>
-            <a:ext cx="2468880" cy="2820240"/>
-          </a:xfrm>
-          <a:prstGeom prst="rect">
-            <a:avLst/>
-          </a:prstGeom>
-          <a:ln>
-            <a:noFill/>
-          </a:ln>
-        </p:spPr>
-      </p:pic>
     </p:spTree>
+    <p:extLst>
+      <p:ext uri="{BB962C8B-B14F-4D97-AF65-F5344CB8AC3E}">
+        <p14:creationId xmlns:p14="http://schemas.microsoft.com/office/powerpoint/2010/main" val="2665624775"/>
+      </p:ext>
+    </p:extLst>
   </p:cSld>
   <p:clrMapOvr>
     <a:masterClrMapping/>
   </p:clrMapOvr>
-  <mc:AlternateContent xmlns:mc="http://schemas.openxmlformats.org/markup-compatibility/2006" xmlns:p14="http://schemas.microsoft.com/office/powerpoint/2010/main">
-    <mc:Choice Requires="p14">
-      <p:transition spd="slow" p14:dur="2000"/>
-    </mc:Choice>
-    <mc:Fallback xmlns:p15="http://schemas.microsoft.com/office/powerpoint/2012/main" xmlns="">
-      <p:transition spd="slow"/>
-    </mc:Fallback>
-  </mc:AlternateContent>
   <p:timing>
     <p:tnLst>
       <p:par>
@@ -7266,7 +8418,7 @@
       </p:grpSpPr>
       <p:sp>
         <p:nvSpPr>
-          <p:cNvPr id="117" name="CustomShape 1"/>
+          <p:cNvPr id="96" name="CustomShape 1"/>
           <p:cNvSpPr/>
           <p:nvPr/>
         </p:nvSpPr>
@@ -7305,30 +8457,30 @@
               </a:lnSpc>
             </a:pPr>
             <a:r>
-              <a:rPr lang="en-US" sz="4400" b="1" strike="noStrike" spc="-1">
+              <a:rPr lang="en-US" sz="4400" b="1" strike="noStrike" spc="-1" dirty="0">
                 <a:solidFill>
                   <a:srgbClr val="000000"/>
                 </a:solidFill>
-                <a:latin typeface="Calibri Light"/>
-              </a:rPr>
-              <a:t>Insights SVM (rbf)</a:t>
-            </a:r>
-            <a:endParaRPr lang="en-US" sz="4400" b="0" strike="noStrike" spc="-1">
-              <a:latin typeface="Arial"/>
-            </a:endParaRPr>
-          </a:p>
-        </p:txBody>
-      </p:sp>
-      <p:sp>
-        <p:nvSpPr>
-          <p:cNvPr id="118" name="CustomShape 2"/>
+                <a:latin typeface="Avenir LT Std 55 Roman" panose="020B0503020203020204" pitchFamily="34" charset="0"/>
+              </a:rPr>
+              <a:t>Results / Discussion</a:t>
+            </a:r>
+            <a:endParaRPr lang="en-US" sz="4400" b="0" strike="noStrike" spc="-1" dirty="0">
+              <a:latin typeface="Avenir LT Std 55 Roman" panose="020B0503020203020204" pitchFamily="34" charset="0"/>
+            </a:endParaRPr>
+          </a:p>
+        </p:txBody>
+      </p:sp>
+      <p:sp>
+        <p:nvSpPr>
+          <p:cNvPr id="97" name="CustomShape 2"/>
           <p:cNvSpPr/>
           <p:nvPr/>
         </p:nvSpPr>
         <p:spPr>
           <a:xfrm>
-            <a:off x="838080" y="6356520"/>
-            <a:ext cx="2742480" cy="364320"/>
+            <a:off x="838080" y="1825560"/>
+            <a:ext cx="9033120" cy="4350600"/>
           </a:xfrm>
           <a:prstGeom prst="rect">
             <a:avLst/>
@@ -7350,6 +8502,38 @@
           </a:effectRef>
           <a:fontRef idx="minor"/>
         </p:style>
+      </p:sp>
+      <p:sp>
+        <p:nvSpPr>
+          <p:cNvPr id="98" name="CustomShape 3"/>
+          <p:cNvSpPr/>
+          <p:nvPr/>
+        </p:nvSpPr>
+        <p:spPr>
+          <a:xfrm>
+            <a:off x="838080" y="6356520"/>
+            <a:ext cx="2742480" cy="364320"/>
+          </a:xfrm>
+          <a:prstGeom prst="rect">
+            <a:avLst/>
+          </a:prstGeom>
+          <a:noFill/>
+          <a:ln>
+            <a:noFill/>
+          </a:ln>
+        </p:spPr>
+        <p:style>
+          <a:lnRef idx="0">
+            <a:scrgbClr r="0" g="0" b="0"/>
+          </a:lnRef>
+          <a:fillRef idx="0">
+            <a:scrgbClr r="0" g="0" b="0"/>
+          </a:fillRef>
+          <a:effectRef idx="0">
+            <a:scrgbClr r="0" g="0" b="0"/>
+          </a:effectRef>
+          <a:fontRef idx="minor"/>
+        </p:style>
         <p:txBody>
           <a:bodyPr lIns="90000" tIns="45000" rIns="90000" bIns="45000" anchor="ctr"/>
           <a:lstStyle/>
@@ -7360,23 +8544,23 @@
               </a:lnSpc>
             </a:pPr>
             <a:r>
-              <a:rPr lang="en-US" sz="1200" b="0" strike="noStrike" spc="-1">
+              <a:rPr lang="en-US" sz="1200" b="0" strike="noStrike" spc="-1" dirty="0">
                 <a:solidFill>
                   <a:srgbClr val="8B8B8B"/>
                 </a:solidFill>
                 <a:latin typeface="Calibri"/>
               </a:rPr>
-              <a:t>07.11.2018</a:t>
-            </a:r>
-            <a:endParaRPr lang="en-US" sz="1200" b="0" strike="noStrike" spc="-1">
-              <a:latin typeface="Arial"/>
-            </a:endParaRPr>
-          </a:p>
-        </p:txBody>
-      </p:sp>
-      <p:sp>
-        <p:nvSpPr>
-          <p:cNvPr id="119" name="CustomShape 3"/>
+              <a:t>19.12.2018</a:t>
+            </a:r>
+            <a:endParaRPr lang="en-US" sz="1200" b="0" strike="noStrike" spc="-1" dirty="0">
+              <a:latin typeface="Arial"/>
+            </a:endParaRPr>
+          </a:p>
+        </p:txBody>
+      </p:sp>
+      <p:sp>
+        <p:nvSpPr>
+          <p:cNvPr id="99" name="CustomShape 4"/>
           <p:cNvSpPr/>
           <p:nvPr/>
         </p:nvSpPr>
@@ -7431,7 +8615,7 @@
       </p:sp>
       <p:sp>
         <p:nvSpPr>
-          <p:cNvPr id="120" name="CustomShape 4"/>
+          <p:cNvPr id="100" name="CustomShape 5"/>
           <p:cNvSpPr/>
           <p:nvPr/>
         </p:nvSpPr>
@@ -7469,7 +8653,7 @@
                 <a:spcPct val="100000"/>
               </a:lnSpc>
             </a:pPr>
-            <a:fld id="{740A2700-9FB7-44D0-8D6A-E825D3A9ECFD}" type="slidenum">
+            <a:fld id="{A5C98420-BB98-48B4-A644-4A7D40222D46}" type="slidenum">
               <a:rPr lang="en-US" sz="1200" b="0" strike="noStrike" spc="-1">
                 <a:solidFill>
                   <a:srgbClr val="8B8B8B"/>
@@ -7486,7 +8670,7 @@
       </p:sp>
       <p:pic>
         <p:nvPicPr>
-          <p:cNvPr id="121" name="Picture 120"/>
+          <p:cNvPr id="101" name="Picture 100"/>
           <p:cNvPicPr/>
           <p:nvPr/>
         </p:nvPicPr>
@@ -7496,8 +8680,8 @@
         </p:blipFill>
         <p:spPr>
           <a:xfrm>
-            <a:off x="849240" y="1763640"/>
-            <a:ext cx="2899440" cy="2899440"/>
+            <a:off x="1645920" y="1554480"/>
+            <a:ext cx="8412120" cy="4762080"/>
           </a:xfrm>
           <a:prstGeom prst="rect">
             <a:avLst/>
@@ -7507,287 +8691,11 @@
           </a:ln>
         </p:spPr>
       </p:pic>
-      <p:pic>
-        <p:nvPicPr>
-          <p:cNvPr id="122" name="Picture 121"/>
-          <p:cNvPicPr/>
-          <p:nvPr/>
-        </p:nvPicPr>
-        <p:blipFill>
-          <a:blip r:embed="rId3"/>
-          <a:stretch/>
-        </p:blipFill>
-        <p:spPr>
-          <a:xfrm>
-            <a:off x="6792840" y="1763640"/>
-            <a:ext cx="2899440" cy="2899440"/>
-          </a:xfrm>
-          <a:prstGeom prst="rect">
-            <a:avLst/>
-          </a:prstGeom>
-          <a:ln>
-            <a:noFill/>
-          </a:ln>
-        </p:spPr>
-      </p:pic>
-      <p:pic>
-        <p:nvPicPr>
-          <p:cNvPr id="123" name="Picture 122"/>
-          <p:cNvPicPr/>
-          <p:nvPr/>
-        </p:nvPicPr>
-        <p:blipFill>
-          <a:blip r:embed="rId4"/>
-          <a:stretch/>
-        </p:blipFill>
-        <p:spPr>
-          <a:xfrm>
-            <a:off x="3823560" y="1753560"/>
-            <a:ext cx="2899440" cy="2899440"/>
-          </a:xfrm>
-          <a:prstGeom prst="rect">
-            <a:avLst/>
-          </a:prstGeom>
-          <a:ln>
-            <a:noFill/>
-          </a:ln>
-        </p:spPr>
-      </p:pic>
-      <p:sp>
-        <p:nvSpPr>
-          <p:cNvPr id="124" name="CustomShape 5"/>
-          <p:cNvSpPr/>
-          <p:nvPr/>
-        </p:nvSpPr>
-        <p:spPr>
-          <a:xfrm>
-            <a:off x="914400" y="4846320"/>
-            <a:ext cx="2559960" cy="857880"/>
-          </a:xfrm>
-          <a:prstGeom prst="rect">
-            <a:avLst/>
-          </a:prstGeom>
-          <a:noFill/>
-          <a:ln>
-            <a:noFill/>
-          </a:ln>
-        </p:spPr>
-        <p:style>
-          <a:lnRef idx="0">
-            <a:scrgbClr r="0" g="0" b="0"/>
-          </a:lnRef>
-          <a:fillRef idx="0">
-            <a:scrgbClr r="0" g="0" b="0"/>
-          </a:fillRef>
-          <a:effectRef idx="0">
-            <a:scrgbClr r="0" g="0" b="0"/>
-          </a:effectRef>
-          <a:fontRef idx="minor"/>
-        </p:style>
-        <p:txBody>
-          <a:bodyPr lIns="90000" tIns="45000" rIns="90000" bIns="45000"/>
-          <a:lstStyle/>
-          <a:p>
-            <a:pPr>
-              <a:lnSpc>
-                <a:spcPct val="100000"/>
-              </a:lnSpc>
-            </a:pPr>
-            <a:r>
-              <a:rPr lang="en-US" sz="1800" b="0" strike="noStrike" spc="-1">
-                <a:solidFill>
-                  <a:srgbClr val="000000"/>
-                </a:solidFill>
-                <a:latin typeface="Arial"/>
-              </a:rPr>
-              <a:t>C=5, G=0.3</a:t>
-            </a:r>
-            <a:endParaRPr lang="en-US" sz="1800" b="0" strike="noStrike" spc="-1">
-              <a:latin typeface="Arial"/>
-            </a:endParaRPr>
-          </a:p>
-          <a:p>
-            <a:pPr>
-              <a:lnSpc>
-                <a:spcPct val="100000"/>
-              </a:lnSpc>
-            </a:pPr>
-            <a:r>
-              <a:rPr lang="en-US" sz="1800" b="0" strike="noStrike" spc="-1">
-                <a:solidFill>
-                  <a:srgbClr val="000000"/>
-                </a:solidFill>
-                <a:latin typeface="Arial"/>
-              </a:rPr>
-              <a:t>Oversegmentation of small structures</a:t>
-            </a:r>
-            <a:endParaRPr lang="en-US" sz="1800" b="0" strike="noStrike" spc="-1">
-              <a:latin typeface="Arial"/>
-            </a:endParaRPr>
-          </a:p>
-        </p:txBody>
-      </p:sp>
-      <p:sp>
-        <p:nvSpPr>
-          <p:cNvPr id="125" name="CustomShape 6"/>
-          <p:cNvSpPr/>
-          <p:nvPr/>
-        </p:nvSpPr>
-        <p:spPr>
-          <a:xfrm>
-            <a:off x="4023360" y="4846320"/>
-            <a:ext cx="2559960" cy="601920"/>
-          </a:xfrm>
-          <a:prstGeom prst="rect">
-            <a:avLst/>
-          </a:prstGeom>
-          <a:noFill/>
-          <a:ln>
-            <a:noFill/>
-          </a:ln>
-        </p:spPr>
-        <p:style>
-          <a:lnRef idx="0">
-            <a:scrgbClr r="0" g="0" b="0"/>
-          </a:lnRef>
-          <a:fillRef idx="0">
-            <a:scrgbClr r="0" g="0" b="0"/>
-          </a:fillRef>
-          <a:effectRef idx="0">
-            <a:scrgbClr r="0" g="0" b="0"/>
-          </a:effectRef>
-          <a:fontRef idx="minor"/>
-        </p:style>
-        <p:txBody>
-          <a:bodyPr lIns="90000" tIns="45000" rIns="90000" bIns="45000"/>
-          <a:lstStyle/>
-          <a:p>
-            <a:pPr>
-              <a:lnSpc>
-                <a:spcPct val="100000"/>
-              </a:lnSpc>
-            </a:pPr>
-            <a:r>
-              <a:rPr lang="en-US" sz="1800" b="0" strike="noStrike" spc="-1">
-                <a:solidFill>
-                  <a:srgbClr val="000000"/>
-                </a:solidFill>
-                <a:latin typeface="Arial"/>
-              </a:rPr>
-              <a:t>Random Forest</a:t>
-            </a:r>
-            <a:endParaRPr lang="en-US" sz="1800" b="0" strike="noStrike" spc="-1">
-              <a:latin typeface="Arial"/>
-            </a:endParaRPr>
-          </a:p>
-          <a:p>
-            <a:pPr>
-              <a:lnSpc>
-                <a:spcPct val="100000"/>
-              </a:lnSpc>
-            </a:pPr>
-            <a:r>
-              <a:rPr lang="en-US" sz="1800" b="0" strike="noStrike" spc="-1">
-                <a:solidFill>
-                  <a:srgbClr val="000000"/>
-                </a:solidFill>
-                <a:latin typeface="Arial"/>
-              </a:rPr>
-              <a:t>Reference</a:t>
-            </a:r>
-            <a:endParaRPr lang="en-US" sz="1800" b="0" strike="noStrike" spc="-1">
-              <a:latin typeface="Arial"/>
-            </a:endParaRPr>
-          </a:p>
-        </p:txBody>
-      </p:sp>
-      <p:sp>
-        <p:nvSpPr>
-          <p:cNvPr id="126" name="CustomShape 7"/>
-          <p:cNvSpPr/>
-          <p:nvPr/>
-        </p:nvSpPr>
-        <p:spPr>
-          <a:xfrm>
-            <a:off x="6949440" y="4846320"/>
-            <a:ext cx="2559960" cy="857880"/>
-          </a:xfrm>
-          <a:prstGeom prst="rect">
-            <a:avLst/>
-          </a:prstGeom>
-          <a:noFill/>
-          <a:ln>
-            <a:noFill/>
-          </a:ln>
-        </p:spPr>
-        <p:style>
-          <a:lnRef idx="0">
-            <a:scrgbClr r="0" g="0" b="0"/>
-          </a:lnRef>
-          <a:fillRef idx="0">
-            <a:scrgbClr r="0" g="0" b="0"/>
-          </a:fillRef>
-          <a:effectRef idx="0">
-            <a:scrgbClr r="0" g="0" b="0"/>
-          </a:effectRef>
-          <a:fontRef idx="minor"/>
-        </p:style>
-        <p:txBody>
-          <a:bodyPr lIns="90000" tIns="45000" rIns="90000" bIns="45000"/>
-          <a:lstStyle/>
-          <a:p>
-            <a:pPr>
-              <a:lnSpc>
-                <a:spcPct val="100000"/>
-              </a:lnSpc>
-            </a:pPr>
-            <a:r>
-              <a:rPr lang="en-US" sz="1800" b="0" strike="noStrike" spc="-1">
-                <a:solidFill>
-                  <a:srgbClr val="000000"/>
-                </a:solidFill>
-                <a:latin typeface="Arial"/>
-              </a:rPr>
-              <a:t>C=15, G=10</a:t>
-            </a:r>
-            <a:endParaRPr lang="en-US" sz="1800" b="0" strike="noStrike" spc="-1">
-              <a:latin typeface="Arial"/>
-            </a:endParaRPr>
-          </a:p>
-          <a:p>
-            <a:pPr>
-              <a:lnSpc>
-                <a:spcPct val="100000"/>
-              </a:lnSpc>
-            </a:pPr>
-            <a:r>
-              <a:rPr lang="en-US" sz="1800" b="0" strike="noStrike" spc="-1">
-                <a:solidFill>
-                  <a:srgbClr val="000000"/>
-                </a:solidFill>
-                <a:latin typeface="Arial"/>
-              </a:rPr>
-              <a:t>Undersegmentation of small structures</a:t>
-            </a:r>
-            <a:endParaRPr lang="en-US" sz="1800" b="0" strike="noStrike" spc="-1">
-              <a:latin typeface="Arial"/>
-            </a:endParaRPr>
-          </a:p>
-        </p:txBody>
-      </p:sp>
     </p:spTree>
   </p:cSld>
   <p:clrMapOvr>
     <a:masterClrMapping/>
   </p:clrMapOvr>
-  <mc:AlternateContent xmlns:mc="http://schemas.openxmlformats.org/markup-compatibility/2006" xmlns:p14="http://schemas.microsoft.com/office/powerpoint/2010/main">
-    <mc:Choice Requires="p14">
-      <p:transition spd="slow" p14:dur="2000"/>
-    </mc:Choice>
-    <mc:Fallback xmlns:p15="http://schemas.microsoft.com/office/powerpoint/2012/main" xmlns="">
-      <p:transition spd="slow"/>
-    </mc:Fallback>
-  </mc:AlternateContent>
   <p:timing>
     <p:tnLst>
       <p:par>
@@ -7837,7 +8745,7 @@
       </p:grpSpPr>
       <p:sp>
         <p:nvSpPr>
-          <p:cNvPr id="127" name="CustomShape 1"/>
+          <p:cNvPr id="107" name="CustomShape 1"/>
           <p:cNvSpPr/>
           <p:nvPr/>
         </p:nvSpPr>
@@ -7876,23 +8784,23 @@
               </a:lnSpc>
             </a:pPr>
             <a:r>
-              <a:rPr lang="en-US" sz="4400" b="1" strike="noStrike" spc="-1">
+              <a:rPr lang="en-US" sz="4400" b="1" strike="noStrike" spc="-1" dirty="0">
                 <a:solidFill>
                   <a:srgbClr val="000000"/>
                 </a:solidFill>
-                <a:latin typeface="Calibri Light"/>
-              </a:rPr>
-              <a:t>Insights SVM (rbf)</a:t>
-            </a:r>
-            <a:endParaRPr lang="en-US" sz="4400" b="0" strike="noStrike" spc="-1">
-              <a:latin typeface="Arial"/>
-            </a:endParaRPr>
-          </a:p>
-        </p:txBody>
-      </p:sp>
-      <p:sp>
-        <p:nvSpPr>
-          <p:cNvPr id="128" name="CustomShape 2"/>
+                <a:latin typeface="Avenir LT Std 55 Roman" panose="020B0503020203020204" pitchFamily="34" charset="0"/>
+              </a:rPr>
+              <a:t>Insights SVM (linear)</a:t>
+            </a:r>
+            <a:endParaRPr lang="en-US" sz="4400" b="0" strike="noStrike" spc="-1" dirty="0">
+              <a:latin typeface="Avenir LT Std 55 Roman" panose="020B0503020203020204" pitchFamily="34" charset="0"/>
+            </a:endParaRPr>
+          </a:p>
+        </p:txBody>
+      </p:sp>
+      <p:sp>
+        <p:nvSpPr>
+          <p:cNvPr id="108" name="CustomShape 2"/>
           <p:cNvSpPr/>
           <p:nvPr/>
         </p:nvSpPr>
@@ -7931,23 +8839,23 @@
               </a:lnSpc>
             </a:pPr>
             <a:r>
-              <a:rPr lang="en-US" sz="1200" b="0" strike="noStrike" spc="-1">
+              <a:rPr lang="en-US" sz="1200" b="0" strike="noStrike" spc="-1" dirty="0">
                 <a:solidFill>
                   <a:srgbClr val="8B8B8B"/>
                 </a:solidFill>
                 <a:latin typeface="Calibri"/>
               </a:rPr>
-              <a:t>07.11.2018</a:t>
-            </a:r>
-            <a:endParaRPr lang="en-US" sz="1200" b="0" strike="noStrike" spc="-1">
-              <a:latin typeface="Arial"/>
-            </a:endParaRPr>
-          </a:p>
-        </p:txBody>
-      </p:sp>
-      <p:sp>
-        <p:nvSpPr>
-          <p:cNvPr id="129" name="CustomShape 3"/>
+              <a:t>19.12.2018</a:t>
+            </a:r>
+            <a:endParaRPr lang="en-US" sz="1200" b="0" strike="noStrike" spc="-1" dirty="0">
+              <a:latin typeface="Arial"/>
+            </a:endParaRPr>
+          </a:p>
+        </p:txBody>
+      </p:sp>
+      <p:sp>
+        <p:nvSpPr>
+          <p:cNvPr id="109" name="CustomShape 3"/>
           <p:cNvSpPr/>
           <p:nvPr/>
         </p:nvSpPr>
@@ -8002,7 +8910,7 @@
       </p:sp>
       <p:sp>
         <p:nvSpPr>
-          <p:cNvPr id="130" name="CustomShape 4"/>
+          <p:cNvPr id="110" name="CustomShape 4"/>
           <p:cNvSpPr/>
           <p:nvPr/>
         </p:nvSpPr>
@@ -8040,7 +8948,7 @@
                 <a:spcPct val="100000"/>
               </a:lnSpc>
             </a:pPr>
-            <a:fld id="{E13BD78E-EC70-4294-8A5E-C457C0379AF9}" type="slidenum">
+            <a:fld id="{D2A93C0C-1332-46CD-B6BD-9BF46A5834A3}" type="slidenum">
               <a:rPr lang="en-US" sz="1200" b="0" strike="noStrike" spc="-1">
                 <a:solidFill>
                   <a:srgbClr val="8B8B8B"/>
@@ -8055,9 +8963,269 @@
           </a:p>
         </p:txBody>
       </p:sp>
+      <p:sp>
+        <p:nvSpPr>
+          <p:cNvPr id="111" name="CustomShape 5"/>
+          <p:cNvSpPr/>
+          <p:nvPr/>
+        </p:nvSpPr>
+        <p:spPr>
+          <a:xfrm>
+            <a:off x="914400" y="4846320"/>
+            <a:ext cx="2559960" cy="857880"/>
+          </a:xfrm>
+          <a:prstGeom prst="rect">
+            <a:avLst/>
+          </a:prstGeom>
+          <a:noFill/>
+          <a:ln>
+            <a:noFill/>
+          </a:ln>
+        </p:spPr>
+        <p:style>
+          <a:lnRef idx="0">
+            <a:scrgbClr r="0" g="0" b="0"/>
+          </a:lnRef>
+          <a:fillRef idx="0">
+            <a:scrgbClr r="0" g="0" b="0"/>
+          </a:fillRef>
+          <a:effectRef idx="0">
+            <a:scrgbClr r="0" g="0" b="0"/>
+          </a:effectRef>
+          <a:fontRef idx="minor"/>
+        </p:style>
+        <p:txBody>
+          <a:bodyPr lIns="90000" tIns="45000" rIns="90000" bIns="45000"/>
+          <a:lstStyle/>
+          <a:p>
+            <a:pPr>
+              <a:lnSpc>
+                <a:spcPct val="100000"/>
+              </a:lnSpc>
+            </a:pPr>
+            <a:r>
+              <a:rPr lang="en-US" sz="1800" b="0" strike="noStrike" spc="-1">
+                <a:solidFill>
+                  <a:srgbClr val="000000"/>
+                </a:solidFill>
+                <a:latin typeface="Avenir LT Std 55 Roman" panose="020B0503020203020204" pitchFamily="34" charset="0"/>
+              </a:rPr>
+              <a:t>Same features as RF</a:t>
+            </a:r>
+            <a:endParaRPr lang="en-US" sz="1800" b="0" strike="noStrike" spc="-1">
+              <a:latin typeface="Avenir LT Std 55 Roman" panose="020B0503020203020204" pitchFamily="34" charset="0"/>
+            </a:endParaRPr>
+          </a:p>
+          <a:p>
+            <a:pPr>
+              <a:lnSpc>
+                <a:spcPct val="100000"/>
+              </a:lnSpc>
+            </a:pPr>
+            <a:r>
+              <a:rPr lang="en-US" sz="1800" b="0" strike="noStrike" spc="-1">
+                <a:solidFill>
+                  <a:srgbClr val="000000"/>
+                </a:solidFill>
+                <a:latin typeface="Avenir LT Std 55 Roman" panose="020B0503020203020204" pitchFamily="34" charset="0"/>
+              </a:rPr>
+              <a:t>→ intensity feature</a:t>
+            </a:r>
+            <a:endParaRPr lang="en-US" sz="1800" b="0" strike="noStrike" spc="-1">
+              <a:latin typeface="Avenir LT Std 55 Roman" panose="020B0503020203020204" pitchFamily="34" charset="0"/>
+            </a:endParaRPr>
+          </a:p>
+        </p:txBody>
+      </p:sp>
+      <p:sp>
+        <p:nvSpPr>
+          <p:cNvPr id="112" name="CustomShape 6"/>
+          <p:cNvSpPr/>
+          <p:nvPr/>
+        </p:nvSpPr>
+        <p:spPr>
+          <a:xfrm>
+            <a:off x="4023360" y="4846320"/>
+            <a:ext cx="2559960" cy="601920"/>
+          </a:xfrm>
+          <a:prstGeom prst="rect">
+            <a:avLst/>
+          </a:prstGeom>
+          <a:noFill/>
+          <a:ln>
+            <a:noFill/>
+          </a:ln>
+        </p:spPr>
+        <p:style>
+          <a:lnRef idx="0">
+            <a:scrgbClr r="0" g="0" b="0"/>
+          </a:lnRef>
+          <a:fillRef idx="0">
+            <a:scrgbClr r="0" g="0" b="0"/>
+          </a:fillRef>
+          <a:effectRef idx="0">
+            <a:scrgbClr r="0" g="0" b="0"/>
+          </a:effectRef>
+          <a:fontRef idx="minor"/>
+        </p:style>
+        <p:txBody>
+          <a:bodyPr lIns="90000" tIns="45000" rIns="90000" bIns="45000"/>
+          <a:lstStyle/>
+          <a:p>
+            <a:pPr>
+              <a:lnSpc>
+                <a:spcPct val="100000"/>
+              </a:lnSpc>
+            </a:pPr>
+            <a:r>
+              <a:rPr lang="en-US" sz="1800" b="0" strike="noStrike" spc="-1">
+                <a:solidFill>
+                  <a:srgbClr val="000000"/>
+                </a:solidFill>
+                <a:latin typeface="Avenir LT Std 55 Roman" panose="020B0503020203020204" pitchFamily="34" charset="0"/>
+              </a:rPr>
+              <a:t>Balanced samples</a:t>
+            </a:r>
+            <a:endParaRPr lang="en-US" sz="1800" b="0" strike="noStrike" spc="-1">
+              <a:latin typeface="Avenir LT Std 55 Roman" panose="020B0503020203020204" pitchFamily="34" charset="0"/>
+            </a:endParaRPr>
+          </a:p>
+          <a:p>
+            <a:pPr>
+              <a:lnSpc>
+                <a:spcPct val="100000"/>
+              </a:lnSpc>
+            </a:pPr>
+            <a:r>
+              <a:rPr lang="en-US" sz="1800" b="0" strike="noStrike" spc="-1">
+                <a:solidFill>
+                  <a:srgbClr val="000000"/>
+                </a:solidFill>
+                <a:latin typeface="Avenir LT Std 55 Roman" panose="020B0503020203020204" pitchFamily="34" charset="0"/>
+              </a:rPr>
+              <a:t>→ intensity feature</a:t>
+            </a:r>
+            <a:endParaRPr lang="en-US" sz="1800" b="0" strike="noStrike" spc="-1">
+              <a:latin typeface="Avenir LT Std 55 Roman" panose="020B0503020203020204" pitchFamily="34" charset="0"/>
+            </a:endParaRPr>
+          </a:p>
+          <a:p>
+            <a:pPr>
+              <a:lnSpc>
+                <a:spcPct val="100000"/>
+              </a:lnSpc>
+            </a:pPr>
+            <a:r>
+              <a:rPr lang="en-US" sz="1800" b="0" strike="noStrike" spc="-1">
+                <a:solidFill>
+                  <a:srgbClr val="000000"/>
+                </a:solidFill>
+                <a:latin typeface="Avenir LT Std 55 Roman" panose="020B0503020203020204" pitchFamily="34" charset="0"/>
+              </a:rPr>
+              <a:t>→ small structures important</a:t>
+            </a:r>
+            <a:endParaRPr lang="en-US" sz="1800" b="0" strike="noStrike" spc="-1">
+              <a:latin typeface="Avenir LT Std 55 Roman" panose="020B0503020203020204" pitchFamily="34" charset="0"/>
+            </a:endParaRPr>
+          </a:p>
+        </p:txBody>
+      </p:sp>
+      <p:sp>
+        <p:nvSpPr>
+          <p:cNvPr id="113" name="CustomShape 7"/>
+          <p:cNvSpPr/>
+          <p:nvPr/>
+        </p:nvSpPr>
+        <p:spPr>
+          <a:xfrm>
+            <a:off x="6949440" y="4846320"/>
+            <a:ext cx="3108960" cy="857880"/>
+          </a:xfrm>
+          <a:prstGeom prst="rect">
+            <a:avLst/>
+          </a:prstGeom>
+          <a:noFill/>
+          <a:ln>
+            <a:noFill/>
+          </a:ln>
+        </p:spPr>
+        <p:style>
+          <a:lnRef idx="0">
+            <a:scrgbClr r="0" g="0" b="0"/>
+          </a:lnRef>
+          <a:fillRef idx="0">
+            <a:scrgbClr r="0" g="0" b="0"/>
+          </a:fillRef>
+          <a:effectRef idx="0">
+            <a:scrgbClr r="0" g="0" b="0"/>
+          </a:effectRef>
+          <a:fontRef idx="minor"/>
+        </p:style>
+        <p:txBody>
+          <a:bodyPr lIns="90000" tIns="45000" rIns="90000" bIns="45000"/>
+          <a:lstStyle/>
+          <a:p>
+            <a:pPr>
+              <a:lnSpc>
+                <a:spcPct val="100000"/>
+              </a:lnSpc>
+            </a:pPr>
+            <a:r>
+              <a:rPr lang="en-US" sz="1800" b="0" strike="noStrike" spc="-1" dirty="0">
+                <a:solidFill>
+                  <a:srgbClr val="000000"/>
+                </a:solidFill>
+                <a:latin typeface="Avenir LT Std 55 Roman" panose="020B0503020203020204" pitchFamily="34" charset="0"/>
+              </a:rPr>
+              <a:t>Second order coordinates</a:t>
+            </a:r>
+            <a:endParaRPr lang="en-US" sz="1800" b="0" strike="noStrike" spc="-1" dirty="0">
+              <a:latin typeface="Avenir LT Std 55 Roman" panose="020B0503020203020204" pitchFamily="34" charset="0"/>
+            </a:endParaRPr>
+          </a:p>
+          <a:p>
+            <a:pPr>
+              <a:lnSpc>
+                <a:spcPct val="100000"/>
+              </a:lnSpc>
+            </a:pPr>
+            <a:r>
+              <a:rPr lang="en-US" sz="1800" b="0" strike="noStrike" spc="-1" dirty="0">
+                <a:solidFill>
+                  <a:srgbClr val="000000"/>
+                </a:solidFill>
+                <a:latin typeface="Avenir LT Std 55 Roman" panose="020B0503020203020204" pitchFamily="34" charset="0"/>
+              </a:rPr>
+              <a:t>→ position feature important</a:t>
+            </a:r>
+            <a:endParaRPr lang="en-US" sz="1800" b="0" strike="noStrike" spc="-1" dirty="0">
+              <a:latin typeface="Avenir LT Std 55 Roman" panose="020B0503020203020204" pitchFamily="34" charset="0"/>
+            </a:endParaRPr>
+          </a:p>
+          <a:p>
+            <a:pPr>
+              <a:lnSpc>
+                <a:spcPct val="100000"/>
+              </a:lnSpc>
+            </a:pPr>
+            <a:r>
+              <a:rPr lang="en-US" sz="1800" b="0" strike="noStrike" spc="-1" dirty="0">
+                <a:solidFill>
+                  <a:srgbClr val="000000"/>
+                </a:solidFill>
+                <a:latin typeface="Avenir LT Std 55 Roman" panose="020B0503020203020204" pitchFamily="34" charset="0"/>
+              </a:rPr>
+              <a:t>→ complex boundaries require high order terms</a:t>
+            </a:r>
+            <a:endParaRPr lang="en-US" sz="1800" b="0" strike="noStrike" spc="-1" dirty="0">
+              <a:latin typeface="Avenir LT Std 55 Roman" panose="020B0503020203020204" pitchFamily="34" charset="0"/>
+            </a:endParaRPr>
+          </a:p>
+        </p:txBody>
+      </p:sp>
       <p:pic>
         <p:nvPicPr>
-          <p:cNvPr id="131" name="Picture 130"/>
+          <p:cNvPr id="114" name="Picture 113"/>
           <p:cNvPicPr/>
           <p:nvPr/>
         </p:nvPicPr>
@@ -8067,8 +9235,8 @@
         </p:blipFill>
         <p:spPr>
           <a:xfrm>
-            <a:off x="933840" y="1353600"/>
-            <a:ext cx="4095000" cy="4095000"/>
+            <a:off x="3931920" y="1730520"/>
+            <a:ext cx="2900160" cy="2841480"/>
           </a:xfrm>
           <a:prstGeom prst="rect">
             <a:avLst/>
@@ -8080,7 +9248,7 @@
       </p:pic>
       <p:pic>
         <p:nvPicPr>
-          <p:cNvPr id="132" name="Picture 131"/>
+          <p:cNvPr id="115" name="Picture 114"/>
           <p:cNvPicPr/>
           <p:nvPr/>
         </p:nvPicPr>
@@ -8090,8 +9258,8 @@
         </p:blipFill>
         <p:spPr>
           <a:xfrm>
-            <a:off x="5322960" y="1371600"/>
-            <a:ext cx="4095000" cy="4095000"/>
+            <a:off x="838080" y="1740960"/>
+            <a:ext cx="2849040" cy="2831040"/>
           </a:xfrm>
           <a:prstGeom prst="rect">
             <a:avLst/>
@@ -8101,148 +9269,35 @@
           </a:ln>
         </p:spPr>
       </p:pic>
-      <p:sp>
-        <p:nvSpPr>
-          <p:cNvPr id="133" name="CustomShape 5"/>
-          <p:cNvSpPr/>
+      <p:pic>
+        <p:nvPicPr>
+          <p:cNvPr id="116" name="Picture 115"/>
+          <p:cNvPicPr/>
           <p:nvPr/>
-        </p:nvSpPr>
-        <p:spPr>
-          <a:xfrm>
-            <a:off x="1645920" y="5524200"/>
-            <a:ext cx="2559960" cy="601920"/>
-          </a:xfrm>
-          <a:prstGeom prst="rect">
-            <a:avLst/>
-          </a:prstGeom>
-          <a:noFill/>
+        </p:nvPicPr>
+        <p:blipFill>
+          <a:blip r:embed="rId4"/>
+          <a:srcRect l="14223"/>
+          <a:stretch/>
+        </p:blipFill>
+        <p:spPr>
+          <a:xfrm>
+            <a:off x="7223760" y="1737360"/>
+            <a:ext cx="2468880" cy="2820240"/>
+          </a:xfrm>
+          <a:prstGeom prst="rect">
+            <a:avLst/>
+          </a:prstGeom>
           <a:ln>
             <a:noFill/>
           </a:ln>
         </p:spPr>
-        <p:style>
-          <a:lnRef idx="0">
-            <a:scrgbClr r="0" g="0" b="0"/>
-          </a:lnRef>
-          <a:fillRef idx="0">
-            <a:scrgbClr r="0" g="0" b="0"/>
-          </a:fillRef>
-          <a:effectRef idx="0">
-            <a:scrgbClr r="0" g="0" b="0"/>
-          </a:effectRef>
-          <a:fontRef idx="minor"/>
-        </p:style>
-        <p:txBody>
-          <a:bodyPr lIns="90000" tIns="45000" rIns="90000" bIns="45000"/>
-          <a:lstStyle/>
-          <a:p>
-            <a:pPr>
-              <a:lnSpc>
-                <a:spcPct val="100000"/>
-              </a:lnSpc>
-            </a:pPr>
-            <a:r>
-              <a:rPr lang="en-US" sz="1800" b="0" strike="noStrike" spc="-1">
-                <a:solidFill>
-                  <a:srgbClr val="000000"/>
-                </a:solidFill>
-                <a:latin typeface="Arial"/>
-              </a:rPr>
-              <a:t>Random Forest</a:t>
-            </a:r>
-            <a:endParaRPr lang="en-US" sz="1800" b="0" strike="noStrike" spc="-1">
-              <a:latin typeface="Arial"/>
-            </a:endParaRPr>
-          </a:p>
-          <a:p>
-            <a:pPr>
-              <a:lnSpc>
-                <a:spcPct val="100000"/>
-              </a:lnSpc>
-            </a:pPr>
-            <a:r>
-              <a:rPr lang="en-US" sz="1800" b="0" strike="noStrike" spc="-1">
-                <a:solidFill>
-                  <a:srgbClr val="000000"/>
-                </a:solidFill>
-                <a:latin typeface="Arial"/>
-              </a:rPr>
-              <a:t>Reference</a:t>
-            </a:r>
-            <a:endParaRPr lang="en-US" sz="1800" b="0" strike="noStrike" spc="-1">
-              <a:latin typeface="Arial"/>
-            </a:endParaRPr>
-          </a:p>
-        </p:txBody>
-      </p:sp>
-      <p:sp>
-        <p:nvSpPr>
-          <p:cNvPr id="134" name="CustomShape 6"/>
-          <p:cNvSpPr/>
-          <p:nvPr/>
-        </p:nvSpPr>
-        <p:spPr>
-          <a:xfrm>
-            <a:off x="6309360" y="5498280"/>
-            <a:ext cx="2559960" cy="857880"/>
-          </a:xfrm>
-          <a:prstGeom prst="rect">
-            <a:avLst/>
-          </a:prstGeom>
-          <a:noFill/>
-          <a:ln>
-            <a:noFill/>
-          </a:ln>
-        </p:spPr>
-        <p:style>
-          <a:lnRef idx="0">
-            <a:scrgbClr r="0" g="0" b="0"/>
-          </a:lnRef>
-          <a:fillRef idx="0">
-            <a:scrgbClr r="0" g="0" b="0"/>
-          </a:fillRef>
-          <a:effectRef idx="0">
-            <a:scrgbClr r="0" g="0" b="0"/>
-          </a:effectRef>
-          <a:fontRef idx="minor"/>
-        </p:style>
-        <p:txBody>
-          <a:bodyPr lIns="90000" tIns="45000" rIns="90000" bIns="45000"/>
-          <a:lstStyle/>
-          <a:p>
-            <a:pPr>
-              <a:lnSpc>
-                <a:spcPct val="100000"/>
-              </a:lnSpc>
-            </a:pPr>
-            <a:r>
-              <a:rPr lang="en-US" sz="1800" b="0" strike="noStrike" spc="-1">
-                <a:solidFill>
-                  <a:srgbClr val="000000"/>
-                </a:solidFill>
-                <a:latin typeface="Arial"/>
-              </a:rPr>
-              <a:t>C=15, G=5</a:t>
-            </a:r>
-            <a:endParaRPr lang="en-US" sz="1800" b="0" strike="noStrike" spc="-1">
-              <a:latin typeface="Arial"/>
-            </a:endParaRPr>
-          </a:p>
-        </p:txBody>
-      </p:sp>
+      </p:pic>
     </p:spTree>
   </p:cSld>
   <p:clrMapOvr>
     <a:masterClrMapping/>
   </p:clrMapOvr>
-  <mc:AlternateContent xmlns:mc="http://schemas.openxmlformats.org/markup-compatibility/2006" xmlns:p14="http://schemas.microsoft.com/office/powerpoint/2010/main">
-    <mc:Choice Requires="p14">
-      <p:transition spd="slow" p14:dur="2000"/>
-    </mc:Choice>
-    <mc:Fallback xmlns:p15="http://schemas.microsoft.com/office/powerpoint/2012/main" xmlns="">
-      <p:transition spd="slow"/>
-    </mc:Fallback>
-  </mc:AlternateContent>
   <p:timing>
     <p:tnLst>
       <p:par>
@@ -8292,7 +9347,7 @@
       </p:grpSpPr>
       <p:sp>
         <p:nvSpPr>
-          <p:cNvPr id="135" name="CustomShape 1"/>
+          <p:cNvPr id="117" name="CustomShape 1"/>
           <p:cNvSpPr/>
           <p:nvPr/>
         </p:nvSpPr>
@@ -8331,30 +9386,48 @@
               </a:lnSpc>
             </a:pPr>
             <a:r>
-              <a:rPr lang="en-US" sz="4400" b="1" strike="noStrike" spc="-1">
+              <a:rPr lang="en-US" sz="4400" b="1" strike="noStrike" spc="-1" dirty="0">
                 <a:solidFill>
                   <a:srgbClr val="000000"/>
                 </a:solidFill>
-                <a:latin typeface="Calibri Light"/>
-              </a:rPr>
-              <a:t>Outlook</a:t>
-            </a:r>
-            <a:endParaRPr lang="en-US" sz="4400" b="0" strike="noStrike" spc="-1">
-              <a:latin typeface="Arial"/>
-            </a:endParaRPr>
-          </a:p>
-        </p:txBody>
-      </p:sp>
-      <p:sp>
-        <p:nvSpPr>
-          <p:cNvPr id="136" name="CustomShape 2"/>
+                <a:latin typeface="Avenir LT Std 55 Roman" panose="020B0503020203020204" pitchFamily="34" charset="0"/>
+              </a:rPr>
+              <a:t>Insights SVM (</a:t>
+            </a:r>
+            <a:r>
+              <a:rPr lang="en-US" sz="4400" b="1" strike="noStrike" spc="-1" dirty="0" err="1">
+                <a:solidFill>
+                  <a:srgbClr val="000000"/>
+                </a:solidFill>
+                <a:latin typeface="Avenir LT Std 55 Roman" panose="020B0503020203020204" pitchFamily="34" charset="0"/>
+              </a:rPr>
+              <a:t>rbf</a:t>
+            </a:r>
+            <a:r>
+              <a:rPr lang="en-US" sz="4400" b="1" strike="noStrike" spc="-1" dirty="0">
+                <a:solidFill>
+                  <a:srgbClr val="000000"/>
+                </a:solidFill>
+                <a:latin typeface="Avenir LT Std 55 Roman" panose="020B0503020203020204" pitchFamily="34" charset="0"/>
+              </a:rPr>
+              <a:t>)</a:t>
+            </a:r>
+            <a:endParaRPr lang="en-US" sz="4400" b="0" strike="noStrike" spc="-1" dirty="0">
+              <a:latin typeface="Avenir LT Std 55 Roman" panose="020B0503020203020204" pitchFamily="34" charset="0"/>
+            </a:endParaRPr>
+          </a:p>
+        </p:txBody>
+      </p:sp>
+      <p:sp>
+        <p:nvSpPr>
+          <p:cNvPr id="118" name="CustomShape 2"/>
           <p:cNvSpPr/>
           <p:nvPr/>
         </p:nvSpPr>
         <p:spPr>
           <a:xfrm>
-            <a:off x="838080" y="1825560"/>
-            <a:ext cx="9033120" cy="4350600"/>
+            <a:off x="838080" y="6356520"/>
+            <a:ext cx="2742480" cy="364320"/>
           </a:xfrm>
           <a:prstGeom prst="rect">
             <a:avLst/>
@@ -8377,120 +9450,39 @@
           <a:fontRef idx="minor"/>
         </p:style>
         <p:txBody>
-          <a:bodyPr lIns="90000" tIns="45000" rIns="90000" bIns="45000"/>
-          <a:lstStyle/>
-          <a:p>
-            <a:pPr marL="432000" indent="-323640">
+          <a:bodyPr lIns="90000" tIns="45000" rIns="90000" bIns="45000" anchor="ctr"/>
+          <a:lstStyle/>
+          <a:p>
+            <a:pPr>
               <a:lnSpc>
                 <a:spcPct val="100000"/>
               </a:lnSpc>
-              <a:buClr>
-                <a:srgbClr val="000000"/>
-              </a:buClr>
-              <a:buSzPct val="45000"/>
-              <a:buFont typeface="Wingdings" charset="2"/>
-              <a:buChar char=""/>
-            </a:pPr>
-            <a:r>
-              <a:rPr lang="en-US" sz="2800" b="0" strike="noStrike" spc="-1">
-                <a:solidFill>
-                  <a:srgbClr val="000000"/>
+            </a:pPr>
+            <a:r>
+              <a:rPr lang="en-US" sz="1200" b="0" strike="noStrike" spc="-1" dirty="0">
+                <a:solidFill>
+                  <a:srgbClr val="8B8B8B"/>
                 </a:solidFill>
                 <a:latin typeface="Calibri"/>
               </a:rPr>
-              <a:t>Compare results with simple segmentation methods</a:t>
-            </a:r>
-            <a:endParaRPr lang="en-US" sz="2800" b="0" strike="noStrike" spc="-1">
-              <a:latin typeface="Arial"/>
-            </a:endParaRPr>
-          </a:p>
-          <a:p>
-            <a:pPr marL="432000" indent="-323640">
-              <a:lnSpc>
-                <a:spcPct val="100000"/>
-              </a:lnSpc>
-              <a:buClr>
-                <a:srgbClr val="000000"/>
-              </a:buClr>
-              <a:buSzPct val="45000"/>
-              <a:buFont typeface="Wingdings" charset="2"/>
-              <a:buChar char=""/>
-            </a:pPr>
-            <a:r>
-              <a:rPr lang="en-US" sz="2800" b="0" strike="noStrike" spc="-1">
-                <a:solidFill>
-                  <a:srgbClr val="000000"/>
-                </a:solidFill>
-                <a:latin typeface="Calibri"/>
-              </a:rPr>
-              <a:t>Use another evaluation metric</a:t>
-            </a:r>
-            <a:endParaRPr lang="en-US" sz="2800" b="0" strike="noStrike" spc="-1">
-              <a:latin typeface="Arial"/>
-            </a:endParaRPr>
-          </a:p>
-          <a:p>
-            <a:pPr marL="432000" indent="-323640">
-              <a:lnSpc>
-                <a:spcPct val="100000"/>
-              </a:lnSpc>
-              <a:buClr>
-                <a:srgbClr val="000000"/>
-              </a:buClr>
-              <a:buSzPct val="45000"/>
-              <a:buFont typeface="Wingdings" charset="2"/>
-              <a:buChar char=""/>
-            </a:pPr>
-            <a:r>
-              <a:rPr lang="en-US" sz="2800" b="0" strike="noStrike" spc="-1">
-                <a:solidFill>
-                  <a:srgbClr val="000000"/>
-                </a:solidFill>
-                <a:latin typeface="Calibri"/>
-              </a:rPr>
-              <a:t>Evaluate on full test set </a:t>
-            </a:r>
-            <a:endParaRPr lang="en-US" sz="2800" b="0" strike="noStrike" spc="-1">
-              <a:latin typeface="Arial"/>
-            </a:endParaRPr>
-          </a:p>
-          <a:p>
-            <a:pPr marL="432000" indent="-323640">
-              <a:lnSpc>
-                <a:spcPct val="100000"/>
-              </a:lnSpc>
-              <a:buClr>
-                <a:srgbClr val="000000"/>
-              </a:buClr>
-              <a:buSzPct val="45000"/>
-              <a:buFont typeface="Wingdings" charset="2"/>
-              <a:buChar char=""/>
-            </a:pPr>
-            <a:r>
-              <a:rPr lang="en-US" sz="2800" b="0" strike="noStrike" spc="-1">
-                <a:solidFill>
-                  <a:srgbClr val="000000"/>
-                </a:solidFill>
-                <a:latin typeface="Calibri"/>
-              </a:rPr>
-              <a:t>Parameter tuning</a:t>
-            </a:r>
-            <a:endParaRPr lang="en-US" sz="2800" b="0" strike="noStrike" spc="-1">
-              <a:latin typeface="Arial"/>
-            </a:endParaRPr>
-          </a:p>
-        </p:txBody>
-      </p:sp>
-      <p:sp>
-        <p:nvSpPr>
-          <p:cNvPr id="137" name="CustomShape 3"/>
+              <a:t>19.12.2018</a:t>
+            </a:r>
+            <a:endParaRPr lang="en-US" sz="1200" b="0" strike="noStrike" spc="-1" dirty="0">
+              <a:latin typeface="Arial"/>
+            </a:endParaRPr>
+          </a:p>
+        </p:txBody>
+      </p:sp>
+      <p:sp>
+        <p:nvSpPr>
+          <p:cNvPr id="119" name="CustomShape 3"/>
           <p:cNvSpPr/>
           <p:nvPr/>
         </p:nvSpPr>
         <p:spPr>
           <a:xfrm>
-            <a:off x="838080" y="6356520"/>
-            <a:ext cx="2742480" cy="364320"/>
+            <a:off x="4038480" y="6356520"/>
+            <a:ext cx="4114080" cy="364320"/>
           </a:xfrm>
           <a:prstGeom prst="rect">
             <a:avLst/>
@@ -8516,36 +9508,234 @@
           <a:bodyPr lIns="90000" tIns="45000" rIns="90000" bIns="45000" anchor="ctr"/>
           <a:lstStyle/>
           <a:p>
+            <a:pPr algn="ctr">
+              <a:lnSpc>
+                <a:spcPct val="100000"/>
+              </a:lnSpc>
+            </a:pPr>
+            <a:r>
+              <a:rPr lang="en-US" sz="1200" b="0" strike="noStrike" spc="-1">
+                <a:solidFill>
+                  <a:srgbClr val="8B8B8B"/>
+                </a:solidFill>
+                <a:latin typeface="Calibri"/>
+              </a:rPr>
+              <a:t>Segmentation of brain tissues</a:t>
+            </a:r>
+            <a:endParaRPr lang="en-US" sz="1200" b="0" strike="noStrike" spc="-1">
+              <a:latin typeface="Arial"/>
+            </a:endParaRPr>
+          </a:p>
+        </p:txBody>
+      </p:sp>
+      <p:sp>
+        <p:nvSpPr>
+          <p:cNvPr id="120" name="CustomShape 4"/>
+          <p:cNvSpPr/>
+          <p:nvPr/>
+        </p:nvSpPr>
+        <p:spPr>
+          <a:xfrm>
+            <a:off x="8610480" y="6356520"/>
+            <a:ext cx="2742480" cy="364320"/>
+          </a:xfrm>
+          <a:prstGeom prst="rect">
+            <a:avLst/>
+          </a:prstGeom>
+          <a:noFill/>
+          <a:ln>
+            <a:noFill/>
+          </a:ln>
+        </p:spPr>
+        <p:style>
+          <a:lnRef idx="0">
+            <a:scrgbClr r="0" g="0" b="0"/>
+          </a:lnRef>
+          <a:fillRef idx="0">
+            <a:scrgbClr r="0" g="0" b="0"/>
+          </a:fillRef>
+          <a:effectRef idx="0">
+            <a:scrgbClr r="0" g="0" b="0"/>
+          </a:effectRef>
+          <a:fontRef idx="minor"/>
+        </p:style>
+        <p:txBody>
+          <a:bodyPr lIns="90000" tIns="45000" rIns="90000" bIns="45000" anchor="ctr"/>
+          <a:lstStyle/>
+          <a:p>
+            <a:pPr algn="r">
+              <a:lnSpc>
+                <a:spcPct val="100000"/>
+              </a:lnSpc>
+            </a:pPr>
+            <a:fld id="{740A2700-9FB7-44D0-8D6A-E825D3A9ECFD}" type="slidenum">
+              <a:rPr lang="en-US" sz="1200" b="0" strike="noStrike" spc="-1">
+                <a:solidFill>
+                  <a:srgbClr val="8B8B8B"/>
+                </a:solidFill>
+                <a:latin typeface="Calibri"/>
+              </a:rPr>
+              <a:t>8</a:t>
+            </a:fld>
+            <a:endParaRPr lang="en-US" sz="1200" b="0" strike="noStrike" spc="-1">
+              <a:latin typeface="Arial"/>
+            </a:endParaRPr>
+          </a:p>
+        </p:txBody>
+      </p:sp>
+      <p:pic>
+        <p:nvPicPr>
+          <p:cNvPr id="121" name="Picture 120"/>
+          <p:cNvPicPr/>
+          <p:nvPr/>
+        </p:nvPicPr>
+        <p:blipFill>
+          <a:blip r:embed="rId2"/>
+          <a:stretch/>
+        </p:blipFill>
+        <p:spPr>
+          <a:xfrm>
+            <a:off x="849240" y="1763640"/>
+            <a:ext cx="2899440" cy="2899440"/>
+          </a:xfrm>
+          <a:prstGeom prst="rect">
+            <a:avLst/>
+          </a:prstGeom>
+          <a:ln>
+            <a:noFill/>
+          </a:ln>
+        </p:spPr>
+      </p:pic>
+      <p:pic>
+        <p:nvPicPr>
+          <p:cNvPr id="122" name="Picture 121"/>
+          <p:cNvPicPr/>
+          <p:nvPr/>
+        </p:nvPicPr>
+        <p:blipFill>
+          <a:blip r:embed="rId3"/>
+          <a:stretch/>
+        </p:blipFill>
+        <p:spPr>
+          <a:xfrm>
+            <a:off x="6792840" y="1763640"/>
+            <a:ext cx="2899440" cy="2899440"/>
+          </a:xfrm>
+          <a:prstGeom prst="rect">
+            <a:avLst/>
+          </a:prstGeom>
+          <a:ln>
+            <a:noFill/>
+          </a:ln>
+        </p:spPr>
+      </p:pic>
+      <p:pic>
+        <p:nvPicPr>
+          <p:cNvPr id="123" name="Picture 122"/>
+          <p:cNvPicPr/>
+          <p:nvPr/>
+        </p:nvPicPr>
+        <p:blipFill>
+          <a:blip r:embed="rId4"/>
+          <a:stretch/>
+        </p:blipFill>
+        <p:spPr>
+          <a:xfrm>
+            <a:off x="3823560" y="1753560"/>
+            <a:ext cx="2899440" cy="2899440"/>
+          </a:xfrm>
+          <a:prstGeom prst="rect">
+            <a:avLst/>
+          </a:prstGeom>
+          <a:ln>
+            <a:noFill/>
+          </a:ln>
+        </p:spPr>
+      </p:pic>
+      <p:sp>
+        <p:nvSpPr>
+          <p:cNvPr id="124" name="CustomShape 5"/>
+          <p:cNvSpPr/>
+          <p:nvPr/>
+        </p:nvSpPr>
+        <p:spPr>
+          <a:xfrm>
+            <a:off x="914400" y="4846320"/>
+            <a:ext cx="2559960" cy="857880"/>
+          </a:xfrm>
+          <a:prstGeom prst="rect">
+            <a:avLst/>
+          </a:prstGeom>
+          <a:noFill/>
+          <a:ln>
+            <a:noFill/>
+          </a:ln>
+        </p:spPr>
+        <p:style>
+          <a:lnRef idx="0">
+            <a:scrgbClr r="0" g="0" b="0"/>
+          </a:lnRef>
+          <a:fillRef idx="0">
+            <a:scrgbClr r="0" g="0" b="0"/>
+          </a:fillRef>
+          <a:effectRef idx="0">
+            <a:scrgbClr r="0" g="0" b="0"/>
+          </a:effectRef>
+          <a:fontRef idx="minor"/>
+        </p:style>
+        <p:txBody>
+          <a:bodyPr lIns="90000" tIns="45000" rIns="90000" bIns="45000"/>
+          <a:lstStyle/>
+          <a:p>
             <a:pPr>
               <a:lnSpc>
                 <a:spcPct val="100000"/>
               </a:lnSpc>
             </a:pPr>
             <a:r>
-              <a:rPr lang="en-US" sz="1200" b="0" strike="noStrike" spc="-1">
-                <a:solidFill>
-                  <a:srgbClr val="8B8B8B"/>
-                </a:solidFill>
-                <a:latin typeface="Calibri"/>
-              </a:rPr>
-              <a:t>07.11.2018</a:t>
-            </a:r>
-            <a:endParaRPr lang="en-US" sz="1200" b="0" strike="noStrike" spc="-1">
-              <a:latin typeface="Arial"/>
-            </a:endParaRPr>
-          </a:p>
-        </p:txBody>
-      </p:sp>
-      <p:sp>
-        <p:nvSpPr>
-          <p:cNvPr id="138" name="CustomShape 4"/>
+              <a:rPr lang="en-US" sz="1800" b="0" strike="noStrike" spc="-1">
+                <a:solidFill>
+                  <a:srgbClr val="000000"/>
+                </a:solidFill>
+                <a:latin typeface="Avenir LT Std 55 Roman" panose="020B0503020203020204" pitchFamily="34" charset="0"/>
+              </a:rPr>
+              <a:t>C=5, G=0.3</a:t>
+            </a:r>
+            <a:endParaRPr lang="en-US" sz="1800" b="0" strike="noStrike" spc="-1">
+              <a:latin typeface="Avenir LT Std 55 Roman" panose="020B0503020203020204" pitchFamily="34" charset="0"/>
+            </a:endParaRPr>
+          </a:p>
+          <a:p>
+            <a:pPr>
+              <a:lnSpc>
+                <a:spcPct val="100000"/>
+              </a:lnSpc>
+            </a:pPr>
+            <a:r>
+              <a:rPr lang="en-US" sz="1800" b="0" strike="noStrike" spc="-1">
+                <a:solidFill>
+                  <a:srgbClr val="000000"/>
+                </a:solidFill>
+                <a:latin typeface="Avenir LT Std 55 Roman" panose="020B0503020203020204" pitchFamily="34" charset="0"/>
+              </a:rPr>
+              <a:t>Oversegmentation of small structures</a:t>
+            </a:r>
+            <a:endParaRPr lang="en-US" sz="1800" b="0" strike="noStrike" spc="-1">
+              <a:latin typeface="Avenir LT Std 55 Roman" panose="020B0503020203020204" pitchFamily="34" charset="0"/>
+            </a:endParaRPr>
+          </a:p>
+        </p:txBody>
+      </p:sp>
+      <p:sp>
+        <p:nvSpPr>
+          <p:cNvPr id="125" name="CustomShape 6"/>
           <p:cNvSpPr/>
           <p:nvPr/>
         </p:nvSpPr>
         <p:spPr>
           <a:xfrm>
-            <a:off x="4038480" y="6356520"/>
-            <a:ext cx="4114080" cy="364320"/>
+            <a:off x="4023360" y="4846320"/>
+            <a:ext cx="2559960" cy="601920"/>
           </a:xfrm>
           <a:prstGeom prst="rect">
             <a:avLst/>
@@ -8568,39 +9758,58 @@
           <a:fontRef idx="minor"/>
         </p:style>
         <p:txBody>
-          <a:bodyPr lIns="90000" tIns="45000" rIns="90000" bIns="45000" anchor="ctr"/>
-          <a:lstStyle/>
-          <a:p>
-            <a:pPr algn="ctr">
+          <a:bodyPr lIns="90000" tIns="45000" rIns="90000" bIns="45000"/>
+          <a:lstStyle/>
+          <a:p>
+            <a:pPr>
               <a:lnSpc>
                 <a:spcPct val="100000"/>
               </a:lnSpc>
             </a:pPr>
             <a:r>
-              <a:rPr lang="en-US" sz="1200" b="0" strike="noStrike" spc="-1">
-                <a:solidFill>
-                  <a:srgbClr val="8B8B8B"/>
-                </a:solidFill>
-                <a:latin typeface="Calibri"/>
-              </a:rPr>
-              <a:t>Segmentation of brain tissues</a:t>
-            </a:r>
-            <a:endParaRPr lang="en-US" sz="1200" b="0" strike="noStrike" spc="-1">
-              <a:latin typeface="Arial"/>
-            </a:endParaRPr>
-          </a:p>
-        </p:txBody>
-      </p:sp>
-      <p:sp>
-        <p:nvSpPr>
-          <p:cNvPr id="139" name="CustomShape 5"/>
+              <a:rPr lang="en-US" sz="1800" b="0" strike="noStrike" spc="-1">
+                <a:solidFill>
+                  <a:srgbClr val="000000"/>
+                </a:solidFill>
+                <a:latin typeface="Avenir LT Std 55 Roman" panose="020B0503020203020204" pitchFamily="34" charset="0"/>
+              </a:rPr>
+              <a:t>Random Forest</a:t>
+            </a:r>
+            <a:endParaRPr lang="en-US" sz="1800" b="0" strike="noStrike" spc="-1">
+              <a:latin typeface="Avenir LT Std 55 Roman" panose="020B0503020203020204" pitchFamily="34" charset="0"/>
+            </a:endParaRPr>
+          </a:p>
+          <a:p>
+            <a:pPr>
+              <a:lnSpc>
+                <a:spcPct val="100000"/>
+              </a:lnSpc>
+            </a:pPr>
+            <a:r>
+              <a:rPr lang="en-US" sz="1800" b="0" strike="noStrike" spc="-1">
+                <a:solidFill>
+                  <a:srgbClr val="000000"/>
+                </a:solidFill>
+                <a:latin typeface="Avenir LT Std 55 Roman" panose="020B0503020203020204" pitchFamily="34" charset="0"/>
+              </a:rPr>
+              <a:t>Reference</a:t>
+            </a:r>
+            <a:endParaRPr lang="en-US" sz="1800" b="0" strike="noStrike" spc="-1">
+              <a:latin typeface="Avenir LT Std 55 Roman" panose="020B0503020203020204" pitchFamily="34" charset="0"/>
+            </a:endParaRPr>
+          </a:p>
+        </p:txBody>
+      </p:sp>
+      <p:sp>
+        <p:nvSpPr>
+          <p:cNvPr id="126" name="CustomShape 7"/>
           <p:cNvSpPr/>
           <p:nvPr/>
         </p:nvSpPr>
         <p:spPr>
           <a:xfrm>
-            <a:off x="8610480" y="6356520"/>
-            <a:ext cx="2742480" cy="364320"/>
+            <a:off x="6949440" y="4846320"/>
+            <a:ext cx="2559960" cy="857880"/>
           </a:xfrm>
           <a:prstGeom prst="rect">
             <a:avLst/>
@@ -8623,25 +9832,44 @@
           <a:fontRef idx="minor"/>
         </p:style>
         <p:txBody>
-          <a:bodyPr lIns="90000" tIns="45000" rIns="90000" bIns="45000" anchor="ctr"/>
-          <a:lstStyle/>
-          <a:p>
-            <a:pPr algn="r">
+          <a:bodyPr lIns="90000" tIns="45000" rIns="90000" bIns="45000"/>
+          <a:lstStyle/>
+          <a:p>
+            <a:pPr>
               <a:lnSpc>
                 <a:spcPct val="100000"/>
               </a:lnSpc>
             </a:pPr>
-            <a:fld id="{9422F7C2-F130-40CB-9FD8-C74940B42C86}" type="slidenum">
-              <a:rPr lang="en-US" sz="1200" b="0" strike="noStrike" spc="-1">
-                <a:solidFill>
-                  <a:srgbClr val="8B8B8B"/>
-                </a:solidFill>
-                <a:latin typeface="Calibri"/>
-              </a:rPr>
-              <a:t>8</a:t>
-            </a:fld>
-            <a:endParaRPr lang="en-US" sz="1200" b="0" strike="noStrike" spc="-1">
-              <a:latin typeface="Arial"/>
+            <a:r>
+              <a:rPr lang="en-US" sz="1800" b="0" strike="noStrike" spc="-1">
+                <a:solidFill>
+                  <a:srgbClr val="000000"/>
+                </a:solidFill>
+                <a:latin typeface="Avenir LT Std 55 Roman" panose="020B0503020203020204" pitchFamily="34" charset="0"/>
+              </a:rPr>
+              <a:t>C=15, G=10</a:t>
+            </a:r>
+            <a:endParaRPr lang="en-US" sz="1800" b="0" strike="noStrike" spc="-1">
+              <a:latin typeface="Avenir LT Std 55 Roman" panose="020B0503020203020204" pitchFamily="34" charset="0"/>
+            </a:endParaRPr>
+          </a:p>
+          <a:p>
+            <a:pPr>
+              <a:lnSpc>
+                <a:spcPct val="100000"/>
+              </a:lnSpc>
+            </a:pPr>
+            <a:r>
+              <a:rPr lang="en-US" sz="1800" b="0" strike="noStrike" spc="-1">
+                <a:solidFill>
+                  <a:srgbClr val="000000"/>
+                </a:solidFill>
+                <a:latin typeface="Avenir LT Std 55 Roman" panose="020B0503020203020204" pitchFamily="34" charset="0"/>
+              </a:rPr>
+              <a:t>Undersegmentation of small structures</a:t>
+            </a:r>
+            <a:endParaRPr lang="en-US" sz="1800" b="0" strike="noStrike" spc="-1">
+              <a:latin typeface="Avenir LT Std 55 Roman" panose="020B0503020203020204" pitchFamily="34" charset="0"/>
             </a:endParaRPr>
           </a:p>
         </p:txBody>
@@ -8651,14 +9879,471 @@
   <p:clrMapOvr>
     <a:masterClrMapping/>
   </p:clrMapOvr>
-  <mc:AlternateContent xmlns:mc="http://schemas.openxmlformats.org/markup-compatibility/2006" xmlns:p14="http://schemas.microsoft.com/office/powerpoint/2010/main">
-    <mc:Choice Requires="p14">
-      <p:transition spd="slow" p14:dur="2000"/>
-    </mc:Choice>
-    <mc:Fallback xmlns:p15="http://schemas.microsoft.com/office/powerpoint/2012/main" xmlns="">
-      <p:transition spd="slow"/>
-    </mc:Fallback>
-  </mc:AlternateContent>
+  <p:timing>
+    <p:tnLst>
+      <p:par>
+        <p:cTn id="1" dur="indefinite" restart="never" nodeType="tmRoot">
+          <p:childTnLst>
+            <p:seq>
+              <p:cTn id="2" dur="indefinite" nodeType="mainSeq"/>
+              <p:prevCondLst>
+                <p:cond evt="onPrev" delay="0">
+                  <p:tgtEl>
+                    <p:sldTgt/>
+                  </p:tgtEl>
+                </p:cond>
+              </p:prevCondLst>
+              <p:nextCondLst>
+                <p:cond evt="onNext" delay="0">
+                  <p:tgtEl>
+                    <p:sldTgt/>
+                  </p:tgtEl>
+                </p:cond>
+              </p:nextCondLst>
+            </p:seq>
+          </p:childTnLst>
+        </p:cTn>
+      </p:par>
+    </p:tnLst>
+  </p:timing>
+</p:sld>
+</file>
+
+<file path=ppt/slides/slide9.xml><?xml version="1.0" encoding="utf-8"?>
+<p:sld xmlns:a="http://schemas.openxmlformats.org/drawingml/2006/main" xmlns:r="http://schemas.openxmlformats.org/officeDocument/2006/relationships" xmlns:p="http://schemas.openxmlformats.org/presentationml/2006/main">
+  <p:cSld>
+    <p:spTree>
+      <p:nvGrpSpPr>
+        <p:cNvPr id="1" name=""/>
+        <p:cNvGrpSpPr/>
+        <p:nvPr/>
+      </p:nvGrpSpPr>
+      <p:grpSpPr>
+        <a:xfrm>
+          <a:off x="0" y="0"/>
+          <a:ext cx="0" cy="0"/>
+          <a:chOff x="0" y="0"/>
+          <a:chExt cx="0" cy="0"/>
+        </a:xfrm>
+      </p:grpSpPr>
+      <p:sp>
+        <p:nvSpPr>
+          <p:cNvPr id="127" name="CustomShape 1"/>
+          <p:cNvSpPr/>
+          <p:nvPr/>
+        </p:nvSpPr>
+        <p:spPr>
+          <a:xfrm>
+            <a:off x="838080" y="365040"/>
+            <a:ext cx="9033120" cy="1324800"/>
+          </a:xfrm>
+          <a:prstGeom prst="rect">
+            <a:avLst/>
+          </a:prstGeom>
+          <a:noFill/>
+          <a:ln>
+            <a:noFill/>
+          </a:ln>
+        </p:spPr>
+        <p:style>
+          <a:lnRef idx="0">
+            <a:scrgbClr r="0" g="0" b="0"/>
+          </a:lnRef>
+          <a:fillRef idx="0">
+            <a:scrgbClr r="0" g="0" b="0"/>
+          </a:fillRef>
+          <a:effectRef idx="0">
+            <a:scrgbClr r="0" g="0" b="0"/>
+          </a:effectRef>
+          <a:fontRef idx="minor"/>
+        </p:style>
+        <p:txBody>
+          <a:bodyPr lIns="90000" tIns="45000" rIns="90000" bIns="45000" anchor="ctr"/>
+          <a:lstStyle/>
+          <a:p>
+            <a:pPr>
+              <a:lnSpc>
+                <a:spcPct val="100000"/>
+              </a:lnSpc>
+            </a:pPr>
+            <a:r>
+              <a:rPr lang="en-US" sz="4400" b="1" strike="noStrike" spc="-1" dirty="0">
+                <a:solidFill>
+                  <a:srgbClr val="000000"/>
+                </a:solidFill>
+                <a:latin typeface="Avenir LT Std 55 Roman" panose="020B0503020203020204" pitchFamily="34" charset="0"/>
+              </a:rPr>
+              <a:t>Insights SVM (</a:t>
+            </a:r>
+            <a:r>
+              <a:rPr lang="en-US" sz="4400" b="1" strike="noStrike" spc="-1" dirty="0" err="1">
+                <a:solidFill>
+                  <a:srgbClr val="000000"/>
+                </a:solidFill>
+                <a:latin typeface="Avenir LT Std 55 Roman" panose="020B0503020203020204" pitchFamily="34" charset="0"/>
+              </a:rPr>
+              <a:t>rbf</a:t>
+            </a:r>
+            <a:r>
+              <a:rPr lang="en-US" sz="4400" b="1" strike="noStrike" spc="-1" dirty="0">
+                <a:solidFill>
+                  <a:srgbClr val="000000"/>
+                </a:solidFill>
+                <a:latin typeface="Avenir LT Std 55 Roman" panose="020B0503020203020204" pitchFamily="34" charset="0"/>
+              </a:rPr>
+              <a:t>)</a:t>
+            </a:r>
+            <a:endParaRPr lang="en-US" sz="4400" b="0" strike="noStrike" spc="-1" dirty="0">
+              <a:latin typeface="Avenir LT Std 55 Roman" panose="020B0503020203020204" pitchFamily="34" charset="0"/>
+            </a:endParaRPr>
+          </a:p>
+        </p:txBody>
+      </p:sp>
+      <p:sp>
+        <p:nvSpPr>
+          <p:cNvPr id="128" name="CustomShape 2"/>
+          <p:cNvSpPr/>
+          <p:nvPr/>
+        </p:nvSpPr>
+        <p:spPr>
+          <a:xfrm>
+            <a:off x="838080" y="6356520"/>
+            <a:ext cx="2742480" cy="364320"/>
+          </a:xfrm>
+          <a:prstGeom prst="rect">
+            <a:avLst/>
+          </a:prstGeom>
+          <a:noFill/>
+          <a:ln>
+            <a:noFill/>
+          </a:ln>
+        </p:spPr>
+        <p:style>
+          <a:lnRef idx="0">
+            <a:scrgbClr r="0" g="0" b="0"/>
+          </a:lnRef>
+          <a:fillRef idx="0">
+            <a:scrgbClr r="0" g="0" b="0"/>
+          </a:fillRef>
+          <a:effectRef idx="0">
+            <a:scrgbClr r="0" g="0" b="0"/>
+          </a:effectRef>
+          <a:fontRef idx="minor"/>
+        </p:style>
+        <p:txBody>
+          <a:bodyPr lIns="90000" tIns="45000" rIns="90000" bIns="45000" anchor="ctr"/>
+          <a:lstStyle/>
+          <a:p>
+            <a:pPr>
+              <a:lnSpc>
+                <a:spcPct val="100000"/>
+              </a:lnSpc>
+            </a:pPr>
+            <a:r>
+              <a:rPr lang="en-US" sz="1200" b="0" strike="noStrike" spc="-1" dirty="0">
+                <a:solidFill>
+                  <a:srgbClr val="8B8B8B"/>
+                </a:solidFill>
+                <a:latin typeface="Calibri"/>
+              </a:rPr>
+              <a:t>19.12.2018</a:t>
+            </a:r>
+            <a:endParaRPr lang="en-US" sz="1200" b="0" strike="noStrike" spc="-1" dirty="0">
+              <a:latin typeface="Arial"/>
+            </a:endParaRPr>
+          </a:p>
+        </p:txBody>
+      </p:sp>
+      <p:sp>
+        <p:nvSpPr>
+          <p:cNvPr id="129" name="CustomShape 3"/>
+          <p:cNvSpPr/>
+          <p:nvPr/>
+        </p:nvSpPr>
+        <p:spPr>
+          <a:xfrm>
+            <a:off x="4038480" y="6356520"/>
+            <a:ext cx="4114080" cy="364320"/>
+          </a:xfrm>
+          <a:prstGeom prst="rect">
+            <a:avLst/>
+          </a:prstGeom>
+          <a:noFill/>
+          <a:ln>
+            <a:noFill/>
+          </a:ln>
+        </p:spPr>
+        <p:style>
+          <a:lnRef idx="0">
+            <a:scrgbClr r="0" g="0" b="0"/>
+          </a:lnRef>
+          <a:fillRef idx="0">
+            <a:scrgbClr r="0" g="0" b="0"/>
+          </a:fillRef>
+          <a:effectRef idx="0">
+            <a:scrgbClr r="0" g="0" b="0"/>
+          </a:effectRef>
+          <a:fontRef idx="minor"/>
+        </p:style>
+        <p:txBody>
+          <a:bodyPr lIns="90000" tIns="45000" rIns="90000" bIns="45000" anchor="ctr"/>
+          <a:lstStyle/>
+          <a:p>
+            <a:pPr algn="ctr">
+              <a:lnSpc>
+                <a:spcPct val="100000"/>
+              </a:lnSpc>
+            </a:pPr>
+            <a:r>
+              <a:rPr lang="en-US" sz="1200" b="0" strike="noStrike" spc="-1">
+                <a:solidFill>
+                  <a:srgbClr val="8B8B8B"/>
+                </a:solidFill>
+                <a:latin typeface="Calibri"/>
+              </a:rPr>
+              <a:t>Segmentation of brain tissues</a:t>
+            </a:r>
+            <a:endParaRPr lang="en-US" sz="1200" b="0" strike="noStrike" spc="-1">
+              <a:latin typeface="Arial"/>
+            </a:endParaRPr>
+          </a:p>
+        </p:txBody>
+      </p:sp>
+      <p:sp>
+        <p:nvSpPr>
+          <p:cNvPr id="130" name="CustomShape 4"/>
+          <p:cNvSpPr/>
+          <p:nvPr/>
+        </p:nvSpPr>
+        <p:spPr>
+          <a:xfrm>
+            <a:off x="8610480" y="6356520"/>
+            <a:ext cx="2742480" cy="364320"/>
+          </a:xfrm>
+          <a:prstGeom prst="rect">
+            <a:avLst/>
+          </a:prstGeom>
+          <a:noFill/>
+          <a:ln>
+            <a:noFill/>
+          </a:ln>
+        </p:spPr>
+        <p:style>
+          <a:lnRef idx="0">
+            <a:scrgbClr r="0" g="0" b="0"/>
+          </a:lnRef>
+          <a:fillRef idx="0">
+            <a:scrgbClr r="0" g="0" b="0"/>
+          </a:fillRef>
+          <a:effectRef idx="0">
+            <a:scrgbClr r="0" g="0" b="0"/>
+          </a:effectRef>
+          <a:fontRef idx="minor"/>
+        </p:style>
+        <p:txBody>
+          <a:bodyPr lIns="90000" tIns="45000" rIns="90000" bIns="45000" anchor="ctr"/>
+          <a:lstStyle/>
+          <a:p>
+            <a:pPr algn="r">
+              <a:lnSpc>
+                <a:spcPct val="100000"/>
+              </a:lnSpc>
+            </a:pPr>
+            <a:fld id="{E13BD78E-EC70-4294-8A5E-C457C0379AF9}" type="slidenum">
+              <a:rPr lang="en-US" sz="1200" b="0" strike="noStrike" spc="-1">
+                <a:solidFill>
+                  <a:srgbClr val="8B8B8B"/>
+                </a:solidFill>
+                <a:latin typeface="Calibri"/>
+              </a:rPr>
+              <a:t>9</a:t>
+            </a:fld>
+            <a:endParaRPr lang="en-US" sz="1200" b="0" strike="noStrike" spc="-1">
+              <a:latin typeface="Arial"/>
+            </a:endParaRPr>
+          </a:p>
+        </p:txBody>
+      </p:sp>
+      <p:pic>
+        <p:nvPicPr>
+          <p:cNvPr id="131" name="Picture 130"/>
+          <p:cNvPicPr/>
+          <p:nvPr/>
+        </p:nvPicPr>
+        <p:blipFill>
+          <a:blip r:embed="rId2"/>
+          <a:stretch/>
+        </p:blipFill>
+        <p:spPr>
+          <a:xfrm>
+            <a:off x="933840" y="1353600"/>
+            <a:ext cx="4095000" cy="4095000"/>
+          </a:xfrm>
+          <a:prstGeom prst="rect">
+            <a:avLst/>
+          </a:prstGeom>
+          <a:ln>
+            <a:noFill/>
+          </a:ln>
+        </p:spPr>
+      </p:pic>
+      <p:pic>
+        <p:nvPicPr>
+          <p:cNvPr id="132" name="Picture 131"/>
+          <p:cNvPicPr/>
+          <p:nvPr/>
+        </p:nvPicPr>
+        <p:blipFill>
+          <a:blip r:embed="rId3"/>
+          <a:stretch/>
+        </p:blipFill>
+        <p:spPr>
+          <a:xfrm>
+            <a:off x="5322960" y="1371600"/>
+            <a:ext cx="4095000" cy="4095000"/>
+          </a:xfrm>
+          <a:prstGeom prst="rect">
+            <a:avLst/>
+          </a:prstGeom>
+          <a:ln>
+            <a:noFill/>
+          </a:ln>
+        </p:spPr>
+      </p:pic>
+      <p:sp>
+        <p:nvSpPr>
+          <p:cNvPr id="133" name="CustomShape 5"/>
+          <p:cNvSpPr/>
+          <p:nvPr/>
+        </p:nvSpPr>
+        <p:spPr>
+          <a:xfrm>
+            <a:off x="1645920" y="5524200"/>
+            <a:ext cx="2559960" cy="601920"/>
+          </a:xfrm>
+          <a:prstGeom prst="rect">
+            <a:avLst/>
+          </a:prstGeom>
+          <a:noFill/>
+          <a:ln>
+            <a:noFill/>
+          </a:ln>
+        </p:spPr>
+        <p:style>
+          <a:lnRef idx="0">
+            <a:scrgbClr r="0" g="0" b="0"/>
+          </a:lnRef>
+          <a:fillRef idx="0">
+            <a:scrgbClr r="0" g="0" b="0"/>
+          </a:fillRef>
+          <a:effectRef idx="0">
+            <a:scrgbClr r="0" g="0" b="0"/>
+          </a:effectRef>
+          <a:fontRef idx="minor"/>
+        </p:style>
+        <p:txBody>
+          <a:bodyPr lIns="90000" tIns="45000" rIns="90000" bIns="45000"/>
+          <a:lstStyle/>
+          <a:p>
+            <a:pPr>
+              <a:lnSpc>
+                <a:spcPct val="100000"/>
+              </a:lnSpc>
+            </a:pPr>
+            <a:r>
+              <a:rPr lang="en-US" sz="1800" b="0" strike="noStrike" spc="-1">
+                <a:solidFill>
+                  <a:srgbClr val="000000"/>
+                </a:solidFill>
+                <a:latin typeface="Avenir LT Std 55 Roman" panose="020B0503020203020204" pitchFamily="34" charset="0"/>
+              </a:rPr>
+              <a:t>Random Forest</a:t>
+            </a:r>
+            <a:endParaRPr lang="en-US" sz="1800" b="0" strike="noStrike" spc="-1">
+              <a:latin typeface="Avenir LT Std 55 Roman" panose="020B0503020203020204" pitchFamily="34" charset="0"/>
+            </a:endParaRPr>
+          </a:p>
+          <a:p>
+            <a:pPr>
+              <a:lnSpc>
+                <a:spcPct val="100000"/>
+              </a:lnSpc>
+            </a:pPr>
+            <a:r>
+              <a:rPr lang="en-US" sz="1800" b="0" strike="noStrike" spc="-1">
+                <a:solidFill>
+                  <a:srgbClr val="000000"/>
+                </a:solidFill>
+                <a:latin typeface="Avenir LT Std 55 Roman" panose="020B0503020203020204" pitchFamily="34" charset="0"/>
+              </a:rPr>
+              <a:t>Reference</a:t>
+            </a:r>
+            <a:endParaRPr lang="en-US" sz="1800" b="0" strike="noStrike" spc="-1">
+              <a:latin typeface="Avenir LT Std 55 Roman" panose="020B0503020203020204" pitchFamily="34" charset="0"/>
+            </a:endParaRPr>
+          </a:p>
+        </p:txBody>
+      </p:sp>
+      <p:sp>
+        <p:nvSpPr>
+          <p:cNvPr id="134" name="CustomShape 6"/>
+          <p:cNvSpPr/>
+          <p:nvPr/>
+        </p:nvSpPr>
+        <p:spPr>
+          <a:xfrm>
+            <a:off x="6309360" y="5498280"/>
+            <a:ext cx="2559960" cy="857880"/>
+          </a:xfrm>
+          <a:prstGeom prst="rect">
+            <a:avLst/>
+          </a:prstGeom>
+          <a:noFill/>
+          <a:ln>
+            <a:noFill/>
+          </a:ln>
+        </p:spPr>
+        <p:style>
+          <a:lnRef idx="0">
+            <a:scrgbClr r="0" g="0" b="0"/>
+          </a:lnRef>
+          <a:fillRef idx="0">
+            <a:scrgbClr r="0" g="0" b="0"/>
+          </a:fillRef>
+          <a:effectRef idx="0">
+            <a:scrgbClr r="0" g="0" b="0"/>
+          </a:effectRef>
+          <a:fontRef idx="minor"/>
+        </p:style>
+        <p:txBody>
+          <a:bodyPr lIns="90000" tIns="45000" rIns="90000" bIns="45000"/>
+          <a:lstStyle/>
+          <a:p>
+            <a:pPr>
+              <a:lnSpc>
+                <a:spcPct val="100000"/>
+              </a:lnSpc>
+            </a:pPr>
+            <a:r>
+              <a:rPr lang="en-US" sz="1800" b="0" strike="noStrike" spc="-1">
+                <a:solidFill>
+                  <a:srgbClr val="000000"/>
+                </a:solidFill>
+                <a:latin typeface="Avenir LT Std 55 Roman" panose="020B0503020203020204" pitchFamily="34" charset="0"/>
+              </a:rPr>
+              <a:t>C=15, G=5</a:t>
+            </a:r>
+            <a:endParaRPr lang="en-US" sz="1800" b="0" strike="noStrike" spc="-1">
+              <a:latin typeface="Avenir LT Std 55 Roman" panose="020B0503020203020204" pitchFamily="34" charset="0"/>
+            </a:endParaRPr>
+          </a:p>
+        </p:txBody>
+      </p:sp>
+    </p:spTree>
+  </p:cSld>
+  <p:clrMapOvr>
+    <a:masterClrMapping/>
+  </p:clrMapOvr>
   <p:timing>
     <p:tnLst>
       <p:par>

--- a/Final Mialab.pptx
+++ b/Final Mialab.pptx
@@ -6,20 +6,21 @@
     <p:sldMasterId id="2147483661" r:id="rId2"/>
   </p:sldMasterIdLst>
   <p:notesMasterIdLst>
-    <p:notesMasterId r:id="rId14"/>
+    <p:notesMasterId r:id="rId15"/>
   </p:notesMasterIdLst>
   <p:sldIdLst>
     <p:sldId id="256" r:id="rId3"/>
     <p:sldId id="257" r:id="rId4"/>
     <p:sldId id="258" r:id="rId5"/>
     <p:sldId id="266" r:id="rId6"/>
-    <p:sldId id="265" r:id="rId7"/>
-    <p:sldId id="259" r:id="rId8"/>
-    <p:sldId id="261" r:id="rId9"/>
-    <p:sldId id="262" r:id="rId10"/>
-    <p:sldId id="263" r:id="rId11"/>
-    <p:sldId id="264" r:id="rId12"/>
-    <p:sldId id="267" r:id="rId13"/>
+    <p:sldId id="268" r:id="rId7"/>
+    <p:sldId id="269" r:id="rId8"/>
+    <p:sldId id="265" r:id="rId9"/>
+    <p:sldId id="259" r:id="rId10"/>
+    <p:sldId id="261" r:id="rId11"/>
+    <p:sldId id="262" r:id="rId12"/>
+    <p:sldId id="263" r:id="rId13"/>
+    <p:sldId id="264" r:id="rId14"/>
   </p:sldIdLst>
   <p:sldSz cx="12192000" cy="6858000"/>
   <p:notesSz cx="6858000" cy="9144000"/>
@@ -959,6 +960,220 @@
           <a:bodyPr lIns="0" tIns="0" rIns="0" bIns="0"/>
           <a:lstStyle/>
           <a:p>
+            <a:pPr>
+              <a:lnSpc>
+                <a:spcPct val="100000"/>
+              </a:lnSpc>
+            </a:pPr>
+            <a:endParaRPr lang="en-US" sz="2000" b="0" strike="noStrike" spc="-1" dirty="0">
+              <a:latin typeface="Arial"/>
+            </a:endParaRPr>
+          </a:p>
+        </p:txBody>
+      </p:sp>
+      <p:sp>
+        <p:nvSpPr>
+          <p:cNvPr id="145" name="CustomShape 2"/>
+          <p:cNvSpPr/>
+          <p:nvPr/>
+        </p:nvSpPr>
+        <p:spPr>
+          <a:xfrm>
+            <a:off x="3884760" y="8685360"/>
+            <a:ext cx="2971080" cy="457920"/>
+          </a:xfrm>
+          <a:prstGeom prst="rect">
+            <a:avLst/>
+          </a:prstGeom>
+          <a:noFill/>
+          <a:ln>
+            <a:noFill/>
+          </a:ln>
+        </p:spPr>
+        <p:style>
+          <a:lnRef idx="0">
+            <a:scrgbClr r="0" g="0" b="0"/>
+          </a:lnRef>
+          <a:fillRef idx="0">
+            <a:scrgbClr r="0" g="0" b="0"/>
+          </a:fillRef>
+          <a:effectRef idx="0">
+            <a:scrgbClr r="0" g="0" b="0"/>
+          </a:effectRef>
+          <a:fontRef idx="minor"/>
+        </p:style>
+        <p:txBody>
+          <a:bodyPr lIns="90000" tIns="45000" rIns="90000" bIns="45000" anchor="b"/>
+          <a:lstStyle/>
+          <a:p>
+            <a:pPr algn="r">
+              <a:lnSpc>
+                <a:spcPct val="100000"/>
+              </a:lnSpc>
+            </a:pPr>
+            <a:fld id="{916195F6-38B3-4A78-972D-B9922FA871A3}" type="slidenum">
+              <a:rPr lang="en-US" sz="1200" b="0" strike="noStrike" spc="-1">
+                <a:solidFill>
+                  <a:srgbClr val="000000"/>
+                </a:solidFill>
+                <a:latin typeface="+mn-lt"/>
+                <a:ea typeface="+mn-ea"/>
+              </a:rPr>
+              <a:t>5</a:t>
+            </a:fld>
+            <a:endParaRPr lang="en-US" sz="1200" b="0" strike="noStrike" spc="-1">
+              <a:latin typeface="Arial"/>
+            </a:endParaRPr>
+          </a:p>
+        </p:txBody>
+      </p:sp>
+    </p:spTree>
+    <p:extLst>
+      <p:ext uri="{BB962C8B-B14F-4D97-AF65-F5344CB8AC3E}">
+        <p14:creationId xmlns:p14="http://schemas.microsoft.com/office/powerpoint/2010/main" val="3065583755"/>
+      </p:ext>
+    </p:extLst>
+  </p:cSld>
+  <p:clrMapOvr>
+    <a:masterClrMapping/>
+  </p:clrMapOvr>
+</p:notes>
+</file>
+
+<file path=ppt/notesSlides/notesSlide6.xml><?xml version="1.0" encoding="utf-8"?>
+<p:notes xmlns:a="http://schemas.openxmlformats.org/drawingml/2006/main" xmlns:r="http://schemas.openxmlformats.org/officeDocument/2006/relationships" xmlns:p="http://schemas.openxmlformats.org/presentationml/2006/main">
+  <p:cSld>
+    <p:spTree>
+      <p:nvGrpSpPr>
+        <p:cNvPr id="1" name=""/>
+        <p:cNvGrpSpPr/>
+        <p:nvPr/>
+      </p:nvGrpSpPr>
+      <p:grpSpPr>
+        <a:xfrm>
+          <a:off x="0" y="0"/>
+          <a:ext cx="0" cy="0"/>
+          <a:chOff x="0" y="0"/>
+          <a:chExt cx="0" cy="0"/>
+        </a:xfrm>
+      </p:grpSpPr>
+      <p:sp>
+        <p:nvSpPr>
+          <p:cNvPr id="2" name="Folienbildplatzhalter 1"/>
+          <p:cNvSpPr>
+            <a:spLocks noGrp="1" noRot="1" noChangeAspect="1"/>
+          </p:cNvSpPr>
+          <p:nvPr>
+            <p:ph type="sldImg"/>
+          </p:nvPr>
+        </p:nvSpPr>
+        <p:spPr>
+          <a:xfrm>
+            <a:off x="217488" y="812800"/>
+            <a:ext cx="7124700" cy="4008438"/>
+          </a:xfrm>
+        </p:spPr>
+      </p:sp>
+      <p:sp>
+        <p:nvSpPr>
+          <p:cNvPr id="3" name="Notizenplatzhalter 2"/>
+          <p:cNvSpPr>
+            <a:spLocks noGrp="1"/>
+          </p:cNvSpPr>
+          <p:nvPr>
+            <p:ph type="body" idx="1"/>
+          </p:nvPr>
+        </p:nvSpPr>
+        <p:spPr/>
+        <p:txBody>
+          <a:bodyPr/>
+          <a:lstStyle/>
+          <a:p>
+            <a:endParaRPr lang="de-DE" dirty="0"/>
+          </a:p>
+        </p:txBody>
+      </p:sp>
+      <p:sp>
+        <p:nvSpPr>
+          <p:cNvPr id="4" name="Foliennummernplatzhalter 3"/>
+          <p:cNvSpPr>
+            <a:spLocks noGrp="1"/>
+          </p:cNvSpPr>
+          <p:nvPr>
+            <p:ph type="sldNum"/>
+          </p:nvPr>
+        </p:nvSpPr>
+        <p:spPr/>
+        <p:txBody>
+          <a:bodyPr/>
+          <a:lstStyle/>
+          <a:p>
+            <a:pPr algn="r"/>
+            <a:fld id="{B140B2A9-4971-469E-B61B-51C5ABF4221C}" type="slidenum">
+              <a:rPr lang="en-US" sz="1400" b="0" strike="noStrike" spc="-1" smtClean="0">
+                <a:latin typeface="Times New Roman"/>
+              </a:rPr>
+              <a:t>6</a:t>
+            </a:fld>
+            <a:endParaRPr lang="en-US" sz="1400" b="0" strike="noStrike" spc="-1">
+              <a:latin typeface="Times New Roman"/>
+            </a:endParaRPr>
+          </a:p>
+        </p:txBody>
+      </p:sp>
+    </p:spTree>
+    <p:extLst>
+      <p:ext uri="{BB962C8B-B14F-4D97-AF65-F5344CB8AC3E}">
+        <p14:creationId xmlns:p14="http://schemas.microsoft.com/office/powerpoint/2010/main" val="3410138486"/>
+      </p:ext>
+    </p:extLst>
+  </p:cSld>
+  <p:clrMapOvr>
+    <a:masterClrMapping/>
+  </p:clrMapOvr>
+</p:notes>
+</file>
+
+<file path=ppt/notesSlides/notesSlide7.xml><?xml version="1.0" encoding="utf-8"?>
+<p:notes xmlns:a="http://schemas.openxmlformats.org/drawingml/2006/main" xmlns:r="http://schemas.openxmlformats.org/officeDocument/2006/relationships" xmlns:p="http://schemas.openxmlformats.org/presentationml/2006/main">
+  <p:cSld>
+    <p:spTree>
+      <p:nvGrpSpPr>
+        <p:cNvPr id="1" name=""/>
+        <p:cNvGrpSpPr/>
+        <p:nvPr/>
+      </p:nvGrpSpPr>
+      <p:grpSpPr>
+        <a:xfrm>
+          <a:off x="0" y="0"/>
+          <a:ext cx="0" cy="0"/>
+          <a:chOff x="0" y="0"/>
+          <a:chExt cx="0" cy="0"/>
+        </a:xfrm>
+      </p:grpSpPr>
+      <p:sp>
+        <p:nvSpPr>
+          <p:cNvPr id="144" name="PlaceHolder 1"/>
+          <p:cNvSpPr>
+            <a:spLocks noGrp="1"/>
+          </p:cNvSpPr>
+          <p:nvPr>
+            <p:ph type="body"/>
+          </p:nvPr>
+        </p:nvSpPr>
+        <p:spPr>
+          <a:xfrm>
+            <a:off x="685800" y="4400640"/>
+            <a:ext cx="5485680" cy="3599640"/>
+          </a:xfrm>
+          <a:prstGeom prst="rect">
+            <a:avLst/>
+          </a:prstGeom>
+        </p:spPr>
+        <p:txBody>
+          <a:bodyPr lIns="0" tIns="0" rIns="0" bIns="0"/>
+          <a:lstStyle/>
+          <a:p>
             <a:pPr marL="216000" indent="-216000">
               <a:lnSpc>
                 <a:spcPct val="100000"/>
@@ -1335,7 +1550,7 @@
                 <a:latin typeface="+mn-lt"/>
                 <a:ea typeface="+mn-ea"/>
               </a:rPr>
-              <a:t>5</a:t>
+              <a:t>7</a:t>
             </a:fld>
             <a:endParaRPr lang="en-US" sz="1200" b="0" strike="noStrike" spc="-1">
               <a:latin typeface="Arial"/>
@@ -5664,7 +5879,7 @@
       </p:grpSpPr>
       <p:sp>
         <p:nvSpPr>
-          <p:cNvPr id="135" name="CustomShape 1"/>
+          <p:cNvPr id="117" name="CustomShape 1"/>
           <p:cNvSpPr/>
           <p:nvPr/>
         </p:nvSpPr>
@@ -5709,7 +5924,25 @@
                 </a:solidFill>
                 <a:latin typeface="Avenir LT Std 55 Roman" panose="020B0503020203020204" pitchFamily="34" charset="0"/>
               </a:rPr>
-              <a:t>Conclusion</a:t>
+              <a:t>Insights SVM (</a:t>
+            </a:r>
+            <a:r>
+              <a:rPr lang="en-US" sz="4400" b="1" strike="noStrike" spc="-1" dirty="0" err="1">
+                <a:solidFill>
+                  <a:srgbClr val="000000"/>
+                </a:solidFill>
+                <a:latin typeface="Avenir LT Std 55 Roman" panose="020B0503020203020204" pitchFamily="34" charset="0"/>
+              </a:rPr>
+              <a:t>rbf</a:t>
+            </a:r>
+            <a:r>
+              <a:rPr lang="en-US" sz="4400" b="1" strike="noStrike" spc="-1" dirty="0">
+                <a:solidFill>
+                  <a:srgbClr val="000000"/>
+                </a:solidFill>
+                <a:latin typeface="Avenir LT Std 55 Roman" panose="020B0503020203020204" pitchFamily="34" charset="0"/>
+              </a:rPr>
+              <a:t>)</a:t>
             </a:r>
             <a:endParaRPr lang="en-US" sz="4400" b="0" strike="noStrike" spc="-1" dirty="0">
               <a:latin typeface="Avenir LT Std 55 Roman" panose="020B0503020203020204" pitchFamily="34" charset="0"/>
@@ -5719,14 +5952,14 @@
       </p:sp>
       <p:sp>
         <p:nvSpPr>
-          <p:cNvPr id="136" name="CustomShape 2"/>
+          <p:cNvPr id="118" name="CustomShape 2"/>
           <p:cNvSpPr/>
           <p:nvPr/>
         </p:nvSpPr>
         <p:spPr>
           <a:xfrm>
-            <a:off x="838080" y="1825560"/>
-            <a:ext cx="9033120" cy="4350600"/>
+            <a:off x="838080" y="6356520"/>
+            <a:ext cx="2742480" cy="364320"/>
           </a:xfrm>
           <a:prstGeom prst="rect">
             <a:avLst/>
@@ -5749,36 +5982,39 @@
           <a:fontRef idx="minor"/>
         </p:style>
         <p:txBody>
-          <a:bodyPr lIns="90000" tIns="45000" rIns="90000" bIns="45000"/>
-          <a:lstStyle/>
-          <a:p>
-            <a:pPr marL="432000" indent="-323640">
+          <a:bodyPr lIns="90000" tIns="45000" rIns="90000" bIns="45000" anchor="ctr"/>
+          <a:lstStyle/>
+          <a:p>
+            <a:pPr>
               <a:lnSpc>
                 <a:spcPct val="100000"/>
               </a:lnSpc>
-              <a:buClr>
-                <a:srgbClr val="000000"/>
-              </a:buClr>
-              <a:buSzPct val="45000"/>
-              <a:buFont typeface="Wingdings" charset="2"/>
-              <a:buChar char=""/>
-            </a:pPr>
-            <a:endParaRPr lang="en-US" sz="2800" b="0" strike="noStrike" spc="-1" dirty="0">
-              <a:latin typeface="Avenir LT Std 55 Roman" panose="020B0503020203020204" pitchFamily="34" charset="0"/>
-            </a:endParaRPr>
-          </a:p>
-        </p:txBody>
-      </p:sp>
-      <p:sp>
-        <p:nvSpPr>
-          <p:cNvPr id="137" name="CustomShape 3"/>
+            </a:pPr>
+            <a:r>
+              <a:rPr lang="en-US" sz="1200" b="0" strike="noStrike" spc="-1" dirty="0">
+                <a:solidFill>
+                  <a:srgbClr val="8B8B8B"/>
+                </a:solidFill>
+                <a:latin typeface="Calibri"/>
+              </a:rPr>
+              <a:t>19.12.2018</a:t>
+            </a:r>
+            <a:endParaRPr lang="en-US" sz="1200" b="0" strike="noStrike" spc="-1" dirty="0">
+              <a:latin typeface="Arial"/>
+            </a:endParaRPr>
+          </a:p>
+        </p:txBody>
+      </p:sp>
+      <p:sp>
+        <p:nvSpPr>
+          <p:cNvPr id="119" name="CustomShape 3"/>
           <p:cNvSpPr/>
           <p:nvPr/>
         </p:nvSpPr>
         <p:spPr>
           <a:xfrm>
-            <a:off x="838080" y="6356520"/>
-            <a:ext cx="2742480" cy="364320"/>
+            <a:off x="4038480" y="6356520"/>
+            <a:ext cx="4114080" cy="364320"/>
           </a:xfrm>
           <a:prstGeom prst="rect">
             <a:avLst/>
@@ -5804,36 +6040,36 @@
           <a:bodyPr lIns="90000" tIns="45000" rIns="90000" bIns="45000" anchor="ctr"/>
           <a:lstStyle/>
           <a:p>
-            <a:pPr>
+            <a:pPr algn="ctr">
               <a:lnSpc>
                 <a:spcPct val="100000"/>
               </a:lnSpc>
             </a:pPr>
             <a:r>
-              <a:rPr lang="en-US" sz="1200" b="0" strike="noStrike" spc="-1" dirty="0">
+              <a:rPr lang="en-US" sz="1200" b="0" strike="noStrike" spc="-1">
                 <a:solidFill>
                   <a:srgbClr val="8B8B8B"/>
                 </a:solidFill>
                 <a:latin typeface="Calibri"/>
               </a:rPr>
-              <a:t>19.12.2018</a:t>
-            </a:r>
-            <a:endParaRPr lang="en-US" sz="1200" b="0" strike="noStrike" spc="-1" dirty="0">
-              <a:latin typeface="Arial"/>
-            </a:endParaRPr>
-          </a:p>
-        </p:txBody>
-      </p:sp>
-      <p:sp>
-        <p:nvSpPr>
-          <p:cNvPr id="138" name="CustomShape 4"/>
+              <a:t>Segmentation of brain tissues</a:t>
+            </a:r>
+            <a:endParaRPr lang="en-US" sz="1200" b="0" strike="noStrike" spc="-1">
+              <a:latin typeface="Arial"/>
+            </a:endParaRPr>
+          </a:p>
+        </p:txBody>
+      </p:sp>
+      <p:sp>
+        <p:nvSpPr>
+          <p:cNvPr id="120" name="CustomShape 4"/>
           <p:cNvSpPr/>
           <p:nvPr/>
         </p:nvSpPr>
         <p:spPr>
           <a:xfrm>
-            <a:off x="4038480" y="6356520"/>
-            <a:ext cx="4114080" cy="364320"/>
+            <a:off x="8610480" y="6356520"/>
+            <a:ext cx="2742480" cy="364320"/>
           </a:xfrm>
           <a:prstGeom prst="rect">
             <a:avLst/>
@@ -5859,36 +6095,105 @@
           <a:bodyPr lIns="90000" tIns="45000" rIns="90000" bIns="45000" anchor="ctr"/>
           <a:lstStyle/>
           <a:p>
-            <a:pPr algn="ctr">
+            <a:pPr algn="r">
               <a:lnSpc>
                 <a:spcPct val="100000"/>
               </a:lnSpc>
             </a:pPr>
-            <a:r>
+            <a:fld id="{740A2700-9FB7-44D0-8D6A-E825D3A9ECFD}" type="slidenum">
               <a:rPr lang="en-US" sz="1200" b="0" strike="noStrike" spc="-1">
                 <a:solidFill>
                   <a:srgbClr val="8B8B8B"/>
                 </a:solidFill>
                 <a:latin typeface="Calibri"/>
               </a:rPr>
-              <a:t>Segmentation of brain tissues</a:t>
-            </a:r>
+              <a:t>10</a:t>
+            </a:fld>
             <a:endParaRPr lang="en-US" sz="1200" b="0" strike="noStrike" spc="-1">
               <a:latin typeface="Arial"/>
             </a:endParaRPr>
           </a:p>
         </p:txBody>
       </p:sp>
-      <p:sp>
-        <p:nvSpPr>
-          <p:cNvPr id="139" name="CustomShape 5"/>
+      <p:pic>
+        <p:nvPicPr>
+          <p:cNvPr id="121" name="Picture 120"/>
+          <p:cNvPicPr/>
+          <p:nvPr/>
+        </p:nvPicPr>
+        <p:blipFill>
+          <a:blip r:embed="rId2"/>
+          <a:stretch/>
+        </p:blipFill>
+        <p:spPr>
+          <a:xfrm>
+            <a:off x="849240" y="1763640"/>
+            <a:ext cx="2899440" cy="2899440"/>
+          </a:xfrm>
+          <a:prstGeom prst="rect">
+            <a:avLst/>
+          </a:prstGeom>
+          <a:ln>
+            <a:noFill/>
+          </a:ln>
+        </p:spPr>
+      </p:pic>
+      <p:pic>
+        <p:nvPicPr>
+          <p:cNvPr id="122" name="Picture 121"/>
+          <p:cNvPicPr/>
+          <p:nvPr/>
+        </p:nvPicPr>
+        <p:blipFill>
+          <a:blip r:embed="rId3"/>
+          <a:stretch/>
+        </p:blipFill>
+        <p:spPr>
+          <a:xfrm>
+            <a:off x="6792840" y="1763640"/>
+            <a:ext cx="2899440" cy="2899440"/>
+          </a:xfrm>
+          <a:prstGeom prst="rect">
+            <a:avLst/>
+          </a:prstGeom>
+          <a:ln>
+            <a:noFill/>
+          </a:ln>
+        </p:spPr>
+      </p:pic>
+      <p:pic>
+        <p:nvPicPr>
+          <p:cNvPr id="123" name="Picture 122"/>
+          <p:cNvPicPr/>
+          <p:nvPr/>
+        </p:nvPicPr>
+        <p:blipFill>
+          <a:blip r:embed="rId4"/>
+          <a:stretch/>
+        </p:blipFill>
+        <p:spPr>
+          <a:xfrm>
+            <a:off x="3823560" y="1753560"/>
+            <a:ext cx="2899440" cy="2899440"/>
+          </a:xfrm>
+          <a:prstGeom prst="rect">
+            <a:avLst/>
+          </a:prstGeom>
+          <a:ln>
+            <a:noFill/>
+          </a:ln>
+        </p:spPr>
+      </p:pic>
+      <p:sp>
+        <p:nvSpPr>
+          <p:cNvPr id="124" name="CustomShape 5"/>
           <p:cNvSpPr/>
           <p:nvPr/>
         </p:nvSpPr>
         <p:spPr>
           <a:xfrm>
-            <a:off x="8610480" y="6356520"/>
-            <a:ext cx="2742480" cy="364320"/>
+            <a:off x="914400" y="4846320"/>
+            <a:ext cx="2559960" cy="857880"/>
           </a:xfrm>
           <a:prstGeom prst="rect">
             <a:avLst/>
@@ -5911,25 +6216,192 @@
           <a:fontRef idx="minor"/>
         </p:style>
         <p:txBody>
-          <a:bodyPr lIns="90000" tIns="45000" rIns="90000" bIns="45000" anchor="ctr"/>
-          <a:lstStyle/>
-          <a:p>
-            <a:pPr algn="r">
+          <a:bodyPr lIns="90000" tIns="45000" rIns="90000" bIns="45000"/>
+          <a:lstStyle/>
+          <a:p>
+            <a:pPr>
               <a:lnSpc>
                 <a:spcPct val="100000"/>
               </a:lnSpc>
             </a:pPr>
-            <a:fld id="{9422F7C2-F130-40CB-9FD8-C74940B42C86}" type="slidenum">
-              <a:rPr lang="en-US" sz="1200" b="0" strike="noStrike" spc="-1">
-                <a:solidFill>
-                  <a:srgbClr val="8B8B8B"/>
-                </a:solidFill>
-                <a:latin typeface="Calibri"/>
-              </a:rPr>
-              <a:t>10</a:t>
-            </a:fld>
-            <a:endParaRPr lang="en-US" sz="1200" b="0" strike="noStrike" spc="-1">
-              <a:latin typeface="Arial"/>
+            <a:r>
+              <a:rPr lang="en-US" sz="1800" b="0" strike="noStrike" spc="-1">
+                <a:solidFill>
+                  <a:srgbClr val="000000"/>
+                </a:solidFill>
+                <a:latin typeface="Avenir LT Std 55 Roman" panose="020B0503020203020204" pitchFamily="34" charset="0"/>
+              </a:rPr>
+              <a:t>C=5, G=0.3</a:t>
+            </a:r>
+            <a:endParaRPr lang="en-US" sz="1800" b="0" strike="noStrike" spc="-1">
+              <a:latin typeface="Avenir LT Std 55 Roman" panose="020B0503020203020204" pitchFamily="34" charset="0"/>
+            </a:endParaRPr>
+          </a:p>
+          <a:p>
+            <a:pPr>
+              <a:lnSpc>
+                <a:spcPct val="100000"/>
+              </a:lnSpc>
+            </a:pPr>
+            <a:r>
+              <a:rPr lang="en-US" sz="1800" b="0" strike="noStrike" spc="-1">
+                <a:solidFill>
+                  <a:srgbClr val="000000"/>
+                </a:solidFill>
+                <a:latin typeface="Avenir LT Std 55 Roman" panose="020B0503020203020204" pitchFamily="34" charset="0"/>
+              </a:rPr>
+              <a:t>Oversegmentation of small structures</a:t>
+            </a:r>
+            <a:endParaRPr lang="en-US" sz="1800" b="0" strike="noStrike" spc="-1">
+              <a:latin typeface="Avenir LT Std 55 Roman" panose="020B0503020203020204" pitchFamily="34" charset="0"/>
+            </a:endParaRPr>
+          </a:p>
+        </p:txBody>
+      </p:sp>
+      <p:sp>
+        <p:nvSpPr>
+          <p:cNvPr id="125" name="CustomShape 6"/>
+          <p:cNvSpPr/>
+          <p:nvPr/>
+        </p:nvSpPr>
+        <p:spPr>
+          <a:xfrm>
+            <a:off x="4023360" y="4846320"/>
+            <a:ext cx="2559960" cy="601920"/>
+          </a:xfrm>
+          <a:prstGeom prst="rect">
+            <a:avLst/>
+          </a:prstGeom>
+          <a:noFill/>
+          <a:ln>
+            <a:noFill/>
+          </a:ln>
+        </p:spPr>
+        <p:style>
+          <a:lnRef idx="0">
+            <a:scrgbClr r="0" g="0" b="0"/>
+          </a:lnRef>
+          <a:fillRef idx="0">
+            <a:scrgbClr r="0" g="0" b="0"/>
+          </a:fillRef>
+          <a:effectRef idx="0">
+            <a:scrgbClr r="0" g="0" b="0"/>
+          </a:effectRef>
+          <a:fontRef idx="minor"/>
+        </p:style>
+        <p:txBody>
+          <a:bodyPr lIns="90000" tIns="45000" rIns="90000" bIns="45000"/>
+          <a:lstStyle/>
+          <a:p>
+            <a:pPr>
+              <a:lnSpc>
+                <a:spcPct val="100000"/>
+              </a:lnSpc>
+            </a:pPr>
+            <a:r>
+              <a:rPr lang="en-US" sz="1800" b="0" strike="noStrike" spc="-1">
+                <a:solidFill>
+                  <a:srgbClr val="000000"/>
+                </a:solidFill>
+                <a:latin typeface="Avenir LT Std 55 Roman" panose="020B0503020203020204" pitchFamily="34" charset="0"/>
+              </a:rPr>
+              <a:t>Random Forest</a:t>
+            </a:r>
+            <a:endParaRPr lang="en-US" sz="1800" b="0" strike="noStrike" spc="-1">
+              <a:latin typeface="Avenir LT Std 55 Roman" panose="020B0503020203020204" pitchFamily="34" charset="0"/>
+            </a:endParaRPr>
+          </a:p>
+          <a:p>
+            <a:pPr>
+              <a:lnSpc>
+                <a:spcPct val="100000"/>
+              </a:lnSpc>
+            </a:pPr>
+            <a:r>
+              <a:rPr lang="en-US" sz="1800" b="0" strike="noStrike" spc="-1">
+                <a:solidFill>
+                  <a:srgbClr val="000000"/>
+                </a:solidFill>
+                <a:latin typeface="Avenir LT Std 55 Roman" panose="020B0503020203020204" pitchFamily="34" charset="0"/>
+              </a:rPr>
+              <a:t>Reference</a:t>
+            </a:r>
+            <a:endParaRPr lang="en-US" sz="1800" b="0" strike="noStrike" spc="-1">
+              <a:latin typeface="Avenir LT Std 55 Roman" panose="020B0503020203020204" pitchFamily="34" charset="0"/>
+            </a:endParaRPr>
+          </a:p>
+        </p:txBody>
+      </p:sp>
+      <p:sp>
+        <p:nvSpPr>
+          <p:cNvPr id="126" name="CustomShape 7"/>
+          <p:cNvSpPr/>
+          <p:nvPr/>
+        </p:nvSpPr>
+        <p:spPr>
+          <a:xfrm>
+            <a:off x="6949440" y="4846320"/>
+            <a:ext cx="2559960" cy="857880"/>
+          </a:xfrm>
+          <a:prstGeom prst="rect">
+            <a:avLst/>
+          </a:prstGeom>
+          <a:noFill/>
+          <a:ln>
+            <a:noFill/>
+          </a:ln>
+        </p:spPr>
+        <p:style>
+          <a:lnRef idx="0">
+            <a:scrgbClr r="0" g="0" b="0"/>
+          </a:lnRef>
+          <a:fillRef idx="0">
+            <a:scrgbClr r="0" g="0" b="0"/>
+          </a:fillRef>
+          <a:effectRef idx="0">
+            <a:scrgbClr r="0" g="0" b="0"/>
+          </a:effectRef>
+          <a:fontRef idx="minor"/>
+        </p:style>
+        <p:txBody>
+          <a:bodyPr lIns="90000" tIns="45000" rIns="90000" bIns="45000"/>
+          <a:lstStyle/>
+          <a:p>
+            <a:pPr>
+              <a:lnSpc>
+                <a:spcPct val="100000"/>
+              </a:lnSpc>
+            </a:pPr>
+            <a:r>
+              <a:rPr lang="en-US" sz="1800" b="0" strike="noStrike" spc="-1">
+                <a:solidFill>
+                  <a:srgbClr val="000000"/>
+                </a:solidFill>
+                <a:latin typeface="Avenir LT Std 55 Roman" panose="020B0503020203020204" pitchFamily="34" charset="0"/>
+              </a:rPr>
+              <a:t>C=15, G=10</a:t>
+            </a:r>
+            <a:endParaRPr lang="en-US" sz="1800" b="0" strike="noStrike" spc="-1">
+              <a:latin typeface="Avenir LT Std 55 Roman" panose="020B0503020203020204" pitchFamily="34" charset="0"/>
+            </a:endParaRPr>
+          </a:p>
+          <a:p>
+            <a:pPr>
+              <a:lnSpc>
+                <a:spcPct val="100000"/>
+              </a:lnSpc>
+            </a:pPr>
+            <a:r>
+              <a:rPr lang="en-US" sz="1800" b="0" strike="noStrike" spc="-1">
+                <a:solidFill>
+                  <a:srgbClr val="000000"/>
+                </a:solidFill>
+                <a:latin typeface="Avenir LT Std 55 Roman" panose="020B0503020203020204" pitchFamily="34" charset="0"/>
+              </a:rPr>
+              <a:t>Undersegmentation of small structures</a:t>
+            </a:r>
+            <a:endParaRPr lang="en-US" sz="1800" b="0" strike="noStrike" spc="-1">
+              <a:latin typeface="Avenir LT Std 55 Roman" panose="020B0503020203020204" pitchFamily="34" charset="0"/>
             </a:endParaRPr>
           </a:p>
         </p:txBody>
@@ -5988,7 +6460,7 @@
       </p:grpSpPr>
       <p:sp>
         <p:nvSpPr>
-          <p:cNvPr id="135" name="CustomShape 1"/>
+          <p:cNvPr id="127" name="CustomShape 1"/>
           <p:cNvSpPr/>
           <p:nvPr/>
         </p:nvSpPr>
@@ -6033,7 +6505,472 @@
                 </a:solidFill>
                 <a:latin typeface="Avenir LT Std 55 Roman" panose="020B0503020203020204" pitchFamily="34" charset="0"/>
               </a:rPr>
-              <a:t>Outlook</a:t>
+              <a:t>Insights SVM (</a:t>
+            </a:r>
+            <a:r>
+              <a:rPr lang="en-US" sz="4400" b="1" strike="noStrike" spc="-1" dirty="0" err="1">
+                <a:solidFill>
+                  <a:srgbClr val="000000"/>
+                </a:solidFill>
+                <a:latin typeface="Avenir LT Std 55 Roman" panose="020B0503020203020204" pitchFamily="34" charset="0"/>
+              </a:rPr>
+              <a:t>rbf</a:t>
+            </a:r>
+            <a:r>
+              <a:rPr lang="en-US" sz="4400" b="1" strike="noStrike" spc="-1" dirty="0">
+                <a:solidFill>
+                  <a:srgbClr val="000000"/>
+                </a:solidFill>
+                <a:latin typeface="Avenir LT Std 55 Roman" panose="020B0503020203020204" pitchFamily="34" charset="0"/>
+              </a:rPr>
+              <a:t>)</a:t>
+            </a:r>
+            <a:endParaRPr lang="en-US" sz="4400" b="0" strike="noStrike" spc="-1" dirty="0">
+              <a:latin typeface="Avenir LT Std 55 Roman" panose="020B0503020203020204" pitchFamily="34" charset="0"/>
+            </a:endParaRPr>
+          </a:p>
+        </p:txBody>
+      </p:sp>
+      <p:sp>
+        <p:nvSpPr>
+          <p:cNvPr id="128" name="CustomShape 2"/>
+          <p:cNvSpPr/>
+          <p:nvPr/>
+        </p:nvSpPr>
+        <p:spPr>
+          <a:xfrm>
+            <a:off x="838080" y="6356520"/>
+            <a:ext cx="2742480" cy="364320"/>
+          </a:xfrm>
+          <a:prstGeom prst="rect">
+            <a:avLst/>
+          </a:prstGeom>
+          <a:noFill/>
+          <a:ln>
+            <a:noFill/>
+          </a:ln>
+        </p:spPr>
+        <p:style>
+          <a:lnRef idx="0">
+            <a:scrgbClr r="0" g="0" b="0"/>
+          </a:lnRef>
+          <a:fillRef idx="0">
+            <a:scrgbClr r="0" g="0" b="0"/>
+          </a:fillRef>
+          <a:effectRef idx="0">
+            <a:scrgbClr r="0" g="0" b="0"/>
+          </a:effectRef>
+          <a:fontRef idx="minor"/>
+        </p:style>
+        <p:txBody>
+          <a:bodyPr lIns="90000" tIns="45000" rIns="90000" bIns="45000" anchor="ctr"/>
+          <a:lstStyle/>
+          <a:p>
+            <a:pPr>
+              <a:lnSpc>
+                <a:spcPct val="100000"/>
+              </a:lnSpc>
+            </a:pPr>
+            <a:r>
+              <a:rPr lang="en-US" sz="1200" b="0" strike="noStrike" spc="-1" dirty="0">
+                <a:solidFill>
+                  <a:srgbClr val="8B8B8B"/>
+                </a:solidFill>
+                <a:latin typeface="Calibri"/>
+              </a:rPr>
+              <a:t>19.12.2018</a:t>
+            </a:r>
+            <a:endParaRPr lang="en-US" sz="1200" b="0" strike="noStrike" spc="-1" dirty="0">
+              <a:latin typeface="Arial"/>
+            </a:endParaRPr>
+          </a:p>
+        </p:txBody>
+      </p:sp>
+      <p:sp>
+        <p:nvSpPr>
+          <p:cNvPr id="129" name="CustomShape 3"/>
+          <p:cNvSpPr/>
+          <p:nvPr/>
+        </p:nvSpPr>
+        <p:spPr>
+          <a:xfrm>
+            <a:off x="4038480" y="6356520"/>
+            <a:ext cx="4114080" cy="364320"/>
+          </a:xfrm>
+          <a:prstGeom prst="rect">
+            <a:avLst/>
+          </a:prstGeom>
+          <a:noFill/>
+          <a:ln>
+            <a:noFill/>
+          </a:ln>
+        </p:spPr>
+        <p:style>
+          <a:lnRef idx="0">
+            <a:scrgbClr r="0" g="0" b="0"/>
+          </a:lnRef>
+          <a:fillRef idx="0">
+            <a:scrgbClr r="0" g="0" b="0"/>
+          </a:fillRef>
+          <a:effectRef idx="0">
+            <a:scrgbClr r="0" g="0" b="0"/>
+          </a:effectRef>
+          <a:fontRef idx="minor"/>
+        </p:style>
+        <p:txBody>
+          <a:bodyPr lIns="90000" tIns="45000" rIns="90000" bIns="45000" anchor="ctr"/>
+          <a:lstStyle/>
+          <a:p>
+            <a:pPr algn="ctr">
+              <a:lnSpc>
+                <a:spcPct val="100000"/>
+              </a:lnSpc>
+            </a:pPr>
+            <a:r>
+              <a:rPr lang="en-US" sz="1200" b="0" strike="noStrike" spc="-1">
+                <a:solidFill>
+                  <a:srgbClr val="8B8B8B"/>
+                </a:solidFill>
+                <a:latin typeface="Calibri"/>
+              </a:rPr>
+              <a:t>Segmentation of brain tissues</a:t>
+            </a:r>
+            <a:endParaRPr lang="en-US" sz="1200" b="0" strike="noStrike" spc="-1">
+              <a:latin typeface="Arial"/>
+            </a:endParaRPr>
+          </a:p>
+        </p:txBody>
+      </p:sp>
+      <p:sp>
+        <p:nvSpPr>
+          <p:cNvPr id="130" name="CustomShape 4"/>
+          <p:cNvSpPr/>
+          <p:nvPr/>
+        </p:nvSpPr>
+        <p:spPr>
+          <a:xfrm>
+            <a:off x="8610480" y="6356520"/>
+            <a:ext cx="2742480" cy="364320"/>
+          </a:xfrm>
+          <a:prstGeom prst="rect">
+            <a:avLst/>
+          </a:prstGeom>
+          <a:noFill/>
+          <a:ln>
+            <a:noFill/>
+          </a:ln>
+        </p:spPr>
+        <p:style>
+          <a:lnRef idx="0">
+            <a:scrgbClr r="0" g="0" b="0"/>
+          </a:lnRef>
+          <a:fillRef idx="0">
+            <a:scrgbClr r="0" g="0" b="0"/>
+          </a:fillRef>
+          <a:effectRef idx="0">
+            <a:scrgbClr r="0" g="0" b="0"/>
+          </a:effectRef>
+          <a:fontRef idx="minor"/>
+        </p:style>
+        <p:txBody>
+          <a:bodyPr lIns="90000" tIns="45000" rIns="90000" bIns="45000" anchor="ctr"/>
+          <a:lstStyle/>
+          <a:p>
+            <a:pPr algn="r">
+              <a:lnSpc>
+                <a:spcPct val="100000"/>
+              </a:lnSpc>
+            </a:pPr>
+            <a:fld id="{E13BD78E-EC70-4294-8A5E-C457C0379AF9}" type="slidenum">
+              <a:rPr lang="en-US" sz="1200" b="0" strike="noStrike" spc="-1">
+                <a:solidFill>
+                  <a:srgbClr val="8B8B8B"/>
+                </a:solidFill>
+                <a:latin typeface="Calibri"/>
+              </a:rPr>
+              <a:t>11</a:t>
+            </a:fld>
+            <a:endParaRPr lang="en-US" sz="1200" b="0" strike="noStrike" spc="-1">
+              <a:latin typeface="Arial"/>
+            </a:endParaRPr>
+          </a:p>
+        </p:txBody>
+      </p:sp>
+      <p:pic>
+        <p:nvPicPr>
+          <p:cNvPr id="131" name="Picture 130"/>
+          <p:cNvPicPr/>
+          <p:nvPr/>
+        </p:nvPicPr>
+        <p:blipFill>
+          <a:blip r:embed="rId2"/>
+          <a:stretch/>
+        </p:blipFill>
+        <p:spPr>
+          <a:xfrm>
+            <a:off x="933840" y="1353600"/>
+            <a:ext cx="4095000" cy="4095000"/>
+          </a:xfrm>
+          <a:prstGeom prst="rect">
+            <a:avLst/>
+          </a:prstGeom>
+          <a:ln>
+            <a:noFill/>
+          </a:ln>
+        </p:spPr>
+      </p:pic>
+      <p:pic>
+        <p:nvPicPr>
+          <p:cNvPr id="132" name="Picture 131"/>
+          <p:cNvPicPr/>
+          <p:nvPr/>
+        </p:nvPicPr>
+        <p:blipFill>
+          <a:blip r:embed="rId3"/>
+          <a:stretch/>
+        </p:blipFill>
+        <p:spPr>
+          <a:xfrm>
+            <a:off x="5322960" y="1371600"/>
+            <a:ext cx="4095000" cy="4095000"/>
+          </a:xfrm>
+          <a:prstGeom prst="rect">
+            <a:avLst/>
+          </a:prstGeom>
+          <a:ln>
+            <a:noFill/>
+          </a:ln>
+        </p:spPr>
+      </p:pic>
+      <p:sp>
+        <p:nvSpPr>
+          <p:cNvPr id="133" name="CustomShape 5"/>
+          <p:cNvSpPr/>
+          <p:nvPr/>
+        </p:nvSpPr>
+        <p:spPr>
+          <a:xfrm>
+            <a:off x="1645920" y="5524200"/>
+            <a:ext cx="2559960" cy="601920"/>
+          </a:xfrm>
+          <a:prstGeom prst="rect">
+            <a:avLst/>
+          </a:prstGeom>
+          <a:noFill/>
+          <a:ln>
+            <a:noFill/>
+          </a:ln>
+        </p:spPr>
+        <p:style>
+          <a:lnRef idx="0">
+            <a:scrgbClr r="0" g="0" b="0"/>
+          </a:lnRef>
+          <a:fillRef idx="0">
+            <a:scrgbClr r="0" g="0" b="0"/>
+          </a:fillRef>
+          <a:effectRef idx="0">
+            <a:scrgbClr r="0" g="0" b="0"/>
+          </a:effectRef>
+          <a:fontRef idx="minor"/>
+        </p:style>
+        <p:txBody>
+          <a:bodyPr lIns="90000" tIns="45000" rIns="90000" bIns="45000"/>
+          <a:lstStyle/>
+          <a:p>
+            <a:pPr>
+              <a:lnSpc>
+                <a:spcPct val="100000"/>
+              </a:lnSpc>
+            </a:pPr>
+            <a:r>
+              <a:rPr lang="en-US" sz="1800" b="0" strike="noStrike" spc="-1">
+                <a:solidFill>
+                  <a:srgbClr val="000000"/>
+                </a:solidFill>
+                <a:latin typeface="Avenir LT Std 55 Roman" panose="020B0503020203020204" pitchFamily="34" charset="0"/>
+              </a:rPr>
+              <a:t>Random Forest</a:t>
+            </a:r>
+            <a:endParaRPr lang="en-US" sz="1800" b="0" strike="noStrike" spc="-1">
+              <a:latin typeface="Avenir LT Std 55 Roman" panose="020B0503020203020204" pitchFamily="34" charset="0"/>
+            </a:endParaRPr>
+          </a:p>
+          <a:p>
+            <a:pPr>
+              <a:lnSpc>
+                <a:spcPct val="100000"/>
+              </a:lnSpc>
+            </a:pPr>
+            <a:r>
+              <a:rPr lang="en-US" sz="1800" b="0" strike="noStrike" spc="-1">
+                <a:solidFill>
+                  <a:srgbClr val="000000"/>
+                </a:solidFill>
+                <a:latin typeface="Avenir LT Std 55 Roman" panose="020B0503020203020204" pitchFamily="34" charset="0"/>
+              </a:rPr>
+              <a:t>Reference</a:t>
+            </a:r>
+            <a:endParaRPr lang="en-US" sz="1800" b="0" strike="noStrike" spc="-1">
+              <a:latin typeface="Avenir LT Std 55 Roman" panose="020B0503020203020204" pitchFamily="34" charset="0"/>
+            </a:endParaRPr>
+          </a:p>
+        </p:txBody>
+      </p:sp>
+      <p:sp>
+        <p:nvSpPr>
+          <p:cNvPr id="134" name="CustomShape 6"/>
+          <p:cNvSpPr/>
+          <p:nvPr/>
+        </p:nvSpPr>
+        <p:spPr>
+          <a:xfrm>
+            <a:off x="6309360" y="5498280"/>
+            <a:ext cx="2559960" cy="857880"/>
+          </a:xfrm>
+          <a:prstGeom prst="rect">
+            <a:avLst/>
+          </a:prstGeom>
+          <a:noFill/>
+          <a:ln>
+            <a:noFill/>
+          </a:ln>
+        </p:spPr>
+        <p:style>
+          <a:lnRef idx="0">
+            <a:scrgbClr r="0" g="0" b="0"/>
+          </a:lnRef>
+          <a:fillRef idx="0">
+            <a:scrgbClr r="0" g="0" b="0"/>
+          </a:fillRef>
+          <a:effectRef idx="0">
+            <a:scrgbClr r="0" g="0" b="0"/>
+          </a:effectRef>
+          <a:fontRef idx="minor"/>
+        </p:style>
+        <p:txBody>
+          <a:bodyPr lIns="90000" tIns="45000" rIns="90000" bIns="45000"/>
+          <a:lstStyle/>
+          <a:p>
+            <a:pPr>
+              <a:lnSpc>
+                <a:spcPct val="100000"/>
+              </a:lnSpc>
+            </a:pPr>
+            <a:r>
+              <a:rPr lang="en-US" sz="1800" b="0" strike="noStrike" spc="-1">
+                <a:solidFill>
+                  <a:srgbClr val="000000"/>
+                </a:solidFill>
+                <a:latin typeface="Avenir LT Std 55 Roman" panose="020B0503020203020204" pitchFamily="34" charset="0"/>
+              </a:rPr>
+              <a:t>C=15, G=5</a:t>
+            </a:r>
+            <a:endParaRPr lang="en-US" sz="1800" b="0" strike="noStrike" spc="-1">
+              <a:latin typeface="Avenir LT Std 55 Roman" panose="020B0503020203020204" pitchFamily="34" charset="0"/>
+            </a:endParaRPr>
+          </a:p>
+        </p:txBody>
+      </p:sp>
+    </p:spTree>
+  </p:cSld>
+  <p:clrMapOvr>
+    <a:masterClrMapping/>
+  </p:clrMapOvr>
+  <p:timing>
+    <p:tnLst>
+      <p:par>
+        <p:cTn id="1" dur="indefinite" restart="never" nodeType="tmRoot">
+          <p:childTnLst>
+            <p:seq>
+              <p:cTn id="2" dur="indefinite" nodeType="mainSeq"/>
+              <p:prevCondLst>
+                <p:cond evt="onPrev" delay="0">
+                  <p:tgtEl>
+                    <p:sldTgt/>
+                  </p:tgtEl>
+                </p:cond>
+              </p:prevCondLst>
+              <p:nextCondLst>
+                <p:cond evt="onNext" delay="0">
+                  <p:tgtEl>
+                    <p:sldTgt/>
+                  </p:tgtEl>
+                </p:cond>
+              </p:nextCondLst>
+            </p:seq>
+          </p:childTnLst>
+        </p:cTn>
+      </p:par>
+    </p:tnLst>
+  </p:timing>
+</p:sld>
+</file>
+
+<file path=ppt/slides/slide12.xml><?xml version="1.0" encoding="utf-8"?>
+<p:sld xmlns:a="http://schemas.openxmlformats.org/drawingml/2006/main" xmlns:r="http://schemas.openxmlformats.org/officeDocument/2006/relationships" xmlns:p="http://schemas.openxmlformats.org/presentationml/2006/main">
+  <p:cSld>
+    <p:spTree>
+      <p:nvGrpSpPr>
+        <p:cNvPr id="1" name=""/>
+        <p:cNvGrpSpPr/>
+        <p:nvPr/>
+      </p:nvGrpSpPr>
+      <p:grpSpPr>
+        <a:xfrm>
+          <a:off x="0" y="0"/>
+          <a:ext cx="0" cy="0"/>
+          <a:chOff x="0" y="0"/>
+          <a:chExt cx="0" cy="0"/>
+        </a:xfrm>
+      </p:grpSpPr>
+      <p:sp>
+        <p:nvSpPr>
+          <p:cNvPr id="135" name="CustomShape 1"/>
+          <p:cNvSpPr/>
+          <p:nvPr/>
+        </p:nvSpPr>
+        <p:spPr>
+          <a:xfrm>
+            <a:off x="838080" y="365040"/>
+            <a:ext cx="9033120" cy="1324800"/>
+          </a:xfrm>
+          <a:prstGeom prst="rect">
+            <a:avLst/>
+          </a:prstGeom>
+          <a:noFill/>
+          <a:ln>
+            <a:noFill/>
+          </a:ln>
+        </p:spPr>
+        <p:style>
+          <a:lnRef idx="0">
+            <a:scrgbClr r="0" g="0" b="0"/>
+          </a:lnRef>
+          <a:fillRef idx="0">
+            <a:scrgbClr r="0" g="0" b="0"/>
+          </a:fillRef>
+          <a:effectRef idx="0">
+            <a:scrgbClr r="0" g="0" b="0"/>
+          </a:effectRef>
+          <a:fontRef idx="minor"/>
+        </p:style>
+        <p:txBody>
+          <a:bodyPr lIns="90000" tIns="45000" rIns="90000" bIns="45000" anchor="ctr"/>
+          <a:lstStyle/>
+          <a:p>
+            <a:pPr>
+              <a:lnSpc>
+                <a:spcPct val="100000"/>
+              </a:lnSpc>
+            </a:pPr>
+            <a:r>
+              <a:rPr lang="en-US" sz="4400" b="1" strike="noStrike" spc="-1" dirty="0">
+                <a:solidFill>
+                  <a:srgbClr val="000000"/>
+                </a:solidFill>
+                <a:latin typeface="Avenir LT Std 55 Roman" panose="020B0503020203020204" pitchFamily="34" charset="0"/>
+              </a:rPr>
+              <a:t>Conclusion</a:t>
             </a:r>
             <a:endParaRPr lang="en-US" sz="4400" b="0" strike="noStrike" spc="-1" dirty="0">
               <a:latin typeface="Avenir LT Std 55 Roman" panose="020B0503020203020204" pitchFamily="34" charset="0"/>
@@ -6250,7 +7187,7 @@
                 </a:solidFill>
                 <a:latin typeface="Calibri"/>
               </a:rPr>
-              <a:t>11</a:t>
+              <a:t>12</a:t>
             </a:fld>
             <a:endParaRPr lang="en-US" sz="1200" b="0" strike="noStrike" spc="-1">
               <a:latin typeface="Arial"/>
@@ -6258,12 +7195,202 @@
           </a:p>
         </p:txBody>
       </p:sp>
+      <p:sp>
+        <p:nvSpPr>
+          <p:cNvPr id="7" name="CustomShape 2">
+            <a:extLst>
+              <a:ext uri="{FF2B5EF4-FFF2-40B4-BE49-F238E27FC236}">
+                <a16:creationId xmlns:a16="http://schemas.microsoft.com/office/drawing/2014/main" id="{7AF16038-7217-4556-8A63-0A7F2B788179}"/>
+              </a:ext>
+            </a:extLst>
+          </p:cNvPr>
+          <p:cNvSpPr/>
+          <p:nvPr/>
+        </p:nvSpPr>
+        <p:spPr>
+          <a:xfrm>
+            <a:off x="838080" y="1825560"/>
+            <a:ext cx="9860040" cy="4350600"/>
+          </a:xfrm>
+          <a:prstGeom prst="rect">
+            <a:avLst/>
+          </a:prstGeom>
+          <a:noFill/>
+          <a:ln>
+            <a:noFill/>
+          </a:ln>
+        </p:spPr>
+        <p:style>
+          <a:lnRef idx="0">
+            <a:scrgbClr r="0" g="0" b="0"/>
+          </a:lnRef>
+          <a:fillRef idx="0">
+            <a:scrgbClr r="0" g="0" b="0"/>
+          </a:fillRef>
+          <a:effectRef idx="0">
+            <a:scrgbClr r="0" g="0" b="0"/>
+          </a:effectRef>
+          <a:fontRef idx="minor"/>
+        </p:style>
+        <p:txBody>
+          <a:bodyPr lIns="90000" tIns="45000" rIns="90000" bIns="45000"/>
+          <a:lstStyle/>
+          <a:p>
+            <a:pPr marL="457200" indent="-457200">
+              <a:lnSpc>
+                <a:spcPct val="100000"/>
+              </a:lnSpc>
+              <a:buFont typeface="Arial" panose="020B0604020202020204" pitchFamily="34" charset="0"/>
+              <a:buChar char="•"/>
+            </a:pPr>
+            <a:r>
+              <a:rPr lang="en-US" sz="2400" b="1" strike="noStrike" spc="-1" dirty="0">
+                <a:solidFill>
+                  <a:srgbClr val="000000"/>
+                </a:solidFill>
+                <a:latin typeface="Avenir LT Std 55 Roman" panose="020B0503020203020204" pitchFamily="34" charset="0"/>
+              </a:rPr>
+              <a:t>Dice is not sufficient as a standalone metric</a:t>
+            </a:r>
+            <a:endParaRPr lang="en-US" sz="2400" b="1" strike="noStrike" spc="-1" dirty="0">
+              <a:latin typeface="Avenir LT Std 55 Roman" panose="020B0503020203020204" pitchFamily="34" charset="0"/>
+            </a:endParaRPr>
+          </a:p>
+          <a:p>
+            <a:pPr marL="457920" indent="-457200">
+              <a:lnSpc>
+                <a:spcPct val="90000"/>
+              </a:lnSpc>
+              <a:buClr>
+                <a:srgbClr val="000000"/>
+              </a:buClr>
+              <a:buFont typeface="Arial" panose="020B0604020202020204" pitchFamily="34" charset="0"/>
+              <a:buChar char="•"/>
+            </a:pPr>
+            <a:endParaRPr lang="en-US" sz="2400" b="0" strike="noStrike" spc="-1" dirty="0">
+              <a:latin typeface="Avenir LT Std 55 Roman" panose="020B0503020203020204" pitchFamily="34" charset="0"/>
+            </a:endParaRPr>
+          </a:p>
+          <a:p>
+            <a:pPr marL="457200" indent="-457200">
+              <a:lnSpc>
+                <a:spcPct val="90000"/>
+              </a:lnSpc>
+              <a:buFont typeface="Arial" panose="020B0604020202020204" pitchFamily="34" charset="0"/>
+              <a:buChar char="•"/>
+            </a:pPr>
+            <a:r>
+              <a:rPr lang="en-US" sz="2400" b="1" strike="noStrike" spc="-1" dirty="0">
+                <a:latin typeface="Avenir LT Std 55 Roman" panose="020B0503020203020204" pitchFamily="34" charset="0"/>
+              </a:rPr>
+              <a:t>Overall segmentation quality is best with an SVM </a:t>
+            </a:r>
+            <a:r>
+              <a:rPr lang="en-US" sz="2400" b="1" strike="noStrike" spc="-1" dirty="0" err="1">
+                <a:latin typeface="Avenir LT Std 55 Roman" panose="020B0503020203020204" pitchFamily="34" charset="0"/>
+              </a:rPr>
+              <a:t>rbf</a:t>
+            </a:r>
+            <a:r>
+              <a:rPr lang="en-US" sz="2400" b="1" strike="noStrike" spc="-1" dirty="0">
+                <a:latin typeface="Avenir LT Std 55 Roman" panose="020B0503020203020204" pitchFamily="34" charset="0"/>
+              </a:rPr>
+              <a:t> kernel. Comparable to random forest tree.</a:t>
+            </a:r>
+          </a:p>
+          <a:p>
+            <a:pPr marL="457200" indent="-457200">
+              <a:lnSpc>
+                <a:spcPct val="90000"/>
+              </a:lnSpc>
+              <a:buFont typeface="Arial" panose="020B0604020202020204" pitchFamily="34" charset="0"/>
+              <a:buChar char="•"/>
+            </a:pPr>
+            <a:endParaRPr lang="en-US" sz="2400" b="0" strike="noStrike" spc="-1" dirty="0">
+              <a:latin typeface="Avenir LT Std 55 Roman" panose="020B0503020203020204" pitchFamily="34" charset="0"/>
+            </a:endParaRPr>
+          </a:p>
+          <a:p>
+            <a:pPr marL="457200" indent="-457200">
+              <a:lnSpc>
+                <a:spcPct val="90000"/>
+              </a:lnSpc>
+              <a:buFont typeface="Arial" panose="020B0604020202020204" pitchFamily="34" charset="0"/>
+              <a:buChar char="•"/>
+            </a:pPr>
+            <a:r>
+              <a:rPr lang="en-US" sz="2400" b="1" spc="-1" dirty="0">
+                <a:latin typeface="Avenir LT Std 55 Roman" panose="020B0503020203020204" pitchFamily="34" charset="0"/>
+              </a:rPr>
+              <a:t>Large structures are more easy to segment</a:t>
+            </a:r>
+          </a:p>
+          <a:p>
+            <a:pPr marL="457200" indent="-457200">
+              <a:lnSpc>
+                <a:spcPct val="90000"/>
+              </a:lnSpc>
+              <a:buFont typeface="Arial" panose="020B0604020202020204" pitchFamily="34" charset="0"/>
+              <a:buChar char="•"/>
+            </a:pPr>
+            <a:endParaRPr lang="en-US" sz="2400" b="1" strike="noStrike" spc="-1" dirty="0">
+              <a:latin typeface="Avenir LT Std 55 Roman" panose="020B0503020203020204" pitchFamily="34" charset="0"/>
+            </a:endParaRPr>
+          </a:p>
+          <a:p>
+            <a:pPr marL="457200" indent="-457200">
+              <a:lnSpc>
+                <a:spcPct val="90000"/>
+              </a:lnSpc>
+              <a:buFont typeface="Arial" panose="020B0604020202020204" pitchFamily="34" charset="0"/>
+              <a:buChar char="•"/>
+            </a:pPr>
+            <a:r>
+              <a:rPr lang="en-US" sz="2400" b="1" spc="-1" dirty="0">
+                <a:latin typeface="Avenir LT Std 55 Roman" panose="020B0503020203020204" pitchFamily="34" charset="0"/>
+              </a:rPr>
+              <a:t>Linear kernels struggle more with small structures</a:t>
+            </a:r>
+          </a:p>
+          <a:p>
+            <a:pPr marL="457200" indent="-457200">
+              <a:lnSpc>
+                <a:spcPct val="90000"/>
+              </a:lnSpc>
+              <a:buFont typeface="Arial" panose="020B0604020202020204" pitchFamily="34" charset="0"/>
+              <a:buChar char="•"/>
+            </a:pPr>
+            <a:endParaRPr lang="en-US" sz="2400" b="1" strike="noStrike" spc="-1" dirty="0">
+              <a:latin typeface="Avenir LT Std 55 Roman" panose="020B0503020203020204" pitchFamily="34" charset="0"/>
+            </a:endParaRPr>
+          </a:p>
+          <a:p>
+            <a:pPr marL="457200" indent="-457200">
+              <a:lnSpc>
+                <a:spcPct val="90000"/>
+              </a:lnSpc>
+              <a:buFont typeface="Arial" panose="020B0604020202020204" pitchFamily="34" charset="0"/>
+              <a:buChar char="•"/>
+            </a:pPr>
+            <a:r>
+              <a:rPr lang="en-US" sz="2400" b="1" strike="noStrike" spc="-1" dirty="0">
+                <a:latin typeface="Avenir LT Std 55 Roman" panose="020B0503020203020204" pitchFamily="34" charset="0"/>
+              </a:rPr>
+              <a:t>In a </a:t>
+            </a:r>
+            <a:r>
+              <a:rPr lang="en-US" sz="2400" b="1" spc="-1" dirty="0">
+                <a:latin typeface="Avenir LT Std 55 Roman" panose="020B0503020203020204" pitchFamily="34" charset="0"/>
+              </a:rPr>
+              <a:t>case where the ground truth images do not have big variance, less ground truth images can be used for training with similar segmentation outputs.</a:t>
+            </a:r>
+            <a:endParaRPr lang="en-US" sz="2400" b="1" strike="noStrike" spc="-1" dirty="0">
+              <a:latin typeface="Avenir LT Std 55 Roman" panose="020B0503020203020204" pitchFamily="34" charset="0"/>
+            </a:endParaRPr>
+          </a:p>
+        </p:txBody>
+      </p:sp>
     </p:spTree>
-    <p:extLst>
-      <p:ext uri="{BB962C8B-B14F-4D97-AF65-F5344CB8AC3E}">
-        <p14:creationId xmlns:p14="http://schemas.microsoft.com/office/powerpoint/2010/main" val="2939966950"/>
-      </p:ext>
-    </p:extLst>
   </p:cSld>
   <p:clrMapOvr>
     <a:masterClrMapping/>
@@ -6445,6 +7572,33 @@
               </a:rPr>
               <a:t>Goals</a:t>
             </a:r>
+          </a:p>
+          <a:p>
+            <a:pPr marL="228600" indent="-227880">
+              <a:lnSpc>
+                <a:spcPct val="90000"/>
+              </a:lnSpc>
+              <a:buClr>
+                <a:srgbClr val="000000"/>
+              </a:buClr>
+              <a:buFont typeface="Arial"/>
+              <a:buChar char="•"/>
+            </a:pPr>
+            <a:r>
+              <a:rPr lang="en-US" sz="2800" spc="-1" dirty="0">
+                <a:solidFill>
+                  <a:srgbClr val="000000"/>
+                </a:solidFill>
+                <a:latin typeface="Avenir LT Std 55 Roman" panose="020B0503020203020204" pitchFamily="34" charset="0"/>
+              </a:rPr>
+              <a:t>Setup</a:t>
+            </a:r>
+            <a:endParaRPr lang="en-US" sz="2800" b="0" strike="noStrike" spc="-1" dirty="0">
+              <a:solidFill>
+                <a:srgbClr val="000000"/>
+              </a:solidFill>
+              <a:latin typeface="Avenir LT Std 55 Roman" panose="020B0503020203020204" pitchFamily="34" charset="0"/>
+            </a:endParaRPr>
           </a:p>
           <a:p>
             <a:pPr marL="228600" indent="-227880">
@@ -7931,13 +9085,13 @@
               </a:lnSpc>
             </a:pPr>
             <a:r>
-              <a:rPr lang="en-US" sz="4400" b="1" strike="noStrike" spc="-1" dirty="0">
+              <a:rPr lang="en-US" sz="4400" b="1" spc="-1" dirty="0">
                 <a:solidFill>
                   <a:srgbClr val="000000"/>
                 </a:solidFill>
                 <a:latin typeface="Avenir LT Std 55 Roman" panose="020B0503020203020204" pitchFamily="34" charset="0"/>
               </a:rPr>
-              <a:t>Methods</a:t>
+              <a:t>Setup</a:t>
             </a:r>
             <a:endParaRPr lang="en-US" sz="4400" b="0" strike="noStrike" spc="-1" dirty="0">
               <a:latin typeface="Avenir LT Std 55 Roman" panose="020B0503020203020204" pitchFamily="34" charset="0"/>
@@ -7985,6 +9139,223 @@
                 <a:spcPct val="100000"/>
               </a:lnSpc>
             </a:pPr>
+            <a:endParaRPr lang="en-US" sz="2800" b="0" strike="noStrike" spc="-1" dirty="0">
+              <a:latin typeface="Avenir LT Std 55 Roman" panose="020B0503020203020204" pitchFamily="34" charset="0"/>
+            </a:endParaRPr>
+          </a:p>
+        </p:txBody>
+      </p:sp>
+      <p:sp>
+        <p:nvSpPr>
+          <p:cNvPr id="93" name="CustomShape 3"/>
+          <p:cNvSpPr/>
+          <p:nvPr/>
+        </p:nvSpPr>
+        <p:spPr>
+          <a:xfrm>
+            <a:off x="838080" y="6356520"/>
+            <a:ext cx="2742480" cy="364320"/>
+          </a:xfrm>
+          <a:prstGeom prst="rect">
+            <a:avLst/>
+          </a:prstGeom>
+          <a:noFill/>
+          <a:ln>
+            <a:noFill/>
+          </a:ln>
+        </p:spPr>
+        <p:style>
+          <a:lnRef idx="0">
+            <a:scrgbClr r="0" g="0" b="0"/>
+          </a:lnRef>
+          <a:fillRef idx="0">
+            <a:scrgbClr r="0" g="0" b="0"/>
+          </a:fillRef>
+          <a:effectRef idx="0">
+            <a:scrgbClr r="0" g="0" b="0"/>
+          </a:effectRef>
+          <a:fontRef idx="minor"/>
+        </p:style>
+        <p:txBody>
+          <a:bodyPr lIns="90000" tIns="45000" rIns="90000" bIns="45000" anchor="ctr"/>
+          <a:lstStyle/>
+          <a:p>
+            <a:pPr>
+              <a:lnSpc>
+                <a:spcPct val="100000"/>
+              </a:lnSpc>
+            </a:pPr>
+            <a:r>
+              <a:rPr lang="en-US" sz="1200" b="0" strike="noStrike" spc="-1" dirty="0">
+                <a:solidFill>
+                  <a:srgbClr val="8B8B8B"/>
+                </a:solidFill>
+                <a:latin typeface="Calibri"/>
+              </a:rPr>
+              <a:t>19.12.2018</a:t>
+            </a:r>
+            <a:endParaRPr lang="en-US" sz="1200" b="0" strike="noStrike" spc="-1" dirty="0">
+              <a:latin typeface="Arial"/>
+            </a:endParaRPr>
+          </a:p>
+        </p:txBody>
+      </p:sp>
+      <p:sp>
+        <p:nvSpPr>
+          <p:cNvPr id="94" name="CustomShape 4"/>
+          <p:cNvSpPr/>
+          <p:nvPr/>
+        </p:nvSpPr>
+        <p:spPr>
+          <a:xfrm>
+            <a:off x="4038480" y="6356520"/>
+            <a:ext cx="4114080" cy="364320"/>
+          </a:xfrm>
+          <a:prstGeom prst="rect">
+            <a:avLst/>
+          </a:prstGeom>
+          <a:noFill/>
+          <a:ln>
+            <a:noFill/>
+          </a:ln>
+        </p:spPr>
+        <p:style>
+          <a:lnRef idx="0">
+            <a:scrgbClr r="0" g="0" b="0"/>
+          </a:lnRef>
+          <a:fillRef idx="0">
+            <a:scrgbClr r="0" g="0" b="0"/>
+          </a:fillRef>
+          <a:effectRef idx="0">
+            <a:scrgbClr r="0" g="0" b="0"/>
+          </a:effectRef>
+          <a:fontRef idx="minor"/>
+        </p:style>
+        <p:txBody>
+          <a:bodyPr lIns="90000" tIns="45000" rIns="90000" bIns="45000" anchor="ctr"/>
+          <a:lstStyle/>
+          <a:p>
+            <a:pPr algn="ctr">
+              <a:lnSpc>
+                <a:spcPct val="100000"/>
+              </a:lnSpc>
+            </a:pPr>
+            <a:r>
+              <a:rPr lang="en-US" sz="1200" b="0" strike="noStrike" spc="-1">
+                <a:solidFill>
+                  <a:srgbClr val="8B8B8B"/>
+                </a:solidFill>
+                <a:latin typeface="Calibri"/>
+              </a:rPr>
+              <a:t>Segmentation of brain tissues</a:t>
+            </a:r>
+            <a:endParaRPr lang="en-US" sz="1200" b="0" strike="noStrike" spc="-1">
+              <a:latin typeface="Arial"/>
+            </a:endParaRPr>
+          </a:p>
+        </p:txBody>
+      </p:sp>
+      <p:sp>
+        <p:nvSpPr>
+          <p:cNvPr id="95" name="CustomShape 5"/>
+          <p:cNvSpPr/>
+          <p:nvPr/>
+        </p:nvSpPr>
+        <p:spPr>
+          <a:xfrm>
+            <a:off x="8610480" y="6356520"/>
+            <a:ext cx="2742480" cy="364320"/>
+          </a:xfrm>
+          <a:prstGeom prst="rect">
+            <a:avLst/>
+          </a:prstGeom>
+          <a:noFill/>
+          <a:ln>
+            <a:noFill/>
+          </a:ln>
+        </p:spPr>
+        <p:style>
+          <a:lnRef idx="0">
+            <a:scrgbClr r="0" g="0" b="0"/>
+          </a:lnRef>
+          <a:fillRef idx="0">
+            <a:scrgbClr r="0" g="0" b="0"/>
+          </a:fillRef>
+          <a:effectRef idx="0">
+            <a:scrgbClr r="0" g="0" b="0"/>
+          </a:effectRef>
+          <a:fontRef idx="minor"/>
+        </p:style>
+        <p:txBody>
+          <a:bodyPr lIns="90000" tIns="45000" rIns="90000" bIns="45000" anchor="ctr"/>
+          <a:lstStyle/>
+          <a:p>
+            <a:pPr algn="r">
+              <a:lnSpc>
+                <a:spcPct val="100000"/>
+              </a:lnSpc>
+            </a:pPr>
+            <a:fld id="{B9191E88-92AF-41E1-AE11-D30D0F798FDD}" type="slidenum">
+              <a:rPr lang="en-US" sz="1200" b="0" strike="noStrike" spc="-1">
+                <a:solidFill>
+                  <a:srgbClr val="8B8B8B"/>
+                </a:solidFill>
+                <a:latin typeface="Calibri"/>
+              </a:rPr>
+              <a:t>5</a:t>
+            </a:fld>
+            <a:endParaRPr lang="en-US" sz="1200" b="0" strike="noStrike" spc="-1">
+              <a:latin typeface="Arial"/>
+            </a:endParaRPr>
+          </a:p>
+        </p:txBody>
+      </p:sp>
+      <p:sp>
+        <p:nvSpPr>
+          <p:cNvPr id="7" name="CustomShape 2">
+            <a:extLst>
+              <a:ext uri="{FF2B5EF4-FFF2-40B4-BE49-F238E27FC236}">
+                <a16:creationId xmlns:a16="http://schemas.microsoft.com/office/drawing/2014/main" id="{8D8E48C0-9FD2-445A-AC2B-B0E384B22C65}"/>
+              </a:ext>
+            </a:extLst>
+          </p:cNvPr>
+          <p:cNvSpPr/>
+          <p:nvPr/>
+        </p:nvSpPr>
+        <p:spPr>
+          <a:xfrm>
+            <a:off x="990480" y="1977960"/>
+            <a:ext cx="9860040" cy="4350600"/>
+          </a:xfrm>
+          <a:prstGeom prst="rect">
+            <a:avLst/>
+          </a:prstGeom>
+          <a:noFill/>
+          <a:ln>
+            <a:noFill/>
+          </a:ln>
+        </p:spPr>
+        <p:style>
+          <a:lnRef idx="0">
+            <a:scrgbClr r="0" g="0" b="0"/>
+          </a:lnRef>
+          <a:fillRef idx="0">
+            <a:scrgbClr r="0" g="0" b="0"/>
+          </a:fillRef>
+          <a:effectRef idx="0">
+            <a:scrgbClr r="0" g="0" b="0"/>
+          </a:effectRef>
+          <a:fontRef idx="minor"/>
+        </p:style>
+        <p:txBody>
+          <a:bodyPr lIns="90000" tIns="45000" rIns="90000" bIns="45000"/>
+          <a:lstStyle/>
+          <a:p>
+            <a:pPr>
+              <a:lnSpc>
+                <a:spcPct val="100000"/>
+              </a:lnSpc>
+            </a:pPr>
             <a:r>
               <a:rPr lang="en-US" sz="2800" b="1" strike="noStrike" spc="-1" dirty="0">
                 <a:solidFill>
@@ -7992,33 +9363,41 @@
                 </a:solidFill>
                 <a:latin typeface="Avenir LT Std 55 Roman" panose="020B0503020203020204" pitchFamily="34" charset="0"/>
               </a:rPr>
-              <a:t>Evaluate different methods for segmentation</a:t>
+              <a:t>Data</a:t>
             </a:r>
             <a:endParaRPr lang="en-US" sz="2800" b="1" strike="noStrike" spc="-1" dirty="0">
               <a:latin typeface="Avenir LT Std 55 Roman" panose="020B0503020203020204" pitchFamily="34" charset="0"/>
             </a:endParaRPr>
           </a:p>
           <a:p>
-            <a:pPr marL="457920" indent="-457200">
+            <a:pPr marL="720">
               <a:lnSpc>
                 <a:spcPct val="90000"/>
               </a:lnSpc>
               <a:buClr>
                 <a:srgbClr val="000000"/>
               </a:buClr>
-              <a:buFont typeface="Arial" panose="020B0604020202020204" pitchFamily="34" charset="0"/>
-              <a:buChar char="•"/>
-            </a:pPr>
-            <a:r>
-              <a:rPr lang="en-US" sz="2800" b="0" strike="noStrike" spc="-1" dirty="0">
+            </a:pPr>
+            <a:r>
+              <a:rPr lang="en-US" sz="2800" spc="-1" dirty="0">
                 <a:solidFill>
                   <a:srgbClr val="000000"/>
                 </a:solidFill>
                 <a:latin typeface="Avenir LT Std 55 Roman" panose="020B0503020203020204" pitchFamily="34" charset="0"/>
               </a:rPr>
-              <a:t>Random forest</a:t>
-            </a:r>
-            <a:endParaRPr lang="en-US" sz="2800" spc="-1" dirty="0">
+              <a:t>100 unrelated healthy subjects – Human Connectome Project preprocessed data set (skull stripped, bias field corrected, registered..)</a:t>
+            </a:r>
+          </a:p>
+          <a:p>
+            <a:pPr marL="720">
+              <a:lnSpc>
+                <a:spcPct val="90000"/>
+              </a:lnSpc>
+              <a:buClr>
+                <a:srgbClr val="000000"/>
+              </a:buClr>
+            </a:pPr>
+            <a:endParaRPr lang="en-US" sz="2800" b="0" strike="noStrike" spc="-1" dirty="0">
               <a:solidFill>
                 <a:srgbClr val="000000"/>
               </a:solidFill>
@@ -8026,335 +9405,92 @@
             </a:endParaRPr>
           </a:p>
           <a:p>
-            <a:pPr marL="457920" indent="-457200">
+            <a:pPr>
               <a:lnSpc>
                 <a:spcPct val="90000"/>
               </a:lnSpc>
-              <a:buClr>
-                <a:srgbClr val="000000"/>
-              </a:buClr>
+            </a:pPr>
+            <a:endParaRPr lang="en-US" sz="2800" b="1" spc="-1" dirty="0">
+              <a:latin typeface="Avenir LT Std 55 Roman" panose="020B0503020203020204" pitchFamily="34" charset="0"/>
+            </a:endParaRPr>
+          </a:p>
+          <a:p>
+            <a:pPr>
+              <a:lnSpc>
+                <a:spcPct val="90000"/>
+              </a:lnSpc>
+            </a:pPr>
+            <a:r>
+              <a:rPr lang="en-US" sz="2800" b="1" spc="-1" dirty="0">
+                <a:latin typeface="Avenir LT Std 55 Roman" panose="020B0503020203020204" pitchFamily="34" charset="0"/>
+              </a:rPr>
+              <a:t>Pipeline – Supervised Machine Learning</a:t>
+            </a:r>
+          </a:p>
+          <a:p>
+            <a:pPr marL="457200" indent="-457200">
+              <a:lnSpc>
+                <a:spcPct val="90000"/>
+              </a:lnSpc>
               <a:buFont typeface="Arial" panose="020B0604020202020204" pitchFamily="34" charset="0"/>
               <a:buChar char="•"/>
             </a:pPr>
             <a:r>
-              <a:rPr lang="en-US" sz="2800" b="0" strike="noStrike" spc="-1" dirty="0">
-                <a:solidFill>
-                  <a:srgbClr val="000000"/>
-                </a:solidFill>
+              <a:rPr lang="en-US" sz="2800" strike="noStrike" spc="-1" dirty="0">
                 <a:latin typeface="Avenir LT Std 55 Roman" panose="020B0503020203020204" pitchFamily="34" charset="0"/>
               </a:rPr>
-              <a:t>Logistic regression</a:t>
+              <a:t>Training on training data (70 </a:t>
+            </a:r>
+            <a:r>
+              <a:rPr lang="en-US" sz="2800" spc="-1" dirty="0">
+                <a:latin typeface="Avenir LT Std 55 Roman" panose="020B0503020203020204" pitchFamily="34" charset="0"/>
+              </a:rPr>
+              <a:t>g</a:t>
+            </a:r>
+            <a:r>
+              <a:rPr lang="en-US" sz="2800" strike="noStrike" spc="-1" dirty="0">
+                <a:latin typeface="Avenir LT Std 55 Roman" panose="020B0503020203020204" pitchFamily="34" charset="0"/>
+              </a:rPr>
+              <a:t>round truth images)</a:t>
             </a:r>
             <a:endParaRPr lang="en-US" sz="2800" spc="-1" dirty="0">
-              <a:solidFill>
-                <a:srgbClr val="000000"/>
-              </a:solidFill>
               <a:latin typeface="Avenir LT Std 55 Roman" panose="020B0503020203020204" pitchFamily="34" charset="0"/>
             </a:endParaRPr>
           </a:p>
           <a:p>
-            <a:pPr marL="457920" indent="-457200">
+            <a:pPr marL="457200" indent="-457200">
               <a:lnSpc>
                 <a:spcPct val="90000"/>
               </a:lnSpc>
-              <a:buClr>
-                <a:srgbClr val="000000"/>
-              </a:buClr>
               <a:buFont typeface="Arial" panose="020B0604020202020204" pitchFamily="34" charset="0"/>
               <a:buChar char="•"/>
             </a:pPr>
             <a:r>
-              <a:rPr lang="en-US" sz="2800" spc="-1" dirty="0">
-                <a:solidFill>
-                  <a:srgbClr val="000000"/>
-                </a:solidFill>
+              <a:rPr lang="en-US" sz="2800" strike="noStrike" spc="-1" dirty="0">
                 <a:latin typeface="Avenir LT Std 55 Roman" panose="020B0503020203020204" pitchFamily="34" charset="0"/>
               </a:rPr>
-              <a:t>SVM linear</a:t>
-            </a:r>
-          </a:p>
-          <a:p>
-            <a:pPr marL="457920" indent="-457200">
+              <a:t>Testing on testing data (30 unseen images)</a:t>
+            </a:r>
+            <a:endParaRPr lang="en-US" sz="2800" spc="-1" dirty="0">
+              <a:latin typeface="Avenir LT Std 55 Roman" panose="020B0503020203020204" pitchFamily="34" charset="0"/>
+            </a:endParaRPr>
+          </a:p>
+          <a:p>
+            <a:pPr marL="914400" lvl="1" indent="-457200">
               <a:lnSpc>
                 <a:spcPct val="90000"/>
               </a:lnSpc>
-              <a:buClr>
-                <a:srgbClr val="000000"/>
-              </a:buClr>
-              <a:buFont typeface="Arial" panose="020B0604020202020204" pitchFamily="34" charset="0"/>
-              <a:buChar char="•"/>
-            </a:pPr>
-            <a:r>
-              <a:rPr lang="en-US" sz="2800" spc="-1" dirty="0">
-                <a:solidFill>
-                  <a:srgbClr val="000000"/>
-                </a:solidFill>
-                <a:latin typeface="Avenir LT Std 55 Roman" panose="020B0503020203020204" pitchFamily="34" charset="0"/>
-              </a:rPr>
-              <a:t>SVM </a:t>
-            </a:r>
-            <a:r>
-              <a:rPr lang="en-US" sz="2800" b="0" strike="noStrike" spc="-1" dirty="0">
-                <a:solidFill>
-                  <a:srgbClr val="000000"/>
-                </a:solidFill>
-                <a:latin typeface="Avenir LT Std 55 Roman" panose="020B0503020203020204" pitchFamily="34" charset="0"/>
-              </a:rPr>
-              <a:t>linear polynomial features</a:t>
-            </a:r>
-          </a:p>
-          <a:p>
-            <a:pPr marL="457920" indent="-457200">
-              <a:lnSpc>
-                <a:spcPct val="90000"/>
-              </a:lnSpc>
-              <a:buClr>
-                <a:srgbClr val="000000"/>
-              </a:buClr>
-              <a:buFont typeface="Arial" panose="020B0604020202020204" pitchFamily="34" charset="0"/>
-              <a:buChar char="•"/>
-            </a:pPr>
-            <a:r>
-              <a:rPr lang="en-US" sz="2800" b="0" strike="noStrike" spc="-1" dirty="0">
-                <a:solidFill>
-                  <a:srgbClr val="000000"/>
-                </a:solidFill>
-                <a:latin typeface="Avenir LT Std 55 Roman" panose="020B0503020203020204" pitchFamily="34" charset="0"/>
-              </a:rPr>
-              <a:t>SVM </a:t>
-            </a:r>
-            <a:r>
-              <a:rPr lang="en-US" sz="2800" b="0" strike="noStrike" spc="-1" dirty="0" err="1">
-                <a:solidFill>
-                  <a:srgbClr val="000000"/>
-                </a:solidFill>
-                <a:latin typeface="Avenir LT Std 55 Roman" panose="020B0503020203020204" pitchFamily="34" charset="0"/>
-              </a:rPr>
-              <a:t>rbf</a:t>
-            </a:r>
-            <a:endParaRPr lang="en-US" sz="2800" b="0" strike="noStrike" spc="-1" dirty="0">
-              <a:latin typeface="Avenir LT Std 55 Roman" panose="020B0503020203020204" pitchFamily="34" charset="0"/>
-            </a:endParaRPr>
-          </a:p>
-          <a:p>
-            <a:pPr>
-              <a:lnSpc>
-                <a:spcPct val="90000"/>
-              </a:lnSpc>
-            </a:pPr>
-            <a:endParaRPr lang="en-US" sz="2800" b="0" strike="noStrike" spc="-1" dirty="0">
-              <a:latin typeface="Avenir LT Std 55 Roman" panose="020B0503020203020204" pitchFamily="34" charset="0"/>
-            </a:endParaRPr>
-          </a:p>
-          <a:p>
-            <a:pPr>
-              <a:lnSpc>
-                <a:spcPct val="90000"/>
-              </a:lnSpc>
-            </a:pPr>
-            <a:r>
-              <a:rPr lang="en-US" sz="2800" b="1" strike="noStrike" spc="-1" dirty="0">
-                <a:latin typeface="Avenir LT Std 55 Roman" panose="020B0503020203020204" pitchFamily="34" charset="0"/>
-              </a:rPr>
-              <a:t>Approach</a:t>
-            </a:r>
-          </a:p>
-          <a:p>
-            <a:pPr marL="457200" indent="-457200">
-              <a:lnSpc>
-                <a:spcPct val="90000"/>
-              </a:lnSpc>
-              <a:buFont typeface="Arial" panose="020B0604020202020204" pitchFamily="34" charset="0"/>
-              <a:buChar char="•"/>
-            </a:pPr>
-            <a:r>
-              <a:rPr lang="en-US" sz="2800" b="0" strike="noStrike" spc="-1" dirty="0">
-                <a:latin typeface="Avenir LT Std 55 Roman" panose="020B0503020203020204" pitchFamily="34" charset="0"/>
-              </a:rPr>
-              <a:t>Balance training samples per class</a:t>
-            </a:r>
-          </a:p>
-          <a:p>
-            <a:pPr marL="457200" indent="-457200">
-              <a:lnSpc>
-                <a:spcPct val="90000"/>
-              </a:lnSpc>
-              <a:buFont typeface="Arial" panose="020B0604020202020204" pitchFamily="34" charset="0"/>
-              <a:buChar char="•"/>
+              <a:buFont typeface="Symbol" panose="05050102010706020507" pitchFamily="18" charset="2"/>
+              <a:buChar char="-"/>
             </a:pPr>
             <a:r>
               <a:rPr lang="en-US" sz="2800" spc="-1" dirty="0">
                 <a:latin typeface="Avenir LT Std 55 Roman" panose="020B0503020203020204" pitchFamily="34" charset="0"/>
               </a:rPr>
-              <a:t>Adjust training samples with respect to training images</a:t>
-            </a:r>
-            <a:endParaRPr lang="en-US" sz="2800" b="0" strike="noStrike" spc="-1" dirty="0">
+              <a:t>Usually testing on less images</a:t>
+            </a:r>
+            <a:endParaRPr lang="en-US" sz="2800" strike="noStrike" spc="-1" dirty="0">
               <a:latin typeface="Avenir LT Std 55 Roman" panose="020B0503020203020204" pitchFamily="34" charset="0"/>
-            </a:endParaRPr>
-          </a:p>
-        </p:txBody>
-      </p:sp>
-      <p:sp>
-        <p:nvSpPr>
-          <p:cNvPr id="93" name="CustomShape 3"/>
-          <p:cNvSpPr/>
-          <p:nvPr/>
-        </p:nvSpPr>
-        <p:spPr>
-          <a:xfrm>
-            <a:off x="838080" y="6356520"/>
-            <a:ext cx="2742480" cy="364320"/>
-          </a:xfrm>
-          <a:prstGeom prst="rect">
-            <a:avLst/>
-          </a:prstGeom>
-          <a:noFill/>
-          <a:ln>
-            <a:noFill/>
-          </a:ln>
-        </p:spPr>
-        <p:style>
-          <a:lnRef idx="0">
-            <a:scrgbClr r="0" g="0" b="0"/>
-          </a:lnRef>
-          <a:fillRef idx="0">
-            <a:scrgbClr r="0" g="0" b="0"/>
-          </a:fillRef>
-          <a:effectRef idx="0">
-            <a:scrgbClr r="0" g="0" b="0"/>
-          </a:effectRef>
-          <a:fontRef idx="minor"/>
-        </p:style>
-        <p:txBody>
-          <a:bodyPr lIns="90000" tIns="45000" rIns="90000" bIns="45000" anchor="ctr"/>
-          <a:lstStyle/>
-          <a:p>
-            <a:pPr>
-              <a:lnSpc>
-                <a:spcPct val="100000"/>
-              </a:lnSpc>
-            </a:pPr>
-            <a:r>
-              <a:rPr lang="en-US" sz="1200" b="0" strike="noStrike" spc="-1" dirty="0">
-                <a:solidFill>
-                  <a:srgbClr val="8B8B8B"/>
-                </a:solidFill>
-                <a:latin typeface="Calibri"/>
-              </a:rPr>
-              <a:t>19.12.2018</a:t>
-            </a:r>
-            <a:endParaRPr lang="en-US" sz="1200" b="0" strike="noStrike" spc="-1" dirty="0">
-              <a:latin typeface="Arial"/>
-            </a:endParaRPr>
-          </a:p>
-        </p:txBody>
-      </p:sp>
-      <p:sp>
-        <p:nvSpPr>
-          <p:cNvPr id="94" name="CustomShape 4"/>
-          <p:cNvSpPr/>
-          <p:nvPr/>
-        </p:nvSpPr>
-        <p:spPr>
-          <a:xfrm>
-            <a:off x="4038480" y="6356520"/>
-            <a:ext cx="4114080" cy="364320"/>
-          </a:xfrm>
-          <a:prstGeom prst="rect">
-            <a:avLst/>
-          </a:prstGeom>
-          <a:noFill/>
-          <a:ln>
-            <a:noFill/>
-          </a:ln>
-        </p:spPr>
-        <p:style>
-          <a:lnRef idx="0">
-            <a:scrgbClr r="0" g="0" b="0"/>
-          </a:lnRef>
-          <a:fillRef idx="0">
-            <a:scrgbClr r="0" g="0" b="0"/>
-          </a:fillRef>
-          <a:effectRef idx="0">
-            <a:scrgbClr r="0" g="0" b="0"/>
-          </a:effectRef>
-          <a:fontRef idx="minor"/>
-        </p:style>
-        <p:txBody>
-          <a:bodyPr lIns="90000" tIns="45000" rIns="90000" bIns="45000" anchor="ctr"/>
-          <a:lstStyle/>
-          <a:p>
-            <a:pPr algn="ctr">
-              <a:lnSpc>
-                <a:spcPct val="100000"/>
-              </a:lnSpc>
-            </a:pPr>
-            <a:r>
-              <a:rPr lang="en-US" sz="1200" b="0" strike="noStrike" spc="-1">
-                <a:solidFill>
-                  <a:srgbClr val="8B8B8B"/>
-                </a:solidFill>
-                <a:latin typeface="Calibri"/>
-              </a:rPr>
-              <a:t>Segmentation of brain tissues</a:t>
-            </a:r>
-            <a:endParaRPr lang="en-US" sz="1200" b="0" strike="noStrike" spc="-1">
-              <a:latin typeface="Arial"/>
-            </a:endParaRPr>
-          </a:p>
-        </p:txBody>
-      </p:sp>
-      <p:sp>
-        <p:nvSpPr>
-          <p:cNvPr id="95" name="CustomShape 5"/>
-          <p:cNvSpPr/>
-          <p:nvPr/>
-        </p:nvSpPr>
-        <p:spPr>
-          <a:xfrm>
-            <a:off x="8610480" y="6356520"/>
-            <a:ext cx="2742480" cy="364320"/>
-          </a:xfrm>
-          <a:prstGeom prst="rect">
-            <a:avLst/>
-          </a:prstGeom>
-          <a:noFill/>
-          <a:ln>
-            <a:noFill/>
-          </a:ln>
-        </p:spPr>
-        <p:style>
-          <a:lnRef idx="0">
-            <a:scrgbClr r="0" g="0" b="0"/>
-          </a:lnRef>
-          <a:fillRef idx="0">
-            <a:scrgbClr r="0" g="0" b="0"/>
-          </a:fillRef>
-          <a:effectRef idx="0">
-            <a:scrgbClr r="0" g="0" b="0"/>
-          </a:effectRef>
-          <a:fontRef idx="minor"/>
-        </p:style>
-        <p:txBody>
-          <a:bodyPr lIns="90000" tIns="45000" rIns="90000" bIns="45000" anchor="ctr"/>
-          <a:lstStyle/>
-          <a:p>
-            <a:pPr algn="r">
-              <a:lnSpc>
-                <a:spcPct val="100000"/>
-              </a:lnSpc>
-            </a:pPr>
-            <a:fld id="{B9191E88-92AF-41E1-AE11-D30D0F798FDD}" type="slidenum">
-              <a:rPr lang="en-US" sz="1200" b="0" strike="noStrike" spc="-1">
-                <a:solidFill>
-                  <a:srgbClr val="8B8B8B"/>
-                </a:solidFill>
-                <a:latin typeface="Calibri"/>
-              </a:rPr>
-              <a:t>5</a:t>
-            </a:fld>
-            <a:endParaRPr lang="en-US" sz="1200" b="0" strike="noStrike" spc="-1">
-              <a:latin typeface="Arial"/>
             </a:endParaRPr>
           </a:p>
         </p:txBody>
@@ -8362,40 +9498,13 @@
     </p:spTree>
     <p:extLst>
       <p:ext uri="{BB962C8B-B14F-4D97-AF65-F5344CB8AC3E}">
-        <p14:creationId xmlns:p14="http://schemas.microsoft.com/office/powerpoint/2010/main" val="2665624775"/>
+        <p14:creationId xmlns:p14="http://schemas.microsoft.com/office/powerpoint/2010/main" val="3215799995"/>
       </p:ext>
     </p:extLst>
   </p:cSld>
   <p:clrMapOvr>
     <a:masterClrMapping/>
   </p:clrMapOvr>
-  <p:timing>
-    <p:tnLst>
-      <p:par>
-        <p:cTn id="1" dur="indefinite" restart="never" nodeType="tmRoot">
-          <p:childTnLst>
-            <p:seq>
-              <p:cTn id="2" dur="indefinite" nodeType="mainSeq"/>
-              <p:prevCondLst>
-                <p:cond evt="onPrev" delay="0">
-                  <p:tgtEl>
-                    <p:sldTgt/>
-                  </p:tgtEl>
-                </p:cond>
-              </p:prevCondLst>
-              <p:nextCondLst>
-                <p:cond evt="onNext" delay="0">
-                  <p:tgtEl>
-                    <p:sldTgt/>
-                  </p:tgtEl>
-                </p:cond>
-              </p:nextCondLst>
-            </p:seq>
-          </p:childTnLst>
-        </p:cTn>
-      </p:par>
-    </p:tnLst>
-  </p:timing>
 </p:sld>
 </file>
 
@@ -8418,311 +9527,327 @@
       </p:grpSpPr>
       <p:sp>
         <p:nvSpPr>
-          <p:cNvPr id="96" name="CustomShape 1"/>
+          <p:cNvPr id="2" name="Titel 1">
+            <a:extLst>
+              <a:ext uri="{FF2B5EF4-FFF2-40B4-BE49-F238E27FC236}">
+                <a16:creationId xmlns:a16="http://schemas.microsoft.com/office/drawing/2014/main" id="{29790C13-DD76-4898-ADE9-8A149C2AC01F}"/>
+              </a:ext>
+            </a:extLst>
+          </p:cNvPr>
+          <p:cNvSpPr>
+            <a:spLocks noGrp="1"/>
+          </p:cNvSpPr>
+          <p:nvPr>
+            <p:ph type="title"/>
+          </p:nvPr>
+        </p:nvSpPr>
+        <p:spPr/>
+        <p:txBody>
+          <a:bodyPr/>
+          <a:lstStyle/>
+          <a:p>
+            <a:endParaRPr lang="de-DE"/>
+          </a:p>
+        </p:txBody>
+      </p:sp>
+      <p:sp>
+        <p:nvSpPr>
+          <p:cNvPr id="3" name="Untertitel 2">
+            <a:extLst>
+              <a:ext uri="{FF2B5EF4-FFF2-40B4-BE49-F238E27FC236}">
+                <a16:creationId xmlns:a16="http://schemas.microsoft.com/office/drawing/2014/main" id="{1F4C6DAC-E557-40D1-AF22-A3C388149C1A}"/>
+              </a:ext>
+            </a:extLst>
+          </p:cNvPr>
+          <p:cNvSpPr>
+            <a:spLocks noGrp="1"/>
+          </p:cNvSpPr>
+          <p:nvPr>
+            <p:ph type="subTitle"/>
+          </p:nvPr>
+        </p:nvSpPr>
+        <p:spPr/>
+        <p:txBody>
+          <a:bodyPr/>
+          <a:lstStyle/>
+          <a:p>
+            <a:endParaRPr lang="de-DE"/>
+          </a:p>
+        </p:txBody>
+      </p:sp>
+      <p:pic>
+        <p:nvPicPr>
+          <p:cNvPr id="7" name="Grafik 6">
+            <a:extLst>
+              <a:ext uri="{FF2B5EF4-FFF2-40B4-BE49-F238E27FC236}">
+                <a16:creationId xmlns:a16="http://schemas.microsoft.com/office/drawing/2014/main" id="{962C690A-BC5E-4D91-AB90-6511B3EBE811}"/>
+              </a:ext>
+            </a:extLst>
+          </p:cNvPr>
+          <p:cNvPicPr>
+            <a:picLocks noChangeAspect="1"/>
+          </p:cNvPicPr>
+          <p:nvPr/>
+        </p:nvPicPr>
+        <p:blipFill>
+          <a:blip r:embed="rId3" cstate="print">
+            <a:extLst>
+              <a:ext uri="{28A0092B-C50C-407E-A947-70E740481C1C}">
+                <a14:useLocalDpi xmlns:a14="http://schemas.microsoft.com/office/drawing/2010/main" val="0"/>
+              </a:ext>
+            </a:extLst>
+          </a:blip>
+          <a:stretch>
+            <a:fillRect/>
+          </a:stretch>
+        </p:blipFill>
+        <p:spPr>
+          <a:xfrm>
+            <a:off x="0" y="2269908"/>
+            <a:ext cx="12192000" cy="4654193"/>
+          </a:xfrm>
+          <a:prstGeom prst="rect">
+            <a:avLst/>
+          </a:prstGeom>
+        </p:spPr>
+      </p:pic>
+      <p:pic>
+        <p:nvPicPr>
+          <p:cNvPr id="5" name="Grafik 4">
+            <a:extLst>
+              <a:ext uri="{FF2B5EF4-FFF2-40B4-BE49-F238E27FC236}">
+                <a16:creationId xmlns:a16="http://schemas.microsoft.com/office/drawing/2014/main" id="{A792A147-AF64-44B7-BBC1-1C974204D113}"/>
+              </a:ext>
+            </a:extLst>
+          </p:cNvPr>
+          <p:cNvPicPr>
+            <a:picLocks noChangeAspect="1"/>
+          </p:cNvPicPr>
+          <p:nvPr/>
+        </p:nvPicPr>
+        <p:blipFill>
+          <a:blip r:embed="rId4">
+            <a:lum/>
+          </a:blip>
+          <a:stretch>
+            <a:fillRect/>
+          </a:stretch>
+        </p:blipFill>
+        <p:spPr>
+          <a:xfrm>
+            <a:off x="6288771" y="273600"/>
+            <a:ext cx="4889867" cy="3468253"/>
+          </a:xfrm>
+          <a:prstGeom prst="rect">
+            <a:avLst/>
+          </a:prstGeom>
+          <a:noFill/>
+        </p:spPr>
+      </p:pic>
+      <p:cxnSp>
+        <p:nvCxnSpPr>
+          <p:cNvPr id="9" name="Gerader Verbinder 8">
+            <a:extLst>
+              <a:ext uri="{FF2B5EF4-FFF2-40B4-BE49-F238E27FC236}">
+                <a16:creationId xmlns:a16="http://schemas.microsoft.com/office/drawing/2014/main" id="{C30EF7E9-72DC-42ED-9A47-428B4F784E8C}"/>
+              </a:ext>
+            </a:extLst>
+          </p:cNvPr>
+          <p:cNvCxnSpPr>
+            <a:cxnSpLocks/>
+          </p:cNvCxnSpPr>
+          <p:nvPr/>
+        </p:nvCxnSpPr>
+        <p:spPr>
+          <a:xfrm flipH="1" flipV="1">
+            <a:off x="6321821" y="3741853"/>
+            <a:ext cx="1425015" cy="548794"/>
+          </a:xfrm>
+          <a:prstGeom prst="line">
+            <a:avLst/>
+          </a:prstGeom>
+          <a:ln w="25400">
+            <a:solidFill>
+              <a:srgbClr val="FFFF00"/>
+            </a:solidFill>
+          </a:ln>
+        </p:spPr>
+        <p:style>
+          <a:lnRef idx="1">
+            <a:schemeClr val="accent1"/>
+          </a:lnRef>
+          <a:fillRef idx="0">
+            <a:schemeClr val="accent1"/>
+          </a:fillRef>
+          <a:effectRef idx="0">
+            <a:schemeClr val="accent1"/>
+          </a:effectRef>
+          <a:fontRef idx="minor">
+            <a:schemeClr val="tx1"/>
+          </a:fontRef>
+        </p:style>
+      </p:cxnSp>
+      <p:cxnSp>
+        <p:nvCxnSpPr>
+          <p:cNvPr id="10" name="Gerader Verbinder 9">
+            <a:extLst>
+              <a:ext uri="{FF2B5EF4-FFF2-40B4-BE49-F238E27FC236}">
+                <a16:creationId xmlns:a16="http://schemas.microsoft.com/office/drawing/2014/main" id="{1E533ADC-32A2-4E36-A164-C7F7F751EB16}"/>
+              </a:ext>
+            </a:extLst>
+          </p:cNvPr>
+          <p:cNvCxnSpPr>
+            <a:cxnSpLocks/>
+          </p:cNvCxnSpPr>
+          <p:nvPr/>
+        </p:nvCxnSpPr>
+        <p:spPr>
+          <a:xfrm flipH="1">
+            <a:off x="9653291" y="3730129"/>
+            <a:ext cx="1425014" cy="548793"/>
+          </a:xfrm>
+          <a:prstGeom prst="line">
+            <a:avLst/>
+          </a:prstGeom>
+          <a:ln w="25400">
+            <a:solidFill>
+              <a:srgbClr val="FFFF00"/>
+            </a:solidFill>
+          </a:ln>
+        </p:spPr>
+        <p:style>
+          <a:lnRef idx="1">
+            <a:schemeClr val="accent1"/>
+          </a:lnRef>
+          <a:fillRef idx="0">
+            <a:schemeClr val="accent1"/>
+          </a:fillRef>
+          <a:effectRef idx="0">
+            <a:schemeClr val="accent1"/>
+          </a:effectRef>
+          <a:fontRef idx="minor">
+            <a:schemeClr val="tx1"/>
+          </a:fontRef>
+        </p:style>
+      </p:cxnSp>
+      <p:sp>
+        <p:nvSpPr>
+          <p:cNvPr id="11" name="Rechteck 10">
+            <a:extLst>
+              <a:ext uri="{FF2B5EF4-FFF2-40B4-BE49-F238E27FC236}">
+                <a16:creationId xmlns:a16="http://schemas.microsoft.com/office/drawing/2014/main" id="{10821BC5-044F-4D95-A402-3D2860C514A3}"/>
+              </a:ext>
+            </a:extLst>
+          </p:cNvPr>
           <p:cNvSpPr/>
           <p:nvPr/>
         </p:nvSpPr>
         <p:spPr>
           <a:xfrm>
-            <a:off x="838080" y="365040"/>
-            <a:ext cx="9033120" cy="1324800"/>
-          </a:xfrm>
-          <a:prstGeom prst="rect">
-            <a:avLst/>
-          </a:prstGeom>
-          <a:noFill/>
+            <a:off x="6321821" y="2985571"/>
+            <a:ext cx="4756483" cy="744558"/>
+          </a:xfrm>
+          <a:prstGeom prst="rect">
+            <a:avLst/>
+          </a:prstGeom>
+          <a:solidFill>
+            <a:srgbClr val="FFFF00">
+              <a:alpha val="40000"/>
+            </a:srgbClr>
+          </a:solidFill>
           <a:ln>
             <a:noFill/>
           </a:ln>
+          <a:effectLst/>
         </p:spPr>
         <p:style>
-          <a:lnRef idx="0">
-            <a:scrgbClr r="0" g="0" b="0"/>
+          <a:lnRef idx="2">
+            <a:schemeClr val="accent1">
+              <a:shade val="50000"/>
+            </a:schemeClr>
           </a:lnRef>
-          <a:fillRef idx="0">
-            <a:scrgbClr r="0" g="0" b="0"/>
+          <a:fillRef idx="1">
+            <a:schemeClr val="accent1"/>
           </a:fillRef>
           <a:effectRef idx="0">
-            <a:scrgbClr r="0" g="0" b="0"/>
+            <a:schemeClr val="accent1"/>
           </a:effectRef>
-          <a:fontRef idx="minor"/>
+          <a:fontRef idx="minor">
+            <a:schemeClr val="lt1"/>
+          </a:fontRef>
         </p:style>
         <p:txBody>
-          <a:bodyPr lIns="90000" tIns="45000" rIns="90000" bIns="45000" anchor="ctr"/>
-          <a:lstStyle/>
-          <a:p>
-            <a:pPr>
-              <a:lnSpc>
-                <a:spcPct val="100000"/>
-              </a:lnSpc>
-            </a:pPr>
-            <a:r>
-              <a:rPr lang="en-US" sz="4400" b="1" strike="noStrike" spc="-1" dirty="0">
-                <a:solidFill>
-                  <a:srgbClr val="000000"/>
-                </a:solidFill>
-                <a:latin typeface="Avenir LT Std 55 Roman" panose="020B0503020203020204" pitchFamily="34" charset="0"/>
-              </a:rPr>
-              <a:t>Results / Discussion</a:t>
-            </a:r>
-            <a:endParaRPr lang="en-US" sz="4400" b="0" strike="noStrike" spc="-1" dirty="0">
-              <a:latin typeface="Avenir LT Std 55 Roman" panose="020B0503020203020204" pitchFamily="34" charset="0"/>
-            </a:endParaRPr>
-          </a:p>
-        </p:txBody>
-      </p:sp>
-      <p:sp>
-        <p:nvSpPr>
-          <p:cNvPr id="97" name="CustomShape 2"/>
+          <a:bodyPr rtlCol="0" anchor="ctr"/>
+          <a:lstStyle/>
+          <a:p>
+            <a:pPr algn="ctr"/>
+            <a:endParaRPr lang="de-DE"/>
+          </a:p>
+        </p:txBody>
+      </p:sp>
+      <p:sp>
+        <p:nvSpPr>
+          <p:cNvPr id="12" name="Rechteck 11">
+            <a:extLst>
+              <a:ext uri="{FF2B5EF4-FFF2-40B4-BE49-F238E27FC236}">
+                <a16:creationId xmlns:a16="http://schemas.microsoft.com/office/drawing/2014/main" id="{B394B1DD-F49E-4FC6-A467-367492828D96}"/>
+              </a:ext>
+            </a:extLst>
+          </p:cNvPr>
           <p:cNvSpPr/>
           <p:nvPr/>
         </p:nvSpPr>
         <p:spPr>
           <a:xfrm>
-            <a:off x="838080" y="1825560"/>
-            <a:ext cx="9033120" cy="4350600"/>
-          </a:xfrm>
-          <a:prstGeom prst="rect">
-            <a:avLst/>
-          </a:prstGeom>
-          <a:noFill/>
+            <a:off x="10554158" y="1660"/>
+            <a:ext cx="1637841" cy="2763573"/>
+          </a:xfrm>
+          <a:prstGeom prst="rect">
+            <a:avLst/>
+          </a:prstGeom>
+          <a:solidFill>
+            <a:schemeClr val="bg1"/>
+          </a:solidFill>
           <a:ln>
             <a:noFill/>
           </a:ln>
+          <a:effectLst/>
         </p:spPr>
         <p:style>
-          <a:lnRef idx="0">
-            <a:scrgbClr r="0" g="0" b="0"/>
+          <a:lnRef idx="2">
+            <a:schemeClr val="accent1">
+              <a:shade val="50000"/>
+            </a:schemeClr>
           </a:lnRef>
-          <a:fillRef idx="0">
-            <a:scrgbClr r="0" g="0" b="0"/>
+          <a:fillRef idx="1">
+            <a:schemeClr val="accent1"/>
           </a:fillRef>
           <a:effectRef idx="0">
-            <a:scrgbClr r="0" g="0" b="0"/>
+            <a:schemeClr val="accent1"/>
           </a:effectRef>
-          <a:fontRef idx="minor"/>
+          <a:fontRef idx="minor">
+            <a:schemeClr val="lt1"/>
+          </a:fontRef>
         </p:style>
-      </p:sp>
-      <p:sp>
-        <p:nvSpPr>
-          <p:cNvPr id="98" name="CustomShape 3"/>
-          <p:cNvSpPr/>
-          <p:nvPr/>
-        </p:nvSpPr>
-        <p:spPr>
-          <a:xfrm>
-            <a:off x="838080" y="6356520"/>
-            <a:ext cx="2742480" cy="364320"/>
-          </a:xfrm>
-          <a:prstGeom prst="rect">
-            <a:avLst/>
-          </a:prstGeom>
-          <a:noFill/>
-          <a:ln>
-            <a:noFill/>
-          </a:ln>
-        </p:spPr>
-        <p:style>
-          <a:lnRef idx="0">
-            <a:scrgbClr r="0" g="0" b="0"/>
-          </a:lnRef>
-          <a:fillRef idx="0">
-            <a:scrgbClr r="0" g="0" b="0"/>
-          </a:fillRef>
-          <a:effectRef idx="0">
-            <a:scrgbClr r="0" g="0" b="0"/>
-          </a:effectRef>
-          <a:fontRef idx="minor"/>
-        </p:style>
-        <p:txBody>
-          <a:bodyPr lIns="90000" tIns="45000" rIns="90000" bIns="45000" anchor="ctr"/>
-          <a:lstStyle/>
-          <a:p>
-            <a:pPr>
-              <a:lnSpc>
-                <a:spcPct val="100000"/>
-              </a:lnSpc>
-            </a:pPr>
-            <a:r>
-              <a:rPr lang="en-US" sz="1200" b="0" strike="noStrike" spc="-1" dirty="0">
-                <a:solidFill>
-                  <a:srgbClr val="8B8B8B"/>
-                </a:solidFill>
-                <a:latin typeface="Calibri"/>
-              </a:rPr>
-              <a:t>19.12.2018</a:t>
-            </a:r>
-            <a:endParaRPr lang="en-US" sz="1200" b="0" strike="noStrike" spc="-1" dirty="0">
-              <a:latin typeface="Arial"/>
-            </a:endParaRPr>
-          </a:p>
-        </p:txBody>
-      </p:sp>
-      <p:sp>
-        <p:nvSpPr>
-          <p:cNvPr id="99" name="CustomShape 4"/>
-          <p:cNvSpPr/>
-          <p:nvPr/>
-        </p:nvSpPr>
-        <p:spPr>
-          <a:xfrm>
-            <a:off x="4038480" y="6356520"/>
-            <a:ext cx="4114080" cy="364320"/>
-          </a:xfrm>
-          <a:prstGeom prst="rect">
-            <a:avLst/>
-          </a:prstGeom>
-          <a:noFill/>
-          <a:ln>
-            <a:noFill/>
-          </a:ln>
-        </p:spPr>
-        <p:style>
-          <a:lnRef idx="0">
-            <a:scrgbClr r="0" g="0" b="0"/>
-          </a:lnRef>
-          <a:fillRef idx="0">
-            <a:scrgbClr r="0" g="0" b="0"/>
-          </a:fillRef>
-          <a:effectRef idx="0">
-            <a:scrgbClr r="0" g="0" b="0"/>
-          </a:effectRef>
-          <a:fontRef idx="minor"/>
-        </p:style>
-        <p:txBody>
-          <a:bodyPr lIns="90000" tIns="45000" rIns="90000" bIns="45000" anchor="ctr"/>
-          <a:lstStyle/>
-          <a:p>
-            <a:pPr algn="ctr">
-              <a:lnSpc>
-                <a:spcPct val="100000"/>
-              </a:lnSpc>
-            </a:pPr>
-            <a:r>
-              <a:rPr lang="en-US" sz="1200" b="0" strike="noStrike" spc="-1">
-                <a:solidFill>
-                  <a:srgbClr val="8B8B8B"/>
-                </a:solidFill>
-                <a:latin typeface="Calibri"/>
-              </a:rPr>
-              <a:t>Segmentation of brain tissues</a:t>
-            </a:r>
-            <a:endParaRPr lang="en-US" sz="1200" b="0" strike="noStrike" spc="-1">
-              <a:latin typeface="Arial"/>
-            </a:endParaRPr>
-          </a:p>
-        </p:txBody>
-      </p:sp>
-      <p:sp>
-        <p:nvSpPr>
-          <p:cNvPr id="100" name="CustomShape 5"/>
-          <p:cNvSpPr/>
-          <p:nvPr/>
-        </p:nvSpPr>
-        <p:spPr>
-          <a:xfrm>
-            <a:off x="8610480" y="6356520"/>
-            <a:ext cx="2742480" cy="364320"/>
-          </a:xfrm>
-          <a:prstGeom prst="rect">
-            <a:avLst/>
-          </a:prstGeom>
-          <a:noFill/>
-          <a:ln>
-            <a:noFill/>
-          </a:ln>
-        </p:spPr>
-        <p:style>
-          <a:lnRef idx="0">
-            <a:scrgbClr r="0" g="0" b="0"/>
-          </a:lnRef>
-          <a:fillRef idx="0">
-            <a:scrgbClr r="0" g="0" b="0"/>
-          </a:fillRef>
-          <a:effectRef idx="0">
-            <a:scrgbClr r="0" g="0" b="0"/>
-          </a:effectRef>
-          <a:fontRef idx="minor"/>
-        </p:style>
-        <p:txBody>
-          <a:bodyPr lIns="90000" tIns="45000" rIns="90000" bIns="45000" anchor="ctr"/>
-          <a:lstStyle/>
-          <a:p>
-            <a:pPr algn="r">
-              <a:lnSpc>
-                <a:spcPct val="100000"/>
-              </a:lnSpc>
-            </a:pPr>
-            <a:fld id="{A5C98420-BB98-48B4-A644-4A7D40222D46}" type="slidenum">
-              <a:rPr lang="en-US" sz="1200" b="0" strike="noStrike" spc="-1">
-                <a:solidFill>
-                  <a:srgbClr val="8B8B8B"/>
-                </a:solidFill>
-                <a:latin typeface="Calibri"/>
-              </a:rPr>
-              <a:t>6</a:t>
-            </a:fld>
-            <a:endParaRPr lang="en-US" sz="1200" b="0" strike="noStrike" spc="-1">
-              <a:latin typeface="Arial"/>
-            </a:endParaRPr>
-          </a:p>
-        </p:txBody>
-      </p:sp>
-      <p:pic>
-        <p:nvPicPr>
-          <p:cNvPr id="101" name="Picture 100"/>
-          <p:cNvPicPr/>
-          <p:nvPr/>
-        </p:nvPicPr>
-        <p:blipFill>
-          <a:blip r:embed="rId2"/>
-          <a:stretch/>
-        </p:blipFill>
-        <p:spPr>
-          <a:xfrm>
-            <a:off x="1645920" y="1554480"/>
-            <a:ext cx="8412120" cy="4762080"/>
-          </a:xfrm>
-          <a:prstGeom prst="rect">
-            <a:avLst/>
-          </a:prstGeom>
-          <a:ln>
-            <a:noFill/>
-          </a:ln>
-        </p:spPr>
-      </p:pic>
+        <p:txBody>
+          <a:bodyPr rtlCol="0" anchor="ctr"/>
+          <a:lstStyle/>
+          <a:p>
+            <a:pPr algn="ctr"/>
+            <a:endParaRPr lang="de-DE"/>
+          </a:p>
+        </p:txBody>
+      </p:sp>
     </p:spTree>
+    <p:extLst>
+      <p:ext uri="{BB962C8B-B14F-4D97-AF65-F5344CB8AC3E}">
+        <p14:creationId xmlns:p14="http://schemas.microsoft.com/office/powerpoint/2010/main" val="691787776"/>
+      </p:ext>
+    </p:extLst>
   </p:cSld>
   <p:clrMapOvr>
     <a:masterClrMapping/>
   </p:clrMapOvr>
-  <p:timing>
-    <p:tnLst>
-      <p:par>
-        <p:cTn id="1" dur="indefinite" restart="never" nodeType="tmRoot">
-          <p:childTnLst>
-            <p:seq>
-              <p:cTn id="2" dur="indefinite" nodeType="mainSeq"/>
-              <p:prevCondLst>
-                <p:cond evt="onPrev" delay="0">
-                  <p:tgtEl>
-                    <p:sldTgt/>
-                  </p:tgtEl>
-                </p:cond>
-              </p:prevCondLst>
-              <p:nextCondLst>
-                <p:cond evt="onNext" delay="0">
-                  <p:tgtEl>
-                    <p:sldTgt/>
-                  </p:tgtEl>
-                </p:cond>
-              </p:nextCondLst>
-            </p:seq>
-          </p:childTnLst>
-        </p:cTn>
-      </p:par>
-    </p:tnLst>
-  </p:timing>
 </p:sld>
 </file>
 
@@ -8745,7 +9870,7 @@
       </p:grpSpPr>
       <p:sp>
         <p:nvSpPr>
-          <p:cNvPr id="107" name="CustomShape 1"/>
+          <p:cNvPr id="91" name="CustomShape 1"/>
           <p:cNvSpPr/>
           <p:nvPr/>
         </p:nvSpPr>
@@ -8790,7 +9915,7 @@
                 </a:solidFill>
                 <a:latin typeface="Avenir LT Std 55 Roman" panose="020B0503020203020204" pitchFamily="34" charset="0"/>
               </a:rPr>
-              <a:t>Insights SVM (linear)</a:t>
+              <a:t>Methods</a:t>
             </a:r>
             <a:endParaRPr lang="en-US" sz="4400" b="0" strike="noStrike" spc="-1" dirty="0">
               <a:latin typeface="Avenir LT Std 55 Roman" panose="020B0503020203020204" pitchFamily="34" charset="0"/>
@@ -8800,14 +9925,14 @@
       </p:sp>
       <p:sp>
         <p:nvSpPr>
-          <p:cNvPr id="108" name="CustomShape 2"/>
+          <p:cNvPr id="92" name="CustomShape 2"/>
           <p:cNvSpPr/>
           <p:nvPr/>
         </p:nvSpPr>
         <p:spPr>
           <a:xfrm>
-            <a:off x="838080" y="6356520"/>
-            <a:ext cx="2742480" cy="364320"/>
+            <a:off x="838080" y="1825560"/>
+            <a:ext cx="9860040" cy="4350600"/>
           </a:xfrm>
           <a:prstGeom prst="rect">
             <a:avLst/>
@@ -8830,7 +9955,7 @@
           <a:fontRef idx="minor"/>
         </p:style>
         <p:txBody>
-          <a:bodyPr lIns="90000" tIns="45000" rIns="90000" bIns="45000" anchor="ctr"/>
+          <a:bodyPr lIns="90000" tIns="45000" rIns="90000" bIns="45000"/>
           <a:lstStyle/>
           <a:p>
             <a:pPr>
@@ -8839,30 +9964,224 @@
               </a:lnSpc>
             </a:pPr>
             <a:r>
-              <a:rPr lang="en-US" sz="1200" b="0" strike="noStrike" spc="-1" dirty="0">
-                <a:solidFill>
-                  <a:srgbClr val="8B8B8B"/>
-                </a:solidFill>
-                <a:latin typeface="Calibri"/>
-              </a:rPr>
-              <a:t>19.12.2018</a:t>
-            </a:r>
-            <a:endParaRPr lang="en-US" sz="1200" b="0" strike="noStrike" spc="-1" dirty="0">
-              <a:latin typeface="Arial"/>
-            </a:endParaRPr>
-          </a:p>
-        </p:txBody>
-      </p:sp>
-      <p:sp>
-        <p:nvSpPr>
-          <p:cNvPr id="109" name="CustomShape 3"/>
+              <a:rPr lang="en-US" sz="2800" b="1" strike="noStrike" spc="-1" dirty="0">
+                <a:solidFill>
+                  <a:srgbClr val="000000"/>
+                </a:solidFill>
+                <a:latin typeface="Avenir LT Std 55 Roman" panose="020B0503020203020204" pitchFamily="34" charset="0"/>
+              </a:rPr>
+              <a:t>Evaluate different methods for segmentation</a:t>
+            </a:r>
+            <a:endParaRPr lang="en-US" sz="2800" b="1" strike="noStrike" spc="-1" dirty="0">
+              <a:latin typeface="Avenir LT Std 55 Roman" panose="020B0503020203020204" pitchFamily="34" charset="0"/>
+            </a:endParaRPr>
+          </a:p>
+          <a:p>
+            <a:pPr marL="457920" indent="-457200">
+              <a:lnSpc>
+                <a:spcPct val="90000"/>
+              </a:lnSpc>
+              <a:buClr>
+                <a:srgbClr val="000000"/>
+              </a:buClr>
+              <a:buFont typeface="Arial" panose="020B0604020202020204" pitchFamily="34" charset="0"/>
+              <a:buChar char="•"/>
+            </a:pPr>
+            <a:r>
+              <a:rPr lang="en-US" sz="2800" b="0" strike="noStrike" spc="-1" dirty="0">
+                <a:solidFill>
+                  <a:srgbClr val="000000"/>
+                </a:solidFill>
+                <a:latin typeface="Avenir LT Std 55 Roman" panose="020B0503020203020204" pitchFamily="34" charset="0"/>
+              </a:rPr>
+              <a:t>Random forest</a:t>
+            </a:r>
+            <a:endParaRPr lang="en-US" sz="2800" spc="-1" dirty="0">
+              <a:solidFill>
+                <a:srgbClr val="000000"/>
+              </a:solidFill>
+              <a:latin typeface="Avenir LT Std 55 Roman" panose="020B0503020203020204" pitchFamily="34" charset="0"/>
+            </a:endParaRPr>
+          </a:p>
+          <a:p>
+            <a:pPr marL="457920" indent="-457200">
+              <a:lnSpc>
+                <a:spcPct val="90000"/>
+              </a:lnSpc>
+              <a:buClr>
+                <a:srgbClr val="000000"/>
+              </a:buClr>
+              <a:buFont typeface="Arial" panose="020B0604020202020204" pitchFamily="34" charset="0"/>
+              <a:buChar char="•"/>
+            </a:pPr>
+            <a:r>
+              <a:rPr lang="en-US" sz="2800" b="0" strike="noStrike" spc="-1" dirty="0">
+                <a:solidFill>
+                  <a:srgbClr val="000000"/>
+                </a:solidFill>
+                <a:latin typeface="Avenir LT Std 55 Roman" panose="020B0503020203020204" pitchFamily="34" charset="0"/>
+              </a:rPr>
+              <a:t>Logistic regression</a:t>
+            </a:r>
+            <a:endParaRPr lang="en-US" sz="2800" spc="-1" dirty="0">
+              <a:solidFill>
+                <a:srgbClr val="000000"/>
+              </a:solidFill>
+              <a:latin typeface="Avenir LT Std 55 Roman" panose="020B0503020203020204" pitchFamily="34" charset="0"/>
+            </a:endParaRPr>
+          </a:p>
+          <a:p>
+            <a:pPr marL="457920" indent="-457200">
+              <a:lnSpc>
+                <a:spcPct val="90000"/>
+              </a:lnSpc>
+              <a:buClr>
+                <a:srgbClr val="000000"/>
+              </a:buClr>
+              <a:buFont typeface="Arial" panose="020B0604020202020204" pitchFamily="34" charset="0"/>
+              <a:buChar char="•"/>
+            </a:pPr>
+            <a:r>
+              <a:rPr lang="en-US" sz="2800" spc="-1" dirty="0">
+                <a:solidFill>
+                  <a:srgbClr val="000000"/>
+                </a:solidFill>
+                <a:latin typeface="Avenir LT Std 55 Roman" panose="020B0503020203020204" pitchFamily="34" charset="0"/>
+              </a:rPr>
+              <a:t>SVM linear</a:t>
+            </a:r>
+          </a:p>
+          <a:p>
+            <a:pPr marL="457920" indent="-457200">
+              <a:lnSpc>
+                <a:spcPct val="90000"/>
+              </a:lnSpc>
+              <a:buClr>
+                <a:srgbClr val="000000"/>
+              </a:buClr>
+              <a:buFont typeface="Arial" panose="020B0604020202020204" pitchFamily="34" charset="0"/>
+              <a:buChar char="•"/>
+            </a:pPr>
+            <a:r>
+              <a:rPr lang="en-US" sz="2800" spc="-1" dirty="0">
+                <a:solidFill>
+                  <a:srgbClr val="000000"/>
+                </a:solidFill>
+                <a:latin typeface="Avenir LT Std 55 Roman" panose="020B0503020203020204" pitchFamily="34" charset="0"/>
+              </a:rPr>
+              <a:t>SVM </a:t>
+            </a:r>
+            <a:r>
+              <a:rPr lang="en-US" sz="2800" b="0" strike="noStrike" spc="-1" dirty="0">
+                <a:solidFill>
+                  <a:srgbClr val="000000"/>
+                </a:solidFill>
+                <a:latin typeface="Avenir LT Std 55 Roman" panose="020B0503020203020204" pitchFamily="34" charset="0"/>
+              </a:rPr>
+              <a:t>linear polynomial features</a:t>
+            </a:r>
+          </a:p>
+          <a:p>
+            <a:pPr marL="457920" indent="-457200">
+              <a:lnSpc>
+                <a:spcPct val="90000"/>
+              </a:lnSpc>
+              <a:buClr>
+                <a:srgbClr val="000000"/>
+              </a:buClr>
+              <a:buFont typeface="Arial" panose="020B0604020202020204" pitchFamily="34" charset="0"/>
+              <a:buChar char="•"/>
+            </a:pPr>
+            <a:r>
+              <a:rPr lang="en-US" sz="2800" b="0" strike="noStrike" spc="-1" dirty="0">
+                <a:solidFill>
+                  <a:srgbClr val="000000"/>
+                </a:solidFill>
+                <a:latin typeface="Avenir LT Std 55 Roman" panose="020B0503020203020204" pitchFamily="34" charset="0"/>
+              </a:rPr>
+              <a:t>SVM </a:t>
+            </a:r>
+            <a:r>
+              <a:rPr lang="en-US" sz="2800" b="0" strike="noStrike" spc="-1" dirty="0" err="1">
+                <a:solidFill>
+                  <a:srgbClr val="000000"/>
+                </a:solidFill>
+                <a:latin typeface="Avenir LT Std 55 Roman" panose="020B0503020203020204" pitchFamily="34" charset="0"/>
+              </a:rPr>
+              <a:t>rbf</a:t>
+            </a:r>
+            <a:endParaRPr lang="en-US" sz="2800" b="0" strike="noStrike" spc="-1" dirty="0">
+              <a:latin typeface="Avenir LT Std 55 Roman" panose="020B0503020203020204" pitchFamily="34" charset="0"/>
+            </a:endParaRPr>
+          </a:p>
+          <a:p>
+            <a:pPr>
+              <a:lnSpc>
+                <a:spcPct val="90000"/>
+              </a:lnSpc>
+            </a:pPr>
+            <a:endParaRPr lang="en-US" sz="2800" b="0" strike="noStrike" spc="-1" dirty="0">
+              <a:latin typeface="Avenir LT Std 55 Roman" panose="020B0503020203020204" pitchFamily="34" charset="0"/>
+            </a:endParaRPr>
+          </a:p>
+          <a:p>
+            <a:pPr>
+              <a:lnSpc>
+                <a:spcPct val="90000"/>
+              </a:lnSpc>
+            </a:pPr>
+            <a:r>
+              <a:rPr lang="en-US" sz="2800" b="1" strike="noStrike" spc="-1" dirty="0">
+                <a:latin typeface="Avenir LT Std 55 Roman" panose="020B0503020203020204" pitchFamily="34" charset="0"/>
+              </a:rPr>
+              <a:t>Approach</a:t>
+            </a:r>
+          </a:p>
+          <a:p>
+            <a:pPr marL="457200" indent="-457200">
+              <a:lnSpc>
+                <a:spcPct val="90000"/>
+              </a:lnSpc>
+              <a:buFont typeface="Arial" panose="020B0604020202020204" pitchFamily="34" charset="0"/>
+              <a:buChar char="•"/>
+            </a:pPr>
+            <a:r>
+              <a:rPr lang="en-US" sz="2800" b="0" strike="noStrike" spc="-1" dirty="0">
+                <a:latin typeface="Avenir LT Std 55 Roman" panose="020B0503020203020204" pitchFamily="34" charset="0"/>
+              </a:rPr>
+              <a:t>Balance training samples per class</a:t>
+            </a:r>
+          </a:p>
+          <a:p>
+            <a:pPr marL="457200" indent="-457200">
+              <a:lnSpc>
+                <a:spcPct val="90000"/>
+              </a:lnSpc>
+              <a:buFont typeface="Arial" panose="020B0604020202020204" pitchFamily="34" charset="0"/>
+              <a:buChar char="•"/>
+            </a:pPr>
+            <a:r>
+              <a:rPr lang="en-US" sz="2800" spc="-1" dirty="0">
+                <a:latin typeface="Avenir LT Std 55 Roman" panose="020B0503020203020204" pitchFamily="34" charset="0"/>
+              </a:rPr>
+              <a:t>Adjust training samples with respect to training images</a:t>
+            </a:r>
+            <a:endParaRPr lang="en-US" sz="2800" b="0" strike="noStrike" spc="-1" dirty="0">
+              <a:latin typeface="Avenir LT Std 55 Roman" panose="020B0503020203020204" pitchFamily="34" charset="0"/>
+            </a:endParaRPr>
+          </a:p>
+        </p:txBody>
+      </p:sp>
+      <p:sp>
+        <p:nvSpPr>
+          <p:cNvPr id="93" name="CustomShape 3"/>
           <p:cNvSpPr/>
           <p:nvPr/>
         </p:nvSpPr>
         <p:spPr>
           <a:xfrm>
-            <a:off x="4038480" y="6356520"/>
-            <a:ext cx="4114080" cy="364320"/>
+            <a:off x="838080" y="6356520"/>
+            <a:ext cx="2742480" cy="364320"/>
           </a:xfrm>
           <a:prstGeom prst="rect">
             <a:avLst/>
@@ -8888,36 +10207,36 @@
           <a:bodyPr lIns="90000" tIns="45000" rIns="90000" bIns="45000" anchor="ctr"/>
           <a:lstStyle/>
           <a:p>
-            <a:pPr algn="ctr">
+            <a:pPr>
               <a:lnSpc>
                 <a:spcPct val="100000"/>
               </a:lnSpc>
             </a:pPr>
             <a:r>
-              <a:rPr lang="en-US" sz="1200" b="0" strike="noStrike" spc="-1">
+              <a:rPr lang="en-US" sz="1200" b="0" strike="noStrike" spc="-1" dirty="0">
                 <a:solidFill>
                   <a:srgbClr val="8B8B8B"/>
                 </a:solidFill>
                 <a:latin typeface="Calibri"/>
               </a:rPr>
-              <a:t>Segmentation of brain tissues</a:t>
-            </a:r>
-            <a:endParaRPr lang="en-US" sz="1200" b="0" strike="noStrike" spc="-1">
-              <a:latin typeface="Arial"/>
-            </a:endParaRPr>
-          </a:p>
-        </p:txBody>
-      </p:sp>
-      <p:sp>
-        <p:nvSpPr>
-          <p:cNvPr id="110" name="CustomShape 4"/>
+              <a:t>19.12.2018</a:t>
+            </a:r>
+            <a:endParaRPr lang="en-US" sz="1200" b="0" strike="noStrike" spc="-1" dirty="0">
+              <a:latin typeface="Arial"/>
+            </a:endParaRPr>
+          </a:p>
+        </p:txBody>
+      </p:sp>
+      <p:sp>
+        <p:nvSpPr>
+          <p:cNvPr id="94" name="CustomShape 4"/>
           <p:cNvSpPr/>
           <p:nvPr/>
         </p:nvSpPr>
         <p:spPr>
           <a:xfrm>
-            <a:off x="8610480" y="6356520"/>
-            <a:ext cx="2742480" cy="364320"/>
+            <a:off x="4038480" y="6356520"/>
+            <a:ext cx="4114080" cy="364320"/>
           </a:xfrm>
           <a:prstGeom prst="rect">
             <a:avLst/>
@@ -8943,20 +10262,20 @@
           <a:bodyPr lIns="90000" tIns="45000" rIns="90000" bIns="45000" anchor="ctr"/>
           <a:lstStyle/>
           <a:p>
-            <a:pPr algn="r">
+            <a:pPr algn="ctr">
               <a:lnSpc>
                 <a:spcPct val="100000"/>
               </a:lnSpc>
             </a:pPr>
-            <a:fld id="{D2A93C0C-1332-46CD-B6BD-9BF46A5834A3}" type="slidenum">
+            <a:r>
               <a:rPr lang="en-US" sz="1200" b="0" strike="noStrike" spc="-1">
                 <a:solidFill>
                   <a:srgbClr val="8B8B8B"/>
                 </a:solidFill>
                 <a:latin typeface="Calibri"/>
               </a:rPr>
-              <a:t>7</a:t>
-            </a:fld>
+              <a:t>Segmentation of brain tissues</a:t>
+            </a:r>
             <a:endParaRPr lang="en-US" sz="1200" b="0" strike="noStrike" spc="-1">
               <a:latin typeface="Arial"/>
             </a:endParaRPr>
@@ -8965,14 +10284,14 @@
       </p:sp>
       <p:sp>
         <p:nvSpPr>
-          <p:cNvPr id="111" name="CustomShape 5"/>
+          <p:cNvPr id="95" name="CustomShape 5"/>
           <p:cNvSpPr/>
           <p:nvPr/>
         </p:nvSpPr>
         <p:spPr>
           <a:xfrm>
-            <a:off x="914400" y="4846320"/>
-            <a:ext cx="2559960" cy="857880"/>
+            <a:off x="8610480" y="6356520"/>
+            <a:ext cx="2742480" cy="364320"/>
           </a:xfrm>
           <a:prstGeom prst="rect">
             <a:avLst/>
@@ -8995,305 +10314,35 @@
           <a:fontRef idx="minor"/>
         </p:style>
         <p:txBody>
-          <a:bodyPr lIns="90000" tIns="45000" rIns="90000" bIns="45000"/>
-          <a:lstStyle/>
-          <a:p>
-            <a:pPr>
+          <a:bodyPr lIns="90000" tIns="45000" rIns="90000" bIns="45000" anchor="ctr"/>
+          <a:lstStyle/>
+          <a:p>
+            <a:pPr algn="r">
               <a:lnSpc>
                 <a:spcPct val="100000"/>
               </a:lnSpc>
             </a:pPr>
-            <a:r>
-              <a:rPr lang="en-US" sz="1800" b="0" strike="noStrike" spc="-1">
-                <a:solidFill>
-                  <a:srgbClr val="000000"/>
-                </a:solidFill>
-                <a:latin typeface="Avenir LT Std 55 Roman" panose="020B0503020203020204" pitchFamily="34" charset="0"/>
-              </a:rPr>
-              <a:t>Same features as RF</a:t>
-            </a:r>
-            <a:endParaRPr lang="en-US" sz="1800" b="0" strike="noStrike" spc="-1">
-              <a:latin typeface="Avenir LT Std 55 Roman" panose="020B0503020203020204" pitchFamily="34" charset="0"/>
-            </a:endParaRPr>
-          </a:p>
-          <a:p>
-            <a:pPr>
-              <a:lnSpc>
-                <a:spcPct val="100000"/>
-              </a:lnSpc>
-            </a:pPr>
-            <a:r>
-              <a:rPr lang="en-US" sz="1800" b="0" strike="noStrike" spc="-1">
-                <a:solidFill>
-                  <a:srgbClr val="000000"/>
-                </a:solidFill>
-                <a:latin typeface="Avenir LT Std 55 Roman" panose="020B0503020203020204" pitchFamily="34" charset="0"/>
-              </a:rPr>
-              <a:t>→ intensity feature</a:t>
-            </a:r>
-            <a:endParaRPr lang="en-US" sz="1800" b="0" strike="noStrike" spc="-1">
-              <a:latin typeface="Avenir LT Std 55 Roman" panose="020B0503020203020204" pitchFamily="34" charset="0"/>
-            </a:endParaRPr>
-          </a:p>
-        </p:txBody>
-      </p:sp>
-      <p:sp>
-        <p:nvSpPr>
-          <p:cNvPr id="112" name="CustomShape 6"/>
-          <p:cNvSpPr/>
-          <p:nvPr/>
-        </p:nvSpPr>
-        <p:spPr>
-          <a:xfrm>
-            <a:off x="4023360" y="4846320"/>
-            <a:ext cx="2559960" cy="601920"/>
-          </a:xfrm>
-          <a:prstGeom prst="rect">
-            <a:avLst/>
-          </a:prstGeom>
-          <a:noFill/>
-          <a:ln>
-            <a:noFill/>
-          </a:ln>
-        </p:spPr>
-        <p:style>
-          <a:lnRef idx="0">
-            <a:scrgbClr r="0" g="0" b="0"/>
-          </a:lnRef>
-          <a:fillRef idx="0">
-            <a:scrgbClr r="0" g="0" b="0"/>
-          </a:fillRef>
-          <a:effectRef idx="0">
-            <a:scrgbClr r="0" g="0" b="0"/>
-          </a:effectRef>
-          <a:fontRef idx="minor"/>
-        </p:style>
-        <p:txBody>
-          <a:bodyPr lIns="90000" tIns="45000" rIns="90000" bIns="45000"/>
-          <a:lstStyle/>
-          <a:p>
-            <a:pPr>
-              <a:lnSpc>
-                <a:spcPct val="100000"/>
-              </a:lnSpc>
-            </a:pPr>
-            <a:r>
-              <a:rPr lang="en-US" sz="1800" b="0" strike="noStrike" spc="-1">
-                <a:solidFill>
-                  <a:srgbClr val="000000"/>
-                </a:solidFill>
-                <a:latin typeface="Avenir LT Std 55 Roman" panose="020B0503020203020204" pitchFamily="34" charset="0"/>
-              </a:rPr>
-              <a:t>Balanced samples</a:t>
-            </a:r>
-            <a:endParaRPr lang="en-US" sz="1800" b="0" strike="noStrike" spc="-1">
-              <a:latin typeface="Avenir LT Std 55 Roman" panose="020B0503020203020204" pitchFamily="34" charset="0"/>
-            </a:endParaRPr>
-          </a:p>
-          <a:p>
-            <a:pPr>
-              <a:lnSpc>
-                <a:spcPct val="100000"/>
-              </a:lnSpc>
-            </a:pPr>
-            <a:r>
-              <a:rPr lang="en-US" sz="1800" b="0" strike="noStrike" spc="-1">
-                <a:solidFill>
-                  <a:srgbClr val="000000"/>
-                </a:solidFill>
-                <a:latin typeface="Avenir LT Std 55 Roman" panose="020B0503020203020204" pitchFamily="34" charset="0"/>
-              </a:rPr>
-              <a:t>→ intensity feature</a:t>
-            </a:r>
-            <a:endParaRPr lang="en-US" sz="1800" b="0" strike="noStrike" spc="-1">
-              <a:latin typeface="Avenir LT Std 55 Roman" panose="020B0503020203020204" pitchFamily="34" charset="0"/>
-            </a:endParaRPr>
-          </a:p>
-          <a:p>
-            <a:pPr>
-              <a:lnSpc>
-                <a:spcPct val="100000"/>
-              </a:lnSpc>
-            </a:pPr>
-            <a:r>
-              <a:rPr lang="en-US" sz="1800" b="0" strike="noStrike" spc="-1">
-                <a:solidFill>
-                  <a:srgbClr val="000000"/>
-                </a:solidFill>
-                <a:latin typeface="Avenir LT Std 55 Roman" panose="020B0503020203020204" pitchFamily="34" charset="0"/>
-              </a:rPr>
-              <a:t>→ small structures important</a:t>
-            </a:r>
-            <a:endParaRPr lang="en-US" sz="1800" b="0" strike="noStrike" spc="-1">
-              <a:latin typeface="Avenir LT Std 55 Roman" panose="020B0503020203020204" pitchFamily="34" charset="0"/>
-            </a:endParaRPr>
-          </a:p>
-        </p:txBody>
-      </p:sp>
-      <p:sp>
-        <p:nvSpPr>
-          <p:cNvPr id="113" name="CustomShape 7"/>
-          <p:cNvSpPr/>
-          <p:nvPr/>
-        </p:nvSpPr>
-        <p:spPr>
-          <a:xfrm>
-            <a:off x="6949440" y="4846320"/>
-            <a:ext cx="3108960" cy="857880"/>
-          </a:xfrm>
-          <a:prstGeom prst="rect">
-            <a:avLst/>
-          </a:prstGeom>
-          <a:noFill/>
-          <a:ln>
-            <a:noFill/>
-          </a:ln>
-        </p:spPr>
-        <p:style>
-          <a:lnRef idx="0">
-            <a:scrgbClr r="0" g="0" b="0"/>
-          </a:lnRef>
-          <a:fillRef idx="0">
-            <a:scrgbClr r="0" g="0" b="0"/>
-          </a:fillRef>
-          <a:effectRef idx="0">
-            <a:scrgbClr r="0" g="0" b="0"/>
-          </a:effectRef>
-          <a:fontRef idx="minor"/>
-        </p:style>
-        <p:txBody>
-          <a:bodyPr lIns="90000" tIns="45000" rIns="90000" bIns="45000"/>
-          <a:lstStyle/>
-          <a:p>
-            <a:pPr>
-              <a:lnSpc>
-                <a:spcPct val="100000"/>
-              </a:lnSpc>
-            </a:pPr>
-            <a:r>
-              <a:rPr lang="en-US" sz="1800" b="0" strike="noStrike" spc="-1" dirty="0">
-                <a:solidFill>
-                  <a:srgbClr val="000000"/>
-                </a:solidFill>
-                <a:latin typeface="Avenir LT Std 55 Roman" panose="020B0503020203020204" pitchFamily="34" charset="0"/>
-              </a:rPr>
-              <a:t>Second order coordinates</a:t>
-            </a:r>
-            <a:endParaRPr lang="en-US" sz="1800" b="0" strike="noStrike" spc="-1" dirty="0">
-              <a:latin typeface="Avenir LT Std 55 Roman" panose="020B0503020203020204" pitchFamily="34" charset="0"/>
-            </a:endParaRPr>
-          </a:p>
-          <a:p>
-            <a:pPr>
-              <a:lnSpc>
-                <a:spcPct val="100000"/>
-              </a:lnSpc>
-            </a:pPr>
-            <a:r>
-              <a:rPr lang="en-US" sz="1800" b="0" strike="noStrike" spc="-1" dirty="0">
-                <a:solidFill>
-                  <a:srgbClr val="000000"/>
-                </a:solidFill>
-                <a:latin typeface="Avenir LT Std 55 Roman" panose="020B0503020203020204" pitchFamily="34" charset="0"/>
-              </a:rPr>
-              <a:t>→ position feature important</a:t>
-            </a:r>
-            <a:endParaRPr lang="en-US" sz="1800" b="0" strike="noStrike" spc="-1" dirty="0">
-              <a:latin typeface="Avenir LT Std 55 Roman" panose="020B0503020203020204" pitchFamily="34" charset="0"/>
-            </a:endParaRPr>
-          </a:p>
-          <a:p>
-            <a:pPr>
-              <a:lnSpc>
-                <a:spcPct val="100000"/>
-              </a:lnSpc>
-            </a:pPr>
-            <a:r>
-              <a:rPr lang="en-US" sz="1800" b="0" strike="noStrike" spc="-1" dirty="0">
-                <a:solidFill>
-                  <a:srgbClr val="000000"/>
-                </a:solidFill>
-                <a:latin typeface="Avenir LT Std 55 Roman" panose="020B0503020203020204" pitchFamily="34" charset="0"/>
-              </a:rPr>
-              <a:t>→ complex boundaries require high order terms</a:t>
-            </a:r>
-            <a:endParaRPr lang="en-US" sz="1800" b="0" strike="noStrike" spc="-1" dirty="0">
-              <a:latin typeface="Avenir LT Std 55 Roman" panose="020B0503020203020204" pitchFamily="34" charset="0"/>
-            </a:endParaRPr>
-          </a:p>
-        </p:txBody>
-      </p:sp>
-      <p:pic>
-        <p:nvPicPr>
-          <p:cNvPr id="114" name="Picture 113"/>
-          <p:cNvPicPr/>
-          <p:nvPr/>
-        </p:nvPicPr>
-        <p:blipFill>
-          <a:blip r:embed="rId2"/>
-          <a:stretch/>
-        </p:blipFill>
-        <p:spPr>
-          <a:xfrm>
-            <a:off x="3931920" y="1730520"/>
-            <a:ext cx="2900160" cy="2841480"/>
-          </a:xfrm>
-          <a:prstGeom prst="rect">
-            <a:avLst/>
-          </a:prstGeom>
-          <a:ln>
-            <a:noFill/>
-          </a:ln>
-        </p:spPr>
-      </p:pic>
-      <p:pic>
-        <p:nvPicPr>
-          <p:cNvPr id="115" name="Picture 114"/>
-          <p:cNvPicPr/>
-          <p:nvPr/>
-        </p:nvPicPr>
-        <p:blipFill>
-          <a:blip r:embed="rId3"/>
-          <a:stretch/>
-        </p:blipFill>
-        <p:spPr>
-          <a:xfrm>
-            <a:off x="838080" y="1740960"/>
-            <a:ext cx="2849040" cy="2831040"/>
-          </a:xfrm>
-          <a:prstGeom prst="rect">
-            <a:avLst/>
-          </a:prstGeom>
-          <a:ln>
-            <a:noFill/>
-          </a:ln>
-        </p:spPr>
-      </p:pic>
-      <p:pic>
-        <p:nvPicPr>
-          <p:cNvPr id="116" name="Picture 115"/>
-          <p:cNvPicPr/>
-          <p:nvPr/>
-        </p:nvPicPr>
-        <p:blipFill>
-          <a:blip r:embed="rId4"/>
-          <a:srcRect l="14223"/>
-          <a:stretch/>
-        </p:blipFill>
-        <p:spPr>
-          <a:xfrm>
-            <a:off x="7223760" y="1737360"/>
-            <a:ext cx="2468880" cy="2820240"/>
-          </a:xfrm>
-          <a:prstGeom prst="rect">
-            <a:avLst/>
-          </a:prstGeom>
-          <a:ln>
-            <a:noFill/>
-          </a:ln>
-        </p:spPr>
-      </p:pic>
+            <a:fld id="{B9191E88-92AF-41E1-AE11-D30D0F798FDD}" type="slidenum">
+              <a:rPr lang="en-US" sz="1200" b="0" strike="noStrike" spc="-1">
+                <a:solidFill>
+                  <a:srgbClr val="8B8B8B"/>
+                </a:solidFill>
+                <a:latin typeface="Calibri"/>
+              </a:rPr>
+              <a:t>7</a:t>
+            </a:fld>
+            <a:endParaRPr lang="en-US" sz="1200" b="0" strike="noStrike" spc="-1">
+              <a:latin typeface="Arial"/>
+            </a:endParaRPr>
+          </a:p>
+        </p:txBody>
+      </p:sp>
     </p:spTree>
+    <p:extLst>
+      <p:ext uri="{BB962C8B-B14F-4D97-AF65-F5344CB8AC3E}">
+        <p14:creationId xmlns:p14="http://schemas.microsoft.com/office/powerpoint/2010/main" val="2665624775"/>
+      </p:ext>
+    </p:extLst>
   </p:cSld>
   <p:clrMapOvr>
     <a:masterClrMapping/>
@@ -9347,7 +10396,7 @@
       </p:grpSpPr>
       <p:sp>
         <p:nvSpPr>
-          <p:cNvPr id="117" name="CustomShape 1"/>
+          <p:cNvPr id="96" name="CustomShape 1"/>
           <p:cNvSpPr/>
           <p:nvPr/>
         </p:nvSpPr>
@@ -9392,25 +10441,7 @@
                 </a:solidFill>
                 <a:latin typeface="Avenir LT Std 55 Roman" panose="020B0503020203020204" pitchFamily="34" charset="0"/>
               </a:rPr>
-              <a:t>Insights SVM (</a:t>
-            </a:r>
-            <a:r>
-              <a:rPr lang="en-US" sz="4400" b="1" strike="noStrike" spc="-1" dirty="0" err="1">
-                <a:solidFill>
-                  <a:srgbClr val="000000"/>
-                </a:solidFill>
-                <a:latin typeface="Avenir LT Std 55 Roman" panose="020B0503020203020204" pitchFamily="34" charset="0"/>
-              </a:rPr>
-              <a:t>rbf</a:t>
-            </a:r>
-            <a:r>
-              <a:rPr lang="en-US" sz="4400" b="1" strike="noStrike" spc="-1" dirty="0">
-                <a:solidFill>
-                  <a:srgbClr val="000000"/>
-                </a:solidFill>
-                <a:latin typeface="Avenir LT Std 55 Roman" panose="020B0503020203020204" pitchFamily="34" charset="0"/>
-              </a:rPr>
-              <a:t>)</a:t>
+              <a:t>Results / Discussion</a:t>
             </a:r>
             <a:endParaRPr lang="en-US" sz="4400" b="0" strike="noStrike" spc="-1" dirty="0">
               <a:latin typeface="Avenir LT Std 55 Roman" panose="020B0503020203020204" pitchFamily="34" charset="0"/>
@@ -9420,14 +10451,14 @@
       </p:sp>
       <p:sp>
         <p:nvSpPr>
-          <p:cNvPr id="118" name="CustomShape 2"/>
+          <p:cNvPr id="97" name="CustomShape 2"/>
           <p:cNvSpPr/>
           <p:nvPr/>
         </p:nvSpPr>
         <p:spPr>
           <a:xfrm>
-            <a:off x="838080" y="6356520"/>
-            <a:ext cx="2742480" cy="364320"/>
+            <a:off x="838080" y="1825560"/>
+            <a:ext cx="9033120" cy="4350600"/>
           </a:xfrm>
           <a:prstGeom prst="rect">
             <a:avLst/>
@@ -9449,40 +10480,17 @@
           </a:effectRef>
           <a:fontRef idx="minor"/>
         </p:style>
-        <p:txBody>
-          <a:bodyPr lIns="90000" tIns="45000" rIns="90000" bIns="45000" anchor="ctr"/>
-          <a:lstStyle/>
-          <a:p>
-            <a:pPr>
-              <a:lnSpc>
-                <a:spcPct val="100000"/>
-              </a:lnSpc>
-            </a:pPr>
-            <a:r>
-              <a:rPr lang="en-US" sz="1200" b="0" strike="noStrike" spc="-1" dirty="0">
-                <a:solidFill>
-                  <a:srgbClr val="8B8B8B"/>
-                </a:solidFill>
-                <a:latin typeface="Calibri"/>
-              </a:rPr>
-              <a:t>19.12.2018</a:t>
-            </a:r>
-            <a:endParaRPr lang="en-US" sz="1200" b="0" strike="noStrike" spc="-1" dirty="0">
-              <a:latin typeface="Arial"/>
-            </a:endParaRPr>
-          </a:p>
-        </p:txBody>
-      </p:sp>
-      <p:sp>
-        <p:nvSpPr>
-          <p:cNvPr id="119" name="CustomShape 3"/>
+      </p:sp>
+      <p:sp>
+        <p:nvSpPr>
+          <p:cNvPr id="98" name="CustomShape 3"/>
           <p:cNvSpPr/>
           <p:nvPr/>
         </p:nvSpPr>
         <p:spPr>
           <a:xfrm>
-            <a:off x="4038480" y="6356520"/>
-            <a:ext cx="4114080" cy="364320"/>
+            <a:off x="838080" y="6356520"/>
+            <a:ext cx="2742480" cy="364320"/>
           </a:xfrm>
           <a:prstGeom prst="rect">
             <a:avLst/>
@@ -9508,36 +10516,36 @@
           <a:bodyPr lIns="90000" tIns="45000" rIns="90000" bIns="45000" anchor="ctr"/>
           <a:lstStyle/>
           <a:p>
-            <a:pPr algn="ctr">
+            <a:pPr>
               <a:lnSpc>
                 <a:spcPct val="100000"/>
               </a:lnSpc>
             </a:pPr>
             <a:r>
-              <a:rPr lang="en-US" sz="1200" b="0" strike="noStrike" spc="-1">
+              <a:rPr lang="en-US" sz="1200" b="0" strike="noStrike" spc="-1" dirty="0">
                 <a:solidFill>
                   <a:srgbClr val="8B8B8B"/>
                 </a:solidFill>
                 <a:latin typeface="Calibri"/>
               </a:rPr>
-              <a:t>Segmentation of brain tissues</a:t>
-            </a:r>
-            <a:endParaRPr lang="en-US" sz="1200" b="0" strike="noStrike" spc="-1">
-              <a:latin typeface="Arial"/>
-            </a:endParaRPr>
-          </a:p>
-        </p:txBody>
-      </p:sp>
-      <p:sp>
-        <p:nvSpPr>
-          <p:cNvPr id="120" name="CustomShape 4"/>
+              <a:t>19.12.2018</a:t>
+            </a:r>
+            <a:endParaRPr lang="en-US" sz="1200" b="0" strike="noStrike" spc="-1" dirty="0">
+              <a:latin typeface="Arial"/>
+            </a:endParaRPr>
+          </a:p>
+        </p:txBody>
+      </p:sp>
+      <p:sp>
+        <p:nvSpPr>
+          <p:cNvPr id="99" name="CustomShape 4"/>
           <p:cNvSpPr/>
           <p:nvPr/>
         </p:nvSpPr>
         <p:spPr>
           <a:xfrm>
-            <a:off x="8610480" y="6356520"/>
-            <a:ext cx="2742480" cy="364320"/>
+            <a:off x="4038480" y="6356520"/>
+            <a:ext cx="4114080" cy="364320"/>
           </a:xfrm>
           <a:prstGeom prst="rect">
             <a:avLst/>
@@ -9563,12 +10571,67 @@
           <a:bodyPr lIns="90000" tIns="45000" rIns="90000" bIns="45000" anchor="ctr"/>
           <a:lstStyle/>
           <a:p>
+            <a:pPr algn="ctr">
+              <a:lnSpc>
+                <a:spcPct val="100000"/>
+              </a:lnSpc>
+            </a:pPr>
+            <a:r>
+              <a:rPr lang="en-US" sz="1200" b="0" strike="noStrike" spc="-1">
+                <a:solidFill>
+                  <a:srgbClr val="8B8B8B"/>
+                </a:solidFill>
+                <a:latin typeface="Calibri"/>
+              </a:rPr>
+              <a:t>Segmentation of brain tissues</a:t>
+            </a:r>
+            <a:endParaRPr lang="en-US" sz="1200" b="0" strike="noStrike" spc="-1">
+              <a:latin typeface="Arial"/>
+            </a:endParaRPr>
+          </a:p>
+        </p:txBody>
+      </p:sp>
+      <p:sp>
+        <p:nvSpPr>
+          <p:cNvPr id="100" name="CustomShape 5"/>
+          <p:cNvSpPr/>
+          <p:nvPr/>
+        </p:nvSpPr>
+        <p:spPr>
+          <a:xfrm>
+            <a:off x="8610480" y="6356520"/>
+            <a:ext cx="2742480" cy="364320"/>
+          </a:xfrm>
+          <a:prstGeom prst="rect">
+            <a:avLst/>
+          </a:prstGeom>
+          <a:noFill/>
+          <a:ln>
+            <a:noFill/>
+          </a:ln>
+        </p:spPr>
+        <p:style>
+          <a:lnRef idx="0">
+            <a:scrgbClr r="0" g="0" b="0"/>
+          </a:lnRef>
+          <a:fillRef idx="0">
+            <a:scrgbClr r="0" g="0" b="0"/>
+          </a:fillRef>
+          <a:effectRef idx="0">
+            <a:scrgbClr r="0" g="0" b="0"/>
+          </a:effectRef>
+          <a:fontRef idx="minor"/>
+        </p:style>
+        <p:txBody>
+          <a:bodyPr lIns="90000" tIns="45000" rIns="90000" bIns="45000" anchor="ctr"/>
+          <a:lstStyle/>
+          <a:p>
             <a:pPr algn="r">
               <a:lnSpc>
                 <a:spcPct val="100000"/>
               </a:lnSpc>
             </a:pPr>
-            <a:fld id="{740A2700-9FB7-44D0-8D6A-E825D3A9ECFD}" type="slidenum">
+            <a:fld id="{A5C98420-BB98-48B4-A644-4A7D40222D46}" type="slidenum">
               <a:rPr lang="en-US" sz="1200" b="0" strike="noStrike" spc="-1">
                 <a:solidFill>
                   <a:srgbClr val="8B8B8B"/>
@@ -9585,7 +10648,7 @@
       </p:sp>
       <p:pic>
         <p:nvPicPr>
-          <p:cNvPr id="121" name="Picture 120"/>
+          <p:cNvPr id="101" name="Picture 100"/>
           <p:cNvPicPr/>
           <p:nvPr/>
         </p:nvPicPr>
@@ -9595,8 +10658,8 @@
         </p:blipFill>
         <p:spPr>
           <a:xfrm>
-            <a:off x="849240" y="1763640"/>
-            <a:ext cx="2899440" cy="2899440"/>
+            <a:off x="1645920" y="1554480"/>
+            <a:ext cx="8412120" cy="4762080"/>
           </a:xfrm>
           <a:prstGeom prst="rect">
             <a:avLst/>
@@ -9606,274 +10669,6 @@
           </a:ln>
         </p:spPr>
       </p:pic>
-      <p:pic>
-        <p:nvPicPr>
-          <p:cNvPr id="122" name="Picture 121"/>
-          <p:cNvPicPr/>
-          <p:nvPr/>
-        </p:nvPicPr>
-        <p:blipFill>
-          <a:blip r:embed="rId3"/>
-          <a:stretch/>
-        </p:blipFill>
-        <p:spPr>
-          <a:xfrm>
-            <a:off x="6792840" y="1763640"/>
-            <a:ext cx="2899440" cy="2899440"/>
-          </a:xfrm>
-          <a:prstGeom prst="rect">
-            <a:avLst/>
-          </a:prstGeom>
-          <a:ln>
-            <a:noFill/>
-          </a:ln>
-        </p:spPr>
-      </p:pic>
-      <p:pic>
-        <p:nvPicPr>
-          <p:cNvPr id="123" name="Picture 122"/>
-          <p:cNvPicPr/>
-          <p:nvPr/>
-        </p:nvPicPr>
-        <p:blipFill>
-          <a:blip r:embed="rId4"/>
-          <a:stretch/>
-        </p:blipFill>
-        <p:spPr>
-          <a:xfrm>
-            <a:off x="3823560" y="1753560"/>
-            <a:ext cx="2899440" cy="2899440"/>
-          </a:xfrm>
-          <a:prstGeom prst="rect">
-            <a:avLst/>
-          </a:prstGeom>
-          <a:ln>
-            <a:noFill/>
-          </a:ln>
-        </p:spPr>
-      </p:pic>
-      <p:sp>
-        <p:nvSpPr>
-          <p:cNvPr id="124" name="CustomShape 5"/>
-          <p:cNvSpPr/>
-          <p:nvPr/>
-        </p:nvSpPr>
-        <p:spPr>
-          <a:xfrm>
-            <a:off x="914400" y="4846320"/>
-            <a:ext cx="2559960" cy="857880"/>
-          </a:xfrm>
-          <a:prstGeom prst="rect">
-            <a:avLst/>
-          </a:prstGeom>
-          <a:noFill/>
-          <a:ln>
-            <a:noFill/>
-          </a:ln>
-        </p:spPr>
-        <p:style>
-          <a:lnRef idx="0">
-            <a:scrgbClr r="0" g="0" b="0"/>
-          </a:lnRef>
-          <a:fillRef idx="0">
-            <a:scrgbClr r="0" g="0" b="0"/>
-          </a:fillRef>
-          <a:effectRef idx="0">
-            <a:scrgbClr r="0" g="0" b="0"/>
-          </a:effectRef>
-          <a:fontRef idx="minor"/>
-        </p:style>
-        <p:txBody>
-          <a:bodyPr lIns="90000" tIns="45000" rIns="90000" bIns="45000"/>
-          <a:lstStyle/>
-          <a:p>
-            <a:pPr>
-              <a:lnSpc>
-                <a:spcPct val="100000"/>
-              </a:lnSpc>
-            </a:pPr>
-            <a:r>
-              <a:rPr lang="en-US" sz="1800" b="0" strike="noStrike" spc="-1">
-                <a:solidFill>
-                  <a:srgbClr val="000000"/>
-                </a:solidFill>
-                <a:latin typeface="Avenir LT Std 55 Roman" panose="020B0503020203020204" pitchFamily="34" charset="0"/>
-              </a:rPr>
-              <a:t>C=5, G=0.3</a:t>
-            </a:r>
-            <a:endParaRPr lang="en-US" sz="1800" b="0" strike="noStrike" spc="-1">
-              <a:latin typeface="Avenir LT Std 55 Roman" panose="020B0503020203020204" pitchFamily="34" charset="0"/>
-            </a:endParaRPr>
-          </a:p>
-          <a:p>
-            <a:pPr>
-              <a:lnSpc>
-                <a:spcPct val="100000"/>
-              </a:lnSpc>
-            </a:pPr>
-            <a:r>
-              <a:rPr lang="en-US" sz="1800" b="0" strike="noStrike" spc="-1">
-                <a:solidFill>
-                  <a:srgbClr val="000000"/>
-                </a:solidFill>
-                <a:latin typeface="Avenir LT Std 55 Roman" panose="020B0503020203020204" pitchFamily="34" charset="0"/>
-              </a:rPr>
-              <a:t>Oversegmentation of small structures</a:t>
-            </a:r>
-            <a:endParaRPr lang="en-US" sz="1800" b="0" strike="noStrike" spc="-1">
-              <a:latin typeface="Avenir LT Std 55 Roman" panose="020B0503020203020204" pitchFamily="34" charset="0"/>
-            </a:endParaRPr>
-          </a:p>
-        </p:txBody>
-      </p:sp>
-      <p:sp>
-        <p:nvSpPr>
-          <p:cNvPr id="125" name="CustomShape 6"/>
-          <p:cNvSpPr/>
-          <p:nvPr/>
-        </p:nvSpPr>
-        <p:spPr>
-          <a:xfrm>
-            <a:off x="4023360" y="4846320"/>
-            <a:ext cx="2559960" cy="601920"/>
-          </a:xfrm>
-          <a:prstGeom prst="rect">
-            <a:avLst/>
-          </a:prstGeom>
-          <a:noFill/>
-          <a:ln>
-            <a:noFill/>
-          </a:ln>
-        </p:spPr>
-        <p:style>
-          <a:lnRef idx="0">
-            <a:scrgbClr r="0" g="0" b="0"/>
-          </a:lnRef>
-          <a:fillRef idx="0">
-            <a:scrgbClr r="0" g="0" b="0"/>
-          </a:fillRef>
-          <a:effectRef idx="0">
-            <a:scrgbClr r="0" g="0" b="0"/>
-          </a:effectRef>
-          <a:fontRef idx="minor"/>
-        </p:style>
-        <p:txBody>
-          <a:bodyPr lIns="90000" tIns="45000" rIns="90000" bIns="45000"/>
-          <a:lstStyle/>
-          <a:p>
-            <a:pPr>
-              <a:lnSpc>
-                <a:spcPct val="100000"/>
-              </a:lnSpc>
-            </a:pPr>
-            <a:r>
-              <a:rPr lang="en-US" sz="1800" b="0" strike="noStrike" spc="-1">
-                <a:solidFill>
-                  <a:srgbClr val="000000"/>
-                </a:solidFill>
-                <a:latin typeface="Avenir LT Std 55 Roman" panose="020B0503020203020204" pitchFamily="34" charset="0"/>
-              </a:rPr>
-              <a:t>Random Forest</a:t>
-            </a:r>
-            <a:endParaRPr lang="en-US" sz="1800" b="0" strike="noStrike" spc="-1">
-              <a:latin typeface="Avenir LT Std 55 Roman" panose="020B0503020203020204" pitchFamily="34" charset="0"/>
-            </a:endParaRPr>
-          </a:p>
-          <a:p>
-            <a:pPr>
-              <a:lnSpc>
-                <a:spcPct val="100000"/>
-              </a:lnSpc>
-            </a:pPr>
-            <a:r>
-              <a:rPr lang="en-US" sz="1800" b="0" strike="noStrike" spc="-1">
-                <a:solidFill>
-                  <a:srgbClr val="000000"/>
-                </a:solidFill>
-                <a:latin typeface="Avenir LT Std 55 Roman" panose="020B0503020203020204" pitchFamily="34" charset="0"/>
-              </a:rPr>
-              <a:t>Reference</a:t>
-            </a:r>
-            <a:endParaRPr lang="en-US" sz="1800" b="0" strike="noStrike" spc="-1">
-              <a:latin typeface="Avenir LT Std 55 Roman" panose="020B0503020203020204" pitchFamily="34" charset="0"/>
-            </a:endParaRPr>
-          </a:p>
-        </p:txBody>
-      </p:sp>
-      <p:sp>
-        <p:nvSpPr>
-          <p:cNvPr id="126" name="CustomShape 7"/>
-          <p:cNvSpPr/>
-          <p:nvPr/>
-        </p:nvSpPr>
-        <p:spPr>
-          <a:xfrm>
-            <a:off x="6949440" y="4846320"/>
-            <a:ext cx="2559960" cy="857880"/>
-          </a:xfrm>
-          <a:prstGeom prst="rect">
-            <a:avLst/>
-          </a:prstGeom>
-          <a:noFill/>
-          <a:ln>
-            <a:noFill/>
-          </a:ln>
-        </p:spPr>
-        <p:style>
-          <a:lnRef idx="0">
-            <a:scrgbClr r="0" g="0" b="0"/>
-          </a:lnRef>
-          <a:fillRef idx="0">
-            <a:scrgbClr r="0" g="0" b="0"/>
-          </a:fillRef>
-          <a:effectRef idx="0">
-            <a:scrgbClr r="0" g="0" b="0"/>
-          </a:effectRef>
-          <a:fontRef idx="minor"/>
-        </p:style>
-        <p:txBody>
-          <a:bodyPr lIns="90000" tIns="45000" rIns="90000" bIns="45000"/>
-          <a:lstStyle/>
-          <a:p>
-            <a:pPr>
-              <a:lnSpc>
-                <a:spcPct val="100000"/>
-              </a:lnSpc>
-            </a:pPr>
-            <a:r>
-              <a:rPr lang="en-US" sz="1800" b="0" strike="noStrike" spc="-1">
-                <a:solidFill>
-                  <a:srgbClr val="000000"/>
-                </a:solidFill>
-                <a:latin typeface="Avenir LT Std 55 Roman" panose="020B0503020203020204" pitchFamily="34" charset="0"/>
-              </a:rPr>
-              <a:t>C=15, G=10</a:t>
-            </a:r>
-            <a:endParaRPr lang="en-US" sz="1800" b="0" strike="noStrike" spc="-1">
-              <a:latin typeface="Avenir LT Std 55 Roman" panose="020B0503020203020204" pitchFamily="34" charset="0"/>
-            </a:endParaRPr>
-          </a:p>
-          <a:p>
-            <a:pPr>
-              <a:lnSpc>
-                <a:spcPct val="100000"/>
-              </a:lnSpc>
-            </a:pPr>
-            <a:r>
-              <a:rPr lang="en-US" sz="1800" b="0" strike="noStrike" spc="-1">
-                <a:solidFill>
-                  <a:srgbClr val="000000"/>
-                </a:solidFill>
-                <a:latin typeface="Avenir LT Std 55 Roman" panose="020B0503020203020204" pitchFamily="34" charset="0"/>
-              </a:rPr>
-              <a:t>Undersegmentation of small structures</a:t>
-            </a:r>
-            <a:endParaRPr lang="en-US" sz="1800" b="0" strike="noStrike" spc="-1">
-              <a:latin typeface="Avenir LT Std 55 Roman" panose="020B0503020203020204" pitchFamily="34" charset="0"/>
-            </a:endParaRPr>
-          </a:p>
-        </p:txBody>
-      </p:sp>
     </p:spTree>
   </p:cSld>
   <p:clrMapOvr>
@@ -9928,7 +10723,7 @@
       </p:grpSpPr>
       <p:sp>
         <p:nvSpPr>
-          <p:cNvPr id="127" name="CustomShape 1"/>
+          <p:cNvPr id="107" name="CustomShape 1"/>
           <p:cNvSpPr/>
           <p:nvPr/>
         </p:nvSpPr>
@@ -9973,25 +10768,7 @@
                 </a:solidFill>
                 <a:latin typeface="Avenir LT Std 55 Roman" panose="020B0503020203020204" pitchFamily="34" charset="0"/>
               </a:rPr>
-              <a:t>Insights SVM (</a:t>
-            </a:r>
-            <a:r>
-              <a:rPr lang="en-US" sz="4400" b="1" strike="noStrike" spc="-1" dirty="0" err="1">
-                <a:solidFill>
-                  <a:srgbClr val="000000"/>
-                </a:solidFill>
-                <a:latin typeface="Avenir LT Std 55 Roman" panose="020B0503020203020204" pitchFamily="34" charset="0"/>
-              </a:rPr>
-              <a:t>rbf</a:t>
-            </a:r>
-            <a:r>
-              <a:rPr lang="en-US" sz="4400" b="1" strike="noStrike" spc="-1" dirty="0">
-                <a:solidFill>
-                  <a:srgbClr val="000000"/>
-                </a:solidFill>
-                <a:latin typeface="Avenir LT Std 55 Roman" panose="020B0503020203020204" pitchFamily="34" charset="0"/>
-              </a:rPr>
-              <a:t>)</a:t>
+              <a:t>Insights SVM (linear)</a:t>
             </a:r>
             <a:endParaRPr lang="en-US" sz="4400" b="0" strike="noStrike" spc="-1" dirty="0">
               <a:latin typeface="Avenir LT Std 55 Roman" panose="020B0503020203020204" pitchFamily="34" charset="0"/>
@@ -10001,7 +10778,7 @@
       </p:sp>
       <p:sp>
         <p:nvSpPr>
-          <p:cNvPr id="128" name="CustomShape 2"/>
+          <p:cNvPr id="108" name="CustomShape 2"/>
           <p:cNvSpPr/>
           <p:nvPr/>
         </p:nvSpPr>
@@ -10056,7 +10833,7 @@
       </p:sp>
       <p:sp>
         <p:nvSpPr>
-          <p:cNvPr id="129" name="CustomShape 3"/>
+          <p:cNvPr id="109" name="CustomShape 3"/>
           <p:cNvSpPr/>
           <p:nvPr/>
         </p:nvSpPr>
@@ -10111,7 +10888,7 @@
       </p:sp>
       <p:sp>
         <p:nvSpPr>
-          <p:cNvPr id="130" name="CustomShape 4"/>
+          <p:cNvPr id="110" name="CustomShape 4"/>
           <p:cNvSpPr/>
           <p:nvPr/>
         </p:nvSpPr>
@@ -10149,7 +10926,7 @@
                 <a:spcPct val="100000"/>
               </a:lnSpc>
             </a:pPr>
-            <a:fld id="{E13BD78E-EC70-4294-8A5E-C457C0379AF9}" type="slidenum">
+            <a:fld id="{D2A93C0C-1332-46CD-B6BD-9BF46A5834A3}" type="slidenum">
               <a:rPr lang="en-US" sz="1200" b="0" strike="noStrike" spc="-1">
                 <a:solidFill>
                   <a:srgbClr val="8B8B8B"/>
@@ -10164,9 +10941,269 @@
           </a:p>
         </p:txBody>
       </p:sp>
+      <p:sp>
+        <p:nvSpPr>
+          <p:cNvPr id="111" name="CustomShape 5"/>
+          <p:cNvSpPr/>
+          <p:nvPr/>
+        </p:nvSpPr>
+        <p:spPr>
+          <a:xfrm>
+            <a:off x="914400" y="4846320"/>
+            <a:ext cx="2559960" cy="857880"/>
+          </a:xfrm>
+          <a:prstGeom prst="rect">
+            <a:avLst/>
+          </a:prstGeom>
+          <a:noFill/>
+          <a:ln>
+            <a:noFill/>
+          </a:ln>
+        </p:spPr>
+        <p:style>
+          <a:lnRef idx="0">
+            <a:scrgbClr r="0" g="0" b="0"/>
+          </a:lnRef>
+          <a:fillRef idx="0">
+            <a:scrgbClr r="0" g="0" b="0"/>
+          </a:fillRef>
+          <a:effectRef idx="0">
+            <a:scrgbClr r="0" g="0" b="0"/>
+          </a:effectRef>
+          <a:fontRef idx="minor"/>
+        </p:style>
+        <p:txBody>
+          <a:bodyPr lIns="90000" tIns="45000" rIns="90000" bIns="45000"/>
+          <a:lstStyle/>
+          <a:p>
+            <a:pPr>
+              <a:lnSpc>
+                <a:spcPct val="100000"/>
+              </a:lnSpc>
+            </a:pPr>
+            <a:r>
+              <a:rPr lang="en-US" sz="1800" b="0" strike="noStrike" spc="-1">
+                <a:solidFill>
+                  <a:srgbClr val="000000"/>
+                </a:solidFill>
+                <a:latin typeface="Avenir LT Std 55 Roman" panose="020B0503020203020204" pitchFamily="34" charset="0"/>
+              </a:rPr>
+              <a:t>Same features as RF</a:t>
+            </a:r>
+            <a:endParaRPr lang="en-US" sz="1800" b="0" strike="noStrike" spc="-1">
+              <a:latin typeface="Avenir LT Std 55 Roman" panose="020B0503020203020204" pitchFamily="34" charset="0"/>
+            </a:endParaRPr>
+          </a:p>
+          <a:p>
+            <a:pPr>
+              <a:lnSpc>
+                <a:spcPct val="100000"/>
+              </a:lnSpc>
+            </a:pPr>
+            <a:r>
+              <a:rPr lang="en-US" sz="1800" b="0" strike="noStrike" spc="-1">
+                <a:solidFill>
+                  <a:srgbClr val="000000"/>
+                </a:solidFill>
+                <a:latin typeface="Avenir LT Std 55 Roman" panose="020B0503020203020204" pitchFamily="34" charset="0"/>
+              </a:rPr>
+              <a:t>→ intensity feature</a:t>
+            </a:r>
+            <a:endParaRPr lang="en-US" sz="1800" b="0" strike="noStrike" spc="-1">
+              <a:latin typeface="Avenir LT Std 55 Roman" panose="020B0503020203020204" pitchFamily="34" charset="0"/>
+            </a:endParaRPr>
+          </a:p>
+        </p:txBody>
+      </p:sp>
+      <p:sp>
+        <p:nvSpPr>
+          <p:cNvPr id="112" name="CustomShape 6"/>
+          <p:cNvSpPr/>
+          <p:nvPr/>
+        </p:nvSpPr>
+        <p:spPr>
+          <a:xfrm>
+            <a:off x="4023360" y="4846320"/>
+            <a:ext cx="2559960" cy="601920"/>
+          </a:xfrm>
+          <a:prstGeom prst="rect">
+            <a:avLst/>
+          </a:prstGeom>
+          <a:noFill/>
+          <a:ln>
+            <a:noFill/>
+          </a:ln>
+        </p:spPr>
+        <p:style>
+          <a:lnRef idx="0">
+            <a:scrgbClr r="0" g="0" b="0"/>
+          </a:lnRef>
+          <a:fillRef idx="0">
+            <a:scrgbClr r="0" g="0" b="0"/>
+          </a:fillRef>
+          <a:effectRef idx="0">
+            <a:scrgbClr r="0" g="0" b="0"/>
+          </a:effectRef>
+          <a:fontRef idx="minor"/>
+        </p:style>
+        <p:txBody>
+          <a:bodyPr lIns="90000" tIns="45000" rIns="90000" bIns="45000"/>
+          <a:lstStyle/>
+          <a:p>
+            <a:pPr>
+              <a:lnSpc>
+                <a:spcPct val="100000"/>
+              </a:lnSpc>
+            </a:pPr>
+            <a:r>
+              <a:rPr lang="en-US" sz="1800" b="0" strike="noStrike" spc="-1">
+                <a:solidFill>
+                  <a:srgbClr val="000000"/>
+                </a:solidFill>
+                <a:latin typeface="Avenir LT Std 55 Roman" panose="020B0503020203020204" pitchFamily="34" charset="0"/>
+              </a:rPr>
+              <a:t>Balanced samples</a:t>
+            </a:r>
+            <a:endParaRPr lang="en-US" sz="1800" b="0" strike="noStrike" spc="-1">
+              <a:latin typeface="Avenir LT Std 55 Roman" panose="020B0503020203020204" pitchFamily="34" charset="0"/>
+            </a:endParaRPr>
+          </a:p>
+          <a:p>
+            <a:pPr>
+              <a:lnSpc>
+                <a:spcPct val="100000"/>
+              </a:lnSpc>
+            </a:pPr>
+            <a:r>
+              <a:rPr lang="en-US" sz="1800" b="0" strike="noStrike" spc="-1">
+                <a:solidFill>
+                  <a:srgbClr val="000000"/>
+                </a:solidFill>
+                <a:latin typeface="Avenir LT Std 55 Roman" panose="020B0503020203020204" pitchFamily="34" charset="0"/>
+              </a:rPr>
+              <a:t>→ intensity feature</a:t>
+            </a:r>
+            <a:endParaRPr lang="en-US" sz="1800" b="0" strike="noStrike" spc="-1">
+              <a:latin typeface="Avenir LT Std 55 Roman" panose="020B0503020203020204" pitchFamily="34" charset="0"/>
+            </a:endParaRPr>
+          </a:p>
+          <a:p>
+            <a:pPr>
+              <a:lnSpc>
+                <a:spcPct val="100000"/>
+              </a:lnSpc>
+            </a:pPr>
+            <a:r>
+              <a:rPr lang="en-US" sz="1800" b="0" strike="noStrike" spc="-1">
+                <a:solidFill>
+                  <a:srgbClr val="000000"/>
+                </a:solidFill>
+                <a:latin typeface="Avenir LT Std 55 Roman" panose="020B0503020203020204" pitchFamily="34" charset="0"/>
+              </a:rPr>
+              <a:t>→ small structures important</a:t>
+            </a:r>
+            <a:endParaRPr lang="en-US" sz="1800" b="0" strike="noStrike" spc="-1">
+              <a:latin typeface="Avenir LT Std 55 Roman" panose="020B0503020203020204" pitchFamily="34" charset="0"/>
+            </a:endParaRPr>
+          </a:p>
+        </p:txBody>
+      </p:sp>
+      <p:sp>
+        <p:nvSpPr>
+          <p:cNvPr id="113" name="CustomShape 7"/>
+          <p:cNvSpPr/>
+          <p:nvPr/>
+        </p:nvSpPr>
+        <p:spPr>
+          <a:xfrm>
+            <a:off x="6949440" y="4846320"/>
+            <a:ext cx="3108960" cy="857880"/>
+          </a:xfrm>
+          <a:prstGeom prst="rect">
+            <a:avLst/>
+          </a:prstGeom>
+          <a:noFill/>
+          <a:ln>
+            <a:noFill/>
+          </a:ln>
+        </p:spPr>
+        <p:style>
+          <a:lnRef idx="0">
+            <a:scrgbClr r="0" g="0" b="0"/>
+          </a:lnRef>
+          <a:fillRef idx="0">
+            <a:scrgbClr r="0" g="0" b="0"/>
+          </a:fillRef>
+          <a:effectRef idx="0">
+            <a:scrgbClr r="0" g="0" b="0"/>
+          </a:effectRef>
+          <a:fontRef idx="minor"/>
+        </p:style>
+        <p:txBody>
+          <a:bodyPr lIns="90000" tIns="45000" rIns="90000" bIns="45000"/>
+          <a:lstStyle/>
+          <a:p>
+            <a:pPr>
+              <a:lnSpc>
+                <a:spcPct val="100000"/>
+              </a:lnSpc>
+            </a:pPr>
+            <a:r>
+              <a:rPr lang="en-US" sz="1800" b="0" strike="noStrike" spc="-1" dirty="0">
+                <a:solidFill>
+                  <a:srgbClr val="000000"/>
+                </a:solidFill>
+                <a:latin typeface="Avenir LT Std 55 Roman" panose="020B0503020203020204" pitchFamily="34" charset="0"/>
+              </a:rPr>
+              <a:t>Second order coordinates</a:t>
+            </a:r>
+            <a:endParaRPr lang="en-US" sz="1800" b="0" strike="noStrike" spc="-1" dirty="0">
+              <a:latin typeface="Avenir LT Std 55 Roman" panose="020B0503020203020204" pitchFamily="34" charset="0"/>
+            </a:endParaRPr>
+          </a:p>
+          <a:p>
+            <a:pPr>
+              <a:lnSpc>
+                <a:spcPct val="100000"/>
+              </a:lnSpc>
+            </a:pPr>
+            <a:r>
+              <a:rPr lang="en-US" sz="1800" b="0" strike="noStrike" spc="-1" dirty="0">
+                <a:solidFill>
+                  <a:srgbClr val="000000"/>
+                </a:solidFill>
+                <a:latin typeface="Avenir LT Std 55 Roman" panose="020B0503020203020204" pitchFamily="34" charset="0"/>
+              </a:rPr>
+              <a:t>→ position feature important</a:t>
+            </a:r>
+            <a:endParaRPr lang="en-US" sz="1800" b="0" strike="noStrike" spc="-1" dirty="0">
+              <a:latin typeface="Avenir LT Std 55 Roman" panose="020B0503020203020204" pitchFamily="34" charset="0"/>
+            </a:endParaRPr>
+          </a:p>
+          <a:p>
+            <a:pPr>
+              <a:lnSpc>
+                <a:spcPct val="100000"/>
+              </a:lnSpc>
+            </a:pPr>
+            <a:r>
+              <a:rPr lang="en-US" sz="1800" b="0" strike="noStrike" spc="-1" dirty="0">
+                <a:solidFill>
+                  <a:srgbClr val="000000"/>
+                </a:solidFill>
+                <a:latin typeface="Avenir LT Std 55 Roman" panose="020B0503020203020204" pitchFamily="34" charset="0"/>
+              </a:rPr>
+              <a:t>→ complex boundaries require high order terms</a:t>
+            </a:r>
+            <a:endParaRPr lang="en-US" sz="1800" b="0" strike="noStrike" spc="-1" dirty="0">
+              <a:latin typeface="Avenir LT Std 55 Roman" panose="020B0503020203020204" pitchFamily="34" charset="0"/>
+            </a:endParaRPr>
+          </a:p>
+        </p:txBody>
+      </p:sp>
       <p:pic>
         <p:nvPicPr>
-          <p:cNvPr id="131" name="Picture 130"/>
+          <p:cNvPr id="114" name="Picture 113"/>
           <p:cNvPicPr/>
           <p:nvPr/>
         </p:nvPicPr>
@@ -10176,8 +11213,8 @@
         </p:blipFill>
         <p:spPr>
           <a:xfrm>
-            <a:off x="933840" y="1353600"/>
-            <a:ext cx="4095000" cy="4095000"/>
+            <a:off x="3931920" y="1730520"/>
+            <a:ext cx="2900160" cy="2841480"/>
           </a:xfrm>
           <a:prstGeom prst="rect">
             <a:avLst/>
@@ -10189,7 +11226,7 @@
       </p:pic>
       <p:pic>
         <p:nvPicPr>
-          <p:cNvPr id="132" name="Picture 131"/>
+          <p:cNvPr id="115" name="Picture 114"/>
           <p:cNvPicPr/>
           <p:nvPr/>
         </p:nvPicPr>
@@ -10199,8 +11236,8 @@
         </p:blipFill>
         <p:spPr>
           <a:xfrm>
-            <a:off x="5322960" y="1371600"/>
-            <a:ext cx="4095000" cy="4095000"/>
+            <a:off x="838080" y="1740960"/>
+            <a:ext cx="2849040" cy="2831040"/>
           </a:xfrm>
           <a:prstGeom prst="rect">
             <a:avLst/>
@@ -10210,135 +11247,30 @@
           </a:ln>
         </p:spPr>
       </p:pic>
-      <p:sp>
-        <p:nvSpPr>
-          <p:cNvPr id="133" name="CustomShape 5"/>
-          <p:cNvSpPr/>
+      <p:pic>
+        <p:nvPicPr>
+          <p:cNvPr id="116" name="Picture 115"/>
+          <p:cNvPicPr/>
           <p:nvPr/>
-        </p:nvSpPr>
-        <p:spPr>
-          <a:xfrm>
-            <a:off x="1645920" y="5524200"/>
-            <a:ext cx="2559960" cy="601920"/>
-          </a:xfrm>
-          <a:prstGeom prst="rect">
-            <a:avLst/>
-          </a:prstGeom>
-          <a:noFill/>
+        </p:nvPicPr>
+        <p:blipFill>
+          <a:blip r:embed="rId4"/>
+          <a:srcRect l="14223"/>
+          <a:stretch/>
+        </p:blipFill>
+        <p:spPr>
+          <a:xfrm>
+            <a:off x="7223760" y="1737360"/>
+            <a:ext cx="2468880" cy="2820240"/>
+          </a:xfrm>
+          <a:prstGeom prst="rect">
+            <a:avLst/>
+          </a:prstGeom>
           <a:ln>
             <a:noFill/>
           </a:ln>
         </p:spPr>
-        <p:style>
-          <a:lnRef idx="0">
-            <a:scrgbClr r="0" g="0" b="0"/>
-          </a:lnRef>
-          <a:fillRef idx="0">
-            <a:scrgbClr r="0" g="0" b="0"/>
-          </a:fillRef>
-          <a:effectRef idx="0">
-            <a:scrgbClr r="0" g="0" b="0"/>
-          </a:effectRef>
-          <a:fontRef idx="minor"/>
-        </p:style>
-        <p:txBody>
-          <a:bodyPr lIns="90000" tIns="45000" rIns="90000" bIns="45000"/>
-          <a:lstStyle/>
-          <a:p>
-            <a:pPr>
-              <a:lnSpc>
-                <a:spcPct val="100000"/>
-              </a:lnSpc>
-            </a:pPr>
-            <a:r>
-              <a:rPr lang="en-US" sz="1800" b="0" strike="noStrike" spc="-1">
-                <a:solidFill>
-                  <a:srgbClr val="000000"/>
-                </a:solidFill>
-                <a:latin typeface="Avenir LT Std 55 Roman" panose="020B0503020203020204" pitchFamily="34" charset="0"/>
-              </a:rPr>
-              <a:t>Random Forest</a:t>
-            </a:r>
-            <a:endParaRPr lang="en-US" sz="1800" b="0" strike="noStrike" spc="-1">
-              <a:latin typeface="Avenir LT Std 55 Roman" panose="020B0503020203020204" pitchFamily="34" charset="0"/>
-            </a:endParaRPr>
-          </a:p>
-          <a:p>
-            <a:pPr>
-              <a:lnSpc>
-                <a:spcPct val="100000"/>
-              </a:lnSpc>
-            </a:pPr>
-            <a:r>
-              <a:rPr lang="en-US" sz="1800" b="0" strike="noStrike" spc="-1">
-                <a:solidFill>
-                  <a:srgbClr val="000000"/>
-                </a:solidFill>
-                <a:latin typeface="Avenir LT Std 55 Roman" panose="020B0503020203020204" pitchFamily="34" charset="0"/>
-              </a:rPr>
-              <a:t>Reference</a:t>
-            </a:r>
-            <a:endParaRPr lang="en-US" sz="1800" b="0" strike="noStrike" spc="-1">
-              <a:latin typeface="Avenir LT Std 55 Roman" panose="020B0503020203020204" pitchFamily="34" charset="0"/>
-            </a:endParaRPr>
-          </a:p>
-        </p:txBody>
-      </p:sp>
-      <p:sp>
-        <p:nvSpPr>
-          <p:cNvPr id="134" name="CustomShape 6"/>
-          <p:cNvSpPr/>
-          <p:nvPr/>
-        </p:nvSpPr>
-        <p:spPr>
-          <a:xfrm>
-            <a:off x="6309360" y="5498280"/>
-            <a:ext cx="2559960" cy="857880"/>
-          </a:xfrm>
-          <a:prstGeom prst="rect">
-            <a:avLst/>
-          </a:prstGeom>
-          <a:noFill/>
-          <a:ln>
-            <a:noFill/>
-          </a:ln>
-        </p:spPr>
-        <p:style>
-          <a:lnRef idx="0">
-            <a:scrgbClr r="0" g="0" b="0"/>
-          </a:lnRef>
-          <a:fillRef idx="0">
-            <a:scrgbClr r="0" g="0" b="0"/>
-          </a:fillRef>
-          <a:effectRef idx="0">
-            <a:scrgbClr r="0" g="0" b="0"/>
-          </a:effectRef>
-          <a:fontRef idx="minor"/>
-        </p:style>
-        <p:txBody>
-          <a:bodyPr lIns="90000" tIns="45000" rIns="90000" bIns="45000"/>
-          <a:lstStyle/>
-          <a:p>
-            <a:pPr>
-              <a:lnSpc>
-                <a:spcPct val="100000"/>
-              </a:lnSpc>
-            </a:pPr>
-            <a:r>
-              <a:rPr lang="en-US" sz="1800" b="0" strike="noStrike" spc="-1">
-                <a:solidFill>
-                  <a:srgbClr val="000000"/>
-                </a:solidFill>
-                <a:latin typeface="Avenir LT Std 55 Roman" panose="020B0503020203020204" pitchFamily="34" charset="0"/>
-              </a:rPr>
-              <a:t>C=15, G=5</a:t>
-            </a:r>
-            <a:endParaRPr lang="en-US" sz="1800" b="0" strike="noStrike" spc="-1">
-              <a:latin typeface="Avenir LT Std 55 Roman" panose="020B0503020203020204" pitchFamily="34" charset="0"/>
-            </a:endParaRPr>
-          </a:p>
-        </p:txBody>
-      </p:sp>
+      </p:pic>
     </p:spTree>
   </p:cSld>
   <p:clrMapOvr>

--- a/Final Mialab.pptx
+++ b/Final Mialab.pptx
@@ -7295,7 +7295,7 @@
               <a:rPr lang="en-US" sz="2400" b="1" strike="noStrike" spc="-1" dirty="0">
                 <a:latin typeface="Avenir LT Std 55 Roman" panose="020B0503020203020204" pitchFamily="34" charset="0"/>
               </a:rPr>
-              <a:t> kernel. Comparable to random forest tree.</a:t>
+              <a:t> kernel. Comparable to random forest tree results.</a:t>
             </a:r>
           </a:p>
           <a:p>

--- a/Final Mialab.pptx
+++ b/Final Mialab.pptx
@@ -133,7 +133,7 @@
                 </a:uFill>
                 <a:latin typeface="Times New Roman"/>
               </a:rPr>
-              <a:t>&lt;header&gt;</a:t>
+              <a:t> </a:t>
             </a:r>
             <a:endParaRPr b="0" lang="en-US" sz="1400" spc="-1" strike="noStrike">
               <a:solidFill>
@@ -184,7 +184,7 @@
                 </a:uFill>
                 <a:latin typeface="Times New Roman"/>
               </a:rPr>
-              <a:t>&lt;date/time&gt;</a:t>
+              <a:t> </a:t>
             </a:r>
             <a:endParaRPr b="0" lang="en-US" sz="1400" spc="-1" strike="noStrike">
               <a:solidFill>
@@ -234,7 +234,7 @@
                 </a:uFill>
                 <a:latin typeface="Times New Roman"/>
               </a:rPr>
-              <a:t>&lt;footer&gt;</a:t>
+              <a:t> </a:t>
             </a:r>
             <a:endParaRPr b="0" lang="en-US" sz="1400" spc="-1" strike="noStrike">
               <a:solidFill>
@@ -273,7 +273,7 @@
           <a:bodyPr lIns="0" rIns="0" tIns="0" bIns="0" anchor="b"/>
           <a:p>
             <a:pPr algn="r"/>
-            <a:fld id="{1117E517-8BBE-4486-9895-D4EFD8B227F0}" type="slidenum">
+            <a:fld id="{7DF40DF8-1F3E-4A75-BB71-502E40BD1DAF}" type="slidenum">
               <a:rPr b="0" lang="en-US" sz="1400" spc="-1" strike="noStrike">
                 <a:solidFill>
                   <a:srgbClr val="000000"/>
@@ -285,7 +285,7 @@
                 </a:uFill>
                 <a:latin typeface="Times New Roman"/>
               </a:rPr>
-              <a:t>&lt;number&gt;</a:t>
+              <a:t>1</a:t>
             </a:fld>
             <a:endParaRPr b="0" lang="en-US" sz="1400" spc="-1" strike="noStrike">
               <a:solidFill>
@@ -393,7 +393,7 @@
                 <a:spcPct val="100000"/>
               </a:lnSpc>
             </a:pPr>
-            <a:fld id="{C5C75CEB-48AE-4E9B-98B9-9E35D24D1594}" type="slidenum">
+            <a:fld id="{68E0D32B-AED1-4C01-A38A-7C6EBE89F3F0}" type="slidenum">
               <a:rPr b="0" lang="en-US" sz="1200" spc="-1" strike="noStrike">
                 <a:solidFill>
                   <a:srgbClr val="000000"/>
@@ -406,7 +406,7 @@
                 <a:latin typeface="+mn-lt"/>
                 <a:ea typeface="+mn-ea"/>
               </a:rPr>
-              <a:t>&lt;number&gt;</a:t>
+              <a:t>1</a:t>
             </a:fld>
             <a:endParaRPr b="0" lang="en-US" sz="1800" spc="-1" strike="noStrike">
               <a:solidFill>
@@ -513,7 +513,7 @@
                 <a:spcPct val="100000"/>
               </a:lnSpc>
             </a:pPr>
-            <a:fld id="{D5CFC11B-95B0-4465-832E-6B6D7B194813}" type="slidenum">
+            <a:fld id="{88B250EE-8D55-4003-BAC8-2CA9B6B21A07}" type="slidenum">
               <a:rPr b="0" lang="en-US" sz="1200" spc="-1" strike="noStrike">
                 <a:solidFill>
                   <a:srgbClr val="000000"/>
@@ -526,7 +526,7 @@
                 <a:latin typeface="+mn-lt"/>
                 <a:ea typeface="+mn-ea"/>
               </a:rPr>
-              <a:t>&lt;number&gt;</a:t>
+              <a:t>1</a:t>
             </a:fld>
             <a:endParaRPr b="0" lang="en-US" sz="1800" spc="-1" strike="noStrike">
               <a:solidFill>
@@ -633,7 +633,7 @@
                 <a:spcPct val="100000"/>
               </a:lnSpc>
             </a:pPr>
-            <a:fld id="{053B7132-2937-4B47-92F8-AB65450B7D05}" type="slidenum">
+            <a:fld id="{D7CE907A-F90F-4907-9F10-FA23F55E172E}" type="slidenum">
               <a:rPr b="0" lang="en-US" sz="1200" spc="-1" strike="noStrike">
                 <a:solidFill>
                   <a:srgbClr val="000000"/>
@@ -646,7 +646,7 @@
                 <a:latin typeface="+mn-lt"/>
                 <a:ea typeface="+mn-ea"/>
               </a:rPr>
-              <a:t>&lt;number&gt;</a:t>
+              <a:t>1</a:t>
             </a:fld>
             <a:endParaRPr b="0" lang="en-US" sz="1800" spc="-1" strike="noStrike">
               <a:solidFill>
@@ -753,7 +753,7 @@
                 <a:spcPct val="100000"/>
               </a:lnSpc>
             </a:pPr>
-            <a:fld id="{5F386D41-5CD9-439D-80CB-559AFBDB4CAB}" type="slidenum">
+            <a:fld id="{93390D97-8825-4C0E-A628-CD9B86FED7C9}" type="slidenum">
               <a:rPr b="0" lang="en-US" sz="1200" spc="-1" strike="noStrike">
                 <a:solidFill>
                   <a:srgbClr val="000000"/>
@@ -766,7 +766,7 @@
                 <a:latin typeface="+mn-lt"/>
                 <a:ea typeface="+mn-ea"/>
               </a:rPr>
-              <a:t>&lt;number&gt;</a:t>
+              <a:t>1</a:t>
             </a:fld>
             <a:endParaRPr b="0" lang="en-US" sz="1800" spc="-1" strike="noStrike">
               <a:solidFill>
@@ -873,7 +873,7 @@
                 <a:spcPct val="100000"/>
               </a:lnSpc>
             </a:pPr>
-            <a:fld id="{EC8118D3-7AD5-4E3B-B3C1-344AFD969382}" type="slidenum">
+            <a:fld id="{4C17126E-ADF9-489C-8DCF-83F88E6D15AE}" type="slidenum">
               <a:rPr b="0" lang="en-US" sz="1200" spc="-1" strike="noStrike">
                 <a:solidFill>
                   <a:srgbClr val="000000"/>
@@ -886,7 +886,7 @@
                 <a:latin typeface="+mn-lt"/>
                 <a:ea typeface="+mn-ea"/>
               </a:rPr>
-              <a:t>&lt;number&gt;</a:t>
+              <a:t>1</a:t>
             </a:fld>
             <a:endParaRPr b="0" lang="en-US" sz="1800" spc="-1" strike="noStrike">
               <a:solidFill>
@@ -987,7 +987,7 @@
                 <a:spcPct val="100000"/>
               </a:lnSpc>
             </a:pPr>
-            <a:fld id="{8AFB70B4-6455-4F71-8552-AED5C1C9E868}" type="slidenum">
+            <a:fld id="{ACD5B884-2F66-47A8-B57B-79E9B49F3B30}" type="slidenum">
               <a:rPr b="0" lang="en-US" sz="1400" spc="-1" strike="noStrike">
                 <a:solidFill>
                   <a:srgbClr val="000000"/>
@@ -1000,7 +1000,7 @@
                 <a:latin typeface="Times New Roman"/>
                 <a:ea typeface="+mn-ea"/>
               </a:rPr>
-              <a:t>&lt;number&gt;</a:t>
+              <a:t>1</a:t>
             </a:fld>
             <a:endParaRPr b="0" lang="en-US" sz="1400" spc="-1" strike="noStrike">
               <a:solidFill>
@@ -1434,7 +1434,7 @@
                 <a:spcPct val="100000"/>
               </a:lnSpc>
             </a:pPr>
-            <a:fld id="{EC39B938-AF2D-47DE-B08B-5C97C1733C51}" type="slidenum">
+            <a:fld id="{9BFB14E2-E504-4C7A-8986-A4CBCECDFAA6}" type="slidenum">
               <a:rPr b="0" lang="en-US" sz="1200" spc="-1" strike="noStrike">
                 <a:solidFill>
                   <a:srgbClr val="000000"/>
@@ -1447,7 +1447,7 @@
                 <a:latin typeface="+mn-lt"/>
                 <a:ea typeface="+mn-ea"/>
               </a:rPr>
-              <a:t>&lt;number&gt;</a:t>
+              <a:t>1</a:t>
             </a:fld>
             <a:endParaRPr b="0" lang="en-US" sz="1800" spc="-1" strike="noStrike">
               <a:solidFill>
@@ -9735,7 +9735,7 @@
                 <a:spcPct val="100000"/>
               </a:lnSpc>
             </a:pPr>
-            <a:fld id="{34BE4BA6-5925-4FA0-86D6-BCB3B112B1C1}" type="slidenum">
+            <a:fld id="{DC29583F-AA5A-45B6-83A3-A4B9AF50D96A}" type="slidenum">
               <a:rPr b="0" lang="en-US" sz="1200" spc="-1" strike="noStrike">
                 <a:solidFill>
                   <a:srgbClr val="8b8b8b"/>
@@ -9748,7 +9748,7 @@
                 <a:latin typeface="Calibri"/>
                 <a:ea typeface="DejaVu Sans"/>
               </a:rPr>
-              <a:t>&lt;number&gt;</a:t>
+              <a:t>1</a:t>
             </a:fld>
             <a:endParaRPr b="0" lang="en-US" sz="1800" spc="-1" strike="noStrike">
               <a:solidFill>
@@ -10373,7 +10373,7 @@
                 <a:spcPct val="100000"/>
               </a:lnSpc>
             </a:pPr>
-            <a:fld id="{F160C03D-C488-45FA-8E3A-9219E1373880}" type="slidenum">
+            <a:fld id="{796C1DE7-360D-4DE3-AD6B-A35DBD2EF9B6}" type="slidenum">
               <a:rPr b="0" lang="en-US" sz="1200" spc="-1" strike="noStrike">
                 <a:solidFill>
                   <a:srgbClr val="8b8b8b"/>
@@ -10386,7 +10386,7 @@
                 <a:latin typeface="Calibri"/>
                 <a:ea typeface="DejaVu Sans"/>
               </a:rPr>
-              <a:t>&lt;number&gt;</a:t>
+              <a:t>1</a:t>
             </a:fld>
             <a:endParaRPr b="0" lang="en-US" sz="1800" spc="-1" strike="noStrike">
               <a:solidFill>
@@ -10539,6 +10539,44 @@
             </a:endParaRPr>
           </a:p>
           <a:p>
+            <a:pPr marL="457920" indent="-456480">
+              <a:lnSpc>
+                <a:spcPct val="90000"/>
+              </a:lnSpc>
+              <a:buClr>
+                <a:srgbClr val="000000"/>
+              </a:buClr>
+              <a:buFont typeface="Arial"/>
+              <a:buChar char="•"/>
+            </a:pPr>
+            <a:r>
+              <a:rPr b="0" lang="en-US" sz="2800" spc="-1" strike="noStrike">
+                <a:solidFill>
+                  <a:srgbClr val="000000"/>
+                </a:solidFill>
+                <a:uFill>
+                  <a:solidFill>
+                    <a:srgbClr val="ffffff"/>
+                  </a:solidFill>
+                </a:uFill>
+                <a:latin typeface="Avenir LT Std 55 Roman"/>
+                <a:ea typeface="DejaVu Sans"/>
+              </a:rPr>
+              <a:t>=TP/(TP+FN)</a:t>
+            </a:r>
+            <a:endParaRPr b="0" lang="en-US" sz="1800" spc="-1" strike="noStrike">
+              <a:solidFill>
+                <a:srgbClr val="000000"/>
+              </a:solidFill>
+              <a:uFill>
+                <a:solidFill>
+                  <a:srgbClr val="ffffff"/>
+                </a:solidFill>
+              </a:uFill>
+              <a:latin typeface="Arial"/>
+            </a:endParaRPr>
+          </a:p>
+          <a:p>
             <a:pPr>
               <a:lnSpc>
                 <a:spcPct val="90000"/>
@@ -10670,6 +10708,44 @@
                 <a:ea typeface="DejaVu Sans"/>
               </a:rPr>
               <a:t>Reduced in case of over-segmentation</a:t>
+            </a:r>
+            <a:endParaRPr b="0" lang="en-US" sz="1800" spc="-1" strike="noStrike">
+              <a:solidFill>
+                <a:srgbClr val="000000"/>
+              </a:solidFill>
+              <a:uFill>
+                <a:solidFill>
+                  <a:srgbClr val="ffffff"/>
+                </a:solidFill>
+              </a:uFill>
+              <a:latin typeface="Arial"/>
+            </a:endParaRPr>
+          </a:p>
+          <a:p>
+            <a:pPr marL="457200" indent="-456480">
+              <a:lnSpc>
+                <a:spcPct val="90000"/>
+              </a:lnSpc>
+              <a:buClr>
+                <a:srgbClr val="000000"/>
+              </a:buClr>
+              <a:buFont typeface="Arial"/>
+              <a:buChar char="•"/>
+            </a:pPr>
+            <a:r>
+              <a:rPr b="0" lang="en-US" sz="2800" spc="-1" strike="noStrike">
+                <a:solidFill>
+                  <a:srgbClr val="000000"/>
+                </a:solidFill>
+                <a:uFill>
+                  <a:solidFill>
+                    <a:srgbClr val="ffffff"/>
+                  </a:solidFill>
+                </a:uFill>
+                <a:latin typeface="Avenir LT Std 55 Roman"/>
+                <a:ea typeface="DejaVu Sans"/>
+              </a:rPr>
+              <a:t>=TN/(TN+FP)</a:t>
             </a:r>
             <a:endParaRPr b="0" lang="en-US" sz="1800" spc="-1" strike="noStrike">
               <a:solidFill>
@@ -10953,7 +11029,7 @@
                 <a:spcPct val="100000"/>
               </a:lnSpc>
             </a:pPr>
-            <a:fld id="{748EF41F-4B70-42D0-BE92-D934EE0BFBB6}" type="slidenum">
+            <a:fld id="{FFC51BFD-03EB-4E56-AB39-DBBEAFEED685}" type="slidenum">
               <a:rPr b="0" lang="en-US" sz="1200" spc="-1" strike="noStrike">
                 <a:solidFill>
                   <a:srgbClr val="8b8b8b"/>
@@ -10966,7 +11042,7 @@
                 <a:latin typeface="Calibri"/>
                 <a:ea typeface="DejaVu Sans"/>
               </a:rPr>
-              <a:t>&lt;number&gt;</a:t>
+              <a:t>1</a:t>
             </a:fld>
             <a:endParaRPr b="0" lang="en-US" sz="1800" spc="-1" strike="noStrike">
               <a:solidFill>
@@ -11901,7 +11977,7 @@
                 <a:spcPct val="100000"/>
               </a:lnSpc>
             </a:pPr>
-            <a:fld id="{FB90958C-9F51-4251-ADFF-1F4381EDA74F}" type="slidenum">
+            <a:fld id="{74920F2B-3AA9-42BF-A9DF-7F4C79D14320}" type="slidenum">
               <a:rPr b="0" lang="en-US" sz="1200" spc="-1" strike="noStrike">
                 <a:solidFill>
                   <a:srgbClr val="8b8b8b"/>
@@ -11914,7 +11990,7 @@
                 <a:latin typeface="Calibri"/>
                 <a:ea typeface="DejaVu Sans"/>
               </a:rPr>
-              <a:t>&lt;number&gt;</a:t>
+              <a:t>1</a:t>
             </a:fld>
             <a:endParaRPr b="0" lang="en-US" sz="1800" spc="-1" strike="noStrike">
               <a:solidFill>
@@ -12849,7 +12925,7 @@
                 <a:spcPct val="100000"/>
               </a:lnSpc>
             </a:pPr>
-            <a:fld id="{F2AA9814-5E35-44D5-BFFD-5B78F804BCFC}" type="slidenum">
+            <a:fld id="{FBA42DB3-B6AE-4CCD-BD8F-62D689355400}" type="slidenum">
               <a:rPr b="0" lang="en-US" sz="1200" spc="-1" strike="noStrike">
                 <a:solidFill>
                   <a:srgbClr val="8b8b8b"/>
@@ -12862,7 +12938,7 @@
                 <a:latin typeface="Calibri"/>
                 <a:ea typeface="DejaVu Sans"/>
               </a:rPr>
-              <a:t>&lt;number&gt;</a:t>
+              <a:t>1</a:t>
             </a:fld>
             <a:endParaRPr b="0" lang="en-US" sz="1800" spc="-1" strike="noStrike">
               <a:solidFill>
@@ -13360,7 +13436,7 @@
                 <a:spcPct val="100000"/>
               </a:lnSpc>
             </a:pPr>
-            <a:fld id="{1083238D-8DDC-4A7D-B53C-9D1216298C5D}" type="slidenum">
+            <a:fld id="{ACBE1E81-781C-45A5-A6B9-35BF4C6BCB51}" type="slidenum">
               <a:rPr b="0" lang="en-US" sz="1200" spc="-1" strike="noStrike">
                 <a:solidFill>
                   <a:srgbClr val="8b8b8b"/>
@@ -13373,7 +13449,7 @@
                 <a:latin typeface="Calibri"/>
                 <a:ea typeface="DejaVu Sans"/>
               </a:rPr>
-              <a:t>&lt;number&gt;</a:t>
+              <a:t>1</a:t>
             </a:fld>
             <a:endParaRPr b="0" lang="en-US" sz="1800" spc="-1" strike="noStrike">
               <a:solidFill>
@@ -14143,7 +14219,7 @@
                 <a:spcPct val="100000"/>
               </a:lnSpc>
             </a:pPr>
-            <a:fld id="{5EFE874F-2473-4F15-8B76-A441FFDD28D2}" type="slidenum">
+            <a:fld id="{A9C1A94B-4BD6-4003-981D-E6826E09087F}" type="slidenum">
               <a:rPr b="0" lang="en-US" sz="1200" spc="-1" strike="noStrike">
                 <a:solidFill>
                   <a:srgbClr val="8b8b8b"/>
@@ -14156,7 +14232,7 @@
                 <a:latin typeface="Calibri"/>
                 <a:ea typeface="DejaVu Sans"/>
               </a:rPr>
-              <a:t>&lt;number&gt;</a:t>
+              <a:t>1</a:t>
             </a:fld>
             <a:endParaRPr b="0" lang="en-US" sz="1800" spc="-1" strike="noStrike">
               <a:solidFill>
@@ -14541,7 +14617,7 @@
                 <a:spcPct val="100000"/>
               </a:lnSpc>
             </a:pPr>
-            <a:fld id="{C0AC148F-9A6B-4C95-8259-E5593ABF02BF}" type="slidenum">
+            <a:fld id="{F81C8659-4633-49CC-938E-DAD19D6CC3E7}" type="slidenum">
               <a:rPr b="0" lang="en-US" sz="1200" spc="-1" strike="noStrike">
                 <a:solidFill>
                   <a:srgbClr val="8b8b8b"/>
@@ -14554,7 +14630,7 @@
                 <a:latin typeface="Calibri"/>
                 <a:ea typeface="DejaVu Sans"/>
               </a:rPr>
-              <a:t>&lt;number&gt;</a:t>
+              <a:t>1</a:t>
             </a:fld>
             <a:endParaRPr b="0" lang="en-US" sz="1800" spc="-1" strike="noStrike">
               <a:solidFill>
@@ -15295,7 +15371,7 @@
                 <a:spcPct val="100000"/>
               </a:lnSpc>
             </a:pPr>
-            <a:fld id="{BF5D3F89-6A77-445D-8B60-E790BDE02F8A}" type="slidenum">
+            <a:fld id="{89080239-E23F-4DBE-A8B9-17056BBDE1C5}" type="slidenum">
               <a:rPr b="0" lang="en-US" sz="1200" spc="-1" strike="noStrike">
                 <a:solidFill>
                   <a:srgbClr val="8b8b8b"/>
@@ -15308,7 +15384,7 @@
                 <a:latin typeface="Calibri"/>
                 <a:ea typeface="DejaVu Sans"/>
               </a:rPr>
-              <a:t>&lt;number&gt;</a:t>
+              <a:t>1</a:t>
             </a:fld>
             <a:endParaRPr b="0" lang="en-US" sz="1800" spc="-1" strike="noStrike">
               <a:solidFill>
@@ -15777,7 +15853,7 @@
                 <a:spcPct val="100000"/>
               </a:lnSpc>
             </a:pPr>
-            <a:fld id="{8613E7BF-DB06-4B31-B38B-530BD5420DA6}" type="slidenum">
+            <a:fld id="{638D364B-AE1C-4EEB-BB1C-1DFF0708AA4C}" type="slidenum">
               <a:rPr b="0" lang="en-US" sz="1200" spc="-1" strike="noStrike">
                 <a:solidFill>
                   <a:srgbClr val="8b8b8b"/>
@@ -15790,7 +15866,7 @@
                 <a:latin typeface="Calibri"/>
                 <a:ea typeface="DejaVu Sans"/>
               </a:rPr>
-              <a:t>&lt;number&gt;</a:t>
+              <a:t>1</a:t>
             </a:fld>
             <a:endParaRPr b="0" lang="en-US" sz="1800" spc="-1" strike="noStrike">
               <a:solidFill>
@@ -17041,7 +17117,7 @@
                 <a:spcPct val="100000"/>
               </a:lnSpc>
             </a:pPr>
-            <a:fld id="{848F4D19-911D-435C-AB25-108F184D8E45}" type="slidenum">
+            <a:fld id="{2B644C41-F461-4407-87B1-703DC001E8A7}" type="slidenum">
               <a:rPr b="0" lang="en-US" sz="1200" spc="-1" strike="noStrike">
                 <a:solidFill>
                   <a:srgbClr val="8b8b8b"/>
@@ -17054,7 +17130,7 @@
                 <a:latin typeface="Calibri"/>
                 <a:ea typeface="DejaVu Sans"/>
               </a:rPr>
-              <a:t>&lt;number&gt;</a:t>
+              <a:t>1</a:t>
             </a:fld>
             <a:endParaRPr b="0" lang="en-US" sz="1800" spc="-1" strike="noStrike">
               <a:solidFill>
@@ -17364,7 +17440,7 @@
                 <a:spcPct val="100000"/>
               </a:lnSpc>
             </a:pPr>
-            <a:fld id="{BA96D6BC-2965-47E5-AACA-2B7174679485}" type="slidenum">
+            <a:fld id="{BD596CFA-B1B8-4026-AF0D-A675F3483D5E}" type="slidenum">
               <a:rPr b="0" lang="en-US" sz="1200" spc="-1" strike="noStrike">
                 <a:solidFill>
                   <a:srgbClr val="8b8b8b"/>
@@ -17377,7 +17453,7 @@
                 <a:latin typeface="Calibri"/>
                 <a:ea typeface="DejaVu Sans"/>
               </a:rPr>
-              <a:t>&lt;number&gt;</a:t>
+              <a:t>1</a:t>
             </a:fld>
             <a:endParaRPr b="0" lang="en-US" sz="1800" spc="-1" strike="noStrike">
               <a:solidFill>
@@ -17684,7 +17760,7 @@
                 <a:spcPct val="100000"/>
               </a:lnSpc>
             </a:pPr>
-            <a:fld id="{2A76D58B-3447-4D2C-94ED-D52778E2D085}" type="slidenum">
+            <a:fld id="{6F188E48-431E-4F78-9409-7A6DD991583D}" type="slidenum">
               <a:rPr b="0" lang="en-US" sz="1200" spc="-1" strike="noStrike">
                 <a:solidFill>
                   <a:srgbClr val="8b8b8b"/>
@@ -17697,7 +17773,7 @@
                 <a:latin typeface="Calibri"/>
                 <a:ea typeface="DejaVu Sans"/>
               </a:rPr>
-              <a:t>&lt;number&gt;</a:t>
+              <a:t>1</a:t>
             </a:fld>
             <a:endParaRPr b="0" lang="en-US" sz="1800" spc="-1" strike="noStrike">
               <a:solidFill>

--- a/Final Mialab.pptx
+++ b/Final Mialab.pptx
@@ -277,7 +277,7 @@
           <a:bodyPr lIns="0" rIns="0" tIns="0" bIns="0" anchor="b"/>
           <a:p>
             <a:pPr algn="r"/>
-            <a:fld id="{BDB61674-9E6A-48EF-AB78-215216BB2F26}" type="slidenum">
+            <a:fld id="{7671CEB0-92EE-436F-BB50-8BAC75058E75}" type="slidenum">
               <a:rPr b="0" lang="en-US" sz="1400" spc="-1" strike="noStrike">
                 <a:solidFill>
                   <a:srgbClr val="000000"/>
@@ -341,7 +341,7 @@
         <p:spPr>
           <a:xfrm>
             <a:off x="685800" y="4400640"/>
-            <a:ext cx="5484600" cy="3598560"/>
+            <a:ext cx="5484240" cy="3598200"/>
           </a:xfrm>
           <a:prstGeom prst="rect">
             <a:avLst/>
@@ -373,7 +373,7 @@
         <p:spPr>
           <a:xfrm>
             <a:off x="3884760" y="8685360"/>
-            <a:ext cx="2970000" cy="456840"/>
+            <a:ext cx="2969640" cy="456480"/>
           </a:xfrm>
           <a:prstGeom prst="rect">
             <a:avLst/>
@@ -397,7 +397,7 @@
                 <a:spcPct val="100000"/>
               </a:lnSpc>
             </a:pPr>
-            <a:fld id="{A3CE7F2C-E188-462F-B469-4FEF081CD1C7}" type="slidenum">
+            <a:fld id="{43A52131-A5A4-460E-AD6A-9A77EBFAA833}" type="slidenum">
               <a:rPr b="0" lang="en-US" sz="1200" spc="-1" strike="noStrike">
                 <a:solidFill>
                   <a:srgbClr val="000000"/>
@@ -461,7 +461,7 @@
         <p:spPr>
           <a:xfrm>
             <a:off x="685800" y="4400640"/>
-            <a:ext cx="5484600" cy="3598560"/>
+            <a:ext cx="5484240" cy="3598200"/>
           </a:xfrm>
           <a:prstGeom prst="rect">
             <a:avLst/>
@@ -493,7 +493,7 @@
         <p:spPr>
           <a:xfrm>
             <a:off x="3884760" y="8685360"/>
-            <a:ext cx="2970000" cy="456840"/>
+            <a:ext cx="2969640" cy="456480"/>
           </a:xfrm>
           <a:prstGeom prst="rect">
             <a:avLst/>
@@ -517,7 +517,7 @@
                 <a:spcPct val="100000"/>
               </a:lnSpc>
             </a:pPr>
-            <a:fld id="{FC07BE5E-69A5-47DE-99C1-BA41F7E27487}" type="slidenum">
+            <a:fld id="{F73B3C46-69B3-4F65-8DA6-6EBBD5AAC414}" type="slidenum">
               <a:rPr b="0" lang="en-US" sz="1200" spc="-1" strike="noStrike">
                 <a:solidFill>
                   <a:srgbClr val="000000"/>
@@ -581,7 +581,7 @@
         <p:spPr>
           <a:xfrm>
             <a:off x="685800" y="4400640"/>
-            <a:ext cx="5484600" cy="3598560"/>
+            <a:ext cx="5484240" cy="3598200"/>
           </a:xfrm>
           <a:prstGeom prst="rect">
             <a:avLst/>
@@ -804,7 +804,7 @@
         <p:spPr>
           <a:xfrm>
             <a:off x="3884760" y="8685360"/>
-            <a:ext cx="2970000" cy="456840"/>
+            <a:ext cx="2969640" cy="456480"/>
           </a:xfrm>
           <a:prstGeom prst="rect">
             <a:avLst/>
@@ -828,7 +828,7 @@
                 <a:spcPct val="100000"/>
               </a:lnSpc>
             </a:pPr>
-            <a:fld id="{ED9AB62D-F5CB-4B85-963F-1509A33794C4}" type="slidenum">
+            <a:fld id="{00215AC3-A1C4-47A1-B650-85990E36C658}" type="slidenum">
               <a:rPr b="0" lang="en-US" sz="1200" spc="-1" strike="noStrike">
                 <a:solidFill>
                   <a:srgbClr val="000000"/>
@@ -892,7 +892,7 @@
         <p:spPr>
           <a:xfrm>
             <a:off x="685800" y="4400640"/>
-            <a:ext cx="5484600" cy="3598560"/>
+            <a:ext cx="5484240" cy="3598200"/>
           </a:xfrm>
           <a:prstGeom prst="rect">
             <a:avLst/>
@@ -924,7 +924,7 @@
         <p:spPr>
           <a:xfrm>
             <a:off x="3884760" y="8685360"/>
-            <a:ext cx="2970000" cy="456840"/>
+            <a:ext cx="2969640" cy="456480"/>
           </a:xfrm>
           <a:prstGeom prst="rect">
             <a:avLst/>
@@ -948,7 +948,7 @@
                 <a:spcPct val="100000"/>
               </a:lnSpc>
             </a:pPr>
-            <a:fld id="{6EA729C3-EA6D-467A-9CDC-290570C0657D}" type="slidenum">
+            <a:fld id="{460FFECB-7CA8-43FD-A17E-695A0EA13EDD}" type="slidenum">
               <a:rPr b="0" lang="en-US" sz="1200" spc="-1" strike="noStrike">
                 <a:solidFill>
                   <a:srgbClr val="000000"/>
@@ -1012,7 +1012,7 @@
         <p:spPr>
           <a:xfrm>
             <a:off x="685800" y="4400640"/>
-            <a:ext cx="5484600" cy="3598560"/>
+            <a:ext cx="5484240" cy="3598200"/>
           </a:xfrm>
           <a:prstGeom prst="rect">
             <a:avLst/>
@@ -1059,7 +1059,7 @@
         <p:spPr>
           <a:xfrm>
             <a:off x="3884760" y="8685360"/>
-            <a:ext cx="2970000" cy="456840"/>
+            <a:ext cx="2969640" cy="456480"/>
           </a:xfrm>
           <a:prstGeom prst="rect">
             <a:avLst/>
@@ -1083,7 +1083,7 @@
                 <a:spcPct val="100000"/>
               </a:lnSpc>
             </a:pPr>
-            <a:fld id="{00FB24DE-BEB5-433C-BFBE-3762698AE034}" type="slidenum">
+            <a:fld id="{FB285E5A-7658-4124-B7B3-4E48E426BE41}" type="slidenum">
               <a:rPr b="0" lang="en-US" sz="1200" spc="-1" strike="noStrike">
                 <a:solidFill>
                   <a:srgbClr val="000000"/>
@@ -1147,7 +1147,7 @@
         <p:spPr>
           <a:xfrm>
             <a:off x="756000" y="5078520"/>
-            <a:ext cx="6046560" cy="4809960"/>
+            <a:ext cx="6046200" cy="4809600"/>
           </a:xfrm>
           <a:prstGeom prst="rect">
             <a:avLst/>
@@ -1156,7 +1156,7 @@
         <p:txBody>
           <a:bodyPr lIns="0" rIns="0" tIns="0" bIns="0"/>
           <a:p>
-            <a:pPr>
+            <a:pPr marL="216000" indent="-216000">
               <a:lnSpc>
                 <a:spcPct val="100000"/>
               </a:lnSpc>
@@ -1189,7 +1189,7 @@
             </a:endParaRPr>
           </a:p>
           <a:p>
-            <a:pPr>
+            <a:pPr marL="216000" indent="-216000">
               <a:lnSpc>
                 <a:spcPct val="100000"/>
               </a:lnSpc>
@@ -1207,7 +1207,7 @@
             </a:endParaRPr>
           </a:p>
           <a:p>
-            <a:pPr>
+            <a:pPr marL="216000" indent="-216000">
               <a:lnSpc>
                 <a:spcPct val="100000"/>
               </a:lnSpc>
@@ -1240,7 +1240,7 @@
             </a:endParaRPr>
           </a:p>
           <a:p>
-            <a:pPr>
+            <a:pPr marL="216000" indent="-216000">
               <a:lnSpc>
                 <a:spcPct val="100000"/>
               </a:lnSpc>
@@ -1258,7 +1258,7 @@
             </a:endParaRPr>
           </a:p>
           <a:p>
-            <a:pPr>
+            <a:pPr marL="216000" indent="-216000">
               <a:lnSpc>
                 <a:spcPct val="100000"/>
               </a:lnSpc>
@@ -1301,7 +1301,7 @@
         <p:spPr>
           <a:xfrm>
             <a:off x="4278960" y="10157400"/>
-            <a:ext cx="3279600" cy="533160"/>
+            <a:ext cx="3279240" cy="532800"/>
           </a:xfrm>
           <a:prstGeom prst="rect">
             <a:avLst/>
@@ -1325,7 +1325,7 @@
                 <a:spcPct val="100000"/>
               </a:lnSpc>
             </a:pPr>
-            <a:fld id="{0E0E6079-4EC7-45F4-8BCE-51236D3818C5}" type="slidenum">
+            <a:fld id="{E68E7A89-8185-4421-A514-1298837AC0AF}" type="slidenum">
               <a:rPr b="0" lang="en-US" sz="1400" spc="-1" strike="noStrike">
                 <a:solidFill>
                   <a:srgbClr val="000000"/>
@@ -1389,7 +1389,7 @@
         <p:spPr>
           <a:xfrm>
             <a:off x="685800" y="4400640"/>
-            <a:ext cx="5484600" cy="3598560"/>
+            <a:ext cx="5484240" cy="3598200"/>
           </a:xfrm>
           <a:prstGeom prst="rect">
             <a:avLst/>
@@ -1398,7 +1398,7 @@
         <p:txBody>
           <a:bodyPr lIns="0" rIns="0" tIns="0" bIns="0"/>
           <a:p>
-            <a:pPr marL="216000" indent="-214920">
+            <a:pPr marL="216000" indent="-214560">
               <a:lnSpc>
                 <a:spcPct val="100000"/>
               </a:lnSpc>
@@ -1430,7 +1430,7 @@
             </a:endParaRPr>
           </a:p>
           <a:p>
-            <a:pPr marL="171360" indent="-169560">
+            <a:pPr marL="171360" indent="-169200">
               <a:lnSpc>
                 <a:spcPct val="100000"/>
               </a:lnSpc>
@@ -1481,7 +1481,7 @@
             </a:endParaRPr>
           </a:p>
           <a:p>
-            <a:pPr marL="171360" indent="-169560">
+            <a:pPr marL="171360" indent="-169200">
               <a:lnSpc>
                 <a:spcPct val="100000"/>
               </a:lnSpc>
@@ -1518,7 +1518,7 @@
             </a:endParaRPr>
           </a:p>
           <a:p>
-            <a:pPr marL="171360" indent="-169560">
+            <a:pPr marL="171360" indent="-169200">
               <a:lnSpc>
                 <a:spcPct val="100000"/>
               </a:lnSpc>
@@ -1569,7 +1569,7 @@
             </a:endParaRPr>
           </a:p>
           <a:p>
-            <a:pPr marL="171360" indent="-169560">
+            <a:pPr marL="171360" indent="-169200">
               <a:lnSpc>
                 <a:spcPct val="100000"/>
               </a:lnSpc>
@@ -1616,7 +1616,7 @@
         <p:spPr>
           <a:xfrm>
             <a:off x="3884760" y="8685360"/>
-            <a:ext cx="2970000" cy="456840"/>
+            <a:ext cx="2969640" cy="456480"/>
           </a:xfrm>
           <a:prstGeom prst="rect">
             <a:avLst/>
@@ -1640,7 +1640,7 @@
                 <a:spcPct val="100000"/>
               </a:lnSpc>
             </a:pPr>
-            <a:fld id="{47B6DCEB-2A03-455E-B0D8-38177F623C50}" type="slidenum">
+            <a:fld id="{49667ED1-11AA-4EE0-865A-992C03CBAF63}" type="slidenum">
               <a:rPr b="0" lang="en-US" sz="1200" spc="-1" strike="noStrike">
                 <a:solidFill>
                   <a:srgbClr val="000000"/>
@@ -1735,7 +1735,8 @@
         <p:txBody>
           <a:bodyPr lIns="0" rIns="0" tIns="0" bIns="0" anchor="ctr"/>
           <a:p>
-            <a:endParaRPr b="0" lang="de-DE" sz="1800" spc="-1" strike="noStrike">
+            <a:pPr algn="ctr"/>
+            <a:endParaRPr b="0" lang="en-US" sz="4400" spc="-1" strike="noStrike">
               <a:solidFill>
                 <a:srgbClr val="000000"/>
               </a:solidFill>
@@ -1771,7 +1772,7 @@
         <p:txBody>
           <a:bodyPr lIns="0" rIns="0" tIns="0" bIns="0"/>
           <a:p>
-            <a:endParaRPr b="0" lang="de-DE" sz="2800" spc="-1" strike="noStrike">
+            <a:endParaRPr b="0" lang="en-US" sz="3200" spc="-1" strike="noStrike">
               <a:solidFill>
                 <a:srgbClr val="000000"/>
               </a:solidFill>
@@ -1807,7 +1808,7 @@
         <p:txBody>
           <a:bodyPr lIns="0" rIns="0" tIns="0" bIns="0"/>
           <a:p>
-            <a:endParaRPr b="0" lang="de-DE" sz="2800" spc="-1" strike="noStrike">
+            <a:endParaRPr b="0" lang="en-US" sz="3200" spc="-1" strike="noStrike">
               <a:solidFill>
                 <a:srgbClr val="000000"/>
               </a:solidFill>
@@ -1865,7 +1866,8 @@
         <p:txBody>
           <a:bodyPr lIns="0" rIns="0" tIns="0" bIns="0" anchor="ctr"/>
           <a:p>
-            <a:endParaRPr b="0" lang="de-DE" sz="1800" spc="-1" strike="noStrike">
+            <a:pPr algn="ctr"/>
+            <a:endParaRPr b="0" lang="en-US" sz="4400" spc="-1" strike="noStrike">
               <a:solidFill>
                 <a:srgbClr val="000000"/>
               </a:solidFill>
@@ -1901,7 +1903,7 @@
         <p:txBody>
           <a:bodyPr lIns="0" rIns="0" tIns="0" bIns="0"/>
           <a:p>
-            <a:endParaRPr b="0" lang="de-DE" sz="2800" spc="-1" strike="noStrike">
+            <a:endParaRPr b="0" lang="en-US" sz="3200" spc="-1" strike="noStrike">
               <a:solidFill>
                 <a:srgbClr val="000000"/>
               </a:solidFill>
@@ -1937,7 +1939,7 @@
         <p:txBody>
           <a:bodyPr lIns="0" rIns="0" tIns="0" bIns="0"/>
           <a:p>
-            <a:endParaRPr b="0" lang="de-DE" sz="2800" spc="-1" strike="noStrike">
+            <a:endParaRPr b="0" lang="en-US" sz="3200" spc="-1" strike="noStrike">
               <a:solidFill>
                 <a:srgbClr val="000000"/>
               </a:solidFill>
@@ -1973,7 +1975,7 @@
         <p:txBody>
           <a:bodyPr lIns="0" rIns="0" tIns="0" bIns="0"/>
           <a:p>
-            <a:endParaRPr b="0" lang="de-DE" sz="2800" spc="-1" strike="noStrike">
+            <a:endParaRPr b="0" lang="en-US" sz="3200" spc="-1" strike="noStrike">
               <a:solidFill>
                 <a:srgbClr val="000000"/>
               </a:solidFill>
@@ -2009,7 +2011,7 @@
         <p:txBody>
           <a:bodyPr lIns="0" rIns="0" tIns="0" bIns="0"/>
           <a:p>
-            <a:endParaRPr b="0" lang="de-DE" sz="2800" spc="-1" strike="noStrike">
+            <a:endParaRPr b="0" lang="en-US" sz="3200" spc="-1" strike="noStrike">
               <a:solidFill>
                 <a:srgbClr val="000000"/>
               </a:solidFill>
@@ -2067,7 +2069,8 @@
         <p:txBody>
           <a:bodyPr lIns="0" rIns="0" tIns="0" bIns="0" anchor="ctr"/>
           <a:p>
-            <a:endParaRPr b="0" lang="de-DE" sz="1800" spc="-1" strike="noStrike">
+            <a:pPr algn="ctr"/>
+            <a:endParaRPr b="0" lang="en-US" sz="4400" spc="-1" strike="noStrike">
               <a:solidFill>
                 <a:srgbClr val="000000"/>
               </a:solidFill>
@@ -2103,7 +2106,7 @@
         <p:txBody>
           <a:bodyPr lIns="0" rIns="0" tIns="0" bIns="0"/>
           <a:p>
-            <a:endParaRPr b="0" lang="de-DE" sz="2800" spc="-1" strike="noStrike">
+            <a:endParaRPr b="0" lang="en-US" sz="3200" spc="-1" strike="noStrike">
               <a:solidFill>
                 <a:srgbClr val="000000"/>
               </a:solidFill>
@@ -2139,7 +2142,7 @@
         <p:txBody>
           <a:bodyPr lIns="0" rIns="0" tIns="0" bIns="0"/>
           <a:p>
-            <a:endParaRPr b="0" lang="de-DE" sz="2800" spc="-1" strike="noStrike">
+            <a:endParaRPr b="0" lang="en-US" sz="3200" spc="-1" strike="noStrike">
               <a:solidFill>
                 <a:srgbClr val="000000"/>
               </a:solidFill>
@@ -2265,7 +2268,8 @@
         <p:txBody>
           <a:bodyPr lIns="0" rIns="0" tIns="0" bIns="0" anchor="ctr"/>
           <a:p>
-            <a:endParaRPr b="0" lang="de-DE" sz="1800" spc="-1" strike="noStrike">
+            <a:pPr algn="ctr"/>
+            <a:endParaRPr b="0" lang="en-US" sz="4400" spc="-1" strike="noStrike">
               <a:solidFill>
                 <a:srgbClr val="000000"/>
               </a:solidFill>
@@ -2360,7 +2364,8 @@
         <p:txBody>
           <a:bodyPr lIns="0" rIns="0" tIns="0" bIns="0" anchor="ctr"/>
           <a:p>
-            <a:endParaRPr b="0" lang="de-DE" sz="1800" spc="-1" strike="noStrike">
+            <a:pPr algn="ctr"/>
+            <a:endParaRPr b="0" lang="en-US" sz="4400" spc="-1" strike="noStrike">
               <a:solidFill>
                 <a:srgbClr val="000000"/>
               </a:solidFill>
@@ -2396,7 +2401,7 @@
         <p:txBody>
           <a:bodyPr lIns="0" rIns="0" tIns="0" bIns="0"/>
           <a:p>
-            <a:endParaRPr b="0" lang="de-DE" sz="2800" spc="-1" strike="noStrike">
+            <a:endParaRPr b="0" lang="en-US" sz="3200" spc="-1" strike="noStrike">
               <a:solidFill>
                 <a:srgbClr val="000000"/>
               </a:solidFill>
@@ -2454,7 +2459,8 @@
         <p:txBody>
           <a:bodyPr lIns="0" rIns="0" tIns="0" bIns="0" anchor="ctr"/>
           <a:p>
-            <a:endParaRPr b="0" lang="de-DE" sz="1800" spc="-1" strike="noStrike">
+            <a:pPr algn="ctr"/>
+            <a:endParaRPr b="0" lang="en-US" sz="4400" spc="-1" strike="noStrike">
               <a:solidFill>
                 <a:srgbClr val="000000"/>
               </a:solidFill>
@@ -2490,7 +2496,7 @@
         <p:txBody>
           <a:bodyPr lIns="0" rIns="0" tIns="0" bIns="0"/>
           <a:p>
-            <a:endParaRPr b="0" lang="de-DE" sz="2800" spc="-1" strike="noStrike">
+            <a:endParaRPr b="0" lang="en-US" sz="3200" spc="-1" strike="noStrike">
               <a:solidFill>
                 <a:srgbClr val="000000"/>
               </a:solidFill>
@@ -2526,7 +2532,7 @@
         <p:txBody>
           <a:bodyPr lIns="0" rIns="0" tIns="0" bIns="0"/>
           <a:p>
-            <a:endParaRPr b="0" lang="de-DE" sz="2800" spc="-1" strike="noStrike">
+            <a:endParaRPr b="0" lang="en-US" sz="3200" spc="-1" strike="noStrike">
               <a:solidFill>
                 <a:srgbClr val="000000"/>
               </a:solidFill>
@@ -2584,7 +2590,8 @@
         <p:txBody>
           <a:bodyPr lIns="0" rIns="0" tIns="0" bIns="0" anchor="ctr"/>
           <a:p>
-            <a:endParaRPr b="0" lang="de-DE" sz="1800" spc="-1" strike="noStrike">
+            <a:pPr algn="ctr"/>
+            <a:endParaRPr b="0" lang="en-US" sz="4400" spc="-1" strike="noStrike">
               <a:solidFill>
                 <a:srgbClr val="000000"/>
               </a:solidFill>
@@ -2701,7 +2708,8 @@
         <p:txBody>
           <a:bodyPr lIns="0" rIns="0" tIns="0" bIns="0" anchor="ctr"/>
           <a:p>
-            <a:endParaRPr b="0" lang="de-DE" sz="1800" spc="-1" strike="noStrike">
+            <a:pPr algn="ctr"/>
+            <a:endParaRPr b="0" lang="en-US" sz="4400" spc="-1" strike="noStrike">
               <a:solidFill>
                 <a:srgbClr val="000000"/>
               </a:solidFill>
@@ -2737,7 +2745,7 @@
         <p:txBody>
           <a:bodyPr lIns="0" rIns="0" tIns="0" bIns="0"/>
           <a:p>
-            <a:endParaRPr b="0" lang="de-DE" sz="2800" spc="-1" strike="noStrike">
+            <a:endParaRPr b="0" lang="en-US" sz="3200" spc="-1" strike="noStrike">
               <a:solidFill>
                 <a:srgbClr val="000000"/>
               </a:solidFill>
@@ -2773,7 +2781,7 @@
         <p:txBody>
           <a:bodyPr lIns="0" rIns="0" tIns="0" bIns="0"/>
           <a:p>
-            <a:endParaRPr b="0" lang="de-DE" sz="2800" spc="-1" strike="noStrike">
+            <a:endParaRPr b="0" lang="en-US" sz="3200" spc="-1" strike="noStrike">
               <a:solidFill>
                 <a:srgbClr val="000000"/>
               </a:solidFill>
@@ -2809,7 +2817,7 @@
         <p:txBody>
           <a:bodyPr lIns="0" rIns="0" tIns="0" bIns="0"/>
           <a:p>
-            <a:endParaRPr b="0" lang="de-DE" sz="2800" spc="-1" strike="noStrike">
+            <a:endParaRPr b="0" lang="en-US" sz="3200" spc="-1" strike="noStrike">
               <a:solidFill>
                 <a:srgbClr val="000000"/>
               </a:solidFill>
@@ -2867,7 +2875,8 @@
         <p:txBody>
           <a:bodyPr lIns="0" rIns="0" tIns="0" bIns="0" anchor="ctr"/>
           <a:p>
-            <a:endParaRPr b="0" lang="de-DE" sz="1800" spc="-1" strike="noStrike">
+            <a:pPr algn="ctr"/>
+            <a:endParaRPr b="0" lang="en-US" sz="4400" spc="-1" strike="noStrike">
               <a:solidFill>
                 <a:srgbClr val="000000"/>
               </a:solidFill>
@@ -2962,7 +2971,8 @@
         <p:txBody>
           <a:bodyPr lIns="0" rIns="0" tIns="0" bIns="0" anchor="ctr"/>
           <a:p>
-            <a:endParaRPr b="0" lang="de-DE" sz="1800" spc="-1" strike="noStrike">
+            <a:pPr algn="ctr"/>
+            <a:endParaRPr b="0" lang="en-US" sz="4400" spc="-1" strike="noStrike">
               <a:solidFill>
                 <a:srgbClr val="000000"/>
               </a:solidFill>
@@ -2998,7 +3008,7 @@
         <p:txBody>
           <a:bodyPr lIns="0" rIns="0" tIns="0" bIns="0"/>
           <a:p>
-            <a:endParaRPr b="0" lang="de-DE" sz="2800" spc="-1" strike="noStrike">
+            <a:endParaRPr b="0" lang="en-US" sz="3200" spc="-1" strike="noStrike">
               <a:solidFill>
                 <a:srgbClr val="000000"/>
               </a:solidFill>
@@ -3034,7 +3044,7 @@
         <p:txBody>
           <a:bodyPr lIns="0" rIns="0" tIns="0" bIns="0"/>
           <a:p>
-            <a:endParaRPr b="0" lang="de-DE" sz="2800" spc="-1" strike="noStrike">
+            <a:endParaRPr b="0" lang="en-US" sz="3200" spc="-1" strike="noStrike">
               <a:solidFill>
                 <a:srgbClr val="000000"/>
               </a:solidFill>
@@ -3070,7 +3080,7 @@
         <p:txBody>
           <a:bodyPr lIns="0" rIns="0" tIns="0" bIns="0"/>
           <a:p>
-            <a:endParaRPr b="0" lang="de-DE" sz="2800" spc="-1" strike="noStrike">
+            <a:endParaRPr b="0" lang="en-US" sz="3200" spc="-1" strike="noStrike">
               <a:solidFill>
                 <a:srgbClr val="000000"/>
               </a:solidFill>
@@ -3128,7 +3138,8 @@
         <p:txBody>
           <a:bodyPr lIns="0" rIns="0" tIns="0" bIns="0" anchor="ctr"/>
           <a:p>
-            <a:endParaRPr b="0" lang="de-DE" sz="1800" spc="-1" strike="noStrike">
+            <a:pPr algn="ctr"/>
+            <a:endParaRPr b="0" lang="en-US" sz="4400" spc="-1" strike="noStrike">
               <a:solidFill>
                 <a:srgbClr val="000000"/>
               </a:solidFill>
@@ -3164,7 +3175,7 @@
         <p:txBody>
           <a:bodyPr lIns="0" rIns="0" tIns="0" bIns="0"/>
           <a:p>
-            <a:endParaRPr b="0" lang="de-DE" sz="2800" spc="-1" strike="noStrike">
+            <a:endParaRPr b="0" lang="en-US" sz="3200" spc="-1" strike="noStrike">
               <a:solidFill>
                 <a:srgbClr val="000000"/>
               </a:solidFill>
@@ -3200,7 +3211,7 @@
         <p:txBody>
           <a:bodyPr lIns="0" rIns="0" tIns="0" bIns="0"/>
           <a:p>
-            <a:endParaRPr b="0" lang="de-DE" sz="2800" spc="-1" strike="noStrike">
+            <a:endParaRPr b="0" lang="en-US" sz="3200" spc="-1" strike="noStrike">
               <a:solidFill>
                 <a:srgbClr val="000000"/>
               </a:solidFill>
@@ -3236,7 +3247,7 @@
         <p:txBody>
           <a:bodyPr lIns="0" rIns="0" tIns="0" bIns="0"/>
           <a:p>
-            <a:endParaRPr b="0" lang="de-DE" sz="2800" spc="-1" strike="noStrike">
+            <a:endParaRPr b="0" lang="en-US" sz="3200" spc="-1" strike="noStrike">
               <a:solidFill>
                 <a:srgbClr val="000000"/>
               </a:solidFill>
@@ -3294,7 +3305,8 @@
         <p:txBody>
           <a:bodyPr lIns="0" rIns="0" tIns="0" bIns="0" anchor="ctr"/>
           <a:p>
-            <a:endParaRPr b="0" lang="de-DE" sz="1800" spc="-1" strike="noStrike">
+            <a:pPr algn="ctr"/>
+            <a:endParaRPr b="0" lang="en-US" sz="4400" spc="-1" strike="noStrike">
               <a:solidFill>
                 <a:srgbClr val="000000"/>
               </a:solidFill>
@@ -3330,7 +3342,7 @@
         <p:txBody>
           <a:bodyPr lIns="0" rIns="0" tIns="0" bIns="0"/>
           <a:p>
-            <a:endParaRPr b="0" lang="de-DE" sz="2800" spc="-1" strike="noStrike">
+            <a:endParaRPr b="0" lang="en-US" sz="3200" spc="-1" strike="noStrike">
               <a:solidFill>
                 <a:srgbClr val="000000"/>
               </a:solidFill>
@@ -3366,7 +3378,7 @@
         <p:txBody>
           <a:bodyPr lIns="0" rIns="0" tIns="0" bIns="0"/>
           <a:p>
-            <a:endParaRPr b="0" lang="de-DE" sz="2800" spc="-1" strike="noStrike">
+            <a:endParaRPr b="0" lang="en-US" sz="3200" spc="-1" strike="noStrike">
               <a:solidFill>
                 <a:srgbClr val="000000"/>
               </a:solidFill>
@@ -3424,7 +3436,8 @@
         <p:txBody>
           <a:bodyPr lIns="0" rIns="0" tIns="0" bIns="0" anchor="ctr"/>
           <a:p>
-            <a:endParaRPr b="0" lang="de-DE" sz="1800" spc="-1" strike="noStrike">
+            <a:pPr algn="ctr"/>
+            <a:endParaRPr b="0" lang="en-US" sz="4400" spc="-1" strike="noStrike">
               <a:solidFill>
                 <a:srgbClr val="000000"/>
               </a:solidFill>
@@ -3460,7 +3473,7 @@
         <p:txBody>
           <a:bodyPr lIns="0" rIns="0" tIns="0" bIns="0"/>
           <a:p>
-            <a:endParaRPr b="0" lang="de-DE" sz="2800" spc="-1" strike="noStrike">
+            <a:endParaRPr b="0" lang="en-US" sz="3200" spc="-1" strike="noStrike">
               <a:solidFill>
                 <a:srgbClr val="000000"/>
               </a:solidFill>
@@ -3496,7 +3509,7 @@
         <p:txBody>
           <a:bodyPr lIns="0" rIns="0" tIns="0" bIns="0"/>
           <a:p>
-            <a:endParaRPr b="0" lang="de-DE" sz="2800" spc="-1" strike="noStrike">
+            <a:endParaRPr b="0" lang="en-US" sz="3200" spc="-1" strike="noStrike">
               <a:solidFill>
                 <a:srgbClr val="000000"/>
               </a:solidFill>
@@ -3532,7 +3545,7 @@
         <p:txBody>
           <a:bodyPr lIns="0" rIns="0" tIns="0" bIns="0"/>
           <a:p>
-            <a:endParaRPr b="0" lang="de-DE" sz="2800" spc="-1" strike="noStrike">
+            <a:endParaRPr b="0" lang="en-US" sz="3200" spc="-1" strike="noStrike">
               <a:solidFill>
                 <a:srgbClr val="000000"/>
               </a:solidFill>
@@ -3568,7 +3581,7 @@
         <p:txBody>
           <a:bodyPr lIns="0" rIns="0" tIns="0" bIns="0"/>
           <a:p>
-            <a:endParaRPr b="0" lang="de-DE" sz="2800" spc="-1" strike="noStrike">
+            <a:endParaRPr b="0" lang="en-US" sz="3200" spc="-1" strike="noStrike">
               <a:solidFill>
                 <a:srgbClr val="000000"/>
               </a:solidFill>
@@ -3626,7 +3639,8 @@
         <p:txBody>
           <a:bodyPr lIns="0" rIns="0" tIns="0" bIns="0" anchor="ctr"/>
           <a:p>
-            <a:endParaRPr b="0" lang="de-DE" sz="1800" spc="-1" strike="noStrike">
+            <a:pPr algn="ctr"/>
+            <a:endParaRPr b="0" lang="en-US" sz="4400" spc="-1" strike="noStrike">
               <a:solidFill>
                 <a:srgbClr val="000000"/>
               </a:solidFill>
@@ -3662,7 +3676,7 @@
         <p:txBody>
           <a:bodyPr lIns="0" rIns="0" tIns="0" bIns="0"/>
           <a:p>
-            <a:endParaRPr b="0" lang="de-DE" sz="2800" spc="-1" strike="noStrike">
+            <a:endParaRPr b="0" lang="en-US" sz="3200" spc="-1" strike="noStrike">
               <a:solidFill>
                 <a:srgbClr val="000000"/>
               </a:solidFill>
@@ -3698,7 +3712,7 @@
         <p:txBody>
           <a:bodyPr lIns="0" rIns="0" tIns="0" bIns="0"/>
           <a:p>
-            <a:endParaRPr b="0" lang="de-DE" sz="2800" spc="-1" strike="noStrike">
+            <a:endParaRPr b="0" lang="en-US" sz="3200" spc="-1" strike="noStrike">
               <a:solidFill>
                 <a:srgbClr val="000000"/>
               </a:solidFill>
@@ -3824,7 +3838,8 @@
         <p:txBody>
           <a:bodyPr lIns="0" rIns="0" tIns="0" bIns="0" anchor="ctr"/>
           <a:p>
-            <a:endParaRPr b="0" lang="de-DE" sz="1800" spc="-1" strike="noStrike">
+            <a:pPr algn="ctr"/>
+            <a:endParaRPr b="0" lang="en-US" sz="4400" spc="-1" strike="noStrike">
               <a:solidFill>
                 <a:srgbClr val="000000"/>
               </a:solidFill>
@@ -3919,7 +3934,8 @@
         <p:txBody>
           <a:bodyPr lIns="0" rIns="0" tIns="0" bIns="0" anchor="ctr"/>
           <a:p>
-            <a:endParaRPr b="0" lang="de-DE" sz="1800" spc="-1" strike="noStrike">
+            <a:pPr algn="ctr"/>
+            <a:endParaRPr b="0" lang="en-US" sz="4400" spc="-1" strike="noStrike">
               <a:solidFill>
                 <a:srgbClr val="000000"/>
               </a:solidFill>
@@ -3955,7 +3971,7 @@
         <p:txBody>
           <a:bodyPr lIns="0" rIns="0" tIns="0" bIns="0"/>
           <a:p>
-            <a:endParaRPr b="0" lang="de-DE" sz="2800" spc="-1" strike="noStrike">
+            <a:endParaRPr b="0" lang="en-US" sz="3200" spc="-1" strike="noStrike">
               <a:solidFill>
                 <a:srgbClr val="000000"/>
               </a:solidFill>
@@ -4013,7 +4029,8 @@
         <p:txBody>
           <a:bodyPr lIns="0" rIns="0" tIns="0" bIns="0" anchor="ctr"/>
           <a:p>
-            <a:endParaRPr b="0" lang="de-DE" sz="1800" spc="-1" strike="noStrike">
+            <a:pPr algn="ctr"/>
+            <a:endParaRPr b="0" lang="en-US" sz="4400" spc="-1" strike="noStrike">
               <a:solidFill>
                 <a:srgbClr val="000000"/>
               </a:solidFill>
@@ -4049,7 +4066,7 @@
         <p:txBody>
           <a:bodyPr lIns="0" rIns="0" tIns="0" bIns="0"/>
           <a:p>
-            <a:endParaRPr b="0" lang="de-DE" sz="2800" spc="-1" strike="noStrike">
+            <a:endParaRPr b="0" lang="en-US" sz="3200" spc="-1" strike="noStrike">
               <a:solidFill>
                 <a:srgbClr val="000000"/>
               </a:solidFill>
@@ -4085,7 +4102,7 @@
         <p:txBody>
           <a:bodyPr lIns="0" rIns="0" tIns="0" bIns="0"/>
           <a:p>
-            <a:endParaRPr b="0" lang="de-DE" sz="2800" spc="-1" strike="noStrike">
+            <a:endParaRPr b="0" lang="en-US" sz="3200" spc="-1" strike="noStrike">
               <a:solidFill>
                 <a:srgbClr val="000000"/>
               </a:solidFill>
@@ -4143,7 +4160,8 @@
         <p:txBody>
           <a:bodyPr lIns="0" rIns="0" tIns="0" bIns="0" anchor="ctr"/>
           <a:p>
-            <a:endParaRPr b="0" lang="de-DE" sz="1800" spc="-1" strike="noStrike">
+            <a:pPr algn="ctr"/>
+            <a:endParaRPr b="0" lang="en-US" sz="4400" spc="-1" strike="noStrike">
               <a:solidFill>
                 <a:srgbClr val="000000"/>
               </a:solidFill>
@@ -4201,7 +4219,8 @@
         <p:txBody>
           <a:bodyPr lIns="0" rIns="0" tIns="0" bIns="0" anchor="ctr"/>
           <a:p>
-            <a:endParaRPr b="0" lang="de-DE" sz="1800" spc="-1" strike="noStrike">
+            <a:pPr algn="ctr"/>
+            <a:endParaRPr b="0" lang="en-US" sz="4400" spc="-1" strike="noStrike">
               <a:solidFill>
                 <a:srgbClr val="000000"/>
               </a:solidFill>
@@ -4237,7 +4256,7 @@
         <p:txBody>
           <a:bodyPr lIns="0" rIns="0" tIns="0" bIns="0"/>
           <a:p>
-            <a:endParaRPr b="0" lang="de-DE" sz="2800" spc="-1" strike="noStrike">
+            <a:endParaRPr b="0" lang="en-US" sz="3200" spc="-1" strike="noStrike">
               <a:solidFill>
                 <a:srgbClr val="000000"/>
               </a:solidFill>
@@ -4354,7 +4373,8 @@
         <p:txBody>
           <a:bodyPr lIns="0" rIns="0" tIns="0" bIns="0" anchor="ctr"/>
           <a:p>
-            <a:endParaRPr b="0" lang="de-DE" sz="1800" spc="-1" strike="noStrike">
+            <a:pPr algn="ctr"/>
+            <a:endParaRPr b="0" lang="en-US" sz="4400" spc="-1" strike="noStrike">
               <a:solidFill>
                 <a:srgbClr val="000000"/>
               </a:solidFill>
@@ -4390,7 +4410,7 @@
         <p:txBody>
           <a:bodyPr lIns="0" rIns="0" tIns="0" bIns="0"/>
           <a:p>
-            <a:endParaRPr b="0" lang="de-DE" sz="2800" spc="-1" strike="noStrike">
+            <a:endParaRPr b="0" lang="en-US" sz="3200" spc="-1" strike="noStrike">
               <a:solidFill>
                 <a:srgbClr val="000000"/>
               </a:solidFill>
@@ -4426,7 +4446,7 @@
         <p:txBody>
           <a:bodyPr lIns="0" rIns="0" tIns="0" bIns="0"/>
           <a:p>
-            <a:endParaRPr b="0" lang="de-DE" sz="2800" spc="-1" strike="noStrike">
+            <a:endParaRPr b="0" lang="en-US" sz="3200" spc="-1" strike="noStrike">
               <a:solidFill>
                 <a:srgbClr val="000000"/>
               </a:solidFill>
@@ -4462,7 +4482,7 @@
         <p:txBody>
           <a:bodyPr lIns="0" rIns="0" tIns="0" bIns="0"/>
           <a:p>
-            <a:endParaRPr b="0" lang="de-DE" sz="2800" spc="-1" strike="noStrike">
+            <a:endParaRPr b="0" lang="en-US" sz="3200" spc="-1" strike="noStrike">
               <a:solidFill>
                 <a:srgbClr val="000000"/>
               </a:solidFill>
@@ -4520,7 +4540,8 @@
         <p:txBody>
           <a:bodyPr lIns="0" rIns="0" tIns="0" bIns="0" anchor="ctr"/>
           <a:p>
-            <a:endParaRPr b="0" lang="de-DE" sz="1800" spc="-1" strike="noStrike">
+            <a:pPr algn="ctr"/>
+            <a:endParaRPr b="0" lang="en-US" sz="4400" spc="-1" strike="noStrike">
               <a:solidFill>
                 <a:srgbClr val="000000"/>
               </a:solidFill>
@@ -4556,7 +4577,7 @@
         <p:txBody>
           <a:bodyPr lIns="0" rIns="0" tIns="0" bIns="0"/>
           <a:p>
-            <a:endParaRPr b="0" lang="de-DE" sz="2800" spc="-1" strike="noStrike">
+            <a:endParaRPr b="0" lang="en-US" sz="3200" spc="-1" strike="noStrike">
               <a:solidFill>
                 <a:srgbClr val="000000"/>
               </a:solidFill>
@@ -4592,7 +4613,7 @@
         <p:txBody>
           <a:bodyPr lIns="0" rIns="0" tIns="0" bIns="0"/>
           <a:p>
-            <a:endParaRPr b="0" lang="de-DE" sz="2800" spc="-1" strike="noStrike">
+            <a:endParaRPr b="0" lang="en-US" sz="3200" spc="-1" strike="noStrike">
               <a:solidFill>
                 <a:srgbClr val="000000"/>
               </a:solidFill>
@@ -4628,7 +4649,7 @@
         <p:txBody>
           <a:bodyPr lIns="0" rIns="0" tIns="0" bIns="0"/>
           <a:p>
-            <a:endParaRPr b="0" lang="de-DE" sz="2800" spc="-1" strike="noStrike">
+            <a:endParaRPr b="0" lang="en-US" sz="3200" spc="-1" strike="noStrike">
               <a:solidFill>
                 <a:srgbClr val="000000"/>
               </a:solidFill>
@@ -4686,7 +4707,8 @@
         <p:txBody>
           <a:bodyPr lIns="0" rIns="0" tIns="0" bIns="0" anchor="ctr"/>
           <a:p>
-            <a:endParaRPr b="0" lang="de-DE" sz="1800" spc="-1" strike="noStrike">
+            <a:pPr algn="ctr"/>
+            <a:endParaRPr b="0" lang="en-US" sz="4400" spc="-1" strike="noStrike">
               <a:solidFill>
                 <a:srgbClr val="000000"/>
               </a:solidFill>
@@ -4722,7 +4744,7 @@
         <p:txBody>
           <a:bodyPr lIns="0" rIns="0" tIns="0" bIns="0"/>
           <a:p>
-            <a:endParaRPr b="0" lang="de-DE" sz="2800" spc="-1" strike="noStrike">
+            <a:endParaRPr b="0" lang="en-US" sz="3200" spc="-1" strike="noStrike">
               <a:solidFill>
                 <a:srgbClr val="000000"/>
               </a:solidFill>
@@ -4758,7 +4780,7 @@
         <p:txBody>
           <a:bodyPr lIns="0" rIns="0" tIns="0" bIns="0"/>
           <a:p>
-            <a:endParaRPr b="0" lang="de-DE" sz="2800" spc="-1" strike="noStrike">
+            <a:endParaRPr b="0" lang="en-US" sz="3200" spc="-1" strike="noStrike">
               <a:solidFill>
                 <a:srgbClr val="000000"/>
               </a:solidFill>
@@ -4794,7 +4816,7 @@
         <p:txBody>
           <a:bodyPr lIns="0" rIns="0" tIns="0" bIns="0"/>
           <a:p>
-            <a:endParaRPr b="0" lang="de-DE" sz="2800" spc="-1" strike="noStrike">
+            <a:endParaRPr b="0" lang="en-US" sz="3200" spc="-1" strike="noStrike">
               <a:solidFill>
                 <a:srgbClr val="000000"/>
               </a:solidFill>
@@ -4852,7 +4874,8 @@
         <p:txBody>
           <a:bodyPr lIns="0" rIns="0" tIns="0" bIns="0" anchor="ctr"/>
           <a:p>
-            <a:endParaRPr b="0" lang="de-DE" sz="1800" spc="-1" strike="noStrike">
+            <a:pPr algn="ctr"/>
+            <a:endParaRPr b="0" lang="en-US" sz="4400" spc="-1" strike="noStrike">
               <a:solidFill>
                 <a:srgbClr val="000000"/>
               </a:solidFill>
@@ -4888,7 +4911,7 @@
         <p:txBody>
           <a:bodyPr lIns="0" rIns="0" tIns="0" bIns="0"/>
           <a:p>
-            <a:endParaRPr b="0" lang="de-DE" sz="2800" spc="-1" strike="noStrike">
+            <a:endParaRPr b="0" lang="en-US" sz="3200" spc="-1" strike="noStrike">
               <a:solidFill>
                 <a:srgbClr val="000000"/>
               </a:solidFill>
@@ -4924,7 +4947,7 @@
         <p:txBody>
           <a:bodyPr lIns="0" rIns="0" tIns="0" bIns="0"/>
           <a:p>
-            <a:endParaRPr b="0" lang="de-DE" sz="2800" spc="-1" strike="noStrike">
+            <a:endParaRPr b="0" lang="en-US" sz="3200" spc="-1" strike="noStrike">
               <a:solidFill>
                 <a:srgbClr val="000000"/>
               </a:solidFill>
@@ -4982,7 +5005,8 @@
         <p:txBody>
           <a:bodyPr lIns="0" rIns="0" tIns="0" bIns="0" anchor="ctr"/>
           <a:p>
-            <a:endParaRPr b="0" lang="de-DE" sz="1800" spc="-1" strike="noStrike">
+            <a:pPr algn="ctr"/>
+            <a:endParaRPr b="0" lang="en-US" sz="4400" spc="-1" strike="noStrike">
               <a:solidFill>
                 <a:srgbClr val="000000"/>
               </a:solidFill>
@@ -5018,7 +5042,7 @@
         <p:txBody>
           <a:bodyPr lIns="0" rIns="0" tIns="0" bIns="0"/>
           <a:p>
-            <a:endParaRPr b="0" lang="de-DE" sz="2800" spc="-1" strike="noStrike">
+            <a:endParaRPr b="0" lang="en-US" sz="3200" spc="-1" strike="noStrike">
               <a:solidFill>
                 <a:srgbClr val="000000"/>
               </a:solidFill>
@@ -5054,7 +5078,7 @@
         <p:txBody>
           <a:bodyPr lIns="0" rIns="0" tIns="0" bIns="0"/>
           <a:p>
-            <a:endParaRPr b="0" lang="de-DE" sz="2800" spc="-1" strike="noStrike">
+            <a:endParaRPr b="0" lang="en-US" sz="3200" spc="-1" strike="noStrike">
               <a:solidFill>
                 <a:srgbClr val="000000"/>
               </a:solidFill>
@@ -5090,7 +5114,7 @@
         <p:txBody>
           <a:bodyPr lIns="0" rIns="0" tIns="0" bIns="0"/>
           <a:p>
-            <a:endParaRPr b="0" lang="de-DE" sz="2800" spc="-1" strike="noStrike">
+            <a:endParaRPr b="0" lang="en-US" sz="3200" spc="-1" strike="noStrike">
               <a:solidFill>
                 <a:srgbClr val="000000"/>
               </a:solidFill>
@@ -5126,7 +5150,7 @@
         <p:txBody>
           <a:bodyPr lIns="0" rIns="0" tIns="0" bIns="0"/>
           <a:p>
-            <a:endParaRPr b="0" lang="de-DE" sz="2800" spc="-1" strike="noStrike">
+            <a:endParaRPr b="0" lang="en-US" sz="3200" spc="-1" strike="noStrike">
               <a:solidFill>
                 <a:srgbClr val="000000"/>
               </a:solidFill>
@@ -5184,7 +5208,8 @@
         <p:txBody>
           <a:bodyPr lIns="0" rIns="0" tIns="0" bIns="0" anchor="ctr"/>
           <a:p>
-            <a:endParaRPr b="0" lang="de-DE" sz="1800" spc="-1" strike="noStrike">
+            <a:pPr algn="ctr"/>
+            <a:endParaRPr b="0" lang="en-US" sz="4400" spc="-1" strike="noStrike">
               <a:solidFill>
                 <a:srgbClr val="000000"/>
               </a:solidFill>
@@ -5220,7 +5245,7 @@
         <p:txBody>
           <a:bodyPr lIns="0" rIns="0" tIns="0" bIns="0"/>
           <a:p>
-            <a:endParaRPr b="0" lang="de-DE" sz="2800" spc="-1" strike="noStrike">
+            <a:endParaRPr b="0" lang="en-US" sz="3200" spc="-1" strike="noStrike">
               <a:solidFill>
                 <a:srgbClr val="000000"/>
               </a:solidFill>
@@ -5256,7 +5281,7 @@
         <p:txBody>
           <a:bodyPr lIns="0" rIns="0" tIns="0" bIns="0"/>
           <a:p>
-            <a:endParaRPr b="0" lang="de-DE" sz="2800" spc="-1" strike="noStrike">
+            <a:endParaRPr b="0" lang="en-US" sz="3200" spc="-1" strike="noStrike">
               <a:solidFill>
                 <a:srgbClr val="000000"/>
               </a:solidFill>
@@ -5382,7 +5407,8 @@
         <p:txBody>
           <a:bodyPr lIns="0" rIns="0" tIns="0" bIns="0" anchor="ctr"/>
           <a:p>
-            <a:endParaRPr b="0" lang="de-DE" sz="1800" spc="-1" strike="noStrike">
+            <a:pPr algn="ctr"/>
+            <a:endParaRPr b="0" lang="en-US" sz="4400" spc="-1" strike="noStrike">
               <a:solidFill>
                 <a:srgbClr val="000000"/>
               </a:solidFill>
@@ -5477,7 +5503,8 @@
         <p:txBody>
           <a:bodyPr lIns="0" rIns="0" tIns="0" bIns="0" anchor="ctr"/>
           <a:p>
-            <a:endParaRPr b="0" lang="de-DE" sz="1800" spc="-1" strike="noStrike">
+            <a:pPr algn="ctr"/>
+            <a:endParaRPr b="0" lang="en-US" sz="4400" spc="-1" strike="noStrike">
               <a:solidFill>
                 <a:srgbClr val="000000"/>
               </a:solidFill>
@@ -5513,7 +5540,7 @@
         <p:txBody>
           <a:bodyPr lIns="0" rIns="0" tIns="0" bIns="0"/>
           <a:p>
-            <a:endParaRPr b="0" lang="de-DE" sz="2800" spc="-1" strike="noStrike">
+            <a:endParaRPr b="0" lang="en-US" sz="3200" spc="-1" strike="noStrike">
               <a:solidFill>
                 <a:srgbClr val="000000"/>
               </a:solidFill>
@@ -5571,7 +5598,8 @@
         <p:txBody>
           <a:bodyPr lIns="0" rIns="0" tIns="0" bIns="0" anchor="ctr"/>
           <a:p>
-            <a:endParaRPr b="0" lang="de-DE" sz="1800" spc="-1" strike="noStrike">
+            <a:pPr algn="ctr"/>
+            <a:endParaRPr b="0" lang="en-US" sz="4400" spc="-1" strike="noStrike">
               <a:solidFill>
                 <a:srgbClr val="000000"/>
               </a:solidFill>
@@ -5607,7 +5635,7 @@
         <p:txBody>
           <a:bodyPr lIns="0" rIns="0" tIns="0" bIns="0"/>
           <a:p>
-            <a:endParaRPr b="0" lang="de-DE" sz="2800" spc="-1" strike="noStrike">
+            <a:endParaRPr b="0" lang="en-US" sz="3200" spc="-1" strike="noStrike">
               <a:solidFill>
                 <a:srgbClr val="000000"/>
               </a:solidFill>
@@ -5643,7 +5671,7 @@
         <p:txBody>
           <a:bodyPr lIns="0" rIns="0" tIns="0" bIns="0"/>
           <a:p>
-            <a:endParaRPr b="0" lang="de-DE" sz="2800" spc="-1" strike="noStrike">
+            <a:endParaRPr b="0" lang="en-US" sz="3200" spc="-1" strike="noStrike">
               <a:solidFill>
                 <a:srgbClr val="000000"/>
               </a:solidFill>
@@ -5701,7 +5729,8 @@
         <p:txBody>
           <a:bodyPr lIns="0" rIns="0" tIns="0" bIns="0" anchor="ctr"/>
           <a:p>
-            <a:endParaRPr b="0" lang="de-DE" sz="1800" spc="-1" strike="noStrike">
+            <a:pPr algn="ctr"/>
+            <a:endParaRPr b="0" lang="en-US" sz="4400" spc="-1" strike="noStrike">
               <a:solidFill>
                 <a:srgbClr val="000000"/>
               </a:solidFill>
@@ -5737,7 +5766,7 @@
         <p:txBody>
           <a:bodyPr lIns="0" rIns="0" tIns="0" bIns="0"/>
           <a:p>
-            <a:endParaRPr b="0" lang="de-DE" sz="2800" spc="-1" strike="noStrike">
+            <a:endParaRPr b="0" lang="en-US" sz="3200" spc="-1" strike="noStrike">
               <a:solidFill>
                 <a:srgbClr val="000000"/>
               </a:solidFill>
@@ -5773,7 +5802,7 @@
         <p:txBody>
           <a:bodyPr lIns="0" rIns="0" tIns="0" bIns="0"/>
           <a:p>
-            <a:endParaRPr b="0" lang="de-DE" sz="2800" spc="-1" strike="noStrike">
+            <a:endParaRPr b="0" lang="en-US" sz="3200" spc="-1" strike="noStrike">
               <a:solidFill>
                 <a:srgbClr val="000000"/>
               </a:solidFill>
@@ -5831,7 +5860,8 @@
         <p:txBody>
           <a:bodyPr lIns="0" rIns="0" tIns="0" bIns="0" anchor="ctr"/>
           <a:p>
-            <a:endParaRPr b="0" lang="de-DE" sz="1800" spc="-1" strike="noStrike">
+            <a:pPr algn="ctr"/>
+            <a:endParaRPr b="0" lang="en-US" sz="4400" spc="-1" strike="noStrike">
               <a:solidFill>
                 <a:srgbClr val="000000"/>
               </a:solidFill>
@@ -5948,7 +5978,8 @@
         <p:txBody>
           <a:bodyPr lIns="0" rIns="0" tIns="0" bIns="0" anchor="ctr"/>
           <a:p>
-            <a:endParaRPr b="0" lang="de-DE" sz="1800" spc="-1" strike="noStrike">
+            <a:pPr algn="ctr"/>
+            <a:endParaRPr b="0" lang="en-US" sz="4400" spc="-1" strike="noStrike">
               <a:solidFill>
                 <a:srgbClr val="000000"/>
               </a:solidFill>
@@ -5984,7 +6015,7 @@
         <p:txBody>
           <a:bodyPr lIns="0" rIns="0" tIns="0" bIns="0"/>
           <a:p>
-            <a:endParaRPr b="0" lang="de-DE" sz="2800" spc="-1" strike="noStrike">
+            <a:endParaRPr b="0" lang="en-US" sz="3200" spc="-1" strike="noStrike">
               <a:solidFill>
                 <a:srgbClr val="000000"/>
               </a:solidFill>
@@ -6020,7 +6051,7 @@
         <p:txBody>
           <a:bodyPr lIns="0" rIns="0" tIns="0" bIns="0"/>
           <a:p>
-            <a:endParaRPr b="0" lang="de-DE" sz="2800" spc="-1" strike="noStrike">
+            <a:endParaRPr b="0" lang="en-US" sz="3200" spc="-1" strike="noStrike">
               <a:solidFill>
                 <a:srgbClr val="000000"/>
               </a:solidFill>
@@ -6056,7 +6087,7 @@
         <p:txBody>
           <a:bodyPr lIns="0" rIns="0" tIns="0" bIns="0"/>
           <a:p>
-            <a:endParaRPr b="0" lang="de-DE" sz="2800" spc="-1" strike="noStrike">
+            <a:endParaRPr b="0" lang="en-US" sz="3200" spc="-1" strike="noStrike">
               <a:solidFill>
                 <a:srgbClr val="000000"/>
               </a:solidFill>
@@ -6114,7 +6145,8 @@
         <p:txBody>
           <a:bodyPr lIns="0" rIns="0" tIns="0" bIns="0" anchor="ctr"/>
           <a:p>
-            <a:endParaRPr b="0" lang="de-DE" sz="1800" spc="-1" strike="noStrike">
+            <a:pPr algn="ctr"/>
+            <a:endParaRPr b="0" lang="en-US" sz="4400" spc="-1" strike="noStrike">
               <a:solidFill>
                 <a:srgbClr val="000000"/>
               </a:solidFill>
@@ -6150,7 +6182,7 @@
         <p:txBody>
           <a:bodyPr lIns="0" rIns="0" tIns="0" bIns="0"/>
           <a:p>
-            <a:endParaRPr b="0" lang="de-DE" sz="2800" spc="-1" strike="noStrike">
+            <a:endParaRPr b="0" lang="en-US" sz="3200" spc="-1" strike="noStrike">
               <a:solidFill>
                 <a:srgbClr val="000000"/>
               </a:solidFill>
@@ -6186,7 +6218,7 @@
         <p:txBody>
           <a:bodyPr lIns="0" rIns="0" tIns="0" bIns="0"/>
           <a:p>
-            <a:endParaRPr b="0" lang="de-DE" sz="2800" spc="-1" strike="noStrike">
+            <a:endParaRPr b="0" lang="en-US" sz="3200" spc="-1" strike="noStrike">
               <a:solidFill>
                 <a:srgbClr val="000000"/>
               </a:solidFill>
@@ -6222,7 +6254,7 @@
         <p:txBody>
           <a:bodyPr lIns="0" rIns="0" tIns="0" bIns="0"/>
           <a:p>
-            <a:endParaRPr b="0" lang="de-DE" sz="2800" spc="-1" strike="noStrike">
+            <a:endParaRPr b="0" lang="en-US" sz="3200" spc="-1" strike="noStrike">
               <a:solidFill>
                 <a:srgbClr val="000000"/>
               </a:solidFill>
@@ -6280,7 +6312,8 @@
         <p:txBody>
           <a:bodyPr lIns="0" rIns="0" tIns="0" bIns="0" anchor="ctr"/>
           <a:p>
-            <a:endParaRPr b="0" lang="de-DE" sz="1800" spc="-1" strike="noStrike">
+            <a:pPr algn="ctr"/>
+            <a:endParaRPr b="0" lang="en-US" sz="4400" spc="-1" strike="noStrike">
               <a:solidFill>
                 <a:srgbClr val="000000"/>
               </a:solidFill>
@@ -6316,7 +6349,7 @@
         <p:txBody>
           <a:bodyPr lIns="0" rIns="0" tIns="0" bIns="0"/>
           <a:p>
-            <a:endParaRPr b="0" lang="de-DE" sz="2800" spc="-1" strike="noStrike">
+            <a:endParaRPr b="0" lang="en-US" sz="3200" spc="-1" strike="noStrike">
               <a:solidFill>
                 <a:srgbClr val="000000"/>
               </a:solidFill>
@@ -6352,7 +6385,7 @@
         <p:txBody>
           <a:bodyPr lIns="0" rIns="0" tIns="0" bIns="0"/>
           <a:p>
-            <a:endParaRPr b="0" lang="de-DE" sz="2800" spc="-1" strike="noStrike">
+            <a:endParaRPr b="0" lang="en-US" sz="3200" spc="-1" strike="noStrike">
               <a:solidFill>
                 <a:srgbClr val="000000"/>
               </a:solidFill>
@@ -6388,7 +6421,7 @@
         <p:txBody>
           <a:bodyPr lIns="0" rIns="0" tIns="0" bIns="0"/>
           <a:p>
-            <a:endParaRPr b="0" lang="de-DE" sz="2800" spc="-1" strike="noStrike">
+            <a:endParaRPr b="0" lang="en-US" sz="3200" spc="-1" strike="noStrike">
               <a:solidFill>
                 <a:srgbClr val="000000"/>
               </a:solidFill>
@@ -6446,7 +6479,8 @@
         <p:txBody>
           <a:bodyPr lIns="0" rIns="0" tIns="0" bIns="0" anchor="ctr"/>
           <a:p>
-            <a:endParaRPr b="0" lang="de-DE" sz="1800" spc="-1" strike="noStrike">
+            <a:pPr algn="ctr"/>
+            <a:endParaRPr b="0" lang="en-US" sz="4400" spc="-1" strike="noStrike">
               <a:solidFill>
                 <a:srgbClr val="000000"/>
               </a:solidFill>
@@ -6482,7 +6516,7 @@
         <p:txBody>
           <a:bodyPr lIns="0" rIns="0" tIns="0" bIns="0"/>
           <a:p>
-            <a:endParaRPr b="0" lang="de-DE" sz="2800" spc="-1" strike="noStrike">
+            <a:endParaRPr b="0" lang="en-US" sz="3200" spc="-1" strike="noStrike">
               <a:solidFill>
                 <a:srgbClr val="000000"/>
               </a:solidFill>
@@ -6518,7 +6552,7 @@
         <p:txBody>
           <a:bodyPr lIns="0" rIns="0" tIns="0" bIns="0"/>
           <a:p>
-            <a:endParaRPr b="0" lang="de-DE" sz="2800" spc="-1" strike="noStrike">
+            <a:endParaRPr b="0" lang="en-US" sz="3200" spc="-1" strike="noStrike">
               <a:solidFill>
                 <a:srgbClr val="000000"/>
               </a:solidFill>
@@ -6576,7 +6610,8 @@
         <p:txBody>
           <a:bodyPr lIns="0" rIns="0" tIns="0" bIns="0" anchor="ctr"/>
           <a:p>
-            <a:endParaRPr b="0" lang="de-DE" sz="1800" spc="-1" strike="noStrike">
+            <a:pPr algn="ctr"/>
+            <a:endParaRPr b="0" lang="en-US" sz="4400" spc="-1" strike="noStrike">
               <a:solidFill>
                 <a:srgbClr val="000000"/>
               </a:solidFill>
@@ -6612,7 +6647,7 @@
         <p:txBody>
           <a:bodyPr lIns="0" rIns="0" tIns="0" bIns="0"/>
           <a:p>
-            <a:endParaRPr b="0" lang="de-DE" sz="2800" spc="-1" strike="noStrike">
+            <a:endParaRPr b="0" lang="en-US" sz="3200" spc="-1" strike="noStrike">
               <a:solidFill>
                 <a:srgbClr val="000000"/>
               </a:solidFill>
@@ -6648,7 +6683,7 @@
         <p:txBody>
           <a:bodyPr lIns="0" rIns="0" tIns="0" bIns="0"/>
           <a:p>
-            <a:endParaRPr b="0" lang="de-DE" sz="2800" spc="-1" strike="noStrike">
+            <a:endParaRPr b="0" lang="en-US" sz="3200" spc="-1" strike="noStrike">
               <a:solidFill>
                 <a:srgbClr val="000000"/>
               </a:solidFill>
@@ -6684,7 +6719,7 @@
         <p:txBody>
           <a:bodyPr lIns="0" rIns="0" tIns="0" bIns="0"/>
           <a:p>
-            <a:endParaRPr b="0" lang="de-DE" sz="2800" spc="-1" strike="noStrike">
+            <a:endParaRPr b="0" lang="en-US" sz="3200" spc="-1" strike="noStrike">
               <a:solidFill>
                 <a:srgbClr val="000000"/>
               </a:solidFill>
@@ -6720,7 +6755,7 @@
         <p:txBody>
           <a:bodyPr lIns="0" rIns="0" tIns="0" bIns="0"/>
           <a:p>
-            <a:endParaRPr b="0" lang="de-DE" sz="2800" spc="-1" strike="noStrike">
+            <a:endParaRPr b="0" lang="en-US" sz="3200" spc="-1" strike="noStrike">
               <a:solidFill>
                 <a:srgbClr val="000000"/>
               </a:solidFill>
@@ -6778,7 +6813,8 @@
         <p:txBody>
           <a:bodyPr lIns="0" rIns="0" tIns="0" bIns="0" anchor="ctr"/>
           <a:p>
-            <a:endParaRPr b="0" lang="de-DE" sz="1800" spc="-1" strike="noStrike">
+            <a:pPr algn="ctr"/>
+            <a:endParaRPr b="0" lang="en-US" sz="4400" spc="-1" strike="noStrike">
               <a:solidFill>
                 <a:srgbClr val="000000"/>
               </a:solidFill>
@@ -6814,7 +6850,7 @@
         <p:txBody>
           <a:bodyPr lIns="0" rIns="0" tIns="0" bIns="0"/>
           <a:p>
-            <a:endParaRPr b="0" lang="de-DE" sz="2800" spc="-1" strike="noStrike">
+            <a:endParaRPr b="0" lang="en-US" sz="3200" spc="-1" strike="noStrike">
               <a:solidFill>
                 <a:srgbClr val="000000"/>
               </a:solidFill>
@@ -6850,7 +6886,7 @@
         <p:txBody>
           <a:bodyPr lIns="0" rIns="0" tIns="0" bIns="0"/>
           <a:p>
-            <a:endParaRPr b="0" lang="de-DE" sz="2800" spc="-1" strike="noStrike">
+            <a:endParaRPr b="0" lang="en-US" sz="3200" spc="-1" strike="noStrike">
               <a:solidFill>
                 <a:srgbClr val="000000"/>
               </a:solidFill>
@@ -6954,7 +6990,8 @@
         <p:txBody>
           <a:bodyPr lIns="0" rIns="0" tIns="0" bIns="0" anchor="ctr"/>
           <a:p>
-            <a:endParaRPr b="0" lang="de-DE" sz="1800" spc="-1" strike="noStrike">
+            <a:pPr algn="ctr"/>
+            <a:endParaRPr b="0" lang="en-US" sz="4400" spc="-1" strike="noStrike">
               <a:solidFill>
                 <a:srgbClr val="000000"/>
               </a:solidFill>
@@ -7071,7 +7108,8 @@
         <p:txBody>
           <a:bodyPr lIns="0" rIns="0" tIns="0" bIns="0" anchor="ctr"/>
           <a:p>
-            <a:endParaRPr b="0" lang="de-DE" sz="1800" spc="-1" strike="noStrike">
+            <a:pPr algn="ctr"/>
+            <a:endParaRPr b="0" lang="en-US" sz="4400" spc="-1" strike="noStrike">
               <a:solidFill>
                 <a:srgbClr val="000000"/>
               </a:solidFill>
@@ -7107,7 +7145,7 @@
         <p:txBody>
           <a:bodyPr lIns="0" rIns="0" tIns="0" bIns="0"/>
           <a:p>
-            <a:endParaRPr b="0" lang="de-DE" sz="2800" spc="-1" strike="noStrike">
+            <a:endParaRPr b="0" lang="en-US" sz="3200" spc="-1" strike="noStrike">
               <a:solidFill>
                 <a:srgbClr val="000000"/>
               </a:solidFill>
@@ -7143,7 +7181,7 @@
         <p:txBody>
           <a:bodyPr lIns="0" rIns="0" tIns="0" bIns="0"/>
           <a:p>
-            <a:endParaRPr b="0" lang="de-DE" sz="2800" spc="-1" strike="noStrike">
+            <a:endParaRPr b="0" lang="en-US" sz="3200" spc="-1" strike="noStrike">
               <a:solidFill>
                 <a:srgbClr val="000000"/>
               </a:solidFill>
@@ -7179,7 +7217,7 @@
         <p:txBody>
           <a:bodyPr lIns="0" rIns="0" tIns="0" bIns="0"/>
           <a:p>
-            <a:endParaRPr b="0" lang="de-DE" sz="2800" spc="-1" strike="noStrike">
+            <a:endParaRPr b="0" lang="en-US" sz="3200" spc="-1" strike="noStrike">
               <a:solidFill>
                 <a:srgbClr val="000000"/>
               </a:solidFill>
@@ -7237,7 +7275,8 @@
         <p:txBody>
           <a:bodyPr lIns="0" rIns="0" tIns="0" bIns="0" anchor="ctr"/>
           <a:p>
-            <a:endParaRPr b="0" lang="de-DE" sz="1800" spc="-1" strike="noStrike">
+            <a:pPr algn="ctr"/>
+            <a:endParaRPr b="0" lang="en-US" sz="4400" spc="-1" strike="noStrike">
               <a:solidFill>
                 <a:srgbClr val="000000"/>
               </a:solidFill>
@@ -7273,7 +7312,7 @@
         <p:txBody>
           <a:bodyPr lIns="0" rIns="0" tIns="0" bIns="0"/>
           <a:p>
-            <a:endParaRPr b="0" lang="de-DE" sz="2800" spc="-1" strike="noStrike">
+            <a:endParaRPr b="0" lang="en-US" sz="3200" spc="-1" strike="noStrike">
               <a:solidFill>
                 <a:srgbClr val="000000"/>
               </a:solidFill>
@@ -7309,7 +7348,7 @@
         <p:txBody>
           <a:bodyPr lIns="0" rIns="0" tIns="0" bIns="0"/>
           <a:p>
-            <a:endParaRPr b="0" lang="de-DE" sz="2800" spc="-1" strike="noStrike">
+            <a:endParaRPr b="0" lang="en-US" sz="3200" spc="-1" strike="noStrike">
               <a:solidFill>
                 <a:srgbClr val="000000"/>
               </a:solidFill>
@@ -7345,7 +7384,7 @@
         <p:txBody>
           <a:bodyPr lIns="0" rIns="0" tIns="0" bIns="0"/>
           <a:p>
-            <a:endParaRPr b="0" lang="de-DE" sz="2800" spc="-1" strike="noStrike">
+            <a:endParaRPr b="0" lang="en-US" sz="3200" spc="-1" strike="noStrike">
               <a:solidFill>
                 <a:srgbClr val="000000"/>
               </a:solidFill>
@@ -7403,7 +7442,8 @@
         <p:txBody>
           <a:bodyPr lIns="0" rIns="0" tIns="0" bIns="0" anchor="ctr"/>
           <a:p>
-            <a:endParaRPr b="0" lang="de-DE" sz="1800" spc="-1" strike="noStrike">
+            <a:pPr algn="ctr"/>
+            <a:endParaRPr b="0" lang="en-US" sz="4400" spc="-1" strike="noStrike">
               <a:solidFill>
                 <a:srgbClr val="000000"/>
               </a:solidFill>
@@ -7439,7 +7479,7 @@
         <p:txBody>
           <a:bodyPr lIns="0" rIns="0" tIns="0" bIns="0"/>
           <a:p>
-            <a:endParaRPr b="0" lang="de-DE" sz="2800" spc="-1" strike="noStrike">
+            <a:endParaRPr b="0" lang="en-US" sz="3200" spc="-1" strike="noStrike">
               <a:solidFill>
                 <a:srgbClr val="000000"/>
               </a:solidFill>
@@ -7475,7 +7515,7 @@
         <p:txBody>
           <a:bodyPr lIns="0" rIns="0" tIns="0" bIns="0"/>
           <a:p>
-            <a:endParaRPr b="0" lang="de-DE" sz="2800" spc="-1" strike="noStrike">
+            <a:endParaRPr b="0" lang="en-US" sz="3200" spc="-1" strike="noStrike">
               <a:solidFill>
                 <a:srgbClr val="000000"/>
               </a:solidFill>
@@ -7511,7 +7551,7 @@
         <p:txBody>
           <a:bodyPr lIns="0" rIns="0" tIns="0" bIns="0"/>
           <a:p>
-            <a:endParaRPr b="0" lang="de-DE" sz="2800" spc="-1" strike="noStrike">
+            <a:endParaRPr b="0" lang="en-US" sz="3200" spc="-1" strike="noStrike">
               <a:solidFill>
                 <a:srgbClr val="000000"/>
               </a:solidFill>
@@ -7567,7 +7607,7 @@
         <p:spPr>
           <a:xfrm>
             <a:off x="9872280" y="0"/>
-            <a:ext cx="2318040" cy="2318040"/>
+            <a:ext cx="2317680" cy="2317680"/>
           </a:xfrm>
           <a:prstGeom prst="rect">
             <a:avLst/>
@@ -7599,8 +7639,9 @@
         <p:txBody>
           <a:bodyPr lIns="0" rIns="0" tIns="0" bIns="0" anchor="ctr"/>
           <a:p>
-            <a:r>
-              <a:rPr b="0" lang="de-DE" sz="1800" spc="-1" strike="noStrike">
+            <a:pPr algn="ctr"/>
+            <a:r>
+              <a:rPr b="0" lang="en-US" sz="4400" spc="-1" strike="noStrike">
                 <a:solidFill>
                   <a:srgbClr val="000000"/>
                 </a:solidFill>
@@ -7613,7 +7654,7 @@
               </a:rPr>
               <a:t>Click to edit the title text format</a:t>
             </a:r>
-            <a:endParaRPr b="0" lang="de-DE" sz="1800" spc="-1" strike="noStrike">
+            <a:endParaRPr b="0" lang="en-US" sz="4400" spc="-1" strike="noStrike">
               <a:solidFill>
                 <a:srgbClr val="000000"/>
               </a:solidFill>
@@ -7658,7 +7699,7 @@
               <a:buChar char=""/>
             </a:pPr>
             <a:r>
-              <a:rPr b="0" lang="de-DE" sz="2800" spc="-1" strike="noStrike">
+              <a:rPr b="0" lang="en-US" sz="3200" spc="-1" strike="noStrike">
                 <a:solidFill>
                   <a:srgbClr val="000000"/>
                 </a:solidFill>
@@ -7671,7 +7712,7 @@
               </a:rPr>
               <a:t>Click to edit the outline text format</a:t>
             </a:r>
-            <a:endParaRPr b="0" lang="de-DE" sz="2800" spc="-1" strike="noStrike">
+            <a:endParaRPr b="0" lang="en-US" sz="3200" spc="-1" strike="noStrike">
               <a:solidFill>
                 <a:srgbClr val="000000"/>
               </a:solidFill>
@@ -7693,7 +7734,7 @@
               <a:buChar char=""/>
             </a:pPr>
             <a:r>
-              <a:rPr b="0" lang="de-DE" sz="2000" spc="-1" strike="noStrike">
+              <a:rPr b="0" lang="en-US" sz="2800" spc="-1" strike="noStrike">
                 <a:solidFill>
                   <a:srgbClr val="000000"/>
                 </a:solidFill>
@@ -7706,7 +7747,7 @@
               </a:rPr>
               <a:t>Second Outline Level</a:t>
             </a:r>
-            <a:endParaRPr b="0" lang="de-DE" sz="2000" spc="-1" strike="noStrike">
+            <a:endParaRPr b="0" lang="en-US" sz="2800" spc="-1" strike="noStrike">
               <a:solidFill>
                 <a:srgbClr val="000000"/>
               </a:solidFill>
@@ -7728,7 +7769,7 @@
               <a:buChar char=""/>
             </a:pPr>
             <a:r>
-              <a:rPr b="0" lang="de-DE" sz="1800" spc="-1" strike="noStrike">
+              <a:rPr b="0" lang="en-US" sz="2400" spc="-1" strike="noStrike">
                 <a:solidFill>
                   <a:srgbClr val="000000"/>
                 </a:solidFill>
@@ -7741,7 +7782,7 @@
               </a:rPr>
               <a:t>Third Outline Level</a:t>
             </a:r>
-            <a:endParaRPr b="0" lang="de-DE" sz="1800" spc="-1" strike="noStrike">
+            <a:endParaRPr b="0" lang="en-US" sz="2400" spc="-1" strike="noStrike">
               <a:solidFill>
                 <a:srgbClr val="000000"/>
               </a:solidFill>
@@ -7763,7 +7804,7 @@
               <a:buChar char=""/>
             </a:pPr>
             <a:r>
-              <a:rPr b="0" lang="de-DE" sz="1800" spc="-1" strike="noStrike">
+              <a:rPr b="0" lang="en-US" sz="2000" spc="-1" strike="noStrike">
                 <a:solidFill>
                   <a:srgbClr val="000000"/>
                 </a:solidFill>
@@ -7776,7 +7817,7 @@
               </a:rPr>
               <a:t>Fourth Outline Level</a:t>
             </a:r>
-            <a:endParaRPr b="0" lang="de-DE" sz="1800" spc="-1" strike="noStrike">
+            <a:endParaRPr b="0" lang="en-US" sz="2000" spc="-1" strike="noStrike">
               <a:solidFill>
                 <a:srgbClr val="000000"/>
               </a:solidFill>
@@ -7798,7 +7839,7 @@
               <a:buChar char=""/>
             </a:pPr>
             <a:r>
-              <a:rPr b="0" lang="de-DE" sz="2000" spc="-1" strike="noStrike">
+              <a:rPr b="0" lang="en-US" sz="2000" spc="-1" strike="noStrike">
                 <a:solidFill>
                   <a:srgbClr val="000000"/>
                 </a:solidFill>
@@ -7811,7 +7852,7 @@
               </a:rPr>
               <a:t>Fifth Outline Level</a:t>
             </a:r>
-            <a:endParaRPr b="0" lang="de-DE" sz="2000" spc="-1" strike="noStrike">
+            <a:endParaRPr b="0" lang="en-US" sz="2000" spc="-1" strike="noStrike">
               <a:solidFill>
                 <a:srgbClr val="000000"/>
               </a:solidFill>
@@ -7833,7 +7874,7 @@
               <a:buChar char=""/>
             </a:pPr>
             <a:r>
-              <a:rPr b="0" lang="de-DE" sz="2000" spc="-1" strike="noStrike">
+              <a:rPr b="0" lang="en-US" sz="2000" spc="-1" strike="noStrike">
                 <a:solidFill>
                   <a:srgbClr val="000000"/>
                 </a:solidFill>
@@ -7846,7 +7887,7 @@
               </a:rPr>
               <a:t>Sixth Outline Level</a:t>
             </a:r>
-            <a:endParaRPr b="0" lang="de-DE" sz="2000" spc="-1" strike="noStrike">
+            <a:endParaRPr b="0" lang="en-US" sz="2000" spc="-1" strike="noStrike">
               <a:solidFill>
                 <a:srgbClr val="000000"/>
               </a:solidFill>
@@ -7868,7 +7909,7 @@
               <a:buChar char=""/>
             </a:pPr>
             <a:r>
-              <a:rPr b="0" lang="de-DE" sz="2000" spc="-1" strike="noStrike">
+              <a:rPr b="0" lang="en-US" sz="2000" spc="-1" strike="noStrike">
                 <a:solidFill>
                   <a:srgbClr val="000000"/>
                 </a:solidFill>
@@ -7881,7 +7922,7 @@
               </a:rPr>
               <a:t>Seventh Outline Level</a:t>
             </a:r>
-            <a:endParaRPr b="0" lang="de-DE" sz="2000" spc="-1" strike="noStrike">
+            <a:endParaRPr b="0" lang="en-US" sz="2000" spc="-1" strike="noStrike">
               <a:solidFill>
                 <a:srgbClr val="000000"/>
               </a:solidFill>
@@ -7952,7 +7993,7 @@
         <p:spPr>
           <a:xfrm>
             <a:off x="9872280" y="0"/>
-            <a:ext cx="2318040" cy="2318040"/>
+            <a:ext cx="2317680" cy="2317680"/>
           </a:xfrm>
           <a:prstGeom prst="rect">
             <a:avLst/>
@@ -7984,8 +8025,9 @@
         <p:txBody>
           <a:bodyPr lIns="0" rIns="0" tIns="0" bIns="0" anchor="ctr"/>
           <a:p>
-            <a:r>
-              <a:rPr b="0" lang="de-DE" sz="1800" spc="-1" strike="noStrike">
+            <a:pPr algn="ctr"/>
+            <a:r>
+              <a:rPr b="0" lang="en-US" sz="4400" spc="-1" strike="noStrike">
                 <a:solidFill>
                   <a:srgbClr val="000000"/>
                 </a:solidFill>
@@ -7998,7 +8040,7 @@
               </a:rPr>
               <a:t>Click to edit the title text format</a:t>
             </a:r>
-            <a:endParaRPr b="0" lang="de-DE" sz="1800" spc="-1" strike="noStrike">
+            <a:endParaRPr b="0" lang="en-US" sz="4400" spc="-1" strike="noStrike">
               <a:solidFill>
                 <a:srgbClr val="000000"/>
               </a:solidFill>
@@ -8043,7 +8085,7 @@
               <a:buChar char=""/>
             </a:pPr>
             <a:r>
-              <a:rPr b="0" lang="de-DE" sz="2800" spc="-1" strike="noStrike">
+              <a:rPr b="0" lang="en-US" sz="3200" spc="-1" strike="noStrike">
                 <a:solidFill>
                   <a:srgbClr val="000000"/>
                 </a:solidFill>
@@ -8056,7 +8098,7 @@
               </a:rPr>
               <a:t>Click to edit the outline text format</a:t>
             </a:r>
-            <a:endParaRPr b="0" lang="de-DE" sz="2800" spc="-1" strike="noStrike">
+            <a:endParaRPr b="0" lang="en-US" sz="3200" spc="-1" strike="noStrike">
               <a:solidFill>
                 <a:srgbClr val="000000"/>
               </a:solidFill>
@@ -8078,7 +8120,7 @@
               <a:buChar char=""/>
             </a:pPr>
             <a:r>
-              <a:rPr b="0" lang="de-DE" sz="2000" spc="-1" strike="noStrike">
+              <a:rPr b="0" lang="en-US" sz="2800" spc="-1" strike="noStrike">
                 <a:solidFill>
                   <a:srgbClr val="000000"/>
                 </a:solidFill>
@@ -8091,7 +8133,7 @@
               </a:rPr>
               <a:t>Second Outline Level</a:t>
             </a:r>
-            <a:endParaRPr b="0" lang="de-DE" sz="2000" spc="-1" strike="noStrike">
+            <a:endParaRPr b="0" lang="en-US" sz="2800" spc="-1" strike="noStrike">
               <a:solidFill>
                 <a:srgbClr val="000000"/>
               </a:solidFill>
@@ -8113,7 +8155,7 @@
               <a:buChar char=""/>
             </a:pPr>
             <a:r>
-              <a:rPr b="0" lang="de-DE" sz="1800" spc="-1" strike="noStrike">
+              <a:rPr b="0" lang="en-US" sz="2400" spc="-1" strike="noStrike">
                 <a:solidFill>
                   <a:srgbClr val="000000"/>
                 </a:solidFill>
@@ -8126,7 +8168,7 @@
               </a:rPr>
               <a:t>Third Outline Level</a:t>
             </a:r>
-            <a:endParaRPr b="0" lang="de-DE" sz="1800" spc="-1" strike="noStrike">
+            <a:endParaRPr b="0" lang="en-US" sz="2400" spc="-1" strike="noStrike">
               <a:solidFill>
                 <a:srgbClr val="000000"/>
               </a:solidFill>
@@ -8148,7 +8190,7 @@
               <a:buChar char=""/>
             </a:pPr>
             <a:r>
-              <a:rPr b="0" lang="de-DE" sz="1800" spc="-1" strike="noStrike">
+              <a:rPr b="0" lang="en-US" sz="2000" spc="-1" strike="noStrike">
                 <a:solidFill>
                   <a:srgbClr val="000000"/>
                 </a:solidFill>
@@ -8161,7 +8203,7 @@
               </a:rPr>
               <a:t>Fourth Outline Level</a:t>
             </a:r>
-            <a:endParaRPr b="0" lang="de-DE" sz="1800" spc="-1" strike="noStrike">
+            <a:endParaRPr b="0" lang="en-US" sz="2000" spc="-1" strike="noStrike">
               <a:solidFill>
                 <a:srgbClr val="000000"/>
               </a:solidFill>
@@ -8183,7 +8225,7 @@
               <a:buChar char=""/>
             </a:pPr>
             <a:r>
-              <a:rPr b="0" lang="de-DE" sz="2000" spc="-1" strike="noStrike">
+              <a:rPr b="0" lang="en-US" sz="2000" spc="-1" strike="noStrike">
                 <a:solidFill>
                   <a:srgbClr val="000000"/>
                 </a:solidFill>
@@ -8196,7 +8238,7 @@
               </a:rPr>
               <a:t>Fifth Outline Level</a:t>
             </a:r>
-            <a:endParaRPr b="0" lang="de-DE" sz="2000" spc="-1" strike="noStrike">
+            <a:endParaRPr b="0" lang="en-US" sz="2000" spc="-1" strike="noStrike">
               <a:solidFill>
                 <a:srgbClr val="000000"/>
               </a:solidFill>
@@ -8218,7 +8260,7 @@
               <a:buChar char=""/>
             </a:pPr>
             <a:r>
-              <a:rPr b="0" lang="de-DE" sz="2000" spc="-1" strike="noStrike">
+              <a:rPr b="0" lang="en-US" sz="2000" spc="-1" strike="noStrike">
                 <a:solidFill>
                   <a:srgbClr val="000000"/>
                 </a:solidFill>
@@ -8231,7 +8273,7 @@
               </a:rPr>
               <a:t>Sixth Outline Level</a:t>
             </a:r>
-            <a:endParaRPr b="0" lang="de-DE" sz="2000" spc="-1" strike="noStrike">
+            <a:endParaRPr b="0" lang="en-US" sz="2000" spc="-1" strike="noStrike">
               <a:solidFill>
                 <a:srgbClr val="000000"/>
               </a:solidFill>
@@ -8253,7 +8295,7 @@
               <a:buChar char=""/>
             </a:pPr>
             <a:r>
-              <a:rPr b="0" lang="de-DE" sz="2000" spc="-1" strike="noStrike">
+              <a:rPr b="0" lang="en-US" sz="2000" spc="-1" strike="noStrike">
                 <a:solidFill>
                   <a:srgbClr val="000000"/>
                 </a:solidFill>
@@ -8266,7 +8308,7 @@
               </a:rPr>
               <a:t>Seventh Outline Level</a:t>
             </a:r>
-            <a:endParaRPr b="0" lang="de-DE" sz="2000" spc="-1" strike="noStrike">
+            <a:endParaRPr b="0" lang="en-US" sz="2000" spc="-1" strike="noStrike">
               <a:solidFill>
                 <a:srgbClr val="000000"/>
               </a:solidFill>
@@ -8337,7 +8379,7 @@
         <p:spPr>
           <a:xfrm>
             <a:off x="9872280" y="0"/>
-            <a:ext cx="2318040" cy="2318040"/>
+            <a:ext cx="2317680" cy="2317680"/>
           </a:xfrm>
           <a:prstGeom prst="rect">
             <a:avLst/>
@@ -8369,8 +8411,9 @@
         <p:txBody>
           <a:bodyPr lIns="0" rIns="0" tIns="0" bIns="0" anchor="ctr"/>
           <a:p>
-            <a:r>
-              <a:rPr b="0" lang="de-DE" sz="1800" spc="-1" strike="noStrike">
+            <a:pPr algn="ctr"/>
+            <a:r>
+              <a:rPr b="0" lang="en-US" sz="4400" spc="-1" strike="noStrike">
                 <a:solidFill>
                   <a:srgbClr val="000000"/>
                 </a:solidFill>
@@ -8383,7 +8426,7 @@
               </a:rPr>
               <a:t>Click to edit the title text format</a:t>
             </a:r>
-            <a:endParaRPr b="0" lang="de-DE" sz="1800" spc="-1" strike="noStrike">
+            <a:endParaRPr b="0" lang="en-US" sz="4400" spc="-1" strike="noStrike">
               <a:solidFill>
                 <a:srgbClr val="000000"/>
               </a:solidFill>
@@ -8428,7 +8471,7 @@
               <a:buChar char=""/>
             </a:pPr>
             <a:r>
-              <a:rPr b="0" lang="de-DE" sz="2800" spc="-1" strike="noStrike">
+              <a:rPr b="0" lang="en-US" sz="3200" spc="-1" strike="noStrike">
                 <a:solidFill>
                   <a:srgbClr val="000000"/>
                 </a:solidFill>
@@ -8441,7 +8484,7 @@
               </a:rPr>
               <a:t>Click to edit the outline text format</a:t>
             </a:r>
-            <a:endParaRPr b="0" lang="de-DE" sz="2800" spc="-1" strike="noStrike">
+            <a:endParaRPr b="0" lang="en-US" sz="3200" spc="-1" strike="noStrike">
               <a:solidFill>
                 <a:srgbClr val="000000"/>
               </a:solidFill>
@@ -8463,7 +8506,7 @@
               <a:buChar char=""/>
             </a:pPr>
             <a:r>
-              <a:rPr b="0" lang="de-DE" sz="2000" spc="-1" strike="noStrike">
+              <a:rPr b="0" lang="en-US" sz="2800" spc="-1" strike="noStrike">
                 <a:solidFill>
                   <a:srgbClr val="000000"/>
                 </a:solidFill>
@@ -8476,7 +8519,7 @@
               </a:rPr>
               <a:t>Second Outline Level</a:t>
             </a:r>
-            <a:endParaRPr b="0" lang="de-DE" sz="2000" spc="-1" strike="noStrike">
+            <a:endParaRPr b="0" lang="en-US" sz="2800" spc="-1" strike="noStrike">
               <a:solidFill>
                 <a:srgbClr val="000000"/>
               </a:solidFill>
@@ -8498,7 +8541,7 @@
               <a:buChar char=""/>
             </a:pPr>
             <a:r>
-              <a:rPr b="0" lang="de-DE" sz="1800" spc="-1" strike="noStrike">
+              <a:rPr b="0" lang="en-US" sz="2400" spc="-1" strike="noStrike">
                 <a:solidFill>
                   <a:srgbClr val="000000"/>
                 </a:solidFill>
@@ -8511,7 +8554,7 @@
               </a:rPr>
               <a:t>Third Outline Level</a:t>
             </a:r>
-            <a:endParaRPr b="0" lang="de-DE" sz="1800" spc="-1" strike="noStrike">
+            <a:endParaRPr b="0" lang="en-US" sz="2400" spc="-1" strike="noStrike">
               <a:solidFill>
                 <a:srgbClr val="000000"/>
               </a:solidFill>
@@ -8533,7 +8576,7 @@
               <a:buChar char=""/>
             </a:pPr>
             <a:r>
-              <a:rPr b="0" lang="de-DE" sz="1800" spc="-1" strike="noStrike">
+              <a:rPr b="0" lang="en-US" sz="2000" spc="-1" strike="noStrike">
                 <a:solidFill>
                   <a:srgbClr val="000000"/>
                 </a:solidFill>
@@ -8546,7 +8589,7 @@
               </a:rPr>
               <a:t>Fourth Outline Level</a:t>
             </a:r>
-            <a:endParaRPr b="0" lang="de-DE" sz="1800" spc="-1" strike="noStrike">
+            <a:endParaRPr b="0" lang="en-US" sz="2000" spc="-1" strike="noStrike">
               <a:solidFill>
                 <a:srgbClr val="000000"/>
               </a:solidFill>
@@ -8568,7 +8611,7 @@
               <a:buChar char=""/>
             </a:pPr>
             <a:r>
-              <a:rPr b="0" lang="de-DE" sz="2000" spc="-1" strike="noStrike">
+              <a:rPr b="0" lang="en-US" sz="2000" spc="-1" strike="noStrike">
                 <a:solidFill>
                   <a:srgbClr val="000000"/>
                 </a:solidFill>
@@ -8581,7 +8624,7 @@
               </a:rPr>
               <a:t>Fifth Outline Level</a:t>
             </a:r>
-            <a:endParaRPr b="0" lang="de-DE" sz="2000" spc="-1" strike="noStrike">
+            <a:endParaRPr b="0" lang="en-US" sz="2000" spc="-1" strike="noStrike">
               <a:solidFill>
                 <a:srgbClr val="000000"/>
               </a:solidFill>
@@ -8603,7 +8646,7 @@
               <a:buChar char=""/>
             </a:pPr>
             <a:r>
-              <a:rPr b="0" lang="de-DE" sz="2000" spc="-1" strike="noStrike">
+              <a:rPr b="0" lang="en-US" sz="2000" spc="-1" strike="noStrike">
                 <a:solidFill>
                   <a:srgbClr val="000000"/>
                 </a:solidFill>
@@ -8616,7 +8659,7 @@
               </a:rPr>
               <a:t>Sixth Outline Level</a:t>
             </a:r>
-            <a:endParaRPr b="0" lang="de-DE" sz="2000" spc="-1" strike="noStrike">
+            <a:endParaRPr b="0" lang="en-US" sz="2000" spc="-1" strike="noStrike">
               <a:solidFill>
                 <a:srgbClr val="000000"/>
               </a:solidFill>
@@ -8638,7 +8681,7 @@
               <a:buChar char=""/>
             </a:pPr>
             <a:r>
-              <a:rPr b="0" lang="de-DE" sz="2000" spc="-1" strike="noStrike">
+              <a:rPr b="0" lang="en-US" sz="2000" spc="-1" strike="noStrike">
                 <a:solidFill>
                   <a:srgbClr val="000000"/>
                 </a:solidFill>
@@ -8651,7 +8694,7 @@
               </a:rPr>
               <a:t>Seventh Outline Level</a:t>
             </a:r>
-            <a:endParaRPr b="0" lang="de-DE" sz="2000" spc="-1" strike="noStrike">
+            <a:endParaRPr b="0" lang="en-US" sz="2000" spc="-1" strike="noStrike">
               <a:solidFill>
                 <a:srgbClr val="000000"/>
               </a:solidFill>
@@ -8731,8 +8774,9 @@
         <p:txBody>
           <a:bodyPr lIns="0" rIns="0" tIns="0" bIns="0" anchor="ctr"/>
           <a:p>
-            <a:r>
-              <a:rPr b="0" lang="de-DE" sz="1800" spc="-1" strike="noStrike">
+            <a:pPr algn="ctr"/>
+            <a:r>
+              <a:rPr b="0" lang="en-US" sz="4400" spc="-1" strike="noStrike">
                 <a:solidFill>
                   <a:srgbClr val="000000"/>
                 </a:solidFill>
@@ -8745,7 +8789,7 @@
               </a:rPr>
               <a:t>Click to edit the title text format</a:t>
             </a:r>
-            <a:endParaRPr b="0" lang="de-DE" sz="1800" spc="-1" strike="noStrike">
+            <a:endParaRPr b="0" lang="en-US" sz="4400" spc="-1" strike="noStrike">
               <a:solidFill>
                 <a:srgbClr val="000000"/>
               </a:solidFill>
@@ -8790,7 +8834,7 @@
               <a:buChar char=""/>
             </a:pPr>
             <a:r>
-              <a:rPr b="0" lang="de-DE" sz="2800" spc="-1" strike="noStrike">
+              <a:rPr b="0" lang="en-US" sz="3200" spc="-1" strike="noStrike">
                 <a:solidFill>
                   <a:srgbClr val="000000"/>
                 </a:solidFill>
@@ -8803,7 +8847,7 @@
               </a:rPr>
               <a:t>Click to edit the outline text format</a:t>
             </a:r>
-            <a:endParaRPr b="0" lang="de-DE" sz="2800" spc="-1" strike="noStrike">
+            <a:endParaRPr b="0" lang="en-US" sz="3200" spc="-1" strike="noStrike">
               <a:solidFill>
                 <a:srgbClr val="000000"/>
               </a:solidFill>
@@ -8825,7 +8869,7 @@
               <a:buChar char=""/>
             </a:pPr>
             <a:r>
-              <a:rPr b="0" lang="de-DE" sz="2000" spc="-1" strike="noStrike">
+              <a:rPr b="0" lang="en-US" sz="2800" spc="-1" strike="noStrike">
                 <a:solidFill>
                   <a:srgbClr val="000000"/>
                 </a:solidFill>
@@ -8838,7 +8882,7 @@
               </a:rPr>
               <a:t>Second Outline Level</a:t>
             </a:r>
-            <a:endParaRPr b="0" lang="de-DE" sz="2000" spc="-1" strike="noStrike">
+            <a:endParaRPr b="0" lang="en-US" sz="2800" spc="-1" strike="noStrike">
               <a:solidFill>
                 <a:srgbClr val="000000"/>
               </a:solidFill>
@@ -8860,7 +8904,7 @@
               <a:buChar char=""/>
             </a:pPr>
             <a:r>
-              <a:rPr b="0" lang="de-DE" sz="1800" spc="-1" strike="noStrike">
+              <a:rPr b="0" lang="en-US" sz="2400" spc="-1" strike="noStrike">
                 <a:solidFill>
                   <a:srgbClr val="000000"/>
                 </a:solidFill>
@@ -8873,7 +8917,7 @@
               </a:rPr>
               <a:t>Third Outline Level</a:t>
             </a:r>
-            <a:endParaRPr b="0" lang="de-DE" sz="1800" spc="-1" strike="noStrike">
+            <a:endParaRPr b="0" lang="en-US" sz="2400" spc="-1" strike="noStrike">
               <a:solidFill>
                 <a:srgbClr val="000000"/>
               </a:solidFill>
@@ -8895,7 +8939,7 @@
               <a:buChar char=""/>
             </a:pPr>
             <a:r>
-              <a:rPr b="0" lang="de-DE" sz="1800" spc="-1" strike="noStrike">
+              <a:rPr b="0" lang="en-US" sz="2000" spc="-1" strike="noStrike">
                 <a:solidFill>
                   <a:srgbClr val="000000"/>
                 </a:solidFill>
@@ -8908,7 +8952,7 @@
               </a:rPr>
               <a:t>Fourth Outline Level</a:t>
             </a:r>
-            <a:endParaRPr b="0" lang="de-DE" sz="1800" spc="-1" strike="noStrike">
+            <a:endParaRPr b="0" lang="en-US" sz="2000" spc="-1" strike="noStrike">
               <a:solidFill>
                 <a:srgbClr val="000000"/>
               </a:solidFill>
@@ -8930,7 +8974,7 @@
               <a:buChar char=""/>
             </a:pPr>
             <a:r>
-              <a:rPr b="0" lang="de-DE" sz="2000" spc="-1" strike="noStrike">
+              <a:rPr b="0" lang="en-US" sz="2000" spc="-1" strike="noStrike">
                 <a:solidFill>
                   <a:srgbClr val="000000"/>
                 </a:solidFill>
@@ -8943,7 +8987,7 @@
               </a:rPr>
               <a:t>Fifth Outline Level</a:t>
             </a:r>
-            <a:endParaRPr b="0" lang="de-DE" sz="2000" spc="-1" strike="noStrike">
+            <a:endParaRPr b="0" lang="en-US" sz="2000" spc="-1" strike="noStrike">
               <a:solidFill>
                 <a:srgbClr val="000000"/>
               </a:solidFill>
@@ -8965,7 +9009,7 @@
               <a:buChar char=""/>
             </a:pPr>
             <a:r>
-              <a:rPr b="0" lang="de-DE" sz="2000" spc="-1" strike="noStrike">
+              <a:rPr b="0" lang="en-US" sz="2000" spc="-1" strike="noStrike">
                 <a:solidFill>
                   <a:srgbClr val="000000"/>
                 </a:solidFill>
@@ -8978,7 +9022,7 @@
               </a:rPr>
               <a:t>Sixth Outline Level</a:t>
             </a:r>
-            <a:endParaRPr b="0" lang="de-DE" sz="2000" spc="-1" strike="noStrike">
+            <a:endParaRPr b="0" lang="en-US" sz="2000" spc="-1" strike="noStrike">
               <a:solidFill>
                 <a:srgbClr val="000000"/>
               </a:solidFill>
@@ -9000,7 +9044,7 @@
               <a:buChar char=""/>
             </a:pPr>
             <a:r>
-              <a:rPr b="0" lang="de-DE" sz="2000" spc="-1" strike="noStrike">
+              <a:rPr b="0" lang="en-US" sz="2000" spc="-1" strike="noStrike">
                 <a:solidFill>
                   <a:srgbClr val="000000"/>
                 </a:solidFill>
@@ -9013,7 +9057,7 @@
               </a:rPr>
               <a:t>Seventh Outline Level</a:t>
             </a:r>
-            <a:endParaRPr b="0" lang="de-DE" sz="2000" spc="-1" strike="noStrike">
+            <a:endParaRPr b="0" lang="en-US" sz="2000" spc="-1" strike="noStrike">
               <a:solidFill>
                 <a:srgbClr val="000000"/>
               </a:solidFill>
@@ -9073,7 +9117,7 @@
         <p:spPr>
           <a:xfrm>
             <a:off x="728280" y="1647360"/>
-            <a:ext cx="9142200" cy="2385720"/>
+            <a:ext cx="9141840" cy="2385360"/>
           </a:xfrm>
           <a:prstGeom prst="rect">
             <a:avLst/>
@@ -9135,7 +9179,7 @@
         <p:spPr>
           <a:xfrm>
             <a:off x="728280" y="4770360"/>
-            <a:ext cx="9142200" cy="1653840"/>
+            <a:ext cx="9141840" cy="1653480"/>
           </a:xfrm>
           <a:prstGeom prst="rect">
             <a:avLst/>
@@ -9312,7 +9356,7 @@
         <p:spPr>
           <a:xfrm>
             <a:off x="838080" y="365040"/>
-            <a:ext cx="9032040" cy="1323720"/>
+            <a:ext cx="9031680" cy="1323360"/>
           </a:xfrm>
           <a:prstGeom prst="rect">
             <a:avLst/>
@@ -9374,7 +9418,7 @@
         <p:spPr>
           <a:xfrm>
             <a:off x="838080" y="6356520"/>
-            <a:ext cx="2741400" cy="363240"/>
+            <a:ext cx="2741040" cy="362880"/>
           </a:xfrm>
           <a:prstGeom prst="rect">
             <a:avLst/>
@@ -9436,7 +9480,7 @@
         <p:spPr>
           <a:xfrm>
             <a:off x="4038480" y="6356520"/>
-            <a:ext cx="4113000" cy="363240"/>
+            <a:ext cx="4112640" cy="362880"/>
           </a:xfrm>
           <a:prstGeom prst="rect">
             <a:avLst/>
@@ -9498,7 +9542,7 @@
         <p:spPr>
           <a:xfrm>
             <a:off x="8610480" y="6356520"/>
-            <a:ext cx="2741400" cy="363240"/>
+            <a:ext cx="2741040" cy="362880"/>
           </a:xfrm>
           <a:prstGeom prst="rect">
             <a:avLst/>
@@ -9522,7 +9566,7 @@
                 <a:spcPct val="100000"/>
               </a:lnSpc>
             </a:pPr>
-            <a:fld id="{77B4313D-46F0-4646-B5B2-B1304B346F14}" type="slidenum">
+            <a:fld id="{9395A5C1-1CBA-4201-909A-02E3470B3558}" type="slidenum">
               <a:rPr b="0" lang="en-US" sz="1200" spc="-1" strike="noStrike">
                 <a:solidFill>
                   <a:srgbClr val="8b8b8b"/>
@@ -9560,7 +9604,7 @@
         <p:spPr>
           <a:xfrm>
             <a:off x="4846320" y="1645920"/>
-            <a:ext cx="5211720" cy="4349520"/>
+            <a:ext cx="5211360" cy="4349160"/>
           </a:xfrm>
           <a:prstGeom prst="rect">
             <a:avLst/>
@@ -9579,7 +9623,7 @@
         <p:txBody>
           <a:bodyPr lIns="90000" rIns="90000" tIns="45000" bIns="45000"/>
           <a:p>
-            <a:pPr marL="216000" indent="-215640">
+            <a:pPr marL="216000" indent="-215280">
               <a:lnSpc>
                 <a:spcPct val="100000"/>
               </a:lnSpc>
@@ -9649,7 +9693,7 @@
         <p:spPr>
           <a:xfrm>
             <a:off x="914400" y="1828800"/>
-            <a:ext cx="3858480" cy="3767040"/>
+            <a:ext cx="3858120" cy="3766680"/>
           </a:xfrm>
           <a:prstGeom prst="rect">
             <a:avLst/>
@@ -9672,7 +9716,7 @@
         <p:spPr>
           <a:xfrm>
             <a:off x="4950360" y="2514960"/>
-            <a:ext cx="5332320" cy="3999240"/>
+            <a:ext cx="5331960" cy="3998880"/>
           </a:xfrm>
           <a:prstGeom prst="rect">
             <a:avLst/>
@@ -9740,7 +9784,7 @@
         <p:spPr>
           <a:xfrm>
             <a:off x="838080" y="365040"/>
-            <a:ext cx="9032040" cy="1323720"/>
+            <a:ext cx="9031680" cy="1323360"/>
           </a:xfrm>
           <a:prstGeom prst="rect">
             <a:avLst/>
@@ -9802,7 +9846,7 @@
         <p:spPr>
           <a:xfrm>
             <a:off x="838080" y="6356520"/>
-            <a:ext cx="2741400" cy="363240"/>
+            <a:ext cx="2741040" cy="362880"/>
           </a:xfrm>
           <a:prstGeom prst="rect">
             <a:avLst/>
@@ -9864,7 +9908,7 @@
         <p:spPr>
           <a:xfrm>
             <a:off x="4038480" y="6356520"/>
-            <a:ext cx="4113000" cy="363240"/>
+            <a:ext cx="4112640" cy="362880"/>
           </a:xfrm>
           <a:prstGeom prst="rect">
             <a:avLst/>
@@ -9926,7 +9970,7 @@
         <p:spPr>
           <a:xfrm>
             <a:off x="8610480" y="6356520"/>
-            <a:ext cx="2741400" cy="363240"/>
+            <a:ext cx="2741040" cy="362880"/>
           </a:xfrm>
           <a:prstGeom prst="rect">
             <a:avLst/>
@@ -9950,7 +9994,7 @@
                 <a:spcPct val="100000"/>
               </a:lnSpc>
             </a:pPr>
-            <a:fld id="{E30AA259-5B8E-4892-BC33-182D49401FBF}" type="slidenum">
+            <a:fld id="{4A129AD8-C3F2-4CC8-80E3-7EE506169ABD}" type="slidenum">
               <a:rPr b="0" lang="en-US" sz="1200" spc="-1" strike="noStrike">
                 <a:solidFill>
                   <a:srgbClr val="8b8b8b"/>
@@ -9988,7 +10032,7 @@
         <p:spPr>
           <a:xfrm>
             <a:off x="4846320" y="1645920"/>
-            <a:ext cx="5211720" cy="4349520"/>
+            <a:ext cx="5211360" cy="4349160"/>
           </a:xfrm>
           <a:prstGeom prst="rect">
             <a:avLst/>
@@ -10007,7 +10051,7 @@
         <p:txBody>
           <a:bodyPr lIns="90000" rIns="90000" tIns="45000" bIns="45000"/>
           <a:p>
-            <a:pPr marL="216000" indent="-215640">
+            <a:pPr marL="216000" indent="-215280">
               <a:lnSpc>
                 <a:spcPct val="100000"/>
               </a:lnSpc>
@@ -10045,7 +10089,7 @@
             </a:endParaRPr>
           </a:p>
           <a:p>
-            <a:pPr marL="216000" indent="-215640">
+            <a:pPr marL="216000" indent="-215280">
               <a:lnSpc>
                 <a:spcPct val="100000"/>
               </a:lnSpc>
@@ -10115,7 +10159,7 @@
         <p:spPr>
           <a:xfrm>
             <a:off x="198360" y="1733760"/>
-            <a:ext cx="4744800" cy="3702600"/>
+            <a:ext cx="4744440" cy="3702240"/>
           </a:xfrm>
           <a:prstGeom prst="rect">
             <a:avLst/>
@@ -10183,7 +10227,7 @@
         <p:spPr>
           <a:xfrm>
             <a:off x="838080" y="365040"/>
-            <a:ext cx="9031680" cy="1323360"/>
+            <a:ext cx="9031320" cy="1323000"/>
           </a:xfrm>
           <a:prstGeom prst="rect">
             <a:avLst/>
@@ -10245,7 +10289,7 @@
         <p:spPr>
           <a:xfrm>
             <a:off x="838080" y="6356520"/>
-            <a:ext cx="2741040" cy="362880"/>
+            <a:ext cx="2740680" cy="362520"/>
           </a:xfrm>
           <a:prstGeom prst="rect">
             <a:avLst/>
@@ -10307,7 +10351,7 @@
         <p:spPr>
           <a:xfrm>
             <a:off x="4038480" y="6356520"/>
-            <a:ext cx="4112640" cy="362880"/>
+            <a:ext cx="4112280" cy="362520"/>
           </a:xfrm>
           <a:prstGeom prst="rect">
             <a:avLst/>
@@ -10369,7 +10413,7 @@
         <p:spPr>
           <a:xfrm>
             <a:off x="8610480" y="6356520"/>
-            <a:ext cx="2741040" cy="362880"/>
+            <a:ext cx="2740680" cy="362520"/>
           </a:xfrm>
           <a:prstGeom prst="rect">
             <a:avLst/>
@@ -10393,7 +10437,7 @@
                 <a:spcPct val="100000"/>
               </a:lnSpc>
             </a:pPr>
-            <a:fld id="{2C264447-48B7-47DB-A515-BB8C112941B1}" type="slidenum">
+            <a:fld id="{D36F34E6-7E3C-4E63-B15C-F0E429F55C6F}" type="slidenum">
               <a:rPr b="0" lang="en-US" sz="1200" spc="-1" strike="noStrike">
                 <a:solidFill>
                   <a:srgbClr val="8b8b8b"/>
@@ -10431,7 +10475,7 @@
         <p:spPr>
           <a:xfrm>
             <a:off x="822960" y="1593360"/>
-            <a:ext cx="9858600" cy="4349160"/>
+            <a:ext cx="9858240" cy="4348800"/>
           </a:xfrm>
           <a:prstGeom prst="rect">
             <a:avLst/>
@@ -10483,7 +10527,7 @@
             </a:endParaRPr>
           </a:p>
           <a:p>
-            <a:pPr marL="457920" indent="-455760">
+            <a:pPr marL="457920" indent="-455400">
               <a:lnSpc>
                 <a:spcPct val="90000"/>
               </a:lnSpc>
@@ -10521,7 +10565,7 @@
             </a:endParaRPr>
           </a:p>
           <a:p>
-            <a:pPr marL="457920" indent="-455760">
+            <a:pPr marL="457920" indent="-455400">
               <a:lnSpc>
                 <a:spcPct val="90000"/>
               </a:lnSpc>
@@ -10559,7 +10603,7 @@
             </a:endParaRPr>
           </a:p>
           <a:p>
-            <a:pPr marL="457920" indent="-455760">
+            <a:pPr marL="457920" indent="-455400">
               <a:lnSpc>
                 <a:spcPct val="90000"/>
               </a:lnSpc>
@@ -10648,7 +10692,7 @@
             </a:endParaRPr>
           </a:p>
           <a:p>
-            <a:pPr marL="457200" indent="-455760">
+            <a:pPr marL="457200" indent="-455400">
               <a:lnSpc>
                 <a:spcPct val="90000"/>
               </a:lnSpc>
@@ -10686,7 +10730,7 @@
             </a:endParaRPr>
           </a:p>
           <a:p>
-            <a:pPr marL="457200" indent="-455760">
+            <a:pPr marL="457200" indent="-455400">
               <a:lnSpc>
                 <a:spcPct val="90000"/>
               </a:lnSpc>
@@ -10724,7 +10768,7 @@
             </a:endParaRPr>
           </a:p>
           <a:p>
-            <a:pPr marL="457200" indent="-455760">
+            <a:pPr marL="457200" indent="-455400">
               <a:lnSpc>
                 <a:spcPct val="90000"/>
               </a:lnSpc>
@@ -10821,7 +10865,7 @@
         <p:spPr>
           <a:xfrm>
             <a:off x="838080" y="365040"/>
-            <a:ext cx="9031680" cy="1323360"/>
+            <a:ext cx="9031320" cy="1323000"/>
           </a:xfrm>
           <a:prstGeom prst="rect">
             <a:avLst/>
@@ -10883,7 +10927,7 @@
         <p:spPr>
           <a:xfrm>
             <a:off x="838080" y="6356520"/>
-            <a:ext cx="2741040" cy="362880"/>
+            <a:ext cx="2740680" cy="362520"/>
           </a:xfrm>
           <a:prstGeom prst="rect">
             <a:avLst/>
@@ -10945,7 +10989,7 @@
         <p:spPr>
           <a:xfrm>
             <a:off x="4038480" y="6356520"/>
-            <a:ext cx="4112640" cy="362880"/>
+            <a:ext cx="4112280" cy="362520"/>
           </a:xfrm>
           <a:prstGeom prst="rect">
             <a:avLst/>
@@ -11007,7 +11051,7 @@
         <p:spPr>
           <a:xfrm>
             <a:off x="8610480" y="6356520"/>
-            <a:ext cx="2741040" cy="362880"/>
+            <a:ext cx="2740680" cy="362520"/>
           </a:xfrm>
           <a:prstGeom prst="rect">
             <a:avLst/>
@@ -11031,7 +11075,7 @@
                 <a:spcPct val="100000"/>
               </a:lnSpc>
             </a:pPr>
-            <a:fld id="{8DFB69BC-6A90-4189-AB19-8A6974AFBB22}" type="slidenum">
+            <a:fld id="{A7B57652-4605-41B5-9151-2AA0111D9538}" type="slidenum">
               <a:rPr b="0" lang="en-US" sz="1200" spc="-1" strike="noStrike">
                 <a:solidFill>
                   <a:srgbClr val="8b8b8b"/>
@@ -11069,7 +11113,7 @@
         <p:spPr>
           <a:xfrm>
             <a:off x="822960" y="1593360"/>
-            <a:ext cx="9858600" cy="4349160"/>
+            <a:ext cx="9858240" cy="4348800"/>
           </a:xfrm>
           <a:prstGeom prst="rect">
             <a:avLst/>
@@ -11121,7 +11165,7 @@
             </a:endParaRPr>
           </a:p>
           <a:p>
-            <a:pPr marL="457920" indent="-455760">
+            <a:pPr marL="457920" indent="-455400">
               <a:lnSpc>
                 <a:spcPct val="90000"/>
               </a:lnSpc>
@@ -11159,7 +11203,7 @@
             </a:endParaRPr>
           </a:p>
           <a:p>
-            <a:pPr marL="457920" indent="-455760">
+            <a:pPr marL="457920" indent="-455400">
               <a:lnSpc>
                 <a:spcPct val="90000"/>
               </a:lnSpc>
@@ -11197,7 +11241,7 @@
             </a:endParaRPr>
           </a:p>
           <a:p>
-            <a:pPr marL="457920" indent="-455760">
+            <a:pPr marL="457920" indent="-455400">
               <a:lnSpc>
                 <a:spcPct val="90000"/>
               </a:lnSpc>
@@ -11304,7 +11348,7 @@
             </a:endParaRPr>
           </a:p>
           <a:p>
-            <a:pPr marL="457200" indent="-455760">
+            <a:pPr marL="457200" indent="-455400">
               <a:lnSpc>
                 <a:spcPct val="90000"/>
               </a:lnSpc>
@@ -11342,7 +11386,7 @@
             </a:endParaRPr>
           </a:p>
           <a:p>
-            <a:pPr marL="457200" indent="-455760">
+            <a:pPr marL="457200" indent="-455400">
               <a:lnSpc>
                 <a:spcPct val="90000"/>
               </a:lnSpc>
@@ -11380,7 +11424,7 @@
             </a:endParaRPr>
           </a:p>
           <a:p>
-            <a:pPr marL="457200" indent="-455760">
+            <a:pPr marL="457200" indent="-455400">
               <a:lnSpc>
                 <a:spcPct val="90000"/>
               </a:lnSpc>
@@ -11477,7 +11521,7 @@
         <p:spPr>
           <a:xfrm>
             <a:off x="838080" y="365040"/>
-            <a:ext cx="9031680" cy="1323360"/>
+            <a:ext cx="9031320" cy="1323000"/>
           </a:xfrm>
           <a:prstGeom prst="rect">
             <a:avLst/>
@@ -11539,7 +11583,7 @@
         <p:spPr>
           <a:xfrm>
             <a:off x="838080" y="6356520"/>
-            <a:ext cx="2741040" cy="362880"/>
+            <a:ext cx="2740680" cy="362520"/>
           </a:xfrm>
           <a:prstGeom prst="rect">
             <a:avLst/>
@@ -11601,7 +11645,7 @@
         <p:spPr>
           <a:xfrm>
             <a:off x="4038480" y="6356520"/>
-            <a:ext cx="4112640" cy="362880"/>
+            <a:ext cx="4112280" cy="362520"/>
           </a:xfrm>
           <a:prstGeom prst="rect">
             <a:avLst/>
@@ -11663,7 +11707,7 @@
         <p:spPr>
           <a:xfrm>
             <a:off x="8610480" y="6356520"/>
-            <a:ext cx="2741040" cy="362880"/>
+            <a:ext cx="2740680" cy="362520"/>
           </a:xfrm>
           <a:prstGeom prst="rect">
             <a:avLst/>
@@ -11687,7 +11731,7 @@
                 <a:spcPct val="100000"/>
               </a:lnSpc>
             </a:pPr>
-            <a:fld id="{D2C0B19B-5B7C-4F7E-91C0-6820BA7CD0E9}" type="slidenum">
+            <a:fld id="{D484A8E2-215A-44BA-83F4-91E0DCFCC59E}" type="slidenum">
               <a:rPr b="0" lang="en-US" sz="1200" spc="-1" strike="noStrike">
                 <a:solidFill>
                   <a:srgbClr val="8b8b8b"/>
@@ -11729,7 +11773,7 @@
         <p:spPr>
           <a:xfrm>
             <a:off x="849240" y="1763640"/>
-            <a:ext cx="2898000" cy="2898000"/>
+            <a:ext cx="2897640" cy="2897640"/>
           </a:xfrm>
           <a:prstGeom prst="rect">
             <a:avLst/>
@@ -11752,7 +11796,7 @@
         <p:spPr>
           <a:xfrm>
             <a:off x="6792840" y="1763640"/>
-            <a:ext cx="2898000" cy="2898000"/>
+            <a:ext cx="2897640" cy="2897640"/>
           </a:xfrm>
           <a:prstGeom prst="rect">
             <a:avLst/>
@@ -11775,7 +11819,7 @@
         <p:spPr>
           <a:xfrm>
             <a:off x="3823560" y="1753560"/>
-            <a:ext cx="2898000" cy="2898000"/>
+            <a:ext cx="2897640" cy="2897640"/>
           </a:xfrm>
           <a:prstGeom prst="rect">
             <a:avLst/>
@@ -11794,7 +11838,7 @@
         <p:spPr>
           <a:xfrm>
             <a:off x="849240" y="4662720"/>
-            <a:ext cx="2558520" cy="856440"/>
+            <a:ext cx="2558160" cy="856080"/>
           </a:xfrm>
           <a:prstGeom prst="rect">
             <a:avLst/>
@@ -11988,7 +12032,7 @@
         <p:spPr>
           <a:xfrm>
             <a:off x="4023360" y="4652640"/>
-            <a:ext cx="2558520" cy="600480"/>
+            <a:ext cx="2558160" cy="600120"/>
           </a:xfrm>
           <a:prstGeom prst="rect">
             <a:avLst/>
@@ -12182,7 +12226,7 @@
         <p:spPr>
           <a:xfrm>
             <a:off x="6949440" y="4628880"/>
-            <a:ext cx="2558520" cy="856440"/>
+            <a:ext cx="2558160" cy="856080"/>
           </a:xfrm>
           <a:prstGeom prst="rect">
             <a:avLst/>
@@ -12425,7 +12469,7 @@
         <p:spPr>
           <a:xfrm>
             <a:off x="838080" y="365040"/>
-            <a:ext cx="9031680" cy="1323360"/>
+            <a:ext cx="9031320" cy="1323000"/>
           </a:xfrm>
           <a:prstGeom prst="rect">
             <a:avLst/>
@@ -12487,7 +12531,7 @@
         <p:spPr>
           <a:xfrm>
             <a:off x="838080" y="6356520"/>
-            <a:ext cx="2741040" cy="362880"/>
+            <a:ext cx="2740680" cy="362520"/>
           </a:xfrm>
           <a:prstGeom prst="rect">
             <a:avLst/>
@@ -12549,7 +12593,7 @@
         <p:spPr>
           <a:xfrm>
             <a:off x="4038480" y="6356520"/>
-            <a:ext cx="4112640" cy="362880"/>
+            <a:ext cx="4112280" cy="362520"/>
           </a:xfrm>
           <a:prstGeom prst="rect">
             <a:avLst/>
@@ -12611,7 +12655,7 @@
         <p:spPr>
           <a:xfrm>
             <a:off x="8610480" y="6356520"/>
-            <a:ext cx="2741040" cy="362880"/>
+            <a:ext cx="2740680" cy="362520"/>
           </a:xfrm>
           <a:prstGeom prst="rect">
             <a:avLst/>
@@ -12635,7 +12679,7 @@
                 <a:spcPct val="100000"/>
               </a:lnSpc>
             </a:pPr>
-            <a:fld id="{1066D378-7478-4133-A6AF-3BABFA4F79A5}" type="slidenum">
+            <a:fld id="{871B5FC7-3D6D-4BAE-8F79-4F333BCB33DC}" type="slidenum">
               <a:rPr b="0" lang="en-US" sz="1200" spc="-1" strike="noStrike">
                 <a:solidFill>
                   <a:srgbClr val="8b8b8b"/>
@@ -12677,7 +12721,7 @@
         <p:spPr>
           <a:xfrm>
             <a:off x="849240" y="1763640"/>
-            <a:ext cx="2898000" cy="2898000"/>
+            <a:ext cx="2897640" cy="2897640"/>
           </a:xfrm>
           <a:prstGeom prst="rect">
             <a:avLst/>
@@ -12700,7 +12744,7 @@
         <p:spPr>
           <a:xfrm>
             <a:off x="6792840" y="1763640"/>
-            <a:ext cx="2898000" cy="2898000"/>
+            <a:ext cx="2897640" cy="2897640"/>
           </a:xfrm>
           <a:prstGeom prst="rect">
             <a:avLst/>
@@ -12723,7 +12767,7 @@
         <p:spPr>
           <a:xfrm>
             <a:off x="3823560" y="1753560"/>
-            <a:ext cx="2898000" cy="2898000"/>
+            <a:ext cx="2897640" cy="2897640"/>
           </a:xfrm>
           <a:prstGeom prst="rect">
             <a:avLst/>
@@ -12742,7 +12786,7 @@
         <p:spPr>
           <a:xfrm>
             <a:off x="849240" y="4662720"/>
-            <a:ext cx="2558520" cy="856440"/>
+            <a:ext cx="2558160" cy="856080"/>
           </a:xfrm>
           <a:prstGeom prst="rect">
             <a:avLst/>
@@ -12936,7 +12980,7 @@
         <p:spPr>
           <a:xfrm>
             <a:off x="4023360" y="4652640"/>
-            <a:ext cx="2558520" cy="600480"/>
+            <a:ext cx="2558160" cy="600120"/>
           </a:xfrm>
           <a:prstGeom prst="rect">
             <a:avLst/>
@@ -13130,7 +13174,7 @@
         <p:spPr>
           <a:xfrm>
             <a:off x="6949440" y="4628880"/>
-            <a:ext cx="2558520" cy="856440"/>
+            <a:ext cx="2558160" cy="856080"/>
           </a:xfrm>
           <a:prstGeom prst="rect">
             <a:avLst/>
@@ -13373,7 +13417,7 @@
         <p:spPr>
           <a:xfrm>
             <a:off x="838080" y="365040"/>
-            <a:ext cx="9031680" cy="1323360"/>
+            <a:ext cx="9031320" cy="1323000"/>
           </a:xfrm>
           <a:prstGeom prst="rect">
             <a:avLst/>
@@ -13435,7 +13479,7 @@
         <p:spPr>
           <a:xfrm>
             <a:off x="838080" y="6356520"/>
-            <a:ext cx="2741040" cy="362880"/>
+            <a:ext cx="2740680" cy="362520"/>
           </a:xfrm>
           <a:prstGeom prst="rect">
             <a:avLst/>
@@ -13497,7 +13541,7 @@
         <p:spPr>
           <a:xfrm>
             <a:off x="4038480" y="6356520"/>
-            <a:ext cx="4112640" cy="362880"/>
+            <a:ext cx="4112280" cy="362520"/>
           </a:xfrm>
           <a:prstGeom prst="rect">
             <a:avLst/>
@@ -13559,7 +13603,7 @@
         <p:spPr>
           <a:xfrm>
             <a:off x="8610480" y="6356520"/>
-            <a:ext cx="2741040" cy="362880"/>
+            <a:ext cx="2740680" cy="362520"/>
           </a:xfrm>
           <a:prstGeom prst="rect">
             <a:avLst/>
@@ -13583,7 +13627,7 @@
                 <a:spcPct val="100000"/>
               </a:lnSpc>
             </a:pPr>
-            <a:fld id="{47CB6FA4-0DA0-4CF9-85E6-A5A073F84C92}" type="slidenum">
+            <a:fld id="{39794732-2015-457E-B04A-28693DFBD8B1}" type="slidenum">
               <a:rPr b="0" lang="en-US" sz="1200" spc="-1" strike="noStrike">
                 <a:solidFill>
                   <a:srgbClr val="8b8b8b"/>
@@ -13621,7 +13665,7 @@
         <p:spPr>
           <a:xfrm>
             <a:off x="5852160" y="4918320"/>
-            <a:ext cx="3565080" cy="856440"/>
+            <a:ext cx="3564720" cy="856080"/>
           </a:xfrm>
           <a:prstGeom prst="rect">
             <a:avLst/>
@@ -13705,7 +13749,7 @@
         <p:spPr>
           <a:xfrm>
             <a:off x="1463040" y="1463040"/>
-            <a:ext cx="3540960" cy="3430800"/>
+            <a:ext cx="3540600" cy="3430440"/>
           </a:xfrm>
           <a:prstGeom prst="rect">
             <a:avLst/>
@@ -13728,7 +13772,7 @@
         <p:spPr>
           <a:xfrm>
             <a:off x="5852160" y="1463040"/>
-            <a:ext cx="3565080" cy="3454200"/>
+            <a:ext cx="3564720" cy="3453840"/>
           </a:xfrm>
           <a:prstGeom prst="rect">
             <a:avLst/>
@@ -13747,7 +13791,7 @@
         <p:spPr>
           <a:xfrm>
             <a:off x="1463040" y="4947480"/>
-            <a:ext cx="3565080" cy="903600"/>
+            <a:ext cx="3564720" cy="903240"/>
           </a:xfrm>
           <a:prstGeom prst="rect">
             <a:avLst/>
@@ -13858,7 +13902,7 @@
         <p:spPr>
           <a:xfrm>
             <a:off x="838080" y="365040"/>
-            <a:ext cx="9031680" cy="1323360"/>
+            <a:ext cx="9031320" cy="1323000"/>
           </a:xfrm>
           <a:prstGeom prst="rect">
             <a:avLst/>
@@ -13920,7 +13964,7 @@
         <p:spPr>
           <a:xfrm>
             <a:off x="838080" y="6356520"/>
-            <a:ext cx="2741040" cy="362880"/>
+            <a:ext cx="2740680" cy="362520"/>
           </a:xfrm>
           <a:prstGeom prst="rect">
             <a:avLst/>
@@ -13982,7 +14026,7 @@
         <p:spPr>
           <a:xfrm>
             <a:off x="4038480" y="6356520"/>
-            <a:ext cx="4112640" cy="362880"/>
+            <a:ext cx="4112280" cy="362520"/>
           </a:xfrm>
           <a:prstGeom prst="rect">
             <a:avLst/>
@@ -14044,7 +14088,7 @@
         <p:spPr>
           <a:xfrm>
             <a:off x="8610480" y="6356520"/>
-            <a:ext cx="2741040" cy="362880"/>
+            <a:ext cx="2740680" cy="362520"/>
           </a:xfrm>
           <a:prstGeom prst="rect">
             <a:avLst/>
@@ -14068,7 +14112,7 @@
                 <a:spcPct val="100000"/>
               </a:lnSpc>
             </a:pPr>
-            <a:fld id="{7C79F78C-BEEF-45FF-937C-44E04D37257B}" type="slidenum">
+            <a:fld id="{439E2772-0D66-43A7-B05A-9419290A98EE}" type="slidenum">
               <a:rPr b="0" lang="en-US" sz="1200" spc="-1" strike="noStrike">
                 <a:solidFill>
                   <a:srgbClr val="8b8b8b"/>
@@ -14110,7 +14154,7 @@
         <p:spPr>
           <a:xfrm>
             <a:off x="914400" y="1396800"/>
-            <a:ext cx="9312840" cy="4912560"/>
+            <a:ext cx="9312480" cy="4912200"/>
           </a:xfrm>
           <a:prstGeom prst="rect">
             <a:avLst/>
@@ -14178,7 +14222,7 @@
         <p:spPr>
           <a:xfrm>
             <a:off x="838080" y="365040"/>
-            <a:ext cx="9031680" cy="1323360"/>
+            <a:ext cx="9031320" cy="1323000"/>
           </a:xfrm>
           <a:prstGeom prst="rect">
             <a:avLst/>
@@ -14240,7 +14284,7 @@
         <p:spPr>
           <a:xfrm>
             <a:off x="838080" y="6356520"/>
-            <a:ext cx="2741040" cy="362880"/>
+            <a:ext cx="2740680" cy="362520"/>
           </a:xfrm>
           <a:prstGeom prst="rect">
             <a:avLst/>
@@ -14302,7 +14346,7 @@
         <p:spPr>
           <a:xfrm>
             <a:off x="4038480" y="6356520"/>
-            <a:ext cx="4112640" cy="362880"/>
+            <a:ext cx="4112280" cy="362520"/>
           </a:xfrm>
           <a:prstGeom prst="rect">
             <a:avLst/>
@@ -14364,7 +14408,7 @@
         <p:spPr>
           <a:xfrm>
             <a:off x="8610480" y="6356520"/>
-            <a:ext cx="2741040" cy="362880"/>
+            <a:ext cx="2740680" cy="362520"/>
           </a:xfrm>
           <a:prstGeom prst="rect">
             <a:avLst/>
@@ -14388,7 +14432,7 @@
                 <a:spcPct val="100000"/>
               </a:lnSpc>
             </a:pPr>
-            <a:fld id="{80EEFF47-2146-4184-B316-BFA416E1EBF5}" type="slidenum">
+            <a:fld id="{18C79FA2-657A-43EE-B6CB-16CFB2904662}" type="slidenum">
               <a:rPr b="0" lang="en-US" sz="1200" spc="-1" strike="noStrike">
                 <a:solidFill>
                   <a:srgbClr val="8b8b8b"/>
@@ -14430,7 +14474,7 @@
         <p:spPr>
           <a:xfrm>
             <a:off x="3085200" y="1368360"/>
-            <a:ext cx="6095520" cy="4571640"/>
+            <a:ext cx="6095160" cy="4571280"/>
           </a:xfrm>
           <a:prstGeom prst="rect">
             <a:avLst/>
@@ -14498,7 +14542,7 @@
         <p:spPr>
           <a:xfrm>
             <a:off x="838080" y="365040"/>
-            <a:ext cx="9031680" cy="1323360"/>
+            <a:ext cx="9031320" cy="1323000"/>
           </a:xfrm>
           <a:prstGeom prst="rect">
             <a:avLst/>
@@ -14560,7 +14604,7 @@
         <p:spPr>
           <a:xfrm>
             <a:off x="838080" y="1825560"/>
-            <a:ext cx="9031680" cy="4349160"/>
+            <a:ext cx="9031320" cy="4348800"/>
           </a:xfrm>
           <a:prstGeom prst="rect">
             <a:avLst/>
@@ -14586,7 +14630,7 @@
         <p:spPr>
           <a:xfrm>
             <a:off x="838080" y="6356520"/>
-            <a:ext cx="2741040" cy="362880"/>
+            <a:ext cx="2740680" cy="362520"/>
           </a:xfrm>
           <a:prstGeom prst="rect">
             <a:avLst/>
@@ -14648,7 +14692,7 @@
         <p:spPr>
           <a:xfrm>
             <a:off x="4038480" y="6356520"/>
-            <a:ext cx="4112640" cy="362880"/>
+            <a:ext cx="4112280" cy="362520"/>
           </a:xfrm>
           <a:prstGeom prst="rect">
             <a:avLst/>
@@ -14710,7 +14754,7 @@
         <p:spPr>
           <a:xfrm>
             <a:off x="8610480" y="6356520"/>
-            <a:ext cx="2741040" cy="362880"/>
+            <a:ext cx="2740680" cy="362520"/>
           </a:xfrm>
           <a:prstGeom prst="rect">
             <a:avLst/>
@@ -14734,7 +14778,7 @@
                 <a:spcPct val="100000"/>
               </a:lnSpc>
             </a:pPr>
-            <a:fld id="{52C1A8E3-CAE9-42E9-A9FF-58257D51FFC5}" type="slidenum">
+            <a:fld id="{05768D17-47FB-40A0-A299-EC7DF6E64B89}" type="slidenum">
               <a:rPr b="0" lang="en-US" sz="1200" spc="-1" strike="noStrike">
                 <a:solidFill>
                   <a:srgbClr val="8b8b8b"/>
@@ -14772,7 +14816,7 @@
         <p:spPr>
           <a:xfrm>
             <a:off x="838080" y="1825560"/>
-            <a:ext cx="9858600" cy="4349160"/>
+            <a:ext cx="9858240" cy="4348800"/>
           </a:xfrm>
           <a:prstGeom prst="rect">
             <a:avLst/>
@@ -14791,7 +14835,7 @@
         <p:txBody>
           <a:bodyPr lIns="90000" rIns="90000" tIns="45000" bIns="45000"/>
           <a:p>
-            <a:pPr marL="457200" indent="-455760">
+            <a:pPr marL="457200" indent="-455400">
               <a:lnSpc>
                 <a:spcPct val="100000"/>
               </a:lnSpc>
@@ -14847,7 +14891,7 @@
             </a:endParaRPr>
           </a:p>
           <a:p>
-            <a:pPr marL="457200" indent="-455760">
+            <a:pPr marL="457200" indent="-455400">
               <a:lnSpc>
                 <a:spcPct val="90000"/>
               </a:lnSpc>
@@ -14870,7 +14914,7 @@
                 <a:latin typeface="Avenir LT Std 55 Roman"/>
                 <a:ea typeface="DejaVu Sans"/>
               </a:rPr>
-              <a:t>Overall segmentation quality is best with an SVM rbf kernel; comparable to random forest tree.</a:t>
+              <a:t>Overall segmentation quality is best with an SVM rbf kernel; comparable to random forest.</a:t>
             </a:r>
             <a:endParaRPr b="0" lang="en-US" sz="1800" spc="-1" strike="noStrike">
               <a:solidFill>
@@ -14903,7 +14947,7 @@
             </a:endParaRPr>
           </a:p>
           <a:p>
-            <a:pPr marL="457200" indent="-455760">
+            <a:pPr marL="457200" indent="-455400">
               <a:lnSpc>
                 <a:spcPct val="90000"/>
               </a:lnSpc>
@@ -14926,7 +14970,7 @@
                 <a:latin typeface="Avenir LT Std 55 Roman"/>
                 <a:ea typeface="DejaVu Sans"/>
               </a:rPr>
-              <a:t>Balancing out training samples per class and reducing training subjects by simultaneously increasing the samples per subject did not change the performance</a:t>
+              <a:t>Balancing out training samples per class and reducing training subjects by simultaneously increasing the samples per subject did not change the performance due to well registered and consistent data</a:t>
             </a:r>
             <a:endParaRPr b="0" lang="en-US" sz="1800" spc="-1" strike="noStrike">
               <a:solidFill>
@@ -14959,7 +15003,7 @@
             </a:endParaRPr>
           </a:p>
           <a:p>
-            <a:pPr marL="457200" indent="-455760">
+            <a:pPr marL="457200" indent="-455400">
               <a:lnSpc>
                 <a:spcPct val="90000"/>
               </a:lnSpc>
@@ -15074,7 +15118,7 @@
         <p:spPr>
           <a:xfrm>
             <a:off x="838080" y="365040"/>
-            <a:ext cx="9032040" cy="1323720"/>
+            <a:ext cx="9031680" cy="1323360"/>
           </a:xfrm>
           <a:prstGeom prst="rect">
             <a:avLst/>
@@ -15136,7 +15180,7 @@
         <p:spPr>
           <a:xfrm>
             <a:off x="838080" y="1825560"/>
-            <a:ext cx="9032040" cy="4349520"/>
+            <a:ext cx="9031680" cy="4349160"/>
           </a:xfrm>
           <a:prstGeom prst="rect">
             <a:avLst/>
@@ -15155,7 +15199,7 @@
         <p:txBody>
           <a:bodyPr lIns="90000" rIns="90000" tIns="45000" bIns="45000"/>
           <a:p>
-            <a:pPr marL="228600" indent="-226800">
+            <a:pPr marL="228600" indent="-226440">
               <a:lnSpc>
                 <a:spcPct val="90000"/>
               </a:lnSpc>
@@ -15193,7 +15237,7 @@
             </a:endParaRPr>
           </a:p>
           <a:p>
-            <a:pPr marL="228600" indent="-226800">
+            <a:pPr marL="228600" indent="-226440">
               <a:lnSpc>
                 <a:spcPct val="90000"/>
               </a:lnSpc>
@@ -15231,7 +15275,7 @@
             </a:endParaRPr>
           </a:p>
           <a:p>
-            <a:pPr marL="228600" indent="-226800">
+            <a:pPr marL="228600" indent="-226440">
               <a:lnSpc>
                 <a:spcPct val="90000"/>
               </a:lnSpc>
@@ -15269,7 +15313,7 @@
             </a:endParaRPr>
           </a:p>
           <a:p>
-            <a:pPr marL="228600" indent="-226800">
+            <a:pPr marL="228600" indent="-226440">
               <a:lnSpc>
                 <a:spcPct val="90000"/>
               </a:lnSpc>
@@ -15307,7 +15351,7 @@
             </a:endParaRPr>
           </a:p>
           <a:p>
-            <a:pPr marL="228600" indent="-226800">
+            <a:pPr marL="228600" indent="-226440">
               <a:lnSpc>
                 <a:spcPct val="90000"/>
               </a:lnSpc>
@@ -15345,7 +15389,7 @@
             </a:endParaRPr>
           </a:p>
           <a:p>
-            <a:pPr marL="228600" indent="-226800">
+            <a:pPr marL="228600" indent="-226440">
               <a:lnSpc>
                 <a:spcPct val="90000"/>
               </a:lnSpc>
@@ -15382,44 +15426,6 @@
               <a:latin typeface="Arial"/>
             </a:endParaRPr>
           </a:p>
-          <a:p>
-            <a:pPr marL="228600" indent="-226800">
-              <a:lnSpc>
-                <a:spcPct val="90000"/>
-              </a:lnSpc>
-              <a:buClr>
-                <a:srgbClr val="000000"/>
-              </a:buClr>
-              <a:buFont typeface="Arial"/>
-              <a:buChar char="•"/>
-            </a:pPr>
-            <a:r>
-              <a:rPr b="0" lang="en-US" sz="2800" spc="-1" strike="noStrike">
-                <a:solidFill>
-                  <a:srgbClr val="000000"/>
-                </a:solidFill>
-                <a:uFill>
-                  <a:solidFill>
-                    <a:srgbClr val="ffffff"/>
-                  </a:solidFill>
-                </a:uFill>
-                <a:latin typeface="Avenir LT Std 55 Roman"/>
-                <a:ea typeface="DejaVu Sans"/>
-              </a:rPr>
-              <a:t>Outlook</a:t>
-            </a:r>
-            <a:endParaRPr b="0" lang="en-US" sz="1800" spc="-1" strike="noStrike">
-              <a:solidFill>
-                <a:srgbClr val="000000"/>
-              </a:solidFill>
-              <a:uFill>
-                <a:solidFill>
-                  <a:srgbClr val="ffffff"/>
-                </a:solidFill>
-              </a:uFill>
-              <a:latin typeface="Arial"/>
-            </a:endParaRPr>
-          </a:p>
         </p:txBody>
       </p:sp>
       <p:sp>
@@ -15431,7 +15437,7 @@
         <p:spPr>
           <a:xfrm>
             <a:off x="4038480" y="6356520"/>
-            <a:ext cx="4113000" cy="363240"/>
+            <a:ext cx="4112640" cy="362880"/>
           </a:xfrm>
           <a:prstGeom prst="rect">
             <a:avLst/>
@@ -15493,7 +15499,7 @@
         <p:spPr>
           <a:xfrm>
             <a:off x="8610480" y="6356520"/>
-            <a:ext cx="2741400" cy="363240"/>
+            <a:ext cx="2741040" cy="362880"/>
           </a:xfrm>
           <a:prstGeom prst="rect">
             <a:avLst/>
@@ -15517,7 +15523,7 @@
                 <a:spcPct val="100000"/>
               </a:lnSpc>
             </a:pPr>
-            <a:fld id="{8D675E8B-3C4A-47FE-A115-DE35B2C9BFF1}" type="slidenum">
+            <a:fld id="{C9B769A7-CA46-4D35-B381-0070F124C349}" type="slidenum">
               <a:rPr b="0" lang="en-US" sz="1200" spc="-1" strike="noStrike">
                 <a:solidFill>
                   <a:srgbClr val="8b8b8b"/>
@@ -15555,7 +15561,7 @@
         <p:spPr>
           <a:xfrm>
             <a:off x="838080" y="6356520"/>
-            <a:ext cx="2741400" cy="363240"/>
+            <a:ext cx="2741040" cy="362880"/>
           </a:xfrm>
           <a:prstGeom prst="rect">
             <a:avLst/>
@@ -15666,7 +15672,7 @@
         <p:spPr>
           <a:xfrm>
             <a:off x="0" y="0"/>
-            <a:ext cx="12191040" cy="3696840"/>
+            <a:ext cx="12190680" cy="3696480"/>
           </a:xfrm>
           <a:prstGeom prst="rect">
             <a:avLst/>
@@ -15705,7 +15711,7 @@
         <p:spPr>
           <a:xfrm>
             <a:off x="838080" y="365040"/>
-            <a:ext cx="9032040" cy="1323720"/>
+            <a:ext cx="9031680" cy="1323360"/>
           </a:xfrm>
           <a:prstGeom prst="rect">
             <a:avLst/>
@@ -15767,7 +15773,7 @@
         <p:spPr>
           <a:xfrm>
             <a:off x="838080" y="6356520"/>
-            <a:ext cx="2741400" cy="363240"/>
+            <a:ext cx="2741040" cy="362880"/>
           </a:xfrm>
           <a:prstGeom prst="rect">
             <a:avLst/>
@@ -15829,7 +15835,7 @@
         <p:spPr>
           <a:xfrm>
             <a:off x="4038480" y="6356520"/>
-            <a:ext cx="4113000" cy="363240"/>
+            <a:ext cx="4112640" cy="362880"/>
           </a:xfrm>
           <a:prstGeom prst="rect">
             <a:avLst/>
@@ -15891,7 +15897,7 @@
         <p:spPr>
           <a:xfrm>
             <a:off x="8610480" y="6356520"/>
-            <a:ext cx="2741400" cy="363240"/>
+            <a:ext cx="2741040" cy="362880"/>
           </a:xfrm>
           <a:prstGeom prst="rect">
             <a:avLst/>
@@ -15915,7 +15921,7 @@
                 <a:spcPct val="100000"/>
               </a:lnSpc>
             </a:pPr>
-            <a:fld id="{044E6014-7C05-42EE-BAC6-267877B3A59E}" type="slidenum">
+            <a:fld id="{86DFF024-8265-4114-8CE3-5967D3479B4E}" type="slidenum">
               <a:rPr b="0" lang="en-US" sz="1200" spc="-1" strike="noStrike">
                 <a:solidFill>
                   <a:srgbClr val="8b8b8b"/>
@@ -15953,7 +15959,7 @@
         <p:spPr>
           <a:xfrm>
             <a:off x="838080" y="1825560"/>
-            <a:ext cx="9858960" cy="4349520"/>
+            <a:ext cx="9858600" cy="4349160"/>
           </a:xfrm>
           <a:prstGeom prst="rect">
             <a:avLst/>
@@ -16005,7 +16011,7 @@
             </a:endParaRPr>
           </a:p>
           <a:p>
-            <a:pPr lvl="1" marL="915120" indent="-456120">
+            <a:pPr lvl="1" marL="915120" indent="-455760">
               <a:lnSpc>
                 <a:spcPct val="90000"/>
               </a:lnSpc>
@@ -16043,7 +16049,7 @@
             </a:endParaRPr>
           </a:p>
           <a:p>
-            <a:pPr lvl="1" marL="915120" indent="-456120">
+            <a:pPr lvl="1" marL="915120" indent="-455760">
               <a:lnSpc>
                 <a:spcPct val="90000"/>
               </a:lnSpc>
@@ -16150,7 +16156,7 @@
             </a:endParaRPr>
           </a:p>
           <a:p>
-            <a:pPr lvl="1" marL="915120" indent="-456120">
+            <a:pPr lvl="1" marL="915120" indent="-455760">
               <a:lnSpc>
                 <a:spcPct val="90000"/>
               </a:lnSpc>
@@ -16188,7 +16194,7 @@
             </a:endParaRPr>
           </a:p>
           <a:p>
-            <a:pPr lvl="1" marL="915120" indent="-456120">
+            <a:pPr lvl="1" marL="915120" indent="-455760">
               <a:lnSpc>
                 <a:spcPct val="90000"/>
               </a:lnSpc>
@@ -16226,7 +16232,7 @@
             </a:endParaRPr>
           </a:p>
           <a:p>
-            <a:pPr lvl="1" marL="915120" indent="-456120">
+            <a:pPr lvl="1" marL="915120" indent="-455760">
               <a:lnSpc>
                 <a:spcPct val="90000"/>
               </a:lnSpc>
@@ -16264,7 +16270,7 @@
             </a:endParaRPr>
           </a:p>
           <a:p>
-            <a:pPr lvl="1" marL="915120" indent="-456120">
+            <a:pPr lvl="1" marL="915120" indent="-455760">
               <a:lnSpc>
                 <a:spcPct val="90000"/>
               </a:lnSpc>
@@ -16316,7 +16322,7 @@
         <p:spPr>
           <a:xfrm>
             <a:off x="4242600" y="0"/>
-            <a:ext cx="3704760" cy="3696840"/>
+            <a:ext cx="3704400" cy="3696480"/>
           </a:xfrm>
           <a:prstGeom prst="rect">
             <a:avLst/>
@@ -16459,7 +16465,7 @@
         <p:spPr>
           <a:xfrm>
             <a:off x="838080" y="365040"/>
-            <a:ext cx="9032040" cy="1323720"/>
+            <a:ext cx="9031680" cy="1323360"/>
           </a:xfrm>
           <a:prstGeom prst="rect">
             <a:avLst/>
@@ -16521,7 +16527,7 @@
         <p:spPr>
           <a:xfrm>
             <a:off x="838080" y="6356520"/>
-            <a:ext cx="2741400" cy="363240"/>
+            <a:ext cx="2741040" cy="362880"/>
           </a:xfrm>
           <a:prstGeom prst="rect">
             <a:avLst/>
@@ -16583,7 +16589,7 @@
         <p:spPr>
           <a:xfrm>
             <a:off x="4038480" y="6356520"/>
-            <a:ext cx="4113000" cy="363240"/>
+            <a:ext cx="4112640" cy="362880"/>
           </a:xfrm>
           <a:prstGeom prst="rect">
             <a:avLst/>
@@ -16645,7 +16651,7 @@
         <p:spPr>
           <a:xfrm>
             <a:off x="8610480" y="6356520"/>
-            <a:ext cx="2741400" cy="363240"/>
+            <a:ext cx="2741040" cy="362880"/>
           </a:xfrm>
           <a:prstGeom prst="rect">
             <a:avLst/>
@@ -16669,7 +16675,7 @@
                 <a:spcPct val="100000"/>
               </a:lnSpc>
             </a:pPr>
-            <a:fld id="{5F10ACEC-9791-4279-A2C1-6EA3196FB945}" type="slidenum">
+            <a:fld id="{503B188D-A760-4598-9CCD-3A857A18EE39}" type="slidenum">
               <a:rPr b="0" lang="en-US" sz="1200" spc="-1" strike="noStrike">
                 <a:solidFill>
                   <a:srgbClr val="8b8b8b"/>
@@ -16707,7 +16713,7 @@
         <p:spPr>
           <a:xfrm>
             <a:off x="838080" y="1825560"/>
-            <a:ext cx="9858960" cy="4349520"/>
+            <a:ext cx="9858600" cy="4349160"/>
           </a:xfrm>
           <a:prstGeom prst="rect">
             <a:avLst/>
@@ -16744,7 +16750,7 @@
             </a:endParaRPr>
           </a:p>
           <a:p>
-            <a:pPr marL="457920" indent="-456120">
+            <a:pPr marL="457920" indent="-455760">
               <a:lnSpc>
                 <a:spcPct val="90000"/>
               </a:lnSpc>
@@ -16818,7 +16824,7 @@
             </a:endParaRPr>
           </a:p>
           <a:p>
-            <a:pPr marL="457920" indent="-456120">
+            <a:pPr marL="457920" indent="-455760">
               <a:lnSpc>
                 <a:spcPct val="90000"/>
               </a:lnSpc>
@@ -16915,7 +16921,7 @@
         <p:spPr>
           <a:xfrm>
             <a:off x="838080" y="365040"/>
-            <a:ext cx="9032040" cy="1323720"/>
+            <a:ext cx="9031680" cy="1323360"/>
           </a:xfrm>
           <a:prstGeom prst="rect">
             <a:avLst/>
@@ -16977,7 +16983,7 @@
         <p:spPr>
           <a:xfrm>
             <a:off x="838080" y="1825560"/>
-            <a:ext cx="9858960" cy="4349520"/>
+            <a:ext cx="9858600" cy="4349160"/>
           </a:xfrm>
           <a:prstGeom prst="rect">
             <a:avLst/>
@@ -17003,7 +17009,7 @@
         <p:spPr>
           <a:xfrm>
             <a:off x="838080" y="6356520"/>
-            <a:ext cx="2741400" cy="363240"/>
+            <a:ext cx="2741040" cy="362880"/>
           </a:xfrm>
           <a:prstGeom prst="rect">
             <a:avLst/>
@@ -17065,7 +17071,7 @@
         <p:spPr>
           <a:xfrm>
             <a:off x="4038480" y="6356520"/>
-            <a:ext cx="4113000" cy="363240"/>
+            <a:ext cx="4112640" cy="362880"/>
           </a:xfrm>
           <a:prstGeom prst="rect">
             <a:avLst/>
@@ -17127,7 +17133,7 @@
         <p:spPr>
           <a:xfrm>
             <a:off x="8610480" y="6356520"/>
-            <a:ext cx="2741400" cy="363240"/>
+            <a:ext cx="2741040" cy="362880"/>
           </a:xfrm>
           <a:prstGeom prst="rect">
             <a:avLst/>
@@ -17151,7 +17157,7 @@
                 <a:spcPct val="100000"/>
               </a:lnSpc>
             </a:pPr>
-            <a:fld id="{716BDD9C-FF02-427E-BF98-DDE67D43CCDB}" type="slidenum">
+            <a:fld id="{9F7D20FD-8E30-4565-A0C5-202B30BE4813}" type="slidenum">
               <a:rPr b="0" lang="en-US" sz="1200" spc="-1" strike="noStrike">
                 <a:solidFill>
                   <a:srgbClr val="8b8b8b"/>
@@ -17189,7 +17195,7 @@
         <p:spPr>
           <a:xfrm>
             <a:off x="990360" y="1977840"/>
-            <a:ext cx="9858960" cy="4349520"/>
+            <a:ext cx="9858600" cy="4349160"/>
           </a:xfrm>
           <a:prstGeom prst="rect">
             <a:avLst/>
@@ -17343,7 +17349,7 @@
             </a:endParaRPr>
           </a:p>
           <a:p>
-            <a:pPr marL="457200" indent="-456120">
+            <a:pPr marL="457200" indent="-455760">
               <a:lnSpc>
                 <a:spcPct val="90000"/>
               </a:lnSpc>
@@ -17381,7 +17387,7 @@
             </a:endParaRPr>
           </a:p>
           <a:p>
-            <a:pPr marL="457200" indent="-456120">
+            <a:pPr marL="457200" indent="-455760">
               <a:lnSpc>
                 <a:spcPct val="90000"/>
               </a:lnSpc>
@@ -17419,7 +17425,7 @@
             </a:endParaRPr>
           </a:p>
           <a:p>
-            <a:pPr lvl="1" marL="914400" indent="-456120">
+            <a:pPr lvl="1" marL="914400" indent="-455760">
               <a:lnSpc>
                 <a:spcPct val="90000"/>
               </a:lnSpc>
@@ -17516,7 +17522,7 @@
         <p:spPr>
           <a:xfrm>
             <a:off x="609480" y="273600"/>
-            <a:ext cx="10971360" cy="1143720"/>
+            <a:ext cx="10971000" cy="1143360"/>
           </a:xfrm>
           <a:prstGeom prst="rect">
             <a:avLst/>
@@ -17542,7 +17548,7 @@
         <p:spPr>
           <a:xfrm>
             <a:off x="609480" y="1604520"/>
-            <a:ext cx="10971360" cy="3976200"/>
+            <a:ext cx="10971000" cy="3975840"/>
           </a:xfrm>
           <a:prstGeom prst="rect">
             <a:avLst/>
@@ -17572,7 +17578,7 @@
         <p:spPr>
           <a:xfrm>
             <a:off x="0" y="2269800"/>
-            <a:ext cx="12191040" cy="4653000"/>
+            <a:ext cx="12190680" cy="4652640"/>
           </a:xfrm>
           <a:prstGeom prst="rect">
             <a:avLst/>
@@ -17595,7 +17601,7 @@
         <p:spPr>
           <a:xfrm>
             <a:off x="6288840" y="273600"/>
-            <a:ext cx="4888800" cy="3467160"/>
+            <a:ext cx="4888440" cy="3466800"/>
           </a:xfrm>
           <a:prstGeom prst="rect">
             <a:avLst/>
@@ -17682,7 +17688,7 @@
         <p:spPr>
           <a:xfrm>
             <a:off x="6321960" y="2985480"/>
-            <a:ext cx="4755240" cy="743400"/>
+            <a:ext cx="4754880" cy="743040"/>
           </a:xfrm>
           <a:prstGeom prst="rect">
             <a:avLst/>
@@ -17720,7 +17726,7 @@
         <p:spPr>
           <a:xfrm>
             <a:off x="10554120" y="1800"/>
-            <a:ext cx="1636920" cy="2762640"/>
+            <a:ext cx="1636560" cy="2762280"/>
           </a:xfrm>
           <a:prstGeom prst="rect">
             <a:avLst/>
@@ -17805,7 +17811,7 @@
         <p:spPr>
           <a:xfrm>
             <a:off x="838080" y="365040"/>
-            <a:ext cx="9032040" cy="1323720"/>
+            <a:ext cx="9031680" cy="1323360"/>
           </a:xfrm>
           <a:prstGeom prst="rect">
             <a:avLst/>
@@ -17867,7 +17873,7 @@
         <p:spPr>
           <a:xfrm>
             <a:off x="838080" y="1825560"/>
-            <a:ext cx="9858960" cy="4349520"/>
+            <a:ext cx="9858600" cy="4349160"/>
           </a:xfrm>
           <a:prstGeom prst="rect">
             <a:avLst/>
@@ -17919,7 +17925,7 @@
             </a:endParaRPr>
           </a:p>
           <a:p>
-            <a:pPr marL="457920" indent="-456120">
+            <a:pPr marL="457920" indent="-455760">
               <a:lnSpc>
                 <a:spcPct val="90000"/>
               </a:lnSpc>
@@ -17957,7 +17963,7 @@
             </a:endParaRPr>
           </a:p>
           <a:p>
-            <a:pPr marL="457920" indent="-456120">
+            <a:pPr marL="457920" indent="-455760">
               <a:lnSpc>
                 <a:spcPct val="90000"/>
               </a:lnSpc>
@@ -17995,7 +18001,7 @@
             </a:endParaRPr>
           </a:p>
           <a:p>
-            <a:pPr marL="457920" indent="-456120">
+            <a:pPr marL="457920" indent="-455760">
               <a:lnSpc>
                 <a:spcPct val="90000"/>
               </a:lnSpc>
@@ -18033,7 +18039,7 @@
             </a:endParaRPr>
           </a:p>
           <a:p>
-            <a:pPr marL="457920" indent="-456120">
+            <a:pPr marL="457920" indent="-455760">
               <a:lnSpc>
                 <a:spcPct val="90000"/>
               </a:lnSpc>
@@ -18161,7 +18167,7 @@
             </a:endParaRPr>
           </a:p>
           <a:p>
-            <a:pPr marL="457920" indent="-456120">
+            <a:pPr marL="457920" indent="-455760">
               <a:lnSpc>
                 <a:spcPct val="90000"/>
               </a:lnSpc>
@@ -18250,7 +18256,7 @@
             </a:endParaRPr>
           </a:p>
           <a:p>
-            <a:pPr marL="457200" indent="-456120">
+            <a:pPr marL="457200" indent="-455760">
               <a:lnSpc>
                 <a:spcPct val="90000"/>
               </a:lnSpc>
@@ -18288,7 +18294,7 @@
             </a:endParaRPr>
           </a:p>
           <a:p>
-            <a:pPr marL="457200" indent="-456120">
+            <a:pPr marL="457200" indent="-455760">
               <a:lnSpc>
                 <a:spcPct val="90000"/>
               </a:lnSpc>
@@ -18326,7 +18332,7 @@
             </a:endParaRPr>
           </a:p>
           <a:p>
-            <a:pPr marL="457200" indent="-456120">
+            <a:pPr marL="457200" indent="-455760">
               <a:lnSpc>
                 <a:spcPct val="90000"/>
               </a:lnSpc>
@@ -18364,7 +18370,7 @@
             </a:endParaRPr>
           </a:p>
           <a:p>
-            <a:pPr marL="457200" indent="-456120">
+            <a:pPr marL="457200" indent="-455760">
               <a:lnSpc>
                 <a:spcPct val="90000"/>
               </a:lnSpc>
@@ -18412,7 +18418,7 @@
         <p:spPr>
           <a:xfrm>
             <a:off x="838080" y="6356520"/>
-            <a:ext cx="2741400" cy="363240"/>
+            <a:ext cx="2741040" cy="362880"/>
           </a:xfrm>
           <a:prstGeom prst="rect">
             <a:avLst/>
@@ -18474,7 +18480,7 @@
         <p:spPr>
           <a:xfrm>
             <a:off x="4038480" y="6356520"/>
-            <a:ext cx="4113000" cy="363240"/>
+            <a:ext cx="4112640" cy="362880"/>
           </a:xfrm>
           <a:prstGeom prst="rect">
             <a:avLst/>
@@ -18536,7 +18542,7 @@
         <p:spPr>
           <a:xfrm>
             <a:off x="8610480" y="6356520"/>
-            <a:ext cx="2741400" cy="363240"/>
+            <a:ext cx="2741040" cy="362880"/>
           </a:xfrm>
           <a:prstGeom prst="rect">
             <a:avLst/>
@@ -18560,7 +18566,7 @@
                 <a:spcPct val="100000"/>
               </a:lnSpc>
             </a:pPr>
-            <a:fld id="{15C40638-DCF6-4152-A113-AF5D486B35C5}" type="slidenum">
+            <a:fld id="{D8807A19-FBBE-4C22-AF1F-1EA047F8C39E}" type="slidenum">
               <a:rPr b="0" lang="en-US" sz="1200" spc="-1" strike="noStrike">
                 <a:solidFill>
                   <a:srgbClr val="8b8b8b"/>
@@ -18647,7 +18653,7 @@
         <p:spPr>
           <a:xfrm>
             <a:off x="838080" y="365040"/>
-            <a:ext cx="9032040" cy="1323720"/>
+            <a:ext cx="9031680" cy="1323360"/>
           </a:xfrm>
           <a:prstGeom prst="rect">
             <a:avLst/>
@@ -18709,7 +18715,7 @@
         <p:spPr>
           <a:xfrm>
             <a:off x="838080" y="1825560"/>
-            <a:ext cx="9032040" cy="4349520"/>
+            <a:ext cx="9031680" cy="4349160"/>
           </a:xfrm>
           <a:prstGeom prst="rect">
             <a:avLst/>
@@ -18735,7 +18741,7 @@
         <p:spPr>
           <a:xfrm>
             <a:off x="838080" y="6356520"/>
-            <a:ext cx="2741400" cy="363240"/>
+            <a:ext cx="2741040" cy="362880"/>
           </a:xfrm>
           <a:prstGeom prst="rect">
             <a:avLst/>
@@ -18797,7 +18803,7 @@
         <p:spPr>
           <a:xfrm>
             <a:off x="4038480" y="6356520"/>
-            <a:ext cx="4113000" cy="363240"/>
+            <a:ext cx="4112640" cy="362880"/>
           </a:xfrm>
           <a:prstGeom prst="rect">
             <a:avLst/>
@@ -18859,7 +18865,7 @@
         <p:spPr>
           <a:xfrm>
             <a:off x="8610480" y="6356520"/>
-            <a:ext cx="2741400" cy="363240"/>
+            <a:ext cx="2741040" cy="362880"/>
           </a:xfrm>
           <a:prstGeom prst="rect">
             <a:avLst/>
@@ -18883,7 +18889,7 @@
                 <a:spcPct val="100000"/>
               </a:lnSpc>
             </a:pPr>
-            <a:fld id="{7DC0F314-F481-4784-9E3A-340D05645C0D}" type="slidenum">
+            <a:fld id="{3C9D86CF-034D-4C16-86FD-93ABD1C19CD1}" type="slidenum">
               <a:rPr b="0" lang="en-US" sz="1200" spc="-1" strike="noStrike">
                 <a:solidFill>
                   <a:srgbClr val="8b8b8b"/>
@@ -18925,7 +18931,7 @@
         <p:spPr>
           <a:xfrm>
             <a:off x="1188720" y="1548000"/>
-            <a:ext cx="8411040" cy="4761000"/>
+            <a:ext cx="8410680" cy="4760640"/>
           </a:xfrm>
           <a:prstGeom prst="rect">
             <a:avLst/>
@@ -18993,7 +18999,7 @@
         <p:spPr>
           <a:xfrm>
             <a:off x="838080" y="365040"/>
-            <a:ext cx="9032040" cy="1323720"/>
+            <a:ext cx="9031680" cy="1323360"/>
           </a:xfrm>
           <a:prstGeom prst="rect">
             <a:avLst/>
@@ -19055,7 +19061,7 @@
         <p:spPr>
           <a:xfrm>
             <a:off x="838080" y="6356520"/>
-            <a:ext cx="2741400" cy="363240"/>
+            <a:ext cx="2741040" cy="362880"/>
           </a:xfrm>
           <a:prstGeom prst="rect">
             <a:avLst/>
@@ -19117,7 +19123,7 @@
         <p:spPr>
           <a:xfrm>
             <a:off x="4038480" y="6356520"/>
-            <a:ext cx="4113000" cy="363240"/>
+            <a:ext cx="4112640" cy="362880"/>
           </a:xfrm>
           <a:prstGeom prst="rect">
             <a:avLst/>
@@ -19179,7 +19185,7 @@
         <p:spPr>
           <a:xfrm>
             <a:off x="8610480" y="6356520"/>
-            <a:ext cx="2741400" cy="363240"/>
+            <a:ext cx="2741040" cy="362880"/>
           </a:xfrm>
           <a:prstGeom prst="rect">
             <a:avLst/>
@@ -19203,7 +19209,7 @@
                 <a:spcPct val="100000"/>
               </a:lnSpc>
             </a:pPr>
-            <a:fld id="{D3BB5EBE-A26A-41F4-9BEB-1ADE4F198B54}" type="slidenum">
+            <a:fld id="{0C86AD05-8EC4-4917-9C2A-AD750960B3CE}" type="slidenum">
               <a:rPr b="0" lang="en-US" sz="1200" spc="-1" strike="noStrike">
                 <a:solidFill>
                   <a:srgbClr val="8b8b8b"/>
@@ -19245,7 +19251,7 @@
         <p:spPr>
           <a:xfrm>
             <a:off x="914400" y="1828800"/>
-            <a:ext cx="3858480" cy="3858480"/>
+            <a:ext cx="3858120" cy="3858120"/>
           </a:xfrm>
           <a:prstGeom prst="rect">
             <a:avLst/>
@@ -19264,7 +19270,7 @@
         <p:spPr>
           <a:xfrm>
             <a:off x="4846320" y="1645920"/>
-            <a:ext cx="5211720" cy="4349520"/>
+            <a:ext cx="5211360" cy="4349160"/>
           </a:xfrm>
           <a:prstGeom prst="rect">
             <a:avLst/>
@@ -19283,7 +19289,7 @@
         <p:txBody>
           <a:bodyPr lIns="90000" rIns="90000" tIns="45000" bIns="45000"/>
           <a:p>
-            <a:pPr marL="216000" indent="-215640">
+            <a:pPr marL="216000" indent="-215280">
               <a:lnSpc>
                 <a:spcPct val="100000"/>
               </a:lnSpc>
@@ -19321,7 +19327,7 @@
             </a:endParaRPr>
           </a:p>
           <a:p>
-            <a:pPr marL="216000" indent="-215640">
+            <a:pPr marL="216000" indent="-215280">
               <a:lnSpc>
                 <a:spcPct val="100000"/>
               </a:lnSpc>
